--- a/Project_1_Presentation.pptx
+++ b/Project_1_Presentation.pptx
@@ -9,6 +9,7 @@
     <p:sldId id="257" r:id="rId3"/>
     <p:sldId id="258" r:id="rId4"/>
     <p:sldId id="259" r:id="rId5"/>
+    <p:sldId id="260" r:id="rId6"/>
   </p:sldIdLst>
   <p:sldSz cx="12192000" cy="6858000"/>
   <p:notesSz cx="6858000" cy="9144000"/>
@@ -3574,9 +3575,12 @@
           </a:bodyPr>
           <a:lstStyle/>
           <a:p>
+            <a:pPr marL="0" indent="0">
+              <a:buNone/>
+            </a:pPr>
             <a:r>
               <a:rPr lang="en-US" dirty="0"/>
-              <a:t>We hypothesize that a decrease in the violent crime rate results in decreases in the poverty rate and an simultaneous increase in median income and median home prices. Our confidence level is 95% or a p-value of 0.05. We hypothesize that the p-value of these statistics in the neighborhood of Oak Park, zip codes 95817 and 95820, is statistically different from the rest of the population, which consists of Sacramento County(SAC). Our observed variables are the crime rate, poverty rate, income rate, and median home prices of Oak Park. Our expected values are the crime rate, poverty rate, income rate, and median home prices for SAC. Based upon the observed versus the expected values we can calculate the p-value. If the p-value is greater than 0.95 we will accept the hypothesis and test it out by applying it to the rest of SAC.</a:t>
+              <a:t>Our hypothesis is the following. We hypothesize that a decrease in the violent crime rate results in reductions in the poverty rate and a simultaneous increase in median income and median home prices. Our confidence level is 95% or a p-value of 0.05. We hypothesize that the p-value of these statistics in Oak Park, zip codes 95817 and 95820, is statistically different from Sacramento County. Our observed variables are the crime rate, poverty rate, income rate, and median home prices of Oak Park and Sacramento County. Our expected values are the crime rate, poverty rate, income rate, and median home prices for all of Sacramento County. Based on the observed versus the typical values, we can calculate the p-value. If the p-value is less than 0.05, we will accept the hypothesis. This analysis matters as police forces could use it to understand better where to assign resources.</a:t>
             </a:r>
           </a:p>
         </p:txBody>
@@ -3657,17 +3661,40 @@
         </p:nvSpPr>
         <p:spPr/>
         <p:txBody>
-          <a:bodyPr/>
+          <a:bodyPr>
+            <a:normAutofit/>
+          </a:bodyPr>
           <a:lstStyle/>
           <a:p>
             <a:r>
               <a:rPr lang="en-US" dirty="0"/>
-              <a:t>Crimes Against the Person: include Homicide, Mayhem, Kidnapping, Hostages, Robbery, Attempts to Kill, Assaults, False Imprisonment and Human Trafficking, and Assault </a:t>
-            </a:r>
-            <a:r>
-              <a:rPr lang="en-US"/>
-              <a:t>and Battery</a:t>
-            </a:r>
+              <a:t>“PC Personal”: refers to California Penal Code Crimes Against the Person which include Homicide, Mayhem, Kidnapping, Hostages, Robbery, Attempts to Kill, Assaults, False Imprisonment and Human Trafficking, and Assault and Battery.</a:t>
+            </a:r>
+          </a:p>
+          <a:p>
+            <a:r>
+              <a:rPr lang="en-US" dirty="0"/>
+              <a:t>“PC All”: refers to California Penal Code of all other types of crime including crimes against property, crimes against public justice, crimes against the person involving sexual assault, criminal threats, and miscellaneous crimes. </a:t>
+            </a:r>
+          </a:p>
+          <a:p>
+            <a:r>
+              <a:rPr lang="en-US" dirty="0"/>
+              <a:t>Additional information can be found here: </a:t>
+            </a:r>
+            <a:r>
+              <a:rPr lang="en-US" dirty="0">
+                <a:hlinkClick r:id="rId2"/>
+              </a:rPr>
+              <a:t>https://leginfo.legislature.ca.gov/</a:t>
+            </a:r>
+            <a:r>
+              <a:rPr lang="en-US" dirty="0"/>
+              <a:t> </a:t>
+            </a:r>
+          </a:p>
+          <a:p>
+            <a:endParaRPr lang="en-US" dirty="0"/>
           </a:p>
           <a:p>
             <a:endParaRPr lang="en-US" dirty="0"/>
@@ -3678,6 +3705,102 @@
     <p:extLst>
       <p:ext uri="{BB962C8B-B14F-4D97-AF65-F5344CB8AC3E}">
         <p14:creationId xmlns:p14="http://schemas.microsoft.com/office/powerpoint/2010/main" val="1897650247"/>
+      </p:ext>
+    </p:extLst>
+  </p:cSld>
+  <p:clrMapOvr>
+    <a:masterClrMapping/>
+  </p:clrMapOvr>
+</p:sld>
+</file>
+
+<file path=ppt/slides/slide5.xml><?xml version="1.0" encoding="utf-8"?>
+<p:sld xmlns:a="http://schemas.openxmlformats.org/drawingml/2006/main" xmlns:r="http://schemas.openxmlformats.org/officeDocument/2006/relationships" xmlns:p="http://schemas.openxmlformats.org/presentationml/2006/main">
+  <p:cSld>
+    <p:spTree>
+      <p:nvGrpSpPr>
+        <p:cNvPr id="1" name=""/>
+        <p:cNvGrpSpPr/>
+        <p:nvPr/>
+      </p:nvGrpSpPr>
+      <p:grpSpPr>
+        <a:xfrm>
+          <a:off x="0" y="0"/>
+          <a:ext cx="0" cy="0"/>
+          <a:chOff x="0" y="0"/>
+          <a:chExt cx="0" cy="0"/>
+        </a:xfrm>
+      </p:grpSpPr>
+      <p:sp>
+        <p:nvSpPr>
+          <p:cNvPr id="2" name="Title 1">
+            <a:extLst>
+              <a:ext uri="{FF2B5EF4-FFF2-40B4-BE49-F238E27FC236}">
+                <a16:creationId xmlns:a16="http://schemas.microsoft.com/office/drawing/2014/main" id="{965BE19F-7A99-ED47-AE18-076D3DB49216}"/>
+              </a:ext>
+            </a:extLst>
+          </p:cNvPr>
+          <p:cNvSpPr>
+            <a:spLocks noGrp="1"/>
+          </p:cNvSpPr>
+          <p:nvPr>
+            <p:ph type="title"/>
+          </p:nvPr>
+        </p:nvSpPr>
+        <p:spPr/>
+        <p:txBody>
+          <a:bodyPr/>
+          <a:lstStyle/>
+          <a:p>
+            <a:pPr algn="ctr"/>
+            <a:r>
+              <a:rPr lang="en-US" dirty="0"/>
+              <a:t>Sacramento County with Postal Zip Codes</a:t>
+            </a:r>
+          </a:p>
+        </p:txBody>
+      </p:sp>
+      <p:pic>
+        <p:nvPicPr>
+          <p:cNvPr id="5" name="Content Placeholder 4">
+            <a:extLst>
+              <a:ext uri="{FF2B5EF4-FFF2-40B4-BE49-F238E27FC236}">
+                <a16:creationId xmlns:a16="http://schemas.microsoft.com/office/drawing/2014/main" id="{8F47734C-90E9-2449-A9DC-60D9D3541E63}"/>
+              </a:ext>
+              <a:ext uri="{C183D7F6-B498-43B3-948B-1728B52AA6E4}">
+                <adec:decorative xmlns:adec="http://schemas.microsoft.com/office/drawing/2017/decorative" val="1"/>
+              </a:ext>
+            </a:extLst>
+          </p:cNvPr>
+          <p:cNvPicPr>
+            <a:picLocks noGrp="1" noChangeAspect="1"/>
+          </p:cNvPicPr>
+          <p:nvPr>
+            <p:ph idx="1"/>
+          </p:nvPr>
+        </p:nvPicPr>
+        <p:blipFill>
+          <a:blip r:embed="rId2"/>
+          <a:stretch>
+            <a:fillRect/>
+          </a:stretch>
+        </p:blipFill>
+        <p:spPr>
+          <a:xfrm>
+            <a:off x="3489434" y="1690688"/>
+            <a:ext cx="5213131" cy="4236967"/>
+          </a:xfrm>
+          <a:ln w="3175">
+            <a:solidFill>
+              <a:schemeClr val="tx1"/>
+            </a:solidFill>
+          </a:ln>
+        </p:spPr>
+      </p:pic>
+    </p:spTree>
+    <p:extLst>
+      <p:ext uri="{BB962C8B-B14F-4D97-AF65-F5344CB8AC3E}">
+        <p14:creationId xmlns:p14="http://schemas.microsoft.com/office/powerpoint/2010/main" val="3361318091"/>
       </p:ext>
     </p:extLst>
   </p:cSld>

--- a/Project_1_Presentation.pptx
+++ b/Project_1_Presentation.pptx
@@ -6,10 +6,19 @@
   </p:sldMasterIdLst>
   <p:sldIdLst>
     <p:sldId id="256" r:id="rId2"/>
-    <p:sldId id="257" r:id="rId3"/>
-    <p:sldId id="258" r:id="rId4"/>
-    <p:sldId id="259" r:id="rId5"/>
-    <p:sldId id="260" r:id="rId6"/>
+    <p:sldId id="258" r:id="rId3"/>
+    <p:sldId id="259" r:id="rId4"/>
+    <p:sldId id="260" r:id="rId5"/>
+    <p:sldId id="261" r:id="rId6"/>
+    <p:sldId id="263" r:id="rId7"/>
+    <p:sldId id="262" r:id="rId8"/>
+    <p:sldId id="264" r:id="rId9"/>
+    <p:sldId id="266" r:id="rId10"/>
+    <p:sldId id="269" r:id="rId11"/>
+    <p:sldId id="267" r:id="rId12"/>
+    <p:sldId id="270" r:id="rId13"/>
+    <p:sldId id="271" r:id="rId14"/>
+    <p:sldId id="272" r:id="rId15"/>
   </p:sldIdLst>
   <p:sldSz cx="12192000" cy="6858000"/>
   <p:notesSz cx="6858000" cy="9144000"/>
@@ -3411,6 +3420,684 @@
 </p:sld>
 </file>
 
+<file path=ppt/slides/slide10.xml><?xml version="1.0" encoding="utf-8"?>
+<p:sld xmlns:a="http://schemas.openxmlformats.org/drawingml/2006/main" xmlns:r="http://schemas.openxmlformats.org/officeDocument/2006/relationships" xmlns:p="http://schemas.openxmlformats.org/presentationml/2006/main">
+  <p:cSld>
+    <p:spTree>
+      <p:nvGrpSpPr>
+        <p:cNvPr id="1" name=""/>
+        <p:cNvGrpSpPr/>
+        <p:nvPr/>
+      </p:nvGrpSpPr>
+      <p:grpSpPr>
+        <a:xfrm>
+          <a:off x="0" y="0"/>
+          <a:ext cx="0" cy="0"/>
+          <a:chOff x="0" y="0"/>
+          <a:chExt cx="0" cy="0"/>
+        </a:xfrm>
+      </p:grpSpPr>
+      <p:sp>
+        <p:nvSpPr>
+          <p:cNvPr id="5" name="Title 4">
+            <a:extLst>
+              <a:ext uri="{FF2B5EF4-FFF2-40B4-BE49-F238E27FC236}">
+                <a16:creationId xmlns:a16="http://schemas.microsoft.com/office/drawing/2014/main" id="{2F7EE93D-E0F3-0B4F-9E0C-3904C99BEEDB}"/>
+              </a:ext>
+            </a:extLst>
+          </p:cNvPr>
+          <p:cNvSpPr>
+            <a:spLocks noGrp="1"/>
+          </p:cNvSpPr>
+          <p:nvPr>
+            <p:ph type="title"/>
+          </p:nvPr>
+        </p:nvSpPr>
+        <p:spPr/>
+        <p:txBody>
+          <a:bodyPr>
+            <a:normAutofit fontScale="90000"/>
+          </a:bodyPr>
+          <a:lstStyle/>
+          <a:p>
+            <a:r>
+              <a:rPr lang="en-US" dirty="0"/>
+              <a:t>Is there a correlation between the poverty rate and the crime rate?</a:t>
+            </a:r>
+          </a:p>
+        </p:txBody>
+      </p:sp>
+      <p:pic>
+        <p:nvPicPr>
+          <p:cNvPr id="13" name="Picture Placeholder 12" descr="Badge Question Mark">
+            <a:extLst>
+              <a:ext uri="{FF2B5EF4-FFF2-40B4-BE49-F238E27FC236}">
+                <a16:creationId xmlns:a16="http://schemas.microsoft.com/office/drawing/2014/main" id="{8A08F2A4-EE36-B643-8F47-901E07DB601A}"/>
+              </a:ext>
+            </a:extLst>
+          </p:cNvPr>
+          <p:cNvPicPr>
+            <a:picLocks noGrp="1" noChangeAspect="1"/>
+          </p:cNvPicPr>
+          <p:nvPr>
+            <p:ph type="pic" idx="1"/>
+          </p:nvPr>
+        </p:nvPicPr>
+        <p:blipFill>
+          <a:blip r:embed="rId2">
+            <a:extLst>
+              <a:ext uri="{96DAC541-7B7A-43D3-8B79-37D633B846F1}">
+                <asvg:svgBlip xmlns:asvg="http://schemas.microsoft.com/office/drawing/2016/SVG/main" r:embed="rId3"/>
+              </a:ext>
+            </a:extLst>
+          </a:blip>
+          <a:srcRect t="10520" b="10520"/>
+          <a:stretch>
+            <a:fillRect/>
+          </a:stretch>
+        </p:blipFill>
+        <p:spPr/>
+      </p:pic>
+      <p:sp>
+        <p:nvSpPr>
+          <p:cNvPr id="7" name="Text Placeholder 6">
+            <a:extLst>
+              <a:ext uri="{FF2B5EF4-FFF2-40B4-BE49-F238E27FC236}">
+                <a16:creationId xmlns:a16="http://schemas.microsoft.com/office/drawing/2014/main" id="{55E3CBC9-A97D-8248-A63E-22ECABE825BF}"/>
+              </a:ext>
+            </a:extLst>
+          </p:cNvPr>
+          <p:cNvSpPr>
+            <a:spLocks noGrp="1"/>
+          </p:cNvSpPr>
+          <p:nvPr>
+            <p:ph type="body" sz="half" idx="2"/>
+          </p:nvPr>
+        </p:nvSpPr>
+        <p:spPr/>
+        <p:txBody>
+          <a:bodyPr/>
+          <a:lstStyle/>
+          <a:p>
+            <a:r>
+              <a:rPr lang="en-US" dirty="0"/>
+              <a:t>Our hypothesis is that as the poverty rate goes up, the crime rate goes up.</a:t>
+            </a:r>
+          </a:p>
+          <a:p>
+            <a:endParaRPr lang="en-US" dirty="0"/>
+          </a:p>
+        </p:txBody>
+      </p:sp>
+    </p:spTree>
+    <p:extLst>
+      <p:ext uri="{BB962C8B-B14F-4D97-AF65-F5344CB8AC3E}">
+        <p14:creationId xmlns:p14="http://schemas.microsoft.com/office/powerpoint/2010/main" val="3443678674"/>
+      </p:ext>
+    </p:extLst>
+  </p:cSld>
+  <p:clrMapOvr>
+    <a:masterClrMapping/>
+  </p:clrMapOvr>
+</p:sld>
+</file>
+
+<file path=ppt/slides/slide11.xml><?xml version="1.0" encoding="utf-8"?>
+<p:sld xmlns:a="http://schemas.openxmlformats.org/drawingml/2006/main" xmlns:r="http://schemas.openxmlformats.org/officeDocument/2006/relationships" xmlns:p="http://schemas.openxmlformats.org/presentationml/2006/main">
+  <p:cSld>
+    <p:spTree>
+      <p:nvGrpSpPr>
+        <p:cNvPr id="1" name=""/>
+        <p:cNvGrpSpPr/>
+        <p:nvPr/>
+      </p:nvGrpSpPr>
+      <p:grpSpPr>
+        <a:xfrm>
+          <a:off x="0" y="0"/>
+          <a:ext cx="0" cy="0"/>
+          <a:chOff x="0" y="0"/>
+          <a:chExt cx="0" cy="0"/>
+        </a:xfrm>
+      </p:grpSpPr>
+      <p:sp>
+        <p:nvSpPr>
+          <p:cNvPr id="2" name="Title 1">
+            <a:extLst>
+              <a:ext uri="{FF2B5EF4-FFF2-40B4-BE49-F238E27FC236}">
+                <a16:creationId xmlns:a16="http://schemas.microsoft.com/office/drawing/2014/main" id="{B3E589FB-21B9-AB44-864C-0C2CCB168BC9}"/>
+              </a:ext>
+            </a:extLst>
+          </p:cNvPr>
+          <p:cNvSpPr>
+            <a:spLocks noGrp="1"/>
+          </p:cNvSpPr>
+          <p:nvPr>
+            <p:ph type="title"/>
+          </p:nvPr>
+        </p:nvSpPr>
+        <p:spPr/>
+        <p:txBody>
+          <a:bodyPr/>
+          <a:lstStyle/>
+          <a:p>
+            <a:pPr algn="ctr"/>
+            <a:r>
+              <a:rPr lang="en-US" dirty="0"/>
+              <a:t>Sacramento County </a:t>
+            </a:r>
+          </a:p>
+        </p:txBody>
+      </p:sp>
+      <p:pic>
+        <p:nvPicPr>
+          <p:cNvPr id="6" name="Content Placeholder 5" descr="Chart, scatter chart&#10;&#10;Description automatically generated">
+            <a:extLst>
+              <a:ext uri="{FF2B5EF4-FFF2-40B4-BE49-F238E27FC236}">
+                <a16:creationId xmlns:a16="http://schemas.microsoft.com/office/drawing/2014/main" id="{B7197AEC-0450-B140-9E94-A5CBC5207FCF}"/>
+              </a:ext>
+            </a:extLst>
+          </p:cNvPr>
+          <p:cNvPicPr>
+            <a:picLocks noGrp="1" noChangeAspect="1"/>
+          </p:cNvPicPr>
+          <p:nvPr>
+            <p:ph sz="half" idx="1"/>
+          </p:nvPr>
+        </p:nvPicPr>
+        <p:blipFill>
+          <a:blip r:embed="rId2"/>
+          <a:stretch>
+            <a:fillRect/>
+          </a:stretch>
+        </p:blipFill>
+        <p:spPr>
+          <a:xfrm>
+            <a:off x="838200" y="2274094"/>
+            <a:ext cx="5181600" cy="3454400"/>
+          </a:xfrm>
+        </p:spPr>
+      </p:pic>
+      <p:pic>
+        <p:nvPicPr>
+          <p:cNvPr id="8" name="Content Placeholder 7" descr="Chart, scatter chart&#10;&#10;Description automatically generated">
+            <a:extLst>
+              <a:ext uri="{FF2B5EF4-FFF2-40B4-BE49-F238E27FC236}">
+                <a16:creationId xmlns:a16="http://schemas.microsoft.com/office/drawing/2014/main" id="{52C72A5B-0B5B-4E44-830D-75823A12BEB4}"/>
+              </a:ext>
+            </a:extLst>
+          </p:cNvPr>
+          <p:cNvPicPr>
+            <a:picLocks noGrp="1" noChangeAspect="1"/>
+          </p:cNvPicPr>
+          <p:nvPr>
+            <p:ph sz="half" idx="2"/>
+          </p:nvPr>
+        </p:nvPicPr>
+        <p:blipFill>
+          <a:blip r:embed="rId3"/>
+          <a:stretch>
+            <a:fillRect/>
+          </a:stretch>
+        </p:blipFill>
+        <p:spPr>
+          <a:xfrm>
+            <a:off x="6172200" y="2274094"/>
+            <a:ext cx="5181600" cy="3454400"/>
+          </a:xfrm>
+        </p:spPr>
+      </p:pic>
+      <p:sp>
+        <p:nvSpPr>
+          <p:cNvPr id="10" name="TextBox 9">
+            <a:extLst>
+              <a:ext uri="{FF2B5EF4-FFF2-40B4-BE49-F238E27FC236}">
+                <a16:creationId xmlns:a16="http://schemas.microsoft.com/office/drawing/2014/main" id="{B1BB0B7B-C619-AA49-9400-EB962F819779}"/>
+              </a:ext>
+            </a:extLst>
+          </p:cNvPr>
+          <p:cNvSpPr txBox="1"/>
+          <p:nvPr/>
+        </p:nvSpPr>
+        <p:spPr>
+          <a:xfrm>
+            <a:off x="1495167" y="5832388"/>
+            <a:ext cx="9341709" cy="861774"/>
+          </a:xfrm>
+          <a:prstGeom prst="rect">
+            <a:avLst/>
+          </a:prstGeom>
+          <a:noFill/>
+        </p:spPr>
+        <p:txBody>
+          <a:bodyPr wrap="square" rtlCol="0">
+            <a:spAutoFit/>
+          </a:bodyPr>
+          <a:lstStyle/>
+          <a:p>
+            <a:r>
+              <a:rPr lang="en-US" sz="1600" dirty="0"/>
+              <a:t>The average p-value is 0.02 and the average r-square value is 0.12. Given these values and the diagrams’ appearance, our hypothesis is confirmed.</a:t>
+            </a:r>
+          </a:p>
+          <a:p>
+            <a:endParaRPr lang="en-US" dirty="0"/>
+          </a:p>
+        </p:txBody>
+      </p:sp>
+    </p:spTree>
+    <p:extLst>
+      <p:ext uri="{BB962C8B-B14F-4D97-AF65-F5344CB8AC3E}">
+        <p14:creationId xmlns:p14="http://schemas.microsoft.com/office/powerpoint/2010/main" val="3639500199"/>
+      </p:ext>
+    </p:extLst>
+  </p:cSld>
+  <p:clrMapOvr>
+    <a:masterClrMapping/>
+  </p:clrMapOvr>
+</p:sld>
+</file>
+
+<file path=ppt/slides/slide12.xml><?xml version="1.0" encoding="utf-8"?>
+<p:sld xmlns:a="http://schemas.openxmlformats.org/drawingml/2006/main" xmlns:r="http://schemas.openxmlformats.org/officeDocument/2006/relationships" xmlns:p="http://schemas.openxmlformats.org/presentationml/2006/main">
+  <p:cSld>
+    <p:spTree>
+      <p:nvGrpSpPr>
+        <p:cNvPr id="1" name=""/>
+        <p:cNvGrpSpPr/>
+        <p:nvPr/>
+      </p:nvGrpSpPr>
+      <p:grpSpPr>
+        <a:xfrm>
+          <a:off x="0" y="0"/>
+          <a:ext cx="0" cy="0"/>
+          <a:chOff x="0" y="0"/>
+          <a:chExt cx="0" cy="0"/>
+        </a:xfrm>
+      </p:grpSpPr>
+      <p:sp>
+        <p:nvSpPr>
+          <p:cNvPr id="5" name="Title 4">
+            <a:extLst>
+              <a:ext uri="{FF2B5EF4-FFF2-40B4-BE49-F238E27FC236}">
+                <a16:creationId xmlns:a16="http://schemas.microsoft.com/office/drawing/2014/main" id="{FB4B6351-2F76-4647-9450-AF9B37B27325}"/>
+              </a:ext>
+            </a:extLst>
+          </p:cNvPr>
+          <p:cNvSpPr>
+            <a:spLocks noGrp="1"/>
+          </p:cNvSpPr>
+          <p:nvPr>
+            <p:ph type="title"/>
+          </p:nvPr>
+        </p:nvSpPr>
+        <p:spPr/>
+        <p:txBody>
+          <a:bodyPr/>
+          <a:lstStyle/>
+          <a:p>
+            <a:pPr algn="ctr"/>
+            <a:r>
+              <a:rPr lang="en-US" dirty="0"/>
+              <a:t>Oak Park </a:t>
+            </a:r>
+          </a:p>
+        </p:txBody>
+      </p:sp>
+      <p:pic>
+        <p:nvPicPr>
+          <p:cNvPr id="12" name="Content Placeholder 11" descr="Chart, scatter chart&#10;&#10;Description automatically generated">
+            <a:extLst>
+              <a:ext uri="{FF2B5EF4-FFF2-40B4-BE49-F238E27FC236}">
+                <a16:creationId xmlns:a16="http://schemas.microsoft.com/office/drawing/2014/main" id="{293A37EA-EE72-3844-A1BF-266B88C9A796}"/>
+              </a:ext>
+            </a:extLst>
+          </p:cNvPr>
+          <p:cNvPicPr>
+            <a:picLocks noGrp="1" noChangeAspect="1"/>
+          </p:cNvPicPr>
+          <p:nvPr>
+            <p:ph idx="1"/>
+          </p:nvPr>
+        </p:nvPicPr>
+        <p:blipFill>
+          <a:blip r:embed="rId2"/>
+          <a:stretch>
+            <a:fillRect/>
+          </a:stretch>
+        </p:blipFill>
+        <p:spPr>
+          <a:xfrm>
+            <a:off x="3352800" y="2172494"/>
+            <a:ext cx="5486400" cy="3657600"/>
+          </a:xfrm>
+        </p:spPr>
+      </p:pic>
+      <p:sp>
+        <p:nvSpPr>
+          <p:cNvPr id="13" name="TextBox 12">
+            <a:extLst>
+              <a:ext uri="{FF2B5EF4-FFF2-40B4-BE49-F238E27FC236}">
+                <a16:creationId xmlns:a16="http://schemas.microsoft.com/office/drawing/2014/main" id="{4697160B-8F48-8C4C-B3C0-4FFB87B30981}"/>
+              </a:ext>
+            </a:extLst>
+          </p:cNvPr>
+          <p:cNvSpPr txBox="1"/>
+          <p:nvPr/>
+        </p:nvSpPr>
+        <p:spPr>
+          <a:xfrm>
+            <a:off x="1692165" y="5850235"/>
+            <a:ext cx="9112469" cy="923330"/>
+          </a:xfrm>
+          <a:prstGeom prst="rect">
+            <a:avLst/>
+          </a:prstGeom>
+          <a:noFill/>
+        </p:spPr>
+        <p:txBody>
+          <a:bodyPr wrap="square" rtlCol="0">
+            <a:spAutoFit/>
+          </a:bodyPr>
+          <a:lstStyle/>
+          <a:p>
+            <a:r>
+              <a:rPr lang="en-US" dirty="0"/>
+              <a:t>The p-value is 0.23 and the r-square value is 0.16. Given these values and the diagrams’ appearance, we conclude that Oak Park goes against the overall trend in Sacramento County. </a:t>
+            </a:r>
+          </a:p>
+          <a:p>
+            <a:endParaRPr lang="en-US" dirty="0"/>
+          </a:p>
+        </p:txBody>
+      </p:sp>
+    </p:spTree>
+    <p:extLst>
+      <p:ext uri="{BB962C8B-B14F-4D97-AF65-F5344CB8AC3E}">
+        <p14:creationId xmlns:p14="http://schemas.microsoft.com/office/powerpoint/2010/main" val="4206593396"/>
+      </p:ext>
+    </p:extLst>
+  </p:cSld>
+  <p:clrMapOvr>
+    <a:masterClrMapping/>
+  </p:clrMapOvr>
+</p:sld>
+</file>
+
+<file path=ppt/slides/slide13.xml><?xml version="1.0" encoding="utf-8"?>
+<p:sld xmlns:a="http://schemas.openxmlformats.org/drawingml/2006/main" xmlns:r="http://schemas.openxmlformats.org/officeDocument/2006/relationships" xmlns:p="http://schemas.openxmlformats.org/presentationml/2006/main">
+  <p:cSld>
+    <p:spTree>
+      <p:nvGrpSpPr>
+        <p:cNvPr id="1" name=""/>
+        <p:cNvGrpSpPr/>
+        <p:nvPr/>
+      </p:nvGrpSpPr>
+      <p:grpSpPr>
+        <a:xfrm>
+          <a:off x="0" y="0"/>
+          <a:ext cx="0" cy="0"/>
+          <a:chOff x="0" y="0"/>
+          <a:chExt cx="0" cy="0"/>
+        </a:xfrm>
+      </p:grpSpPr>
+      <p:sp>
+        <p:nvSpPr>
+          <p:cNvPr id="2" name="Title 1">
+            <a:extLst>
+              <a:ext uri="{FF2B5EF4-FFF2-40B4-BE49-F238E27FC236}">
+                <a16:creationId xmlns:a16="http://schemas.microsoft.com/office/drawing/2014/main" id="{14A65B19-F916-A34F-AE6F-80296158A5C4}"/>
+              </a:ext>
+            </a:extLst>
+          </p:cNvPr>
+          <p:cNvSpPr>
+            <a:spLocks noGrp="1"/>
+          </p:cNvSpPr>
+          <p:nvPr>
+            <p:ph type="title"/>
+          </p:nvPr>
+        </p:nvSpPr>
+        <p:spPr/>
+        <p:txBody>
+          <a:bodyPr/>
+          <a:lstStyle/>
+          <a:p>
+            <a:pPr algn="ctr"/>
+            <a:r>
+              <a:rPr lang="en-US" dirty="0"/>
+              <a:t>Crime Rate vs. Median Home Values in Sacramento County for 2014-2018</a:t>
+            </a:r>
+          </a:p>
+        </p:txBody>
+      </p:sp>
+      <p:pic>
+        <p:nvPicPr>
+          <p:cNvPr id="17" name="Content Placeholder 16" descr="Chart, scatter chart&#10;&#10;Description automatically generated">
+            <a:extLst>
+              <a:ext uri="{FF2B5EF4-FFF2-40B4-BE49-F238E27FC236}">
+                <a16:creationId xmlns:a16="http://schemas.microsoft.com/office/drawing/2014/main" id="{9773D26D-9102-9042-8DCB-1E8F87070936}"/>
+              </a:ext>
+            </a:extLst>
+          </p:cNvPr>
+          <p:cNvPicPr>
+            <a:picLocks noGrp="1" noChangeAspect="1"/>
+          </p:cNvPicPr>
+          <p:nvPr>
+            <p:ph sz="half" idx="1"/>
+          </p:nvPr>
+        </p:nvPicPr>
+        <p:blipFill>
+          <a:blip r:embed="rId2"/>
+          <a:stretch>
+            <a:fillRect/>
+          </a:stretch>
+        </p:blipFill>
+        <p:spPr>
+          <a:xfrm>
+            <a:off x="838200" y="2274094"/>
+            <a:ext cx="5181600" cy="3454400"/>
+          </a:xfrm>
+        </p:spPr>
+      </p:pic>
+      <p:pic>
+        <p:nvPicPr>
+          <p:cNvPr id="19" name="Content Placeholder 18" descr="Chart, scatter chart&#10;&#10;Description automatically generated">
+            <a:extLst>
+              <a:ext uri="{FF2B5EF4-FFF2-40B4-BE49-F238E27FC236}">
+                <a16:creationId xmlns:a16="http://schemas.microsoft.com/office/drawing/2014/main" id="{D3703BF8-BD70-DC4B-AE4E-87D90FE0947A}"/>
+              </a:ext>
+            </a:extLst>
+          </p:cNvPr>
+          <p:cNvPicPr>
+            <a:picLocks noGrp="1" noChangeAspect="1"/>
+          </p:cNvPicPr>
+          <p:nvPr>
+            <p:ph sz="half" idx="2"/>
+          </p:nvPr>
+        </p:nvPicPr>
+        <p:blipFill>
+          <a:blip r:embed="rId3"/>
+          <a:stretch>
+            <a:fillRect/>
+          </a:stretch>
+        </p:blipFill>
+        <p:spPr>
+          <a:xfrm>
+            <a:off x="6172200" y="2274094"/>
+            <a:ext cx="5181600" cy="3454400"/>
+          </a:xfrm>
+        </p:spPr>
+      </p:pic>
+      <p:sp>
+        <p:nvSpPr>
+          <p:cNvPr id="22" name="TextBox 21">
+            <a:extLst>
+              <a:ext uri="{FF2B5EF4-FFF2-40B4-BE49-F238E27FC236}">
+                <a16:creationId xmlns:a16="http://schemas.microsoft.com/office/drawing/2014/main" id="{98334412-A37A-8D45-BC60-6FDB2E80CF4C}"/>
+              </a:ext>
+            </a:extLst>
+          </p:cNvPr>
+          <p:cNvSpPr txBox="1"/>
+          <p:nvPr/>
+        </p:nvSpPr>
+        <p:spPr>
+          <a:xfrm>
+            <a:off x="1450428" y="5927834"/>
+            <a:ext cx="9438289" cy="923330"/>
+          </a:xfrm>
+          <a:prstGeom prst="rect">
+            <a:avLst/>
+          </a:prstGeom>
+          <a:noFill/>
+        </p:spPr>
+        <p:txBody>
+          <a:bodyPr wrap="square" rtlCol="0">
+            <a:spAutoFit/>
+          </a:bodyPr>
+          <a:lstStyle/>
+          <a:p>
+            <a:r>
+              <a:rPr lang="en-US" dirty="0"/>
+              <a:t>The average p-value is 0.01 and the average r-square value is 0.15. Given these values and the diagrams’ appearance, our hypothesis, which is that as median home values increase the crime rate decreases, is confirmed.</a:t>
+            </a:r>
+          </a:p>
+        </p:txBody>
+      </p:sp>
+    </p:spTree>
+    <p:extLst>
+      <p:ext uri="{BB962C8B-B14F-4D97-AF65-F5344CB8AC3E}">
+        <p14:creationId xmlns:p14="http://schemas.microsoft.com/office/powerpoint/2010/main" val="3994172782"/>
+      </p:ext>
+    </p:extLst>
+  </p:cSld>
+  <p:clrMapOvr>
+    <a:masterClrMapping/>
+  </p:clrMapOvr>
+</p:sld>
+</file>
+
+<file path=ppt/slides/slide14.xml><?xml version="1.0" encoding="utf-8"?>
+<p:sld xmlns:a="http://schemas.openxmlformats.org/drawingml/2006/main" xmlns:r="http://schemas.openxmlformats.org/officeDocument/2006/relationships" xmlns:p="http://schemas.openxmlformats.org/presentationml/2006/main">
+  <p:cSld>
+    <p:spTree>
+      <p:nvGrpSpPr>
+        <p:cNvPr id="1" name=""/>
+        <p:cNvGrpSpPr/>
+        <p:nvPr/>
+      </p:nvGrpSpPr>
+      <p:grpSpPr>
+        <a:xfrm>
+          <a:off x="0" y="0"/>
+          <a:ext cx="0" cy="0"/>
+          <a:chOff x="0" y="0"/>
+          <a:chExt cx="0" cy="0"/>
+        </a:xfrm>
+      </p:grpSpPr>
+      <p:sp>
+        <p:nvSpPr>
+          <p:cNvPr id="5" name="Title 4">
+            <a:extLst>
+              <a:ext uri="{FF2B5EF4-FFF2-40B4-BE49-F238E27FC236}">
+                <a16:creationId xmlns:a16="http://schemas.microsoft.com/office/drawing/2014/main" id="{424BE359-D8FA-C14D-BD59-8461CEAC087F}"/>
+              </a:ext>
+            </a:extLst>
+          </p:cNvPr>
+          <p:cNvSpPr>
+            <a:spLocks noGrp="1"/>
+          </p:cNvSpPr>
+          <p:nvPr>
+            <p:ph type="title"/>
+          </p:nvPr>
+        </p:nvSpPr>
+        <p:spPr/>
+        <p:txBody>
+          <a:bodyPr/>
+          <a:lstStyle/>
+          <a:p>
+            <a:pPr algn="ctr"/>
+            <a:r>
+              <a:rPr lang="en-US" dirty="0"/>
+              <a:t>Crime Rate vs. Median Home Values in Oak Park for 2014-2018</a:t>
+            </a:r>
+          </a:p>
+        </p:txBody>
+      </p:sp>
+      <p:pic>
+        <p:nvPicPr>
+          <p:cNvPr id="8" name="Content Placeholder 7" descr="Chart, scatter chart&#10;&#10;Description automatically generated">
+            <a:extLst>
+              <a:ext uri="{FF2B5EF4-FFF2-40B4-BE49-F238E27FC236}">
+                <a16:creationId xmlns:a16="http://schemas.microsoft.com/office/drawing/2014/main" id="{EA48A08C-41D2-2646-AA7D-4219B521BDAA}"/>
+              </a:ext>
+            </a:extLst>
+          </p:cNvPr>
+          <p:cNvPicPr>
+            <a:picLocks noGrp="1" noChangeAspect="1"/>
+          </p:cNvPicPr>
+          <p:nvPr>
+            <p:ph idx="1"/>
+          </p:nvPr>
+        </p:nvPicPr>
+        <p:blipFill>
+          <a:blip r:embed="rId2"/>
+          <a:stretch>
+            <a:fillRect/>
+          </a:stretch>
+        </p:blipFill>
+        <p:spPr>
+          <a:xfrm>
+            <a:off x="3352800" y="2172494"/>
+            <a:ext cx="5486400" cy="3657600"/>
+          </a:xfrm>
+        </p:spPr>
+      </p:pic>
+      <p:sp>
+        <p:nvSpPr>
+          <p:cNvPr id="9" name="TextBox 8">
+            <a:extLst>
+              <a:ext uri="{FF2B5EF4-FFF2-40B4-BE49-F238E27FC236}">
+                <a16:creationId xmlns:a16="http://schemas.microsoft.com/office/drawing/2014/main" id="{E2236B2C-75EE-9F4A-9257-0ED38753BF68}"/>
+              </a:ext>
+            </a:extLst>
+          </p:cNvPr>
+          <p:cNvSpPr txBox="1"/>
+          <p:nvPr/>
+        </p:nvSpPr>
+        <p:spPr>
+          <a:xfrm>
+            <a:off x="838200" y="5982159"/>
+            <a:ext cx="10515600" cy="646331"/>
+          </a:xfrm>
+          <a:prstGeom prst="rect">
+            <a:avLst/>
+          </a:prstGeom>
+          <a:noFill/>
+        </p:spPr>
+        <p:txBody>
+          <a:bodyPr wrap="square" rtlCol="0">
+            <a:spAutoFit/>
+          </a:bodyPr>
+          <a:lstStyle/>
+          <a:p>
+            <a:r>
+              <a:rPr lang="en-US" dirty="0"/>
+              <a:t>The p-value is 0.03 and the r-square value is 0.46. The chart demonstrates that Oak Park follows the same trend as Sacramento County.</a:t>
+            </a:r>
+          </a:p>
+        </p:txBody>
+      </p:sp>
+    </p:spTree>
+    <p:extLst>
+      <p:ext uri="{BB962C8B-B14F-4D97-AF65-F5344CB8AC3E}">
+        <p14:creationId xmlns:p14="http://schemas.microsoft.com/office/powerpoint/2010/main" val="3698350479"/>
+      </p:ext>
+    </p:extLst>
+  </p:cSld>
+  <p:clrMapOvr>
+    <a:masterClrMapping/>
+  </p:clrMapOvr>
+</p:sld>
+</file>
+
 <file path=ppt/slides/slide2.xml><?xml version="1.0" encoding="utf-8"?>
 <p:sld xmlns:a="http://schemas.openxmlformats.org/drawingml/2006/main" xmlns:r="http://schemas.openxmlformats.org/officeDocument/2006/relationships" xmlns:p="http://schemas.openxmlformats.org/presentationml/2006/main">
   <p:cSld>
@@ -3433,7 +4120,7 @@
           <p:cNvPr id="2" name="Title 1">
             <a:extLst>
               <a:ext uri="{FF2B5EF4-FFF2-40B4-BE49-F238E27FC236}">
-                <a16:creationId xmlns:a16="http://schemas.microsoft.com/office/drawing/2014/main" id="{BD01074E-4286-8643-B8C2-9A5B53DC2508}"/>
+                <a16:creationId xmlns:a16="http://schemas.microsoft.com/office/drawing/2014/main" id="{70DDC109-01B6-0842-B9D6-37514348FD88}"/>
               </a:ext>
             </a:extLst>
           </p:cNvPr>
@@ -3449,10 +4136,9 @@
           <a:bodyPr/>
           <a:lstStyle/>
           <a:p>
-            <a:pPr algn="ctr"/>
             <a:r>
               <a:rPr lang="en-US" dirty="0"/>
-              <a:t>Table of Contents</a:t>
+              <a:t>Null Hypothesis</a:t>
             </a:r>
           </a:p>
         </p:txBody>
@@ -3462,7 +4148,7 @@
           <p:cNvPr id="3" name="Content Placeholder 2">
             <a:extLst>
               <a:ext uri="{FF2B5EF4-FFF2-40B4-BE49-F238E27FC236}">
-                <a16:creationId xmlns:a16="http://schemas.microsoft.com/office/drawing/2014/main" id="{A6FCA1D8-39FA-FC4C-97BA-D9BF57366658}"/>
+                <a16:creationId xmlns:a16="http://schemas.microsoft.com/office/drawing/2014/main" id="{CA631518-B36F-AB4A-90D4-6762FE2E5C57}"/>
               </a:ext>
             </a:extLst>
           </p:cNvPr>
@@ -3475,29 +4161,25 @@
         </p:nvSpPr>
         <p:spPr/>
         <p:txBody>
-          <a:bodyPr/>
-          <a:lstStyle/>
-          <a:p>
+          <a:bodyPr>
+            <a:normAutofit fontScale="92500" lnSpcReduction="10000"/>
+          </a:bodyPr>
+          <a:lstStyle/>
+          <a:p>
+            <a:pPr marL="0" indent="0">
+              <a:buNone/>
+            </a:pPr>
             <a:r>
               <a:rPr lang="en-US" dirty="0"/>
-              <a:t>Null Hypothesis </a:t>
-            </a:r>
-          </a:p>
-          <a:p>
-            <a:r>
-              <a:rPr lang="en-US" dirty="0"/>
-              <a:t>Definitions and Context</a:t>
-            </a:r>
-          </a:p>
-          <a:p>
-            <a:endParaRPr lang="en-US" dirty="0"/>
+              <a:t>Our null hypothesis is the following: a decrease in the violent crime rate results in reductions in the poverty rate and a simultaneous increase in median income and median home prices. Our confidence level is 95% or a p-value of 0.05. We hypothesize that the p-value of these statistics in Oak Park, zip codes 95817 and 95820, is statistically different from Sacramento County. Our observed variables are the crime rate, poverty rate, income rate, and median home prices of Oak Park and Sacramento County. Our expected values are the crime rate, poverty rate, income rate, and median home prices for all of Sacramento County. Based on the observed versus the expected values, we can calculate the p-value. If the p-value is less than 0.05, we will accept the hypothesis. This analysis matters as police departments could use it to understand better where to allocate resources.</a:t>
+            </a:r>
           </a:p>
         </p:txBody>
       </p:sp>
     </p:spTree>
     <p:extLst>
       <p:ext uri="{BB962C8B-B14F-4D97-AF65-F5344CB8AC3E}">
-        <p14:creationId xmlns:p14="http://schemas.microsoft.com/office/powerpoint/2010/main" val="2139368007"/>
+        <p14:creationId xmlns:p14="http://schemas.microsoft.com/office/powerpoint/2010/main" val="4097152298"/>
       </p:ext>
     </p:extLst>
   </p:cSld>
@@ -3529,7 +4211,7 @@
           <p:cNvPr id="2" name="Title 1">
             <a:extLst>
               <a:ext uri="{FF2B5EF4-FFF2-40B4-BE49-F238E27FC236}">
-                <a16:creationId xmlns:a16="http://schemas.microsoft.com/office/drawing/2014/main" id="{70DDC109-01B6-0842-B9D6-37514348FD88}"/>
+                <a16:creationId xmlns:a16="http://schemas.microsoft.com/office/drawing/2014/main" id="{7A2CF5BA-5CD8-EA4E-AE25-F48196B39B37}"/>
               </a:ext>
             </a:extLst>
           </p:cNvPr>
@@ -3547,7 +4229,7 @@
           <a:p>
             <a:r>
               <a:rPr lang="en-US" dirty="0"/>
-              <a:t>Null Hypothesis</a:t>
+              <a:t>Definitions of Terms Used</a:t>
             </a:r>
           </a:p>
         </p:txBody>
@@ -3557,7 +4239,7 @@
           <p:cNvPr id="3" name="Content Placeholder 2">
             <a:extLst>
               <a:ext uri="{FF2B5EF4-FFF2-40B4-BE49-F238E27FC236}">
-                <a16:creationId xmlns:a16="http://schemas.microsoft.com/office/drawing/2014/main" id="{CA631518-B36F-AB4A-90D4-6762FE2E5C57}"/>
+                <a16:creationId xmlns:a16="http://schemas.microsoft.com/office/drawing/2014/main" id="{15AEA719-D28A-A44E-B99F-4528774D6D11}"/>
               </a:ext>
             </a:extLst>
           </p:cNvPr>
@@ -3571,24 +4253,49 @@
         <p:spPr/>
         <p:txBody>
           <a:bodyPr>
-            <a:normAutofit fontScale="92500" lnSpcReduction="10000"/>
+            <a:normAutofit/>
           </a:bodyPr>
           <a:lstStyle/>
           <a:p>
-            <a:pPr marL="0" indent="0">
-              <a:buNone/>
-            </a:pPr>
             <a:r>
               <a:rPr lang="en-US" dirty="0"/>
-              <a:t>Our hypothesis is the following. We hypothesize that a decrease in the violent crime rate results in reductions in the poverty rate and a simultaneous increase in median income and median home prices. Our confidence level is 95% or a p-value of 0.05. We hypothesize that the p-value of these statistics in Oak Park, zip codes 95817 and 95820, is statistically different from Sacramento County. Our observed variables are the crime rate, poverty rate, income rate, and median home prices of Oak Park and Sacramento County. Our expected values are the crime rate, poverty rate, income rate, and median home prices for all of Sacramento County. Based on the observed versus the typical values, we can calculate the p-value. If the p-value is less than 0.05, we will accept the hypothesis. This analysis matters as police forces could use it to understand better where to assign resources.</a:t>
-            </a:r>
+              <a:t>“PC Personal”: refers to California Penal Code Crimes Against the Person which include Homicide, Mayhem, Kidnapping, Hostages, Robbery, Attempts to Kill, Assaults, False Imprisonment and Human Trafficking, and Assault and Battery.</a:t>
+            </a:r>
+          </a:p>
+          <a:p>
+            <a:r>
+              <a:rPr lang="en-US" dirty="0"/>
+              <a:t>“PC All”: refers to California Penal Code of all other types of crime including crimes against property, crimes against public justice, crimes against the person involving sexual assault, criminal threats, and miscellaneous crimes. </a:t>
+            </a:r>
+          </a:p>
+          <a:p>
+            <a:r>
+              <a:rPr lang="en-US" dirty="0"/>
+              <a:t>Additional information can be found here: </a:t>
+            </a:r>
+            <a:r>
+              <a:rPr lang="en-US" dirty="0">
+                <a:hlinkClick r:id="rId2"/>
+              </a:rPr>
+              <a:t>https://leginfo.legislature.ca.gov/</a:t>
+            </a:r>
+            <a:r>
+              <a:rPr lang="en-US" dirty="0"/>
+              <a:t> </a:t>
+            </a:r>
+          </a:p>
+          <a:p>
+            <a:endParaRPr lang="en-US" dirty="0"/>
+          </a:p>
+          <a:p>
+            <a:endParaRPr lang="en-US" dirty="0"/>
           </a:p>
         </p:txBody>
       </p:sp>
     </p:spTree>
     <p:extLst>
       <p:ext uri="{BB962C8B-B14F-4D97-AF65-F5344CB8AC3E}">
-        <p14:creationId xmlns:p14="http://schemas.microsoft.com/office/powerpoint/2010/main" val="4097152298"/>
+        <p14:creationId xmlns:p14="http://schemas.microsoft.com/office/powerpoint/2010/main" val="1897650247"/>
       </p:ext>
     </p:extLst>
   </p:cSld>
@@ -3620,7 +4327,7 @@
           <p:cNvPr id="2" name="Title 1">
             <a:extLst>
               <a:ext uri="{FF2B5EF4-FFF2-40B4-BE49-F238E27FC236}">
-                <a16:creationId xmlns:a16="http://schemas.microsoft.com/office/drawing/2014/main" id="{7A2CF5BA-5CD8-EA4E-AE25-F48196B39B37}"/>
+                <a16:creationId xmlns:a16="http://schemas.microsoft.com/office/drawing/2014/main" id="{965BE19F-7A99-ED47-AE18-076D3DB49216}"/>
               </a:ext>
             </a:extLst>
           </p:cNvPr>
@@ -3636,75 +4343,55 @@
           <a:bodyPr/>
           <a:lstStyle/>
           <a:p>
+            <a:pPr algn="ctr"/>
             <a:r>
               <a:rPr lang="en-US" dirty="0"/>
-              <a:t>Definitions of Terms Used</a:t>
-            </a:r>
-          </a:p>
-        </p:txBody>
-      </p:sp>
-      <p:sp>
-        <p:nvSpPr>
-          <p:cNvPr id="3" name="Content Placeholder 2">
-            <a:extLst>
-              <a:ext uri="{FF2B5EF4-FFF2-40B4-BE49-F238E27FC236}">
-                <a16:creationId xmlns:a16="http://schemas.microsoft.com/office/drawing/2014/main" id="{15AEA719-D28A-A44E-B99F-4528774D6D11}"/>
-              </a:ext>
-            </a:extLst>
-          </p:cNvPr>
-          <p:cNvSpPr>
-            <a:spLocks noGrp="1"/>
-          </p:cNvSpPr>
+              <a:t>Sacramento County with Postal Zip Codes</a:t>
+            </a:r>
+          </a:p>
+        </p:txBody>
+      </p:sp>
+      <p:pic>
+        <p:nvPicPr>
+          <p:cNvPr id="5" name="Content Placeholder 4">
+            <a:extLst>
+              <a:ext uri="{FF2B5EF4-FFF2-40B4-BE49-F238E27FC236}">
+                <a16:creationId xmlns:a16="http://schemas.microsoft.com/office/drawing/2014/main" id="{8F47734C-90E9-2449-A9DC-60D9D3541E63}"/>
+              </a:ext>
+              <a:ext uri="{C183D7F6-B498-43B3-948B-1728B52AA6E4}">
+                <adec:decorative xmlns:adec="http://schemas.microsoft.com/office/drawing/2017/decorative" val="1"/>
+              </a:ext>
+            </a:extLst>
+          </p:cNvPr>
+          <p:cNvPicPr>
+            <a:picLocks noGrp="1" noChangeAspect="1"/>
+          </p:cNvPicPr>
           <p:nvPr>
             <p:ph idx="1"/>
           </p:nvPr>
-        </p:nvSpPr>
-        <p:spPr/>
-        <p:txBody>
-          <a:bodyPr>
-            <a:normAutofit/>
-          </a:bodyPr>
-          <a:lstStyle/>
-          <a:p>
-            <a:r>
-              <a:rPr lang="en-US" dirty="0"/>
-              <a:t>“PC Personal”: refers to California Penal Code Crimes Against the Person which include Homicide, Mayhem, Kidnapping, Hostages, Robbery, Attempts to Kill, Assaults, False Imprisonment and Human Trafficking, and Assault and Battery.</a:t>
-            </a:r>
-          </a:p>
-          <a:p>
-            <a:r>
-              <a:rPr lang="en-US" dirty="0"/>
-              <a:t>“PC All”: refers to California Penal Code of all other types of crime including crimes against property, crimes against public justice, crimes against the person involving sexual assault, criminal threats, and miscellaneous crimes. </a:t>
-            </a:r>
-          </a:p>
-          <a:p>
-            <a:r>
-              <a:rPr lang="en-US" dirty="0"/>
-              <a:t>Additional information can be found here: </a:t>
-            </a:r>
-            <a:r>
-              <a:rPr lang="en-US" dirty="0">
-                <a:hlinkClick r:id="rId2"/>
-              </a:rPr>
-              <a:t>https://leginfo.legislature.ca.gov/</a:t>
-            </a:r>
-            <a:r>
-              <a:rPr lang="en-US" dirty="0"/>
-              <a:t> </a:t>
-            </a:r>
-          </a:p>
-          <a:p>
-            <a:endParaRPr lang="en-US" dirty="0"/>
-          </a:p>
-          <a:p>
-            <a:endParaRPr lang="en-US" dirty="0"/>
-          </a:p>
-        </p:txBody>
-      </p:sp>
+        </p:nvPicPr>
+        <p:blipFill>
+          <a:blip r:embed="rId2"/>
+          <a:stretch>
+            <a:fillRect/>
+          </a:stretch>
+        </p:blipFill>
+        <p:spPr>
+          <a:xfrm>
+            <a:off x="3489434" y="1690688"/>
+            <a:ext cx="5213131" cy="4236967"/>
+          </a:xfrm>
+          <a:ln w="3175">
+            <a:solidFill>
+              <a:schemeClr val="tx1"/>
+            </a:solidFill>
+          </a:ln>
+        </p:spPr>
+      </p:pic>
     </p:spTree>
     <p:extLst>
       <p:ext uri="{BB962C8B-B14F-4D97-AF65-F5344CB8AC3E}">
-        <p14:creationId xmlns:p14="http://schemas.microsoft.com/office/powerpoint/2010/main" val="1897650247"/>
+        <p14:creationId xmlns:p14="http://schemas.microsoft.com/office/powerpoint/2010/main" val="3361318091"/>
       </p:ext>
     </p:extLst>
   </p:cSld>
@@ -3736,7 +4423,7 @@
           <p:cNvPr id="2" name="Title 1">
             <a:extLst>
               <a:ext uri="{FF2B5EF4-FFF2-40B4-BE49-F238E27FC236}">
-                <a16:creationId xmlns:a16="http://schemas.microsoft.com/office/drawing/2014/main" id="{965BE19F-7A99-ED47-AE18-076D3DB49216}"/>
+                <a16:creationId xmlns:a16="http://schemas.microsoft.com/office/drawing/2014/main" id="{E4B28D0C-81B2-C14D-B68B-B2195C4C0AFE}"/>
               </a:ext>
             </a:extLst>
           </p:cNvPr>
@@ -3752,23 +4439,144 @@
           <a:bodyPr/>
           <a:lstStyle/>
           <a:p>
+            <a:r>
+              <a:rPr lang="en-US" dirty="0"/>
+              <a:t>Questions</a:t>
+            </a:r>
+          </a:p>
+        </p:txBody>
+      </p:sp>
+      <p:sp>
+        <p:nvSpPr>
+          <p:cNvPr id="3" name="Content Placeholder 2">
+            <a:extLst>
+              <a:ext uri="{FF2B5EF4-FFF2-40B4-BE49-F238E27FC236}">
+                <a16:creationId xmlns:a16="http://schemas.microsoft.com/office/drawing/2014/main" id="{20915F77-71B6-6049-826B-9DE3D942E07F}"/>
+              </a:ext>
+            </a:extLst>
+          </p:cNvPr>
+          <p:cNvSpPr>
+            <a:spLocks noGrp="1"/>
+          </p:cNvSpPr>
+          <p:nvPr>
+            <p:ph idx="1"/>
+          </p:nvPr>
+        </p:nvSpPr>
+        <p:spPr/>
+        <p:txBody>
+          <a:bodyPr>
+            <a:normAutofit fontScale="92500" lnSpcReduction="10000"/>
+          </a:bodyPr>
+          <a:lstStyle/>
+          <a:p>
+            <a:r>
+              <a:rPr lang="en-US" dirty="0"/>
+              <a:t>What are the overall crime rate trends in Sacramento County and Oak Park in particular?</a:t>
+            </a:r>
+          </a:p>
+          <a:p>
+            <a:r>
+              <a:rPr lang="en-US" dirty="0"/>
+              <a:t>What are the crime rates for Oak Park for 2014-2018?</a:t>
+            </a:r>
+          </a:p>
+          <a:p>
+            <a:r>
+              <a:rPr lang="en-US" dirty="0"/>
+              <a:t>How would a heat map of the crime rate for each zip code in Sacramento County appear?</a:t>
+            </a:r>
+          </a:p>
+          <a:p>
+            <a:r>
+              <a:rPr lang="en-US" dirty="0"/>
+              <a:t>How would a heat map of the poverty rate for each zip code in Sacramento County appear?</a:t>
+            </a:r>
+          </a:p>
+          <a:p>
+            <a:r>
+              <a:rPr lang="en-US" dirty="0"/>
+              <a:t>What is  the crime rate versus the poverty rate for Sacramento County for 2014-2018?</a:t>
+            </a:r>
+          </a:p>
+          <a:p>
+            <a:r>
+              <a:rPr lang="en-US" dirty="0"/>
+              <a:t>Is there a correlation between the poverty rate and the crime rate?</a:t>
+            </a:r>
+          </a:p>
+          <a:p>
+            <a:r>
+              <a:rPr lang="en-US" dirty="0"/>
+              <a:t>Is there a correlation between home prices and the crime rate?</a:t>
+            </a:r>
+          </a:p>
+        </p:txBody>
+      </p:sp>
+    </p:spTree>
+    <p:extLst>
+      <p:ext uri="{BB962C8B-B14F-4D97-AF65-F5344CB8AC3E}">
+        <p14:creationId xmlns:p14="http://schemas.microsoft.com/office/powerpoint/2010/main" val="342459698"/>
+      </p:ext>
+    </p:extLst>
+  </p:cSld>
+  <p:clrMapOvr>
+    <a:masterClrMapping/>
+  </p:clrMapOvr>
+</p:sld>
+</file>
+
+<file path=ppt/slides/slide6.xml><?xml version="1.0" encoding="utf-8"?>
+<p:sld xmlns:a="http://schemas.openxmlformats.org/drawingml/2006/main" xmlns:r="http://schemas.openxmlformats.org/officeDocument/2006/relationships" xmlns:p="http://schemas.openxmlformats.org/presentationml/2006/main">
+  <p:cSld>
+    <p:spTree>
+      <p:nvGrpSpPr>
+        <p:cNvPr id="1" name=""/>
+        <p:cNvGrpSpPr/>
+        <p:nvPr/>
+      </p:nvGrpSpPr>
+      <p:grpSpPr>
+        <a:xfrm>
+          <a:off x="0" y="0"/>
+          <a:ext cx="0" cy="0"/>
+          <a:chOff x="0" y="0"/>
+          <a:chExt cx="0" cy="0"/>
+        </a:xfrm>
+      </p:grpSpPr>
+      <p:sp>
+        <p:nvSpPr>
+          <p:cNvPr id="2" name="Title 1">
+            <a:extLst>
+              <a:ext uri="{FF2B5EF4-FFF2-40B4-BE49-F238E27FC236}">
+                <a16:creationId xmlns:a16="http://schemas.microsoft.com/office/drawing/2014/main" id="{6434A0BD-B447-874F-840E-9393F0A760BA}"/>
+              </a:ext>
+            </a:extLst>
+          </p:cNvPr>
+          <p:cNvSpPr>
+            <a:spLocks noGrp="1"/>
+          </p:cNvSpPr>
+          <p:nvPr>
+            <p:ph type="title"/>
+          </p:nvPr>
+        </p:nvSpPr>
+        <p:spPr/>
+        <p:txBody>
+          <a:bodyPr/>
+          <a:lstStyle/>
+          <a:p>
             <a:pPr algn="ctr"/>
             <a:r>
               <a:rPr lang="en-US" dirty="0"/>
-              <a:t>Sacramento County with Postal Zip Codes</a:t>
+              <a:t>Overall Poverty Rate was flat</a:t>
             </a:r>
           </a:p>
         </p:txBody>
       </p:sp>
       <p:pic>
         <p:nvPicPr>
-          <p:cNvPr id="5" name="Content Placeholder 4">
-            <a:extLst>
-              <a:ext uri="{FF2B5EF4-FFF2-40B4-BE49-F238E27FC236}">
-                <a16:creationId xmlns:a16="http://schemas.microsoft.com/office/drawing/2014/main" id="{8F47734C-90E9-2449-A9DC-60D9D3541E63}"/>
-              </a:ext>
-              <a:ext uri="{C183D7F6-B498-43B3-948B-1728B52AA6E4}">
-                <adec:decorative xmlns:adec="http://schemas.microsoft.com/office/drawing/2017/decorative" val="1"/>
+          <p:cNvPr id="6" name="Content Placeholder 5" descr="Map&#10;&#10;Description automatically generated">
+            <a:extLst>
+              <a:ext uri="{FF2B5EF4-FFF2-40B4-BE49-F238E27FC236}">
+                <a16:creationId xmlns:a16="http://schemas.microsoft.com/office/drawing/2014/main" id="{489F57F8-106E-9B4F-8875-1070890E444C}"/>
               </a:ext>
             </a:extLst>
           </p:cNvPr>
@@ -3776,7 +4584,7 @@
             <a:picLocks noGrp="1" noChangeAspect="1"/>
           </p:cNvPicPr>
           <p:nvPr>
-            <p:ph idx="1"/>
+            <p:ph sz="half" idx="1"/>
           </p:nvPr>
         </p:nvPicPr>
         <p:blipFill>
@@ -3787,20 +4595,572 @@
         </p:blipFill>
         <p:spPr>
           <a:xfrm>
-            <a:off x="3489434" y="1690688"/>
-            <a:ext cx="5213131" cy="4236967"/>
+            <a:off x="1714500" y="2534444"/>
+            <a:ext cx="3429000" cy="2933700"/>
           </a:xfrm>
-          <a:ln w="3175">
-            <a:solidFill>
-              <a:schemeClr val="tx1"/>
-            </a:solidFill>
-          </a:ln>
+        </p:spPr>
+      </p:pic>
+      <p:pic>
+        <p:nvPicPr>
+          <p:cNvPr id="8" name="Content Placeholder 7">
+            <a:extLst>
+              <a:ext uri="{FF2B5EF4-FFF2-40B4-BE49-F238E27FC236}">
+                <a16:creationId xmlns:a16="http://schemas.microsoft.com/office/drawing/2014/main" id="{3E56AA57-BE20-3E43-B914-E664F90F28B3}"/>
+              </a:ext>
+            </a:extLst>
+          </p:cNvPr>
+          <p:cNvPicPr>
+            <a:picLocks noGrp="1" noChangeAspect="1"/>
+          </p:cNvPicPr>
+          <p:nvPr>
+            <p:ph sz="half" idx="2"/>
+          </p:nvPr>
+        </p:nvPicPr>
+        <p:blipFill>
+          <a:blip r:embed="rId3"/>
+          <a:stretch>
+            <a:fillRect/>
+          </a:stretch>
+        </p:blipFill>
+        <p:spPr>
+          <a:xfrm>
+            <a:off x="6915150" y="2528094"/>
+            <a:ext cx="3695700" cy="2946400"/>
+          </a:xfrm>
+        </p:spPr>
+      </p:pic>
+      <p:sp>
+        <p:nvSpPr>
+          <p:cNvPr id="10" name="TextBox 9">
+            <a:extLst>
+              <a:ext uri="{FF2B5EF4-FFF2-40B4-BE49-F238E27FC236}">
+                <a16:creationId xmlns:a16="http://schemas.microsoft.com/office/drawing/2014/main" id="{B8C2ABB4-1808-2348-9921-AD5EA0519776}"/>
+              </a:ext>
+            </a:extLst>
+          </p:cNvPr>
+          <p:cNvSpPr txBox="1"/>
+          <p:nvPr/>
+        </p:nvSpPr>
+        <p:spPr>
+          <a:xfrm>
+            <a:off x="2958262" y="2019318"/>
+            <a:ext cx="751890" cy="369332"/>
+          </a:xfrm>
+          <a:prstGeom prst="rect">
+            <a:avLst/>
+          </a:prstGeom>
+          <a:noFill/>
+        </p:spPr>
+        <p:txBody>
+          <a:bodyPr wrap="square" rtlCol="0">
+            <a:spAutoFit/>
+          </a:bodyPr>
+          <a:lstStyle/>
+          <a:p>
+            <a:pPr algn="ctr"/>
+            <a:r>
+              <a:rPr lang="en-US" dirty="0"/>
+              <a:t>2014</a:t>
+            </a:r>
+          </a:p>
+        </p:txBody>
+      </p:sp>
+      <p:sp>
+        <p:nvSpPr>
+          <p:cNvPr id="11" name="TextBox 10">
+            <a:extLst>
+              <a:ext uri="{FF2B5EF4-FFF2-40B4-BE49-F238E27FC236}">
+                <a16:creationId xmlns:a16="http://schemas.microsoft.com/office/drawing/2014/main" id="{D781E60D-F8CC-124D-BB96-A872F867B5D5}"/>
+              </a:ext>
+            </a:extLst>
+          </p:cNvPr>
+          <p:cNvSpPr txBox="1"/>
+          <p:nvPr/>
+        </p:nvSpPr>
+        <p:spPr>
+          <a:xfrm>
+            <a:off x="8389483" y="2019318"/>
+            <a:ext cx="751889" cy="369332"/>
+          </a:xfrm>
+          <a:prstGeom prst="rect">
+            <a:avLst/>
+          </a:prstGeom>
+          <a:noFill/>
+        </p:spPr>
+        <p:txBody>
+          <a:bodyPr wrap="square" rtlCol="0">
+            <a:spAutoFit/>
+          </a:bodyPr>
+          <a:lstStyle/>
+          <a:p>
+            <a:r>
+              <a:rPr lang="en-US" dirty="0"/>
+              <a:t>2018</a:t>
+            </a:r>
+          </a:p>
+        </p:txBody>
+      </p:sp>
+    </p:spTree>
+    <p:extLst>
+      <p:ext uri="{BB962C8B-B14F-4D97-AF65-F5344CB8AC3E}">
+        <p14:creationId xmlns:p14="http://schemas.microsoft.com/office/powerpoint/2010/main" val="3157523059"/>
+      </p:ext>
+    </p:extLst>
+  </p:cSld>
+  <p:clrMapOvr>
+    <a:masterClrMapping/>
+  </p:clrMapOvr>
+</p:sld>
+</file>
+
+<file path=ppt/slides/slide7.xml><?xml version="1.0" encoding="utf-8"?>
+<p:sld xmlns:a="http://schemas.openxmlformats.org/drawingml/2006/main" xmlns:r="http://schemas.openxmlformats.org/officeDocument/2006/relationships" xmlns:p="http://schemas.openxmlformats.org/presentationml/2006/main">
+  <p:cSld>
+    <p:spTree>
+      <p:nvGrpSpPr>
+        <p:cNvPr id="1" name=""/>
+        <p:cNvGrpSpPr/>
+        <p:nvPr/>
+      </p:nvGrpSpPr>
+      <p:grpSpPr>
+        <a:xfrm>
+          <a:off x="0" y="0"/>
+          <a:ext cx="0" cy="0"/>
+          <a:chOff x="0" y="0"/>
+          <a:chExt cx="0" cy="0"/>
+        </a:xfrm>
+      </p:grpSpPr>
+      <p:sp>
+        <p:nvSpPr>
+          <p:cNvPr id="2" name="Title 1">
+            <a:extLst>
+              <a:ext uri="{FF2B5EF4-FFF2-40B4-BE49-F238E27FC236}">
+                <a16:creationId xmlns:a16="http://schemas.microsoft.com/office/drawing/2014/main" id="{8E9CDD85-B6A4-624A-B06F-2F4A29CAE38B}"/>
+              </a:ext>
+            </a:extLst>
+          </p:cNvPr>
+          <p:cNvSpPr>
+            <a:spLocks noGrp="1"/>
+          </p:cNvSpPr>
+          <p:nvPr>
+            <p:ph type="title"/>
+          </p:nvPr>
+        </p:nvSpPr>
+        <p:spPr/>
+        <p:txBody>
+          <a:bodyPr/>
+          <a:lstStyle/>
+          <a:p>
+            <a:pPr algn="ctr"/>
+            <a:r>
+              <a:rPr lang="en-US" dirty="0"/>
+              <a:t>Overall Crime Rate was flat</a:t>
+            </a:r>
+          </a:p>
+        </p:txBody>
+      </p:sp>
+      <p:pic>
+        <p:nvPicPr>
+          <p:cNvPr id="7" name="Content Placeholder 6" descr="Chart, bar chart&#10;&#10;Description automatically generated">
+            <a:extLst>
+              <a:ext uri="{FF2B5EF4-FFF2-40B4-BE49-F238E27FC236}">
+                <a16:creationId xmlns:a16="http://schemas.microsoft.com/office/drawing/2014/main" id="{F15B66A2-1757-EE4F-A070-143998284D15}"/>
+              </a:ext>
+            </a:extLst>
+          </p:cNvPr>
+          <p:cNvPicPr>
+            <a:picLocks noGrp="1" noChangeAspect="1"/>
+          </p:cNvPicPr>
+          <p:nvPr>
+            <p:ph sz="half" idx="1"/>
+          </p:nvPr>
+        </p:nvPicPr>
+        <p:blipFill>
+          <a:blip r:embed="rId2"/>
+          <a:stretch>
+            <a:fillRect/>
+          </a:stretch>
+        </p:blipFill>
+        <p:spPr>
+          <a:xfrm>
+            <a:off x="838200" y="2274094"/>
+            <a:ext cx="5181600" cy="3454400"/>
+          </a:xfrm>
+        </p:spPr>
+      </p:pic>
+      <p:pic>
+        <p:nvPicPr>
+          <p:cNvPr id="4" name="Content Placeholder 3" descr="Chart, bar chart&#10;&#10;Description automatically generated">
+            <a:extLst>
+              <a:ext uri="{FF2B5EF4-FFF2-40B4-BE49-F238E27FC236}">
+                <a16:creationId xmlns:a16="http://schemas.microsoft.com/office/drawing/2014/main" id="{1AE8F124-5291-CE42-A266-ED3CBD17261C}"/>
+              </a:ext>
+            </a:extLst>
+          </p:cNvPr>
+          <p:cNvPicPr>
+            <a:picLocks noGrp="1" noChangeAspect="1"/>
+          </p:cNvPicPr>
+          <p:nvPr>
+            <p:ph sz="half" idx="2"/>
+          </p:nvPr>
+        </p:nvPicPr>
+        <p:blipFill>
+          <a:blip r:embed="rId3"/>
+          <a:stretch>
+            <a:fillRect/>
+          </a:stretch>
+        </p:blipFill>
+        <p:spPr>
+          <a:xfrm>
+            <a:off x="6172200" y="2274094"/>
+            <a:ext cx="5181600" cy="3454400"/>
+          </a:xfrm>
         </p:spPr>
       </p:pic>
     </p:spTree>
     <p:extLst>
       <p:ext uri="{BB962C8B-B14F-4D97-AF65-F5344CB8AC3E}">
-        <p14:creationId xmlns:p14="http://schemas.microsoft.com/office/powerpoint/2010/main" val="3361318091"/>
+        <p14:creationId xmlns:p14="http://schemas.microsoft.com/office/powerpoint/2010/main" val="2278268001"/>
+      </p:ext>
+    </p:extLst>
+  </p:cSld>
+  <p:clrMapOvr>
+    <a:masterClrMapping/>
+  </p:clrMapOvr>
+</p:sld>
+</file>
+
+<file path=ppt/slides/slide8.xml><?xml version="1.0" encoding="utf-8"?>
+<p:sld xmlns:a="http://schemas.openxmlformats.org/drawingml/2006/main" xmlns:r="http://schemas.openxmlformats.org/officeDocument/2006/relationships" xmlns:p="http://schemas.openxmlformats.org/presentationml/2006/main">
+  <p:cSld>
+    <p:spTree>
+      <p:nvGrpSpPr>
+        <p:cNvPr id="1" name=""/>
+        <p:cNvGrpSpPr/>
+        <p:nvPr/>
+      </p:nvGrpSpPr>
+      <p:grpSpPr>
+        <a:xfrm>
+          <a:off x="0" y="0"/>
+          <a:ext cx="0" cy="0"/>
+          <a:chOff x="0" y="0"/>
+          <a:chExt cx="0" cy="0"/>
+        </a:xfrm>
+      </p:grpSpPr>
+      <p:sp>
+        <p:nvSpPr>
+          <p:cNvPr id="2" name="Title 1">
+            <a:extLst>
+              <a:ext uri="{FF2B5EF4-FFF2-40B4-BE49-F238E27FC236}">
+                <a16:creationId xmlns:a16="http://schemas.microsoft.com/office/drawing/2014/main" id="{8F4344C0-0B3B-B244-82D4-A5BA890AA477}"/>
+              </a:ext>
+            </a:extLst>
+          </p:cNvPr>
+          <p:cNvSpPr>
+            <a:spLocks noGrp="1"/>
+          </p:cNvSpPr>
+          <p:nvPr>
+            <p:ph type="title"/>
+          </p:nvPr>
+        </p:nvSpPr>
+        <p:spPr/>
+        <p:txBody>
+          <a:bodyPr/>
+          <a:lstStyle/>
+          <a:p>
+            <a:pPr algn="ctr"/>
+            <a:r>
+              <a:rPr lang="en-US" dirty="0"/>
+              <a:t>A heat map of the crime rates reflects the same trend</a:t>
+            </a:r>
+          </a:p>
+        </p:txBody>
+      </p:sp>
+      <p:pic>
+        <p:nvPicPr>
+          <p:cNvPr id="6" name="Content Placeholder 5" descr="Map&#10;&#10;Description automatically generated">
+            <a:extLst>
+              <a:ext uri="{FF2B5EF4-FFF2-40B4-BE49-F238E27FC236}">
+                <a16:creationId xmlns:a16="http://schemas.microsoft.com/office/drawing/2014/main" id="{13804F86-FB8E-794B-85F9-8F8135423EBD}"/>
+              </a:ext>
+            </a:extLst>
+          </p:cNvPr>
+          <p:cNvPicPr>
+            <a:picLocks noGrp="1" noChangeAspect="1"/>
+          </p:cNvPicPr>
+          <p:nvPr>
+            <p:ph sz="half" idx="1"/>
+          </p:nvPr>
+        </p:nvPicPr>
+        <p:blipFill>
+          <a:blip r:embed="rId2"/>
+          <a:stretch>
+            <a:fillRect/>
+          </a:stretch>
+        </p:blipFill>
+        <p:spPr>
+          <a:xfrm>
+            <a:off x="1670050" y="2534444"/>
+            <a:ext cx="3517900" cy="2933700"/>
+          </a:xfrm>
+        </p:spPr>
+      </p:pic>
+      <p:pic>
+        <p:nvPicPr>
+          <p:cNvPr id="8" name="Content Placeholder 7" descr="Map&#10;&#10;Description automatically generated">
+            <a:extLst>
+              <a:ext uri="{FF2B5EF4-FFF2-40B4-BE49-F238E27FC236}">
+                <a16:creationId xmlns:a16="http://schemas.microsoft.com/office/drawing/2014/main" id="{FA8C7C05-E969-4347-BB79-BBF36C2C7E37}"/>
+              </a:ext>
+            </a:extLst>
+          </p:cNvPr>
+          <p:cNvPicPr>
+            <a:picLocks noGrp="1" noChangeAspect="1"/>
+          </p:cNvPicPr>
+          <p:nvPr>
+            <p:ph sz="half" idx="2"/>
+          </p:nvPr>
+        </p:nvPicPr>
+        <p:blipFill>
+          <a:blip r:embed="rId3"/>
+          <a:stretch>
+            <a:fillRect/>
+          </a:stretch>
+        </p:blipFill>
+        <p:spPr>
+          <a:xfrm>
+            <a:off x="6908800" y="2528094"/>
+            <a:ext cx="3708400" cy="2946400"/>
+          </a:xfrm>
+        </p:spPr>
+      </p:pic>
+      <p:sp>
+        <p:nvSpPr>
+          <p:cNvPr id="9" name="TextBox 8">
+            <a:extLst>
+              <a:ext uri="{FF2B5EF4-FFF2-40B4-BE49-F238E27FC236}">
+                <a16:creationId xmlns:a16="http://schemas.microsoft.com/office/drawing/2014/main" id="{A7C4F9BA-2BEF-ED44-ADC2-4D6B05EA71EE}"/>
+              </a:ext>
+            </a:extLst>
+          </p:cNvPr>
+          <p:cNvSpPr txBox="1"/>
+          <p:nvPr/>
+        </p:nvSpPr>
+        <p:spPr>
+          <a:xfrm>
+            <a:off x="2900856" y="2175641"/>
+            <a:ext cx="710248" cy="369332"/>
+          </a:xfrm>
+          <a:prstGeom prst="rect">
+            <a:avLst/>
+          </a:prstGeom>
+          <a:noFill/>
+        </p:spPr>
+        <p:txBody>
+          <a:bodyPr wrap="square" rtlCol="0">
+            <a:spAutoFit/>
+          </a:bodyPr>
+          <a:lstStyle/>
+          <a:p>
+            <a:r>
+              <a:rPr lang="en-US" dirty="0"/>
+              <a:t>2014</a:t>
+            </a:r>
+          </a:p>
+        </p:txBody>
+      </p:sp>
+      <p:sp>
+        <p:nvSpPr>
+          <p:cNvPr id="10" name="TextBox 9">
+            <a:extLst>
+              <a:ext uri="{FF2B5EF4-FFF2-40B4-BE49-F238E27FC236}">
+                <a16:creationId xmlns:a16="http://schemas.microsoft.com/office/drawing/2014/main" id="{96CC2537-573E-B943-8BC9-AEC11C2DF258}"/>
+              </a:ext>
+            </a:extLst>
+          </p:cNvPr>
+          <p:cNvSpPr txBox="1"/>
+          <p:nvPr/>
+        </p:nvSpPr>
+        <p:spPr>
+          <a:xfrm>
+            <a:off x="8485646" y="2158762"/>
+            <a:ext cx="805498" cy="369332"/>
+          </a:xfrm>
+          <a:prstGeom prst="rect">
+            <a:avLst/>
+          </a:prstGeom>
+          <a:noFill/>
+        </p:spPr>
+        <p:txBody>
+          <a:bodyPr wrap="square" rtlCol="0">
+            <a:spAutoFit/>
+          </a:bodyPr>
+          <a:lstStyle/>
+          <a:p>
+            <a:r>
+              <a:rPr lang="en-US" dirty="0"/>
+              <a:t>2018</a:t>
+            </a:r>
+          </a:p>
+        </p:txBody>
+      </p:sp>
+    </p:spTree>
+    <p:extLst>
+      <p:ext uri="{BB962C8B-B14F-4D97-AF65-F5344CB8AC3E}">
+        <p14:creationId xmlns:p14="http://schemas.microsoft.com/office/powerpoint/2010/main" val="1175564477"/>
+      </p:ext>
+    </p:extLst>
+  </p:cSld>
+  <p:clrMapOvr>
+    <a:masterClrMapping/>
+  </p:clrMapOvr>
+</p:sld>
+</file>
+
+<file path=ppt/slides/slide9.xml><?xml version="1.0" encoding="utf-8"?>
+<p:sld xmlns:a="http://schemas.openxmlformats.org/drawingml/2006/main" xmlns:r="http://schemas.openxmlformats.org/officeDocument/2006/relationships" xmlns:p="http://schemas.openxmlformats.org/presentationml/2006/main">
+  <p:cSld>
+    <p:spTree>
+      <p:nvGrpSpPr>
+        <p:cNvPr id="1" name=""/>
+        <p:cNvGrpSpPr/>
+        <p:nvPr/>
+      </p:nvGrpSpPr>
+      <p:grpSpPr>
+        <a:xfrm>
+          <a:off x="0" y="0"/>
+          <a:ext cx="0" cy="0"/>
+          <a:chOff x="0" y="0"/>
+          <a:chExt cx="0" cy="0"/>
+        </a:xfrm>
+      </p:grpSpPr>
+      <p:sp>
+        <p:nvSpPr>
+          <p:cNvPr id="2" name="Title 1">
+            <a:extLst>
+              <a:ext uri="{FF2B5EF4-FFF2-40B4-BE49-F238E27FC236}">
+                <a16:creationId xmlns:a16="http://schemas.microsoft.com/office/drawing/2014/main" id="{01C8E1F2-0055-FD49-804A-DD484BE3E1C0}"/>
+              </a:ext>
+            </a:extLst>
+          </p:cNvPr>
+          <p:cNvSpPr>
+            <a:spLocks noGrp="1"/>
+          </p:cNvSpPr>
+          <p:nvPr>
+            <p:ph type="title"/>
+          </p:nvPr>
+        </p:nvSpPr>
+        <p:spPr/>
+        <p:txBody>
+          <a:bodyPr/>
+          <a:lstStyle/>
+          <a:p>
+            <a:pPr algn="ctr"/>
+            <a:r>
+              <a:rPr lang="en-US" dirty="0"/>
+              <a:t>An outlier in the data was identified, additional analysis confirmed it</a:t>
+            </a:r>
+          </a:p>
+        </p:txBody>
+      </p:sp>
+      <p:pic>
+        <p:nvPicPr>
+          <p:cNvPr id="6" name="Content Placeholder 5" descr="Chart, box and whisker chart&#10;&#10;Description automatically generated">
+            <a:extLst>
+              <a:ext uri="{FF2B5EF4-FFF2-40B4-BE49-F238E27FC236}">
+                <a16:creationId xmlns:a16="http://schemas.microsoft.com/office/drawing/2014/main" id="{6F4B9DB2-01AB-1A4E-9E0A-A0B527B1DEAB}"/>
+              </a:ext>
+            </a:extLst>
+          </p:cNvPr>
+          <p:cNvPicPr>
+            <a:picLocks noGrp="1" noChangeAspect="1"/>
+          </p:cNvPicPr>
+          <p:nvPr>
+            <p:ph sz="half" idx="1"/>
+          </p:nvPr>
+        </p:nvPicPr>
+        <p:blipFill>
+          <a:blip r:embed="rId2"/>
+          <a:stretch>
+            <a:fillRect/>
+          </a:stretch>
+        </p:blipFill>
+        <p:spPr>
+          <a:xfrm>
+            <a:off x="838200" y="2274094"/>
+            <a:ext cx="5181600" cy="3454400"/>
+          </a:xfrm>
+        </p:spPr>
+      </p:pic>
+      <p:pic>
+        <p:nvPicPr>
+          <p:cNvPr id="8" name="Content Placeholder 7" descr="Chart&#10;&#10;Description automatically generated">
+            <a:extLst>
+              <a:ext uri="{FF2B5EF4-FFF2-40B4-BE49-F238E27FC236}">
+                <a16:creationId xmlns:a16="http://schemas.microsoft.com/office/drawing/2014/main" id="{3748B96D-1DE4-504B-ADD6-E9E08005F6F6}"/>
+              </a:ext>
+            </a:extLst>
+          </p:cNvPr>
+          <p:cNvPicPr>
+            <a:picLocks noGrp="1" noChangeAspect="1"/>
+          </p:cNvPicPr>
+          <p:nvPr>
+            <p:ph sz="half" idx="2"/>
+          </p:nvPr>
+        </p:nvPicPr>
+        <p:blipFill>
+          <a:blip r:embed="rId3"/>
+          <a:stretch>
+            <a:fillRect/>
+          </a:stretch>
+        </p:blipFill>
+        <p:spPr>
+          <a:xfrm>
+            <a:off x="6172200" y="2364828"/>
+            <a:ext cx="5181600" cy="3258206"/>
+          </a:xfrm>
+        </p:spPr>
+      </p:pic>
+      <p:sp>
+        <p:nvSpPr>
+          <p:cNvPr id="9" name="TextBox 8">
+            <a:extLst>
+              <a:ext uri="{FF2B5EF4-FFF2-40B4-BE49-F238E27FC236}">
+                <a16:creationId xmlns:a16="http://schemas.microsoft.com/office/drawing/2014/main" id="{163B2049-67BD-B34D-8291-38417482DE9F}"/>
+              </a:ext>
+            </a:extLst>
+          </p:cNvPr>
+          <p:cNvSpPr txBox="1"/>
+          <p:nvPr/>
+        </p:nvSpPr>
+        <p:spPr>
+          <a:xfrm>
+            <a:off x="1481959" y="5728494"/>
+            <a:ext cx="9427779" cy="646331"/>
+          </a:xfrm>
+          <a:prstGeom prst="rect">
+            <a:avLst/>
+          </a:prstGeom>
+          <a:noFill/>
+        </p:spPr>
+        <p:txBody>
+          <a:bodyPr wrap="square" rtlCol="0">
+            <a:spAutoFit/>
+          </a:bodyPr>
+          <a:lstStyle/>
+          <a:p>
+            <a:pPr algn="ctr"/>
+            <a:r>
+              <a:rPr lang="en-US" dirty="0"/>
+              <a:t>The bar graph above clearly illustrates we have an outlier, 95837. The zip code was removed from further analysis as it threw off subsequent calculations.</a:t>
+            </a:r>
+          </a:p>
+        </p:txBody>
+      </p:sp>
+    </p:spTree>
+    <p:extLst>
+      <p:ext uri="{BB962C8B-B14F-4D97-AF65-F5344CB8AC3E}">
+        <p14:creationId xmlns:p14="http://schemas.microsoft.com/office/powerpoint/2010/main" val="938042992"/>
       </p:ext>
     </p:extLst>
   </p:cSld>

--- a/Project_1_Presentation.pptx
+++ b/Project_1_Presentation.pptx
@@ -6,19 +6,22 @@
   </p:sldMasterIdLst>
   <p:sldIdLst>
     <p:sldId id="256" r:id="rId2"/>
-    <p:sldId id="258" r:id="rId3"/>
-    <p:sldId id="259" r:id="rId4"/>
-    <p:sldId id="260" r:id="rId5"/>
-    <p:sldId id="261" r:id="rId6"/>
-    <p:sldId id="263" r:id="rId7"/>
-    <p:sldId id="262" r:id="rId8"/>
-    <p:sldId id="264" r:id="rId9"/>
-    <p:sldId id="266" r:id="rId10"/>
-    <p:sldId id="269" r:id="rId11"/>
-    <p:sldId id="267" r:id="rId12"/>
-    <p:sldId id="270" r:id="rId13"/>
-    <p:sldId id="271" r:id="rId14"/>
-    <p:sldId id="272" r:id="rId15"/>
+    <p:sldId id="274" r:id="rId3"/>
+    <p:sldId id="275" r:id="rId4"/>
+    <p:sldId id="258" r:id="rId5"/>
+    <p:sldId id="259" r:id="rId6"/>
+    <p:sldId id="260" r:id="rId7"/>
+    <p:sldId id="261" r:id="rId8"/>
+    <p:sldId id="263" r:id="rId9"/>
+    <p:sldId id="262" r:id="rId10"/>
+    <p:sldId id="264" r:id="rId11"/>
+    <p:sldId id="266" r:id="rId12"/>
+    <p:sldId id="269" r:id="rId13"/>
+    <p:sldId id="267" r:id="rId14"/>
+    <p:sldId id="270" r:id="rId15"/>
+    <p:sldId id="271" r:id="rId16"/>
+    <p:sldId id="272" r:id="rId17"/>
+    <p:sldId id="273" r:id="rId18"/>
   </p:sldIdLst>
   <p:sldSz cx="12192000" cy="6858000"/>
   <p:notesSz cx="6858000" cy="9144000"/>
@@ -3439,10 +3442,10 @@
       </p:grpSpPr>
       <p:sp>
         <p:nvSpPr>
-          <p:cNvPr id="5" name="Title 4">
-            <a:extLst>
-              <a:ext uri="{FF2B5EF4-FFF2-40B4-BE49-F238E27FC236}">
-                <a16:creationId xmlns:a16="http://schemas.microsoft.com/office/drawing/2014/main" id="{2F7EE93D-E0F3-0B4F-9E0C-3904C99BEEDB}"/>
+          <p:cNvPr id="2" name="Title 1">
+            <a:extLst>
+              <a:ext uri="{FF2B5EF4-FFF2-40B4-BE49-F238E27FC236}">
+                <a16:creationId xmlns:a16="http://schemas.microsoft.com/office/drawing/2014/main" id="{8F4344C0-0B3B-B244-82D4-A5BA890AA477}"/>
               </a:ext>
             </a:extLst>
           </p:cNvPr>
@@ -3455,24 +3458,23 @@
         </p:nvSpPr>
         <p:spPr/>
         <p:txBody>
-          <a:bodyPr>
-            <a:normAutofit fontScale="90000"/>
-          </a:bodyPr>
-          <a:lstStyle/>
-          <a:p>
+          <a:bodyPr/>
+          <a:lstStyle/>
+          <a:p>
+            <a:pPr algn="ctr"/>
             <a:r>
               <a:rPr lang="en-US" dirty="0"/>
-              <a:t>Is there a correlation between the poverty rate and the crime rate?</a:t>
+              <a:t>A heat map of the crime rates reflects the same trend</a:t>
             </a:r>
           </a:p>
         </p:txBody>
       </p:sp>
       <p:pic>
         <p:nvPicPr>
-          <p:cNvPr id="13" name="Picture Placeholder 12" descr="Badge Question Mark">
-            <a:extLst>
-              <a:ext uri="{FF2B5EF4-FFF2-40B4-BE49-F238E27FC236}">
-                <a16:creationId xmlns:a16="http://schemas.microsoft.com/office/drawing/2014/main" id="{8A08F2A4-EE36-B643-8F47-901E07DB601A}"/>
+          <p:cNvPr id="6" name="Content Placeholder 5" descr="Map&#10;&#10;Description automatically generated">
+            <a:extLst>
+              <a:ext uri="{FF2B5EF4-FFF2-40B4-BE49-F238E27FC236}">
+                <a16:creationId xmlns:a16="http://schemas.microsoft.com/office/drawing/2014/main" id="{13804F86-FB8E-794B-85F9-8F8135423EBD}"/>
               </a:ext>
             </a:extLst>
           </p:cNvPr>
@@ -3480,59 +3482,125 @@
             <a:picLocks noGrp="1" noChangeAspect="1"/>
           </p:cNvPicPr>
           <p:nvPr>
-            <p:ph type="pic" idx="1"/>
+            <p:ph sz="half" idx="1"/>
           </p:nvPr>
         </p:nvPicPr>
         <p:blipFill>
-          <a:blip r:embed="rId2">
-            <a:extLst>
-              <a:ext uri="{96DAC541-7B7A-43D3-8B79-37D633B846F1}">
-                <asvg:svgBlip xmlns:asvg="http://schemas.microsoft.com/office/drawing/2016/SVG/main" r:embed="rId3"/>
-              </a:ext>
-            </a:extLst>
-          </a:blip>
-          <a:srcRect t="10520" b="10520"/>
+          <a:blip r:embed="rId2"/>
           <a:stretch>
             <a:fillRect/>
           </a:stretch>
         </p:blipFill>
-        <p:spPr/>
+        <p:spPr>
+          <a:xfrm>
+            <a:off x="1670050" y="2534444"/>
+            <a:ext cx="3517900" cy="2933700"/>
+          </a:xfrm>
+        </p:spPr>
       </p:pic>
-      <p:sp>
-        <p:nvSpPr>
-          <p:cNvPr id="7" name="Text Placeholder 6">
-            <a:extLst>
-              <a:ext uri="{FF2B5EF4-FFF2-40B4-BE49-F238E27FC236}">
-                <a16:creationId xmlns:a16="http://schemas.microsoft.com/office/drawing/2014/main" id="{55E3CBC9-A97D-8248-A63E-22ECABE825BF}"/>
-              </a:ext>
-            </a:extLst>
-          </p:cNvPr>
-          <p:cNvSpPr>
-            <a:spLocks noGrp="1"/>
-          </p:cNvSpPr>
-          <p:nvPr>
-            <p:ph type="body" sz="half" idx="2"/>
-          </p:nvPr>
-        </p:nvSpPr>
-        <p:spPr/>
-        <p:txBody>
-          <a:bodyPr/>
+      <p:pic>
+        <p:nvPicPr>
+          <p:cNvPr id="8" name="Content Placeholder 7" descr="Map&#10;&#10;Description automatically generated">
+            <a:extLst>
+              <a:ext uri="{FF2B5EF4-FFF2-40B4-BE49-F238E27FC236}">
+                <a16:creationId xmlns:a16="http://schemas.microsoft.com/office/drawing/2014/main" id="{FA8C7C05-E969-4347-BB79-BBF36C2C7E37}"/>
+              </a:ext>
+            </a:extLst>
+          </p:cNvPr>
+          <p:cNvPicPr>
+            <a:picLocks noGrp="1" noChangeAspect="1"/>
+          </p:cNvPicPr>
+          <p:nvPr>
+            <p:ph sz="half" idx="2"/>
+          </p:nvPr>
+        </p:nvPicPr>
+        <p:blipFill>
+          <a:blip r:embed="rId3"/>
+          <a:stretch>
+            <a:fillRect/>
+          </a:stretch>
+        </p:blipFill>
+        <p:spPr>
+          <a:xfrm>
+            <a:off x="6908800" y="2528094"/>
+            <a:ext cx="3708400" cy="2946400"/>
+          </a:xfrm>
+        </p:spPr>
+      </p:pic>
+      <p:sp>
+        <p:nvSpPr>
+          <p:cNvPr id="9" name="TextBox 8">
+            <a:extLst>
+              <a:ext uri="{FF2B5EF4-FFF2-40B4-BE49-F238E27FC236}">
+                <a16:creationId xmlns:a16="http://schemas.microsoft.com/office/drawing/2014/main" id="{A7C4F9BA-2BEF-ED44-ADC2-4D6B05EA71EE}"/>
+              </a:ext>
+            </a:extLst>
+          </p:cNvPr>
+          <p:cNvSpPr txBox="1"/>
+          <p:nvPr/>
+        </p:nvSpPr>
+        <p:spPr>
+          <a:xfrm>
+            <a:off x="2900856" y="2175641"/>
+            <a:ext cx="710248" cy="369332"/>
+          </a:xfrm>
+          <a:prstGeom prst="rect">
+            <a:avLst/>
+          </a:prstGeom>
+          <a:noFill/>
+        </p:spPr>
+        <p:txBody>
+          <a:bodyPr wrap="square" rtlCol="0">
+            <a:spAutoFit/>
+          </a:bodyPr>
           <a:lstStyle/>
           <a:p>
             <a:r>
               <a:rPr lang="en-US" dirty="0"/>
-              <a:t>Our hypothesis is that as the poverty rate goes up, the crime rate goes up.</a:t>
-            </a:r>
-          </a:p>
-          <a:p>
-            <a:endParaRPr lang="en-US" dirty="0"/>
+              <a:t>2014</a:t>
+            </a:r>
+          </a:p>
+        </p:txBody>
+      </p:sp>
+      <p:sp>
+        <p:nvSpPr>
+          <p:cNvPr id="10" name="TextBox 9">
+            <a:extLst>
+              <a:ext uri="{FF2B5EF4-FFF2-40B4-BE49-F238E27FC236}">
+                <a16:creationId xmlns:a16="http://schemas.microsoft.com/office/drawing/2014/main" id="{96CC2537-573E-B943-8BC9-AEC11C2DF258}"/>
+              </a:ext>
+            </a:extLst>
+          </p:cNvPr>
+          <p:cNvSpPr txBox="1"/>
+          <p:nvPr/>
+        </p:nvSpPr>
+        <p:spPr>
+          <a:xfrm>
+            <a:off x="8485646" y="2158762"/>
+            <a:ext cx="805498" cy="369332"/>
+          </a:xfrm>
+          <a:prstGeom prst="rect">
+            <a:avLst/>
+          </a:prstGeom>
+          <a:noFill/>
+        </p:spPr>
+        <p:txBody>
+          <a:bodyPr wrap="square" rtlCol="0">
+            <a:spAutoFit/>
+          </a:bodyPr>
+          <a:lstStyle/>
+          <a:p>
+            <a:r>
+              <a:rPr lang="en-US" dirty="0"/>
+              <a:t>2018</a:t>
+            </a:r>
           </a:p>
         </p:txBody>
       </p:sp>
     </p:spTree>
     <p:extLst>
       <p:ext uri="{BB962C8B-B14F-4D97-AF65-F5344CB8AC3E}">
-        <p14:creationId xmlns:p14="http://schemas.microsoft.com/office/powerpoint/2010/main" val="3443678674"/>
+        <p14:creationId xmlns:p14="http://schemas.microsoft.com/office/powerpoint/2010/main" val="1175564477"/>
       </p:ext>
     </p:extLst>
   </p:cSld>
@@ -3564,7 +3632,7 @@
           <p:cNvPr id="2" name="Title 1">
             <a:extLst>
               <a:ext uri="{FF2B5EF4-FFF2-40B4-BE49-F238E27FC236}">
-                <a16:creationId xmlns:a16="http://schemas.microsoft.com/office/drawing/2014/main" id="{B3E589FB-21B9-AB44-864C-0C2CCB168BC9}"/>
+                <a16:creationId xmlns:a16="http://schemas.microsoft.com/office/drawing/2014/main" id="{01C8E1F2-0055-FD49-804A-DD484BE3E1C0}"/>
               </a:ext>
             </a:extLst>
           </p:cNvPr>
@@ -3583,17 +3651,17 @@
             <a:pPr algn="ctr"/>
             <a:r>
               <a:rPr lang="en-US" dirty="0"/>
-              <a:t>Sacramento County </a:t>
+              <a:t>An outlier in the data was identified, additional analysis confirmed it</a:t>
             </a:r>
           </a:p>
         </p:txBody>
       </p:sp>
       <p:pic>
         <p:nvPicPr>
-          <p:cNvPr id="6" name="Content Placeholder 5" descr="Chart, scatter chart&#10;&#10;Description automatically generated">
-            <a:extLst>
-              <a:ext uri="{FF2B5EF4-FFF2-40B4-BE49-F238E27FC236}">
-                <a16:creationId xmlns:a16="http://schemas.microsoft.com/office/drawing/2014/main" id="{B7197AEC-0450-B140-9E94-A5CBC5207FCF}"/>
+          <p:cNvPr id="6" name="Content Placeholder 5" descr="Chart, box and whisker chart&#10;&#10;Description automatically generated">
+            <a:extLst>
+              <a:ext uri="{FF2B5EF4-FFF2-40B4-BE49-F238E27FC236}">
+                <a16:creationId xmlns:a16="http://schemas.microsoft.com/office/drawing/2014/main" id="{6F4B9DB2-01AB-1A4E-9E0A-A0B527B1DEAB}"/>
               </a:ext>
             </a:extLst>
           </p:cNvPr>
@@ -3619,10 +3687,10 @@
       </p:pic>
       <p:pic>
         <p:nvPicPr>
-          <p:cNvPr id="8" name="Content Placeholder 7" descr="Chart, scatter chart&#10;&#10;Description automatically generated">
-            <a:extLst>
-              <a:ext uri="{FF2B5EF4-FFF2-40B4-BE49-F238E27FC236}">
-                <a16:creationId xmlns:a16="http://schemas.microsoft.com/office/drawing/2014/main" id="{52C72A5B-0B5B-4E44-830D-75823A12BEB4}"/>
+          <p:cNvPr id="8" name="Content Placeholder 7" descr="Chart&#10;&#10;Description automatically generated">
+            <a:extLst>
+              <a:ext uri="{FF2B5EF4-FFF2-40B4-BE49-F238E27FC236}">
+                <a16:creationId xmlns:a16="http://schemas.microsoft.com/office/drawing/2014/main" id="{3748B96D-1DE4-504B-ADD6-E9E08005F6F6}"/>
               </a:ext>
             </a:extLst>
           </p:cNvPr>
@@ -3641,17 +3709,17 @@
         </p:blipFill>
         <p:spPr>
           <a:xfrm>
-            <a:off x="6172200" y="2274094"/>
-            <a:ext cx="5181600" cy="3454400"/>
+            <a:off x="6172200" y="2364828"/>
+            <a:ext cx="5181600" cy="3258206"/>
           </a:xfrm>
         </p:spPr>
       </p:pic>
       <p:sp>
         <p:nvSpPr>
-          <p:cNvPr id="10" name="TextBox 9">
-            <a:extLst>
-              <a:ext uri="{FF2B5EF4-FFF2-40B4-BE49-F238E27FC236}">
-                <a16:creationId xmlns:a16="http://schemas.microsoft.com/office/drawing/2014/main" id="{B1BB0B7B-C619-AA49-9400-EB962F819779}"/>
+          <p:cNvPr id="9" name="TextBox 8">
+            <a:extLst>
+              <a:ext uri="{FF2B5EF4-FFF2-40B4-BE49-F238E27FC236}">
+                <a16:creationId xmlns:a16="http://schemas.microsoft.com/office/drawing/2014/main" id="{163B2049-67BD-B34D-8291-38417482DE9F}"/>
               </a:ext>
             </a:extLst>
           </p:cNvPr>
@@ -3660,8 +3728,8 @@
         </p:nvSpPr>
         <p:spPr>
           <a:xfrm>
-            <a:off x="1495167" y="5832388"/>
-            <a:ext cx="9341709" cy="861774"/>
+            <a:off x="1481959" y="5728494"/>
+            <a:ext cx="9427779" cy="646331"/>
           </a:xfrm>
           <a:prstGeom prst="rect">
             <a:avLst/>
@@ -3674,20 +3742,18 @@
           </a:bodyPr>
           <a:lstStyle/>
           <a:p>
-            <a:r>
-              <a:rPr lang="en-US" sz="1600" dirty="0"/>
-              <a:t>The average p-value is 0.02 and the average r-square value is 0.12. Given these values and the diagrams’ appearance, our hypothesis is confirmed.</a:t>
-            </a:r>
-          </a:p>
-          <a:p>
-            <a:endParaRPr lang="en-US" dirty="0"/>
+            <a:pPr algn="ctr"/>
+            <a:r>
+              <a:rPr lang="en-US" dirty="0"/>
+              <a:t>The bar graph above clearly illustrates we have an outlier, 95837. The zip code was removed from further analysis as it threw off subsequent calculations.</a:t>
+            </a:r>
           </a:p>
         </p:txBody>
       </p:sp>
     </p:spTree>
     <p:extLst>
       <p:ext uri="{BB962C8B-B14F-4D97-AF65-F5344CB8AC3E}">
-        <p14:creationId xmlns:p14="http://schemas.microsoft.com/office/powerpoint/2010/main" val="3639500199"/>
+        <p14:creationId xmlns:p14="http://schemas.microsoft.com/office/powerpoint/2010/main" val="938042992"/>
       </p:ext>
     </p:extLst>
   </p:cSld>
@@ -3719,7 +3785,7 @@
           <p:cNvPr id="5" name="Title 4">
             <a:extLst>
               <a:ext uri="{FF2B5EF4-FFF2-40B4-BE49-F238E27FC236}">
-                <a16:creationId xmlns:a16="http://schemas.microsoft.com/office/drawing/2014/main" id="{FB4B6351-2F76-4647-9450-AF9B37B27325}"/>
+                <a16:creationId xmlns:a16="http://schemas.microsoft.com/office/drawing/2014/main" id="{2F7EE93D-E0F3-0B4F-9E0C-3904C99BEEDB}"/>
               </a:ext>
             </a:extLst>
           </p:cNvPr>
@@ -3732,23 +3798,24 @@
         </p:nvSpPr>
         <p:spPr/>
         <p:txBody>
-          <a:bodyPr/>
-          <a:lstStyle/>
-          <a:p>
-            <a:pPr algn="ctr"/>
+          <a:bodyPr>
+            <a:normAutofit fontScale="90000"/>
+          </a:bodyPr>
+          <a:lstStyle/>
+          <a:p>
             <a:r>
               <a:rPr lang="en-US" dirty="0"/>
-              <a:t>Oak Park </a:t>
+              <a:t>Is there a correlation between the poverty rate and the crime rate?</a:t>
             </a:r>
           </a:p>
         </p:txBody>
       </p:sp>
       <p:pic>
         <p:nvPicPr>
-          <p:cNvPr id="12" name="Content Placeholder 11" descr="Chart, scatter chart&#10;&#10;Description automatically generated">
-            <a:extLst>
-              <a:ext uri="{FF2B5EF4-FFF2-40B4-BE49-F238E27FC236}">
-                <a16:creationId xmlns:a16="http://schemas.microsoft.com/office/drawing/2014/main" id="{293A37EA-EE72-3844-A1BF-266B88C9A796}"/>
+          <p:cNvPr id="13" name="Picture Placeholder 12" descr="Badge Question Mark">
+            <a:extLst>
+              <a:ext uri="{FF2B5EF4-FFF2-40B4-BE49-F238E27FC236}">
+                <a16:creationId xmlns:a16="http://schemas.microsoft.com/office/drawing/2014/main" id="{8A08F2A4-EE36-B643-8F47-901E07DB601A}"/>
               </a:ext>
             </a:extLst>
           </p:cNvPr>
@@ -3756,53 +3823,48 @@
             <a:picLocks noGrp="1" noChangeAspect="1"/>
           </p:cNvPicPr>
           <p:nvPr>
-            <p:ph idx="1"/>
+            <p:ph type="pic" idx="1"/>
           </p:nvPr>
         </p:nvPicPr>
         <p:blipFill>
-          <a:blip r:embed="rId2"/>
+          <a:blip r:embed="rId2">
+            <a:extLst>
+              <a:ext uri="{96DAC541-7B7A-43D3-8B79-37D633B846F1}">
+                <asvg:svgBlip xmlns:asvg="http://schemas.microsoft.com/office/drawing/2016/SVG/main" r:embed="rId3"/>
+              </a:ext>
+            </a:extLst>
+          </a:blip>
+          <a:srcRect t="10520" b="10520"/>
           <a:stretch>
             <a:fillRect/>
           </a:stretch>
         </p:blipFill>
-        <p:spPr>
-          <a:xfrm>
-            <a:off x="3352800" y="2172494"/>
-            <a:ext cx="5486400" cy="3657600"/>
-          </a:xfrm>
-        </p:spPr>
+        <p:spPr/>
       </p:pic>
       <p:sp>
         <p:nvSpPr>
-          <p:cNvPr id="13" name="TextBox 12">
-            <a:extLst>
-              <a:ext uri="{FF2B5EF4-FFF2-40B4-BE49-F238E27FC236}">
-                <a16:creationId xmlns:a16="http://schemas.microsoft.com/office/drawing/2014/main" id="{4697160B-8F48-8C4C-B3C0-4FFB87B30981}"/>
-              </a:ext>
-            </a:extLst>
-          </p:cNvPr>
-          <p:cNvSpPr txBox="1"/>
-          <p:nvPr/>
-        </p:nvSpPr>
-        <p:spPr>
-          <a:xfrm>
-            <a:off x="1692165" y="5850235"/>
-            <a:ext cx="9112469" cy="923330"/>
-          </a:xfrm>
-          <a:prstGeom prst="rect">
-            <a:avLst/>
-          </a:prstGeom>
-          <a:noFill/>
-        </p:spPr>
-        <p:txBody>
-          <a:bodyPr wrap="square" rtlCol="0">
-            <a:spAutoFit/>
-          </a:bodyPr>
+          <p:cNvPr id="7" name="Text Placeholder 6">
+            <a:extLst>
+              <a:ext uri="{FF2B5EF4-FFF2-40B4-BE49-F238E27FC236}">
+                <a16:creationId xmlns:a16="http://schemas.microsoft.com/office/drawing/2014/main" id="{55E3CBC9-A97D-8248-A63E-22ECABE825BF}"/>
+              </a:ext>
+            </a:extLst>
+          </p:cNvPr>
+          <p:cNvSpPr>
+            <a:spLocks noGrp="1"/>
+          </p:cNvSpPr>
+          <p:nvPr>
+            <p:ph type="body" sz="half" idx="2"/>
+          </p:nvPr>
+        </p:nvSpPr>
+        <p:spPr/>
+        <p:txBody>
+          <a:bodyPr/>
           <a:lstStyle/>
           <a:p>
             <a:r>
               <a:rPr lang="en-US" dirty="0"/>
-              <a:t>The p-value is 0.23 and the r-square value is 0.16. Given these values and the diagrams’ appearance, we conclude that Oak Park goes against the overall trend in Sacramento County. </a:t>
+              <a:t>Our hypothesis is that as the poverty rate goes up, the crime rate goes up.</a:t>
             </a:r>
           </a:p>
           <a:p>
@@ -3813,7 +3875,7 @@
     </p:spTree>
     <p:extLst>
       <p:ext uri="{BB962C8B-B14F-4D97-AF65-F5344CB8AC3E}">
-        <p14:creationId xmlns:p14="http://schemas.microsoft.com/office/powerpoint/2010/main" val="4206593396"/>
+        <p14:creationId xmlns:p14="http://schemas.microsoft.com/office/powerpoint/2010/main" val="3443678674"/>
       </p:ext>
     </p:extLst>
   </p:cSld>
@@ -3845,7 +3907,7 @@
           <p:cNvPr id="2" name="Title 1">
             <a:extLst>
               <a:ext uri="{FF2B5EF4-FFF2-40B4-BE49-F238E27FC236}">
-                <a16:creationId xmlns:a16="http://schemas.microsoft.com/office/drawing/2014/main" id="{14A65B19-F916-A34F-AE6F-80296158A5C4}"/>
+                <a16:creationId xmlns:a16="http://schemas.microsoft.com/office/drawing/2014/main" id="{B3E589FB-21B9-AB44-864C-0C2CCB168BC9}"/>
               </a:ext>
             </a:extLst>
           </p:cNvPr>
@@ -3864,17 +3926,17 @@
             <a:pPr algn="ctr"/>
             <a:r>
               <a:rPr lang="en-US" dirty="0"/>
-              <a:t>Crime Rate vs. Median Home Values in Sacramento County for 2014-2018</a:t>
+              <a:t>Sacramento County </a:t>
             </a:r>
           </a:p>
         </p:txBody>
       </p:sp>
       <p:pic>
         <p:nvPicPr>
-          <p:cNvPr id="17" name="Content Placeholder 16" descr="Chart, scatter chart&#10;&#10;Description automatically generated">
-            <a:extLst>
-              <a:ext uri="{FF2B5EF4-FFF2-40B4-BE49-F238E27FC236}">
-                <a16:creationId xmlns:a16="http://schemas.microsoft.com/office/drawing/2014/main" id="{9773D26D-9102-9042-8DCB-1E8F87070936}"/>
+          <p:cNvPr id="6" name="Content Placeholder 5" descr="Chart, scatter chart&#10;&#10;Description automatically generated">
+            <a:extLst>
+              <a:ext uri="{FF2B5EF4-FFF2-40B4-BE49-F238E27FC236}">
+                <a16:creationId xmlns:a16="http://schemas.microsoft.com/office/drawing/2014/main" id="{B7197AEC-0450-B140-9E94-A5CBC5207FCF}"/>
               </a:ext>
             </a:extLst>
           </p:cNvPr>
@@ -3900,10 +3962,10 @@
       </p:pic>
       <p:pic>
         <p:nvPicPr>
-          <p:cNvPr id="19" name="Content Placeholder 18" descr="Chart, scatter chart&#10;&#10;Description automatically generated">
-            <a:extLst>
-              <a:ext uri="{FF2B5EF4-FFF2-40B4-BE49-F238E27FC236}">
-                <a16:creationId xmlns:a16="http://schemas.microsoft.com/office/drawing/2014/main" id="{D3703BF8-BD70-DC4B-AE4E-87D90FE0947A}"/>
+          <p:cNvPr id="8" name="Content Placeholder 7" descr="Chart, scatter chart&#10;&#10;Description automatically generated">
+            <a:extLst>
+              <a:ext uri="{FF2B5EF4-FFF2-40B4-BE49-F238E27FC236}">
+                <a16:creationId xmlns:a16="http://schemas.microsoft.com/office/drawing/2014/main" id="{52C72A5B-0B5B-4E44-830D-75823A12BEB4}"/>
               </a:ext>
             </a:extLst>
           </p:cNvPr>
@@ -3929,10 +3991,10 @@
       </p:pic>
       <p:sp>
         <p:nvSpPr>
-          <p:cNvPr id="22" name="TextBox 21">
-            <a:extLst>
-              <a:ext uri="{FF2B5EF4-FFF2-40B4-BE49-F238E27FC236}">
-                <a16:creationId xmlns:a16="http://schemas.microsoft.com/office/drawing/2014/main" id="{98334412-A37A-8D45-BC60-6FDB2E80CF4C}"/>
+          <p:cNvPr id="10" name="TextBox 9">
+            <a:extLst>
+              <a:ext uri="{FF2B5EF4-FFF2-40B4-BE49-F238E27FC236}">
+                <a16:creationId xmlns:a16="http://schemas.microsoft.com/office/drawing/2014/main" id="{B1BB0B7B-C619-AA49-9400-EB962F819779}"/>
               </a:ext>
             </a:extLst>
           </p:cNvPr>
@@ -3941,8 +4003,8 @@
         </p:nvSpPr>
         <p:spPr>
           <a:xfrm>
-            <a:off x="1450428" y="5927834"/>
-            <a:ext cx="9438289" cy="923330"/>
+            <a:off x="1495167" y="5832388"/>
+            <a:ext cx="9341709" cy="861774"/>
           </a:xfrm>
           <a:prstGeom prst="rect">
             <a:avLst/>
@@ -3956,16 +4018,19 @@
           <a:lstStyle/>
           <a:p>
             <a:r>
-              <a:rPr lang="en-US" dirty="0"/>
-              <a:t>The average p-value is 0.01 and the average r-square value is 0.15. Given these values and the diagrams’ appearance, our hypothesis, which is that as median home values increase the crime rate decreases, is confirmed.</a:t>
-            </a:r>
+              <a:rPr lang="en-US" sz="1600" dirty="0"/>
+              <a:t>The average p-value is 0.02 and the average r-square value is 0.12. Given these values and the diagrams’ appearance, our hypothesis is confirmed.</a:t>
+            </a:r>
+          </a:p>
+          <a:p>
+            <a:endParaRPr lang="en-US" dirty="0"/>
           </a:p>
         </p:txBody>
       </p:sp>
     </p:spTree>
     <p:extLst>
       <p:ext uri="{BB962C8B-B14F-4D97-AF65-F5344CB8AC3E}">
-        <p14:creationId xmlns:p14="http://schemas.microsoft.com/office/powerpoint/2010/main" val="3994172782"/>
+        <p14:creationId xmlns:p14="http://schemas.microsoft.com/office/powerpoint/2010/main" val="3639500199"/>
       </p:ext>
     </p:extLst>
   </p:cSld>
@@ -3997,7 +4062,7 @@
           <p:cNvPr id="5" name="Title 4">
             <a:extLst>
               <a:ext uri="{FF2B5EF4-FFF2-40B4-BE49-F238E27FC236}">
-                <a16:creationId xmlns:a16="http://schemas.microsoft.com/office/drawing/2014/main" id="{424BE359-D8FA-C14D-BD59-8461CEAC087F}"/>
+                <a16:creationId xmlns:a16="http://schemas.microsoft.com/office/drawing/2014/main" id="{FB4B6351-2F76-4647-9450-AF9B37B27325}"/>
               </a:ext>
             </a:extLst>
           </p:cNvPr>
@@ -4016,17 +4081,17 @@
             <a:pPr algn="ctr"/>
             <a:r>
               <a:rPr lang="en-US" dirty="0"/>
-              <a:t>Crime Rate vs. Median Home Values in Oak Park for 2014-2018</a:t>
+              <a:t>Oak Park </a:t>
             </a:r>
           </a:p>
         </p:txBody>
       </p:sp>
       <p:pic>
         <p:nvPicPr>
-          <p:cNvPr id="8" name="Content Placeholder 7" descr="Chart, scatter chart&#10;&#10;Description automatically generated">
-            <a:extLst>
-              <a:ext uri="{FF2B5EF4-FFF2-40B4-BE49-F238E27FC236}">
-                <a16:creationId xmlns:a16="http://schemas.microsoft.com/office/drawing/2014/main" id="{EA48A08C-41D2-2646-AA7D-4219B521BDAA}"/>
+          <p:cNvPr id="12" name="Content Placeholder 11" descr="Chart, scatter chart&#10;&#10;Description automatically generated">
+            <a:extLst>
+              <a:ext uri="{FF2B5EF4-FFF2-40B4-BE49-F238E27FC236}">
+                <a16:creationId xmlns:a16="http://schemas.microsoft.com/office/drawing/2014/main" id="{293A37EA-EE72-3844-A1BF-266B88C9A796}"/>
               </a:ext>
             </a:extLst>
           </p:cNvPr>
@@ -4052,6 +4117,284 @@
       </p:pic>
       <p:sp>
         <p:nvSpPr>
+          <p:cNvPr id="13" name="TextBox 12">
+            <a:extLst>
+              <a:ext uri="{FF2B5EF4-FFF2-40B4-BE49-F238E27FC236}">
+                <a16:creationId xmlns:a16="http://schemas.microsoft.com/office/drawing/2014/main" id="{4697160B-8F48-8C4C-B3C0-4FFB87B30981}"/>
+              </a:ext>
+            </a:extLst>
+          </p:cNvPr>
+          <p:cNvSpPr txBox="1"/>
+          <p:nvPr/>
+        </p:nvSpPr>
+        <p:spPr>
+          <a:xfrm>
+            <a:off x="1692165" y="5850235"/>
+            <a:ext cx="9112469" cy="923330"/>
+          </a:xfrm>
+          <a:prstGeom prst="rect">
+            <a:avLst/>
+          </a:prstGeom>
+          <a:noFill/>
+        </p:spPr>
+        <p:txBody>
+          <a:bodyPr wrap="square" rtlCol="0">
+            <a:spAutoFit/>
+          </a:bodyPr>
+          <a:lstStyle/>
+          <a:p>
+            <a:r>
+              <a:rPr lang="en-US" dirty="0"/>
+              <a:t>The p-value is 0.23 and the r-square value is 0.16. Given these values and the diagrams’ appearance, we conclude that Oak Park goes against the overall trend in Sacramento County. </a:t>
+            </a:r>
+          </a:p>
+          <a:p>
+            <a:endParaRPr lang="en-US" dirty="0"/>
+          </a:p>
+        </p:txBody>
+      </p:sp>
+    </p:spTree>
+    <p:extLst>
+      <p:ext uri="{BB962C8B-B14F-4D97-AF65-F5344CB8AC3E}">
+        <p14:creationId xmlns:p14="http://schemas.microsoft.com/office/powerpoint/2010/main" val="4206593396"/>
+      </p:ext>
+    </p:extLst>
+  </p:cSld>
+  <p:clrMapOvr>
+    <a:masterClrMapping/>
+  </p:clrMapOvr>
+</p:sld>
+</file>
+
+<file path=ppt/slides/slide15.xml><?xml version="1.0" encoding="utf-8"?>
+<p:sld xmlns:a="http://schemas.openxmlformats.org/drawingml/2006/main" xmlns:r="http://schemas.openxmlformats.org/officeDocument/2006/relationships" xmlns:p="http://schemas.openxmlformats.org/presentationml/2006/main">
+  <p:cSld>
+    <p:spTree>
+      <p:nvGrpSpPr>
+        <p:cNvPr id="1" name=""/>
+        <p:cNvGrpSpPr/>
+        <p:nvPr/>
+      </p:nvGrpSpPr>
+      <p:grpSpPr>
+        <a:xfrm>
+          <a:off x="0" y="0"/>
+          <a:ext cx="0" cy="0"/>
+          <a:chOff x="0" y="0"/>
+          <a:chExt cx="0" cy="0"/>
+        </a:xfrm>
+      </p:grpSpPr>
+      <p:sp>
+        <p:nvSpPr>
+          <p:cNvPr id="2" name="Title 1">
+            <a:extLst>
+              <a:ext uri="{FF2B5EF4-FFF2-40B4-BE49-F238E27FC236}">
+                <a16:creationId xmlns:a16="http://schemas.microsoft.com/office/drawing/2014/main" id="{14A65B19-F916-A34F-AE6F-80296158A5C4}"/>
+              </a:ext>
+            </a:extLst>
+          </p:cNvPr>
+          <p:cNvSpPr>
+            <a:spLocks noGrp="1"/>
+          </p:cNvSpPr>
+          <p:nvPr>
+            <p:ph type="title"/>
+          </p:nvPr>
+        </p:nvSpPr>
+        <p:spPr/>
+        <p:txBody>
+          <a:bodyPr/>
+          <a:lstStyle/>
+          <a:p>
+            <a:pPr algn="ctr"/>
+            <a:r>
+              <a:rPr lang="en-US" dirty="0"/>
+              <a:t>Crime Rate vs. Median Home Values in Sacramento County for 2014-2018</a:t>
+            </a:r>
+          </a:p>
+        </p:txBody>
+      </p:sp>
+      <p:pic>
+        <p:nvPicPr>
+          <p:cNvPr id="17" name="Content Placeholder 16" descr="Chart, scatter chart&#10;&#10;Description automatically generated">
+            <a:extLst>
+              <a:ext uri="{FF2B5EF4-FFF2-40B4-BE49-F238E27FC236}">
+                <a16:creationId xmlns:a16="http://schemas.microsoft.com/office/drawing/2014/main" id="{9773D26D-9102-9042-8DCB-1E8F87070936}"/>
+              </a:ext>
+            </a:extLst>
+          </p:cNvPr>
+          <p:cNvPicPr>
+            <a:picLocks noGrp="1" noChangeAspect="1"/>
+          </p:cNvPicPr>
+          <p:nvPr>
+            <p:ph sz="half" idx="1"/>
+          </p:nvPr>
+        </p:nvPicPr>
+        <p:blipFill>
+          <a:blip r:embed="rId2"/>
+          <a:stretch>
+            <a:fillRect/>
+          </a:stretch>
+        </p:blipFill>
+        <p:spPr>
+          <a:xfrm>
+            <a:off x="838200" y="2274094"/>
+            <a:ext cx="5181600" cy="3454400"/>
+          </a:xfrm>
+        </p:spPr>
+      </p:pic>
+      <p:pic>
+        <p:nvPicPr>
+          <p:cNvPr id="19" name="Content Placeholder 18" descr="Chart, scatter chart&#10;&#10;Description automatically generated">
+            <a:extLst>
+              <a:ext uri="{FF2B5EF4-FFF2-40B4-BE49-F238E27FC236}">
+                <a16:creationId xmlns:a16="http://schemas.microsoft.com/office/drawing/2014/main" id="{D3703BF8-BD70-DC4B-AE4E-87D90FE0947A}"/>
+              </a:ext>
+            </a:extLst>
+          </p:cNvPr>
+          <p:cNvPicPr>
+            <a:picLocks noGrp="1" noChangeAspect="1"/>
+          </p:cNvPicPr>
+          <p:nvPr>
+            <p:ph sz="half" idx="2"/>
+          </p:nvPr>
+        </p:nvPicPr>
+        <p:blipFill>
+          <a:blip r:embed="rId3"/>
+          <a:stretch>
+            <a:fillRect/>
+          </a:stretch>
+        </p:blipFill>
+        <p:spPr>
+          <a:xfrm>
+            <a:off x="6172200" y="2274094"/>
+            <a:ext cx="5181600" cy="3454400"/>
+          </a:xfrm>
+        </p:spPr>
+      </p:pic>
+      <p:sp>
+        <p:nvSpPr>
+          <p:cNvPr id="22" name="TextBox 21">
+            <a:extLst>
+              <a:ext uri="{FF2B5EF4-FFF2-40B4-BE49-F238E27FC236}">
+                <a16:creationId xmlns:a16="http://schemas.microsoft.com/office/drawing/2014/main" id="{98334412-A37A-8D45-BC60-6FDB2E80CF4C}"/>
+              </a:ext>
+            </a:extLst>
+          </p:cNvPr>
+          <p:cNvSpPr txBox="1"/>
+          <p:nvPr/>
+        </p:nvSpPr>
+        <p:spPr>
+          <a:xfrm>
+            <a:off x="1450428" y="5927834"/>
+            <a:ext cx="9438289" cy="923330"/>
+          </a:xfrm>
+          <a:prstGeom prst="rect">
+            <a:avLst/>
+          </a:prstGeom>
+          <a:noFill/>
+        </p:spPr>
+        <p:txBody>
+          <a:bodyPr wrap="square" rtlCol="0">
+            <a:spAutoFit/>
+          </a:bodyPr>
+          <a:lstStyle/>
+          <a:p>
+            <a:r>
+              <a:rPr lang="en-US" dirty="0"/>
+              <a:t>The average p-value is 0.01 and the average r-square value is 0.15. Given these values and the diagrams’ appearance, our hypothesis, which is that as median home values increase the crime rate decreases, is confirmed.</a:t>
+            </a:r>
+          </a:p>
+        </p:txBody>
+      </p:sp>
+    </p:spTree>
+    <p:extLst>
+      <p:ext uri="{BB962C8B-B14F-4D97-AF65-F5344CB8AC3E}">
+        <p14:creationId xmlns:p14="http://schemas.microsoft.com/office/powerpoint/2010/main" val="3994172782"/>
+      </p:ext>
+    </p:extLst>
+  </p:cSld>
+  <p:clrMapOvr>
+    <a:masterClrMapping/>
+  </p:clrMapOvr>
+</p:sld>
+</file>
+
+<file path=ppt/slides/slide16.xml><?xml version="1.0" encoding="utf-8"?>
+<p:sld xmlns:a="http://schemas.openxmlformats.org/drawingml/2006/main" xmlns:r="http://schemas.openxmlformats.org/officeDocument/2006/relationships" xmlns:p="http://schemas.openxmlformats.org/presentationml/2006/main">
+  <p:cSld>
+    <p:spTree>
+      <p:nvGrpSpPr>
+        <p:cNvPr id="1" name=""/>
+        <p:cNvGrpSpPr/>
+        <p:nvPr/>
+      </p:nvGrpSpPr>
+      <p:grpSpPr>
+        <a:xfrm>
+          <a:off x="0" y="0"/>
+          <a:ext cx="0" cy="0"/>
+          <a:chOff x="0" y="0"/>
+          <a:chExt cx="0" cy="0"/>
+        </a:xfrm>
+      </p:grpSpPr>
+      <p:sp>
+        <p:nvSpPr>
+          <p:cNvPr id="5" name="Title 4">
+            <a:extLst>
+              <a:ext uri="{FF2B5EF4-FFF2-40B4-BE49-F238E27FC236}">
+                <a16:creationId xmlns:a16="http://schemas.microsoft.com/office/drawing/2014/main" id="{424BE359-D8FA-C14D-BD59-8461CEAC087F}"/>
+              </a:ext>
+            </a:extLst>
+          </p:cNvPr>
+          <p:cNvSpPr>
+            <a:spLocks noGrp="1"/>
+          </p:cNvSpPr>
+          <p:nvPr>
+            <p:ph type="title"/>
+          </p:nvPr>
+        </p:nvSpPr>
+        <p:spPr/>
+        <p:txBody>
+          <a:bodyPr/>
+          <a:lstStyle/>
+          <a:p>
+            <a:pPr algn="ctr"/>
+            <a:r>
+              <a:rPr lang="en-US" dirty="0"/>
+              <a:t>Crime Rate vs. Median Home Values in Oak Park for 2014-2018</a:t>
+            </a:r>
+          </a:p>
+        </p:txBody>
+      </p:sp>
+      <p:pic>
+        <p:nvPicPr>
+          <p:cNvPr id="8" name="Content Placeholder 7" descr="Chart, scatter chart&#10;&#10;Description automatically generated">
+            <a:extLst>
+              <a:ext uri="{FF2B5EF4-FFF2-40B4-BE49-F238E27FC236}">
+                <a16:creationId xmlns:a16="http://schemas.microsoft.com/office/drawing/2014/main" id="{EA48A08C-41D2-2646-AA7D-4219B521BDAA}"/>
+              </a:ext>
+            </a:extLst>
+          </p:cNvPr>
+          <p:cNvPicPr>
+            <a:picLocks noGrp="1" noChangeAspect="1"/>
+          </p:cNvPicPr>
+          <p:nvPr>
+            <p:ph idx="1"/>
+          </p:nvPr>
+        </p:nvPicPr>
+        <p:blipFill>
+          <a:blip r:embed="rId2"/>
+          <a:stretch>
+            <a:fillRect/>
+          </a:stretch>
+        </p:blipFill>
+        <p:spPr>
+          <a:xfrm>
+            <a:off x="3352800" y="2172494"/>
+            <a:ext cx="5486400" cy="3657600"/>
+          </a:xfrm>
+        </p:spPr>
+      </p:pic>
+      <p:sp>
+        <p:nvSpPr>
           <p:cNvPr id="9" name="TextBox 8">
             <a:extLst>
               <a:ext uri="{FF2B5EF4-FFF2-40B4-BE49-F238E27FC236}">
@@ -4089,6 +4432,93 @@
     <p:extLst>
       <p:ext uri="{BB962C8B-B14F-4D97-AF65-F5344CB8AC3E}">
         <p14:creationId xmlns:p14="http://schemas.microsoft.com/office/powerpoint/2010/main" val="3698350479"/>
+      </p:ext>
+    </p:extLst>
+  </p:cSld>
+  <p:clrMapOvr>
+    <a:masterClrMapping/>
+  </p:clrMapOvr>
+</p:sld>
+</file>
+
+<file path=ppt/slides/slide17.xml><?xml version="1.0" encoding="utf-8"?>
+<p:sld xmlns:a="http://schemas.openxmlformats.org/drawingml/2006/main" xmlns:r="http://schemas.openxmlformats.org/officeDocument/2006/relationships" xmlns:p="http://schemas.openxmlformats.org/presentationml/2006/main">
+  <p:cSld>
+    <p:spTree>
+      <p:nvGrpSpPr>
+        <p:cNvPr id="1" name=""/>
+        <p:cNvGrpSpPr/>
+        <p:nvPr/>
+      </p:nvGrpSpPr>
+      <p:grpSpPr>
+        <a:xfrm>
+          <a:off x="0" y="0"/>
+          <a:ext cx="0" cy="0"/>
+          <a:chOff x="0" y="0"/>
+          <a:chExt cx="0" cy="0"/>
+        </a:xfrm>
+      </p:grpSpPr>
+      <p:sp>
+        <p:nvSpPr>
+          <p:cNvPr id="2" name="Title 1">
+            <a:extLst>
+              <a:ext uri="{FF2B5EF4-FFF2-40B4-BE49-F238E27FC236}">
+                <a16:creationId xmlns:a16="http://schemas.microsoft.com/office/drawing/2014/main" id="{7176A5A4-38EE-D340-912D-5E5B338887E7}"/>
+              </a:ext>
+            </a:extLst>
+          </p:cNvPr>
+          <p:cNvSpPr>
+            <a:spLocks noGrp="1"/>
+          </p:cNvSpPr>
+          <p:nvPr>
+            <p:ph type="title"/>
+          </p:nvPr>
+        </p:nvSpPr>
+        <p:spPr/>
+        <p:txBody>
+          <a:bodyPr/>
+          <a:lstStyle/>
+          <a:p>
+            <a:pPr algn="ctr"/>
+            <a:r>
+              <a:rPr lang="en-US" dirty="0"/>
+              <a:t>Overall Conclusions</a:t>
+            </a:r>
+          </a:p>
+        </p:txBody>
+      </p:sp>
+      <p:sp>
+        <p:nvSpPr>
+          <p:cNvPr id="3" name="Content Placeholder 2">
+            <a:extLst>
+              <a:ext uri="{FF2B5EF4-FFF2-40B4-BE49-F238E27FC236}">
+                <a16:creationId xmlns:a16="http://schemas.microsoft.com/office/drawing/2014/main" id="{EA8B7AEE-53CE-004B-ABF8-67CE77FE573C}"/>
+              </a:ext>
+            </a:extLst>
+          </p:cNvPr>
+          <p:cNvSpPr>
+            <a:spLocks noGrp="1"/>
+          </p:cNvSpPr>
+          <p:nvPr>
+            <p:ph idx="1"/>
+          </p:nvPr>
+        </p:nvSpPr>
+        <p:spPr/>
+        <p:txBody>
+          <a:bodyPr/>
+          <a:lstStyle/>
+          <a:p>
+            <a:pPr marL="0" indent="0">
+              <a:buNone/>
+            </a:pPr>
+            <a:endParaRPr lang="en-US" dirty="0"/>
+          </a:p>
+        </p:txBody>
+      </p:sp>
+    </p:spTree>
+    <p:extLst>
+      <p:ext uri="{BB962C8B-B14F-4D97-AF65-F5344CB8AC3E}">
+        <p14:creationId xmlns:p14="http://schemas.microsoft.com/office/powerpoint/2010/main" val="1350475094"/>
       </p:ext>
     </p:extLst>
   </p:cSld>
@@ -4120,7 +4550,7 @@
           <p:cNvPr id="2" name="Title 1">
             <a:extLst>
               <a:ext uri="{FF2B5EF4-FFF2-40B4-BE49-F238E27FC236}">
-                <a16:creationId xmlns:a16="http://schemas.microsoft.com/office/drawing/2014/main" id="{70DDC109-01B6-0842-B9D6-37514348FD88}"/>
+                <a16:creationId xmlns:a16="http://schemas.microsoft.com/office/drawing/2014/main" id="{EFB12233-A6ED-6B42-A050-CBA705B65BA3}"/>
               </a:ext>
             </a:extLst>
           </p:cNvPr>
@@ -4136,9 +4566,10 @@
           <a:bodyPr/>
           <a:lstStyle/>
           <a:p>
+            <a:pPr algn="ctr"/>
             <a:r>
               <a:rPr lang="en-US" dirty="0"/>
-              <a:t>Null Hypothesis</a:t>
+              <a:t>Data Sources</a:t>
             </a:r>
           </a:p>
         </p:txBody>
@@ -4148,7 +4579,7 @@
           <p:cNvPr id="3" name="Content Placeholder 2">
             <a:extLst>
               <a:ext uri="{FF2B5EF4-FFF2-40B4-BE49-F238E27FC236}">
-                <a16:creationId xmlns:a16="http://schemas.microsoft.com/office/drawing/2014/main" id="{CA631518-B36F-AB4A-90D4-6762FE2E5C57}"/>
+                <a16:creationId xmlns:a16="http://schemas.microsoft.com/office/drawing/2014/main" id="{FCB744C6-7571-E74E-A95E-B33FC0DDE21C}"/>
               </a:ext>
             </a:extLst>
           </p:cNvPr>
@@ -4161,17 +4592,70 @@
         </p:nvSpPr>
         <p:spPr/>
         <p:txBody>
-          <a:bodyPr>
-            <a:normAutofit fontScale="92500" lnSpcReduction="10000"/>
-          </a:bodyPr>
-          <a:lstStyle/>
-          <a:p>
-            <a:pPr marL="0" indent="0">
-              <a:buNone/>
-            </a:pPr>
+          <a:bodyPr/>
+          <a:lstStyle/>
+          <a:p>
             <a:r>
               <a:rPr lang="en-US" dirty="0"/>
-              <a:t>Our null hypothesis is the following: a decrease in the violent crime rate results in reductions in the poverty rate and a simultaneous increase in median income and median home prices. Our confidence level is 95% or a p-value of 0.05. We hypothesize that the p-value of these statistics in Oak Park, zip codes 95817 and 95820, is statistically different from Sacramento County. Our observed variables are the crime rate, poverty rate, income rate, and median home prices of Oak Park and Sacramento County. Our expected values are the crime rate, poverty rate, income rate, and median home prices for all of Sacramento County. Based on the observed versus the expected values, we can calculate the p-value. If the p-value is less than 0.05, we will accept the hypothesis. This analysis matters as police departments could use it to understand better where to allocate resources.</a:t>
+              <a:t>Sacramento County Datasets: </a:t>
+            </a:r>
+            <a:r>
+              <a:rPr lang="en-US" u="sng" dirty="0">
+                <a:hlinkClick r:id="rId2"/>
+              </a:rPr>
+              <a:t>https://data.saccounty.net/datasets/9a7f2df25a584ff9b55db274704ad7c9_0/geoservice</a:t>
+            </a:r>
+            <a:r>
+              <a:rPr lang="en-US" dirty="0"/>
+              <a:t>. </a:t>
+            </a:r>
+          </a:p>
+          <a:p>
+            <a:r>
+              <a:rPr lang="en-US" dirty="0"/>
+              <a:t>Capitol Impact list of Sacramento County Zip Codes: </a:t>
+            </a:r>
+            <a:r>
+              <a:rPr lang="en-US" u="sng" dirty="0">
+                <a:hlinkClick r:id="rId3"/>
+              </a:rPr>
+              <a:t>http://www.ciclt.net/sn/clt/capitolimpact/gw_ziplist.aspx?FIPS=06067</a:t>
+            </a:r>
+            <a:r>
+              <a:rPr lang="en-US" dirty="0"/>
+              <a:t> </a:t>
+            </a:r>
+          </a:p>
+          <a:p>
+            <a:r>
+              <a:rPr lang="en-US" dirty="0"/>
+              <a:t>Census API: </a:t>
+            </a:r>
+            <a:r>
+              <a:rPr lang="en-US" dirty="0">
+                <a:hlinkClick r:id="rId4"/>
+              </a:rPr>
+              <a:t>https://api.census.gov/data.html</a:t>
+            </a:r>
+            <a:r>
+              <a:rPr lang="en-US" dirty="0"/>
+              <a:t> </a:t>
+            </a:r>
+          </a:p>
+          <a:p>
+            <a:r>
+              <a:rPr lang="en-US" dirty="0"/>
+              <a:t>Google Maps API: </a:t>
+            </a:r>
+            <a:r>
+              <a:rPr lang="en-US" dirty="0">
+                <a:hlinkClick r:id="rId5"/>
+              </a:rPr>
+              <a:t>https://cloud.google.com/maps-platform</a:t>
+            </a:r>
+            <a:r>
+              <a:rPr lang="en-US" dirty="0"/>
+              <a:t> </a:t>
             </a:r>
           </a:p>
         </p:txBody>
@@ -4179,7 +4663,7 @@
     </p:spTree>
     <p:extLst>
       <p:ext uri="{BB962C8B-B14F-4D97-AF65-F5344CB8AC3E}">
-        <p14:creationId xmlns:p14="http://schemas.microsoft.com/office/powerpoint/2010/main" val="4097152298"/>
+        <p14:creationId xmlns:p14="http://schemas.microsoft.com/office/powerpoint/2010/main" val="2208772676"/>
       </p:ext>
     </p:extLst>
   </p:cSld>
@@ -4211,7 +4695,7 @@
           <p:cNvPr id="2" name="Title 1">
             <a:extLst>
               <a:ext uri="{FF2B5EF4-FFF2-40B4-BE49-F238E27FC236}">
-                <a16:creationId xmlns:a16="http://schemas.microsoft.com/office/drawing/2014/main" id="{7A2CF5BA-5CD8-EA4E-AE25-F48196B39B37}"/>
+                <a16:creationId xmlns:a16="http://schemas.microsoft.com/office/drawing/2014/main" id="{3E5534ED-35EA-A149-BEC2-E0076B965B2C}"/>
               </a:ext>
             </a:extLst>
           </p:cNvPr>
@@ -4227,9 +4711,10 @@
           <a:bodyPr/>
           <a:lstStyle/>
           <a:p>
+            <a:pPr algn="ctr"/>
             <a:r>
               <a:rPr lang="en-US" dirty="0"/>
-              <a:t>Definitions of Terms Used</a:t>
+              <a:t>Data Cleaning</a:t>
             </a:r>
           </a:p>
         </p:txBody>
@@ -4239,7 +4724,7 @@
           <p:cNvPr id="3" name="Content Placeholder 2">
             <a:extLst>
               <a:ext uri="{FF2B5EF4-FFF2-40B4-BE49-F238E27FC236}">
-                <a16:creationId xmlns:a16="http://schemas.microsoft.com/office/drawing/2014/main" id="{15AEA719-D28A-A44E-B99F-4528774D6D11}"/>
+                <a16:creationId xmlns:a16="http://schemas.microsoft.com/office/drawing/2014/main" id="{9C6CB3F0-ED25-D842-9052-96A683255F78}"/>
               </a:ext>
             </a:extLst>
           </p:cNvPr>
@@ -4252,42 +4737,59 @@
         </p:nvSpPr>
         <p:spPr/>
         <p:txBody>
-          <a:bodyPr>
-            <a:normAutofit/>
-          </a:bodyPr>
+          <a:bodyPr/>
           <a:lstStyle/>
           <a:p>
             <a:r>
               <a:rPr lang="en-US" dirty="0"/>
-              <a:t>“PC Personal”: refers to California Penal Code Crimes Against the Person which include Homicide, Mayhem, Kidnapping, Hostages, Robbery, Attempts to Kill, Assaults, False Imprisonment and Human Trafficking, and Assault and Battery.</a:t>
-            </a:r>
-          </a:p>
-          <a:p>
+              <a:t>Cleaned the data obtained from Census, Sacramento County and Google Maps using the following methodology:</a:t>
+            </a:r>
+          </a:p>
+          <a:p>
+            <a:pPr lvl="2"/>
             <a:r>
               <a:rPr lang="en-US" dirty="0"/>
-              <a:t>“PC All”: refers to California Penal Code of all other types of crime including crimes against property, crimes against public justice, crimes against the person involving sexual assault, criminal threats, and miscellaneous crimes. </a:t>
-            </a:r>
-          </a:p>
-          <a:p>
+              <a:t>Rename columns</a:t>
+            </a:r>
+          </a:p>
+          <a:p>
+            <a:pPr lvl="2"/>
             <a:r>
               <a:rPr lang="en-US" dirty="0"/>
-              <a:t>Additional information can be found here: </a:t>
-            </a:r>
-            <a:r>
-              <a:rPr lang="en-US" dirty="0">
-                <a:hlinkClick r:id="rId2"/>
-              </a:rPr>
-              <a:t>https://leginfo.legislature.ca.gov/</a:t>
-            </a:r>
+              <a:t>Add columns</a:t>
+            </a:r>
+          </a:p>
+          <a:p>
+            <a:pPr lvl="2"/>
             <a:r>
               <a:rPr lang="en-US" dirty="0"/>
-              <a:t> </a:t>
-            </a:r>
-          </a:p>
-          <a:p>
-            <a:endParaRPr lang="en-US" dirty="0"/>
-          </a:p>
-          <a:p>
+              <a:t>Drop null rows</a:t>
+            </a:r>
+          </a:p>
+          <a:p>
+            <a:pPr lvl="2"/>
+            <a:r>
+              <a:rPr lang="en-US" dirty="0"/>
+              <a:t>Drop incomplete data</a:t>
+            </a:r>
+          </a:p>
+          <a:p>
+            <a:pPr lvl="2"/>
+            <a:r>
+              <a:rPr lang="en-US" dirty="0"/>
+              <a:t>Filter out years to only include 2014-2018</a:t>
+            </a:r>
+          </a:p>
+          <a:p>
+            <a:pPr lvl="2"/>
+            <a:r>
+              <a:rPr lang="en-US" dirty="0"/>
+              <a:t>Try/</a:t>
+            </a:r>
+            <a:r>
+              <a:rPr lang="en-US"/>
+              <a:t>Except blocks</a:t>
+            </a:r>
             <a:endParaRPr lang="en-US" dirty="0"/>
           </a:p>
         </p:txBody>
@@ -4295,7 +4797,7 @@
     </p:spTree>
     <p:extLst>
       <p:ext uri="{BB962C8B-B14F-4D97-AF65-F5344CB8AC3E}">
-        <p14:creationId xmlns:p14="http://schemas.microsoft.com/office/powerpoint/2010/main" val="1897650247"/>
+        <p14:creationId xmlns:p14="http://schemas.microsoft.com/office/powerpoint/2010/main" val="2946427430"/>
       </p:ext>
     </p:extLst>
   </p:cSld>
@@ -4327,7 +4829,7 @@
           <p:cNvPr id="2" name="Title 1">
             <a:extLst>
               <a:ext uri="{FF2B5EF4-FFF2-40B4-BE49-F238E27FC236}">
-                <a16:creationId xmlns:a16="http://schemas.microsoft.com/office/drawing/2014/main" id="{965BE19F-7A99-ED47-AE18-076D3DB49216}"/>
+                <a16:creationId xmlns:a16="http://schemas.microsoft.com/office/drawing/2014/main" id="{70DDC109-01B6-0842-B9D6-37514348FD88}"/>
               </a:ext>
             </a:extLst>
           </p:cNvPr>
@@ -4343,55 +4845,83 @@
           <a:bodyPr/>
           <a:lstStyle/>
           <a:p>
-            <a:pPr algn="ctr"/>
             <a:r>
               <a:rPr lang="en-US" dirty="0"/>
-              <a:t>Sacramento County with Postal Zip Codes</a:t>
-            </a:r>
-          </a:p>
-        </p:txBody>
-      </p:sp>
-      <p:pic>
-        <p:nvPicPr>
-          <p:cNvPr id="5" name="Content Placeholder 4">
-            <a:extLst>
-              <a:ext uri="{FF2B5EF4-FFF2-40B4-BE49-F238E27FC236}">
-                <a16:creationId xmlns:a16="http://schemas.microsoft.com/office/drawing/2014/main" id="{8F47734C-90E9-2449-A9DC-60D9D3541E63}"/>
-              </a:ext>
-              <a:ext uri="{C183D7F6-B498-43B3-948B-1728B52AA6E4}">
-                <adec:decorative xmlns:adec="http://schemas.microsoft.com/office/drawing/2017/decorative" val="1"/>
-              </a:ext>
-            </a:extLst>
-          </p:cNvPr>
-          <p:cNvPicPr>
-            <a:picLocks noGrp="1" noChangeAspect="1"/>
-          </p:cNvPicPr>
+              <a:t>Null Hypothesis</a:t>
+            </a:r>
+          </a:p>
+        </p:txBody>
+      </p:sp>
+      <p:sp>
+        <p:nvSpPr>
+          <p:cNvPr id="3" name="Content Placeholder 2">
+            <a:extLst>
+              <a:ext uri="{FF2B5EF4-FFF2-40B4-BE49-F238E27FC236}">
+                <a16:creationId xmlns:a16="http://schemas.microsoft.com/office/drawing/2014/main" id="{CA631518-B36F-AB4A-90D4-6762FE2E5C57}"/>
+              </a:ext>
+            </a:extLst>
+          </p:cNvPr>
+          <p:cNvSpPr>
+            <a:spLocks noGrp="1"/>
+          </p:cNvSpPr>
           <p:nvPr>
             <p:ph idx="1"/>
           </p:nvPr>
-        </p:nvPicPr>
-        <p:blipFill>
-          <a:blip r:embed="rId2"/>
-          <a:stretch>
-            <a:fillRect/>
-          </a:stretch>
-        </p:blipFill>
-        <p:spPr>
-          <a:xfrm>
-            <a:off x="3489434" y="1690688"/>
-            <a:ext cx="5213131" cy="4236967"/>
-          </a:xfrm>
-          <a:ln w="3175">
-            <a:solidFill>
-              <a:schemeClr val="tx1"/>
-            </a:solidFill>
-          </a:ln>
-        </p:spPr>
-      </p:pic>
+        </p:nvSpPr>
+        <p:spPr/>
+        <p:txBody>
+          <a:bodyPr>
+            <a:normAutofit fontScale="92500"/>
+          </a:bodyPr>
+          <a:lstStyle/>
+          <a:p>
+            <a:pPr lvl="0"/>
+            <a:r>
+              <a:rPr lang="en-US" dirty="0"/>
+              <a:t>A decrease in the poverty rate is correlated with a decrease in the crime rate.</a:t>
+            </a:r>
+          </a:p>
+          <a:p>
+            <a:pPr lvl="0"/>
+            <a:r>
+              <a:rPr lang="en-US" dirty="0"/>
+              <a:t>An increase in the median home price leads to a decrease in crime.</a:t>
+            </a:r>
+          </a:p>
+          <a:p>
+            <a:pPr lvl="0"/>
+            <a:r>
+              <a:rPr lang="en-US" dirty="0"/>
+              <a:t>Sacramento County and Oak Park both follow the same trends with respect to the relationships between poverty, crime, and median home values</a:t>
+            </a:r>
+          </a:p>
+          <a:p>
+            <a:pPr lvl="0"/>
+            <a:r>
+              <a:rPr lang="en-US" dirty="0"/>
+              <a:t>Confidence level of 95%</a:t>
+            </a:r>
+          </a:p>
+          <a:p>
+            <a:pPr lvl="0"/>
+            <a:r>
+              <a:rPr lang="en-US" dirty="0"/>
+              <a:t>Observed values are the crime rate, poverty rate, and median home prices for Oak Park. </a:t>
+            </a:r>
+          </a:p>
+          <a:p>
+            <a:pPr lvl="0"/>
+            <a:r>
+              <a:rPr lang="en-US" dirty="0"/>
+              <a:t>Expected values are the crime rate, poverty rate, and median home prices for Sacramento County.</a:t>
+            </a:r>
+          </a:p>
+        </p:txBody>
+      </p:sp>
     </p:spTree>
     <p:extLst>
       <p:ext uri="{BB962C8B-B14F-4D97-AF65-F5344CB8AC3E}">
-        <p14:creationId xmlns:p14="http://schemas.microsoft.com/office/powerpoint/2010/main" val="3361318091"/>
+        <p14:creationId xmlns:p14="http://schemas.microsoft.com/office/powerpoint/2010/main" val="4097152298"/>
       </p:ext>
     </p:extLst>
   </p:cSld>
@@ -4423,7 +4953,7 @@
           <p:cNvPr id="2" name="Title 1">
             <a:extLst>
               <a:ext uri="{FF2B5EF4-FFF2-40B4-BE49-F238E27FC236}">
-                <a16:creationId xmlns:a16="http://schemas.microsoft.com/office/drawing/2014/main" id="{E4B28D0C-81B2-C14D-B68B-B2195C4C0AFE}"/>
+                <a16:creationId xmlns:a16="http://schemas.microsoft.com/office/drawing/2014/main" id="{7A2CF5BA-5CD8-EA4E-AE25-F48196B39B37}"/>
               </a:ext>
             </a:extLst>
           </p:cNvPr>
@@ -4441,7 +4971,7 @@
           <a:p>
             <a:r>
               <a:rPr lang="en-US" dirty="0"/>
-              <a:t>Questions</a:t>
+              <a:t>Definitions of Terms Used</a:t>
             </a:r>
           </a:p>
         </p:txBody>
@@ -4451,7 +4981,7 @@
           <p:cNvPr id="3" name="Content Placeholder 2">
             <a:extLst>
               <a:ext uri="{FF2B5EF4-FFF2-40B4-BE49-F238E27FC236}">
-                <a16:creationId xmlns:a16="http://schemas.microsoft.com/office/drawing/2014/main" id="{20915F77-71B6-6049-826B-9DE3D942E07F}"/>
+                <a16:creationId xmlns:a16="http://schemas.microsoft.com/office/drawing/2014/main" id="{15AEA719-D28A-A44E-B99F-4528774D6D11}"/>
               </a:ext>
             </a:extLst>
           </p:cNvPr>
@@ -4465,57 +4995,49 @@
         <p:spPr/>
         <p:txBody>
           <a:bodyPr>
-            <a:normAutofit fontScale="92500" lnSpcReduction="10000"/>
+            <a:normAutofit/>
           </a:bodyPr>
           <a:lstStyle/>
           <a:p>
             <a:r>
               <a:rPr lang="en-US" dirty="0"/>
-              <a:t>What are the overall crime rate trends in Sacramento County and Oak Park in particular?</a:t>
+              <a:t>“PC Personal”: refers to California Penal Code Crimes Against the Person which include Homicide, Mayhem, Kidnapping, Hostages, Robbery, Attempts to Kill, Assaults, False Imprisonment and Human Trafficking, and Assault and Battery.</a:t>
             </a:r>
           </a:p>
           <a:p>
             <a:r>
               <a:rPr lang="en-US" dirty="0"/>
-              <a:t>What are the crime rates for Oak Park for 2014-2018?</a:t>
+              <a:t>“PC All”: refers to California Penal Code of all other types of crime including crimes against property, crimes against public justice, crimes against the person involving sexual assault, criminal threats, and miscellaneous crimes. </a:t>
             </a:r>
           </a:p>
           <a:p>
             <a:r>
               <a:rPr lang="en-US" dirty="0"/>
-              <a:t>How would a heat map of the crime rate for each zip code in Sacramento County appear?</a:t>
-            </a:r>
-          </a:p>
-          <a:p>
+              <a:t>Additional information can be found here: </a:t>
+            </a:r>
+            <a:r>
+              <a:rPr lang="en-US" dirty="0">
+                <a:hlinkClick r:id="rId2"/>
+              </a:rPr>
+              <a:t>https://leginfo.legislature.ca.gov/</a:t>
+            </a:r>
             <a:r>
               <a:rPr lang="en-US" dirty="0"/>
-              <a:t>How would a heat map of the poverty rate for each zip code in Sacramento County appear?</a:t>
-            </a:r>
-          </a:p>
-          <a:p>
-            <a:r>
-              <a:rPr lang="en-US" dirty="0"/>
-              <a:t>What is  the crime rate versus the poverty rate for Sacramento County for 2014-2018?</a:t>
-            </a:r>
-          </a:p>
-          <a:p>
-            <a:r>
-              <a:rPr lang="en-US" dirty="0"/>
-              <a:t>Is there a correlation between the poverty rate and the crime rate?</a:t>
-            </a:r>
-          </a:p>
-          <a:p>
-            <a:r>
-              <a:rPr lang="en-US" dirty="0"/>
-              <a:t>Is there a correlation between home prices and the crime rate?</a:t>
-            </a:r>
+              <a:t> </a:t>
+            </a:r>
+          </a:p>
+          <a:p>
+            <a:endParaRPr lang="en-US" dirty="0"/>
+          </a:p>
+          <a:p>
+            <a:endParaRPr lang="en-US" dirty="0"/>
           </a:p>
         </p:txBody>
       </p:sp>
     </p:spTree>
     <p:extLst>
       <p:ext uri="{BB962C8B-B14F-4D97-AF65-F5344CB8AC3E}">
-        <p14:creationId xmlns:p14="http://schemas.microsoft.com/office/powerpoint/2010/main" val="342459698"/>
+        <p14:creationId xmlns:p14="http://schemas.microsoft.com/office/powerpoint/2010/main" val="1897650247"/>
       </p:ext>
     </p:extLst>
   </p:cSld>
@@ -4528,6 +5050,14 @@
 <file path=ppt/slides/slide6.xml><?xml version="1.0" encoding="utf-8"?>
 <p:sld xmlns:a="http://schemas.openxmlformats.org/drawingml/2006/main" xmlns:r="http://schemas.openxmlformats.org/officeDocument/2006/relationships" xmlns:p="http://schemas.openxmlformats.org/presentationml/2006/main">
   <p:cSld>
+    <p:bg>
+      <p:bgPr>
+        <a:solidFill>
+          <a:schemeClr val="bg1"/>
+        </a:solidFill>
+        <a:effectLst/>
+      </p:bgPr>
+    </p:bg>
     <p:spTree>
       <p:nvGrpSpPr>
         <p:cNvPr id="1" name=""/>
@@ -4542,12 +5072,154 @@
           <a:chExt cx="0" cy="0"/>
         </a:xfrm>
       </p:grpSpPr>
+      <p:sp useBgFill="1">
+        <p:nvSpPr>
+          <p:cNvPr id="20" name="Rectangle 11">
+            <a:extLst>
+              <a:ext uri="{FF2B5EF4-FFF2-40B4-BE49-F238E27FC236}">
+                <a16:creationId xmlns:a16="http://schemas.microsoft.com/office/drawing/2014/main" id="{6E47FE40-F70B-4BF4-9CEA-F14800A6A3CC}"/>
+              </a:ext>
+              <a:ext uri="{C183D7F6-B498-43B3-948B-1728B52AA6E4}">
+                <adec:decorative xmlns:adec="http://schemas.microsoft.com/office/drawing/2017/decorative" val="1"/>
+              </a:ext>
+            </a:extLst>
+          </p:cNvPr>
+          <p:cNvSpPr>
+            <a:spLocks noGrp="1" noRot="1" noChangeAspect="1" noMove="1" noResize="1" noEditPoints="1" noAdjustHandles="1" noChangeArrowheads="1" noChangeShapeType="1" noTextEdit="1"/>
+          </p:cNvSpPr>
+          <p:nvPr>
+            <p:extLst>
+              <p:ext uri="{386F3935-93C4-4BCD-93E2-E3B085C9AB24}">
+                <p16:designElem xmlns:p16="http://schemas.microsoft.com/office/powerpoint/2015/main" val="1"/>
+              </p:ext>
+            </p:extLst>
+          </p:nvPr>
+        </p:nvSpPr>
+        <p:spPr>
+          <a:xfrm>
+            <a:off x="0" y="0"/>
+            <a:ext cx="12192000" cy="6858000"/>
+          </a:xfrm>
+          <a:prstGeom prst="rect">
+            <a:avLst/>
+          </a:prstGeom>
+          <a:ln w="12700" cap="flat" cmpd="sng" algn="ctr">
+            <a:noFill/>
+            <a:prstDash val="solid"/>
+            <a:miter lim="800000"/>
+          </a:ln>
+          <a:effectLst/>
+          <a:extLst>
+            <a:ext uri="{91240B29-F687-4F45-9708-019B960494DF}">
+              <a14:hiddenLine xmlns:a14="http://schemas.microsoft.com/office/drawing/2010/main" w="12700" cap="flat" cmpd="sng" algn="ctr">
+                <a:solidFill>
+                  <a:schemeClr val="accent1">
+                    <a:shade val="50000"/>
+                  </a:schemeClr>
+                </a:solidFill>
+                <a:prstDash val="solid"/>
+                <a:miter lim="800000"/>
+              </a14:hiddenLine>
+            </a:ext>
+          </a:extLst>
+        </p:spPr>
+        <p:style>
+          <a:lnRef idx="2">
+            <a:schemeClr val="accent1">
+              <a:shade val="50000"/>
+            </a:schemeClr>
+          </a:lnRef>
+          <a:fillRef idx="1">
+            <a:schemeClr val="accent1"/>
+          </a:fillRef>
+          <a:effectRef idx="0">
+            <a:schemeClr val="accent1"/>
+          </a:effectRef>
+          <a:fontRef idx="minor">
+            <a:schemeClr val="lt1"/>
+          </a:fontRef>
+        </p:style>
+        <p:txBody>
+          <a:bodyPr rtlCol="0" anchor="ctr"/>
+          <a:lstStyle/>
+          <a:p>
+            <a:pPr algn="ctr"/>
+            <a:endParaRPr lang="en-US"/>
+          </a:p>
+        </p:txBody>
+      </p:sp>
+      <p:sp>
+        <p:nvSpPr>
+          <p:cNvPr id="21" name="Rectangle 13">
+            <a:extLst>
+              <a:ext uri="{FF2B5EF4-FFF2-40B4-BE49-F238E27FC236}">
+                <a16:creationId xmlns:a16="http://schemas.microsoft.com/office/drawing/2014/main" id="{78826778-2F54-4F8E-BA27-C95E488D3305}"/>
+              </a:ext>
+              <a:ext uri="{C183D7F6-B498-43B3-948B-1728B52AA6E4}">
+                <adec:decorative xmlns:adec="http://schemas.microsoft.com/office/drawing/2017/decorative" val="1"/>
+              </a:ext>
+            </a:extLst>
+          </p:cNvPr>
+          <p:cNvSpPr>
+            <a:spLocks noGrp="1" noRot="1" noChangeAspect="1" noMove="1" noResize="1" noEditPoints="1" noAdjustHandles="1" noChangeArrowheads="1" noChangeShapeType="1" noTextEdit="1"/>
+          </p:cNvSpPr>
+          <p:nvPr>
+            <p:extLst>
+              <p:ext uri="{386F3935-93C4-4BCD-93E2-E3B085C9AB24}">
+                <p16:designElem xmlns:p16="http://schemas.microsoft.com/office/powerpoint/2015/main" val="1"/>
+              </p:ext>
+            </p:extLst>
+          </p:nvPr>
+        </p:nvSpPr>
+        <p:spPr>
+          <a:xfrm>
+            <a:off x="0" y="0"/>
+            <a:ext cx="5448300" cy="6858000"/>
+          </a:xfrm>
+          <a:prstGeom prst="rect">
+            <a:avLst/>
+          </a:prstGeom>
+          <a:solidFill>
+            <a:schemeClr val="accent2">
+              <a:lumMod val="20000"/>
+              <a:lumOff val="80000"/>
+            </a:schemeClr>
+          </a:solidFill>
+          <a:ln>
+            <a:noFill/>
+          </a:ln>
+        </p:spPr>
+        <p:style>
+          <a:lnRef idx="2">
+            <a:schemeClr val="accent1">
+              <a:shade val="50000"/>
+            </a:schemeClr>
+          </a:lnRef>
+          <a:fillRef idx="1">
+            <a:schemeClr val="accent1"/>
+          </a:fillRef>
+          <a:effectRef idx="0">
+            <a:schemeClr val="accent1"/>
+          </a:effectRef>
+          <a:fontRef idx="minor">
+            <a:schemeClr val="lt1"/>
+          </a:fontRef>
+        </p:style>
+        <p:txBody>
+          <a:bodyPr rtlCol="0" anchor="ctr"/>
+          <a:lstStyle/>
+          <a:p>
+            <a:pPr algn="ctr"/>
+            <a:endParaRPr lang="en-US"/>
+          </a:p>
+        </p:txBody>
+      </p:sp>
       <p:sp>
         <p:nvSpPr>
           <p:cNvPr id="2" name="Title 1">
             <a:extLst>
               <a:ext uri="{FF2B5EF4-FFF2-40B4-BE49-F238E27FC236}">
-                <a16:creationId xmlns:a16="http://schemas.microsoft.com/office/drawing/2014/main" id="{6434A0BD-B447-874F-840E-9393F0A760BA}"/>
+                <a16:creationId xmlns:a16="http://schemas.microsoft.com/office/drawing/2014/main" id="{965BE19F-7A99-ED47-AE18-076D3DB49216}"/>
               </a:ext>
             </a:extLst>
           </p:cNvPr>
@@ -4558,25 +5230,39 @@
             <p:ph type="title"/>
           </p:nvPr>
         </p:nvSpPr>
-        <p:spPr/>
-        <p:txBody>
-          <a:bodyPr/>
+        <p:spPr>
+          <a:xfrm>
+            <a:off x="1001676" y="1259958"/>
+            <a:ext cx="3444948" cy="2481729"/>
+          </a:xfrm>
+        </p:spPr>
+        <p:txBody>
+          <a:bodyPr vert="horz" lIns="91440" tIns="45720" rIns="91440" bIns="45720" rtlCol="0" anchor="b">
+            <a:normAutofit/>
+          </a:bodyPr>
           <a:lstStyle/>
           <a:p>
             <a:pPr algn="ctr"/>
             <a:r>
-              <a:rPr lang="en-US" dirty="0"/>
-              <a:t>Overall Poverty Rate was flat</a:t>
+              <a:rPr lang="en-US" sz="3200" kern="1200" dirty="0">
+                <a:solidFill>
+                  <a:srgbClr val="595959"/>
+                </a:solidFill>
+                <a:latin typeface="+mj-lt"/>
+                <a:ea typeface="+mj-ea"/>
+                <a:cs typeface="+mj-cs"/>
+              </a:rPr>
+              <a:t>Sacramento County with Postal Zip Codes</a:t>
             </a:r>
           </a:p>
         </p:txBody>
       </p:sp>
       <p:pic>
         <p:nvPicPr>
-          <p:cNvPr id="6" name="Content Placeholder 5" descr="Map&#10;&#10;Description automatically generated">
-            <a:extLst>
-              <a:ext uri="{FF2B5EF4-FFF2-40B4-BE49-F238E27FC236}">
-                <a16:creationId xmlns:a16="http://schemas.microsoft.com/office/drawing/2014/main" id="{489F57F8-106E-9B4F-8875-1070890E444C}"/>
+          <p:cNvPr id="7" name="Content Placeholder 6">
+            <a:extLst>
+              <a:ext uri="{FF2B5EF4-FFF2-40B4-BE49-F238E27FC236}">
+                <a16:creationId xmlns:a16="http://schemas.microsoft.com/office/drawing/2014/main" id="{33C7DE33-1307-9B4E-916B-60E04DA4506B}"/>
               </a:ext>
             </a:extLst>
           </p:cNvPr>
@@ -4584,7 +5270,7 @@
             <a:picLocks noGrp="1" noChangeAspect="1"/>
           </p:cNvPicPr>
           <p:nvPr>
-            <p:ph sz="half" idx="1"/>
+            <p:ph idx="1"/>
           </p:nvPr>
         </p:nvPicPr>
         <p:blipFill>
@@ -4595,115 +5281,18 @@
         </p:blipFill>
         <p:spPr>
           <a:xfrm>
-            <a:off x="1714500" y="2534444"/>
-            <a:ext cx="3429000" cy="2933700"/>
-          </a:xfrm>
-        </p:spPr>
-      </p:pic>
-      <p:pic>
-        <p:nvPicPr>
-          <p:cNvPr id="8" name="Content Placeholder 7">
-            <a:extLst>
-              <a:ext uri="{FF2B5EF4-FFF2-40B4-BE49-F238E27FC236}">
-                <a16:creationId xmlns:a16="http://schemas.microsoft.com/office/drawing/2014/main" id="{3E56AA57-BE20-3E43-B914-E664F90F28B3}"/>
-              </a:ext>
-            </a:extLst>
-          </p:cNvPr>
-          <p:cNvPicPr>
-            <a:picLocks noGrp="1" noChangeAspect="1"/>
-          </p:cNvPicPr>
-          <p:nvPr>
-            <p:ph sz="half" idx="2"/>
-          </p:nvPr>
-        </p:nvPicPr>
-        <p:blipFill>
-          <a:blip r:embed="rId3"/>
-          <a:stretch>
-            <a:fillRect/>
-          </a:stretch>
-        </p:blipFill>
-        <p:spPr>
-          <a:xfrm>
-            <a:off x="6915150" y="2528094"/>
-            <a:ext cx="3695700" cy="2946400"/>
-          </a:xfrm>
-        </p:spPr>
-      </p:pic>
-      <p:sp>
-        <p:nvSpPr>
-          <p:cNvPr id="10" name="TextBox 9">
-            <a:extLst>
-              <a:ext uri="{FF2B5EF4-FFF2-40B4-BE49-F238E27FC236}">
-                <a16:creationId xmlns:a16="http://schemas.microsoft.com/office/drawing/2014/main" id="{B8C2ABB4-1808-2348-9921-AD5EA0519776}"/>
-              </a:ext>
-            </a:extLst>
-          </p:cNvPr>
-          <p:cNvSpPr txBox="1"/>
-          <p:nvPr/>
-        </p:nvSpPr>
-        <p:spPr>
-          <a:xfrm>
-            <a:off x="2958262" y="2019318"/>
-            <a:ext cx="751890" cy="369332"/>
+            <a:off x="7237268" y="1380565"/>
+            <a:ext cx="3165763" cy="4096870"/>
           </a:xfrm>
           <a:prstGeom prst="rect">
             <a:avLst/>
           </a:prstGeom>
-          <a:noFill/>
         </p:spPr>
-        <p:txBody>
-          <a:bodyPr wrap="square" rtlCol="0">
-            <a:spAutoFit/>
-          </a:bodyPr>
-          <a:lstStyle/>
-          <a:p>
-            <a:pPr algn="ctr"/>
-            <a:r>
-              <a:rPr lang="en-US" dirty="0"/>
-              <a:t>2014</a:t>
-            </a:r>
-          </a:p>
-        </p:txBody>
-      </p:sp>
-      <p:sp>
-        <p:nvSpPr>
-          <p:cNvPr id="11" name="TextBox 10">
-            <a:extLst>
-              <a:ext uri="{FF2B5EF4-FFF2-40B4-BE49-F238E27FC236}">
-                <a16:creationId xmlns:a16="http://schemas.microsoft.com/office/drawing/2014/main" id="{D781E60D-F8CC-124D-BB96-A872F867B5D5}"/>
-              </a:ext>
-            </a:extLst>
-          </p:cNvPr>
-          <p:cNvSpPr txBox="1"/>
-          <p:nvPr/>
-        </p:nvSpPr>
-        <p:spPr>
-          <a:xfrm>
-            <a:off x="8389483" y="2019318"/>
-            <a:ext cx="751889" cy="369332"/>
-          </a:xfrm>
-          <a:prstGeom prst="rect">
-            <a:avLst/>
-          </a:prstGeom>
-          <a:noFill/>
-        </p:spPr>
-        <p:txBody>
-          <a:bodyPr wrap="square" rtlCol="0">
-            <a:spAutoFit/>
-          </a:bodyPr>
-          <a:lstStyle/>
-          <a:p>
-            <a:r>
-              <a:rPr lang="en-US" dirty="0"/>
-              <a:t>2018</a:t>
-            </a:r>
-          </a:p>
-        </p:txBody>
-      </p:sp>
+      </p:pic>
     </p:spTree>
     <p:extLst>
       <p:ext uri="{BB962C8B-B14F-4D97-AF65-F5344CB8AC3E}">
-        <p14:creationId xmlns:p14="http://schemas.microsoft.com/office/powerpoint/2010/main" val="3157523059"/>
+        <p14:creationId xmlns:p14="http://schemas.microsoft.com/office/powerpoint/2010/main" val="3361318091"/>
       </p:ext>
     </p:extLst>
   </p:cSld>
@@ -4735,7 +5324,7 @@
           <p:cNvPr id="2" name="Title 1">
             <a:extLst>
               <a:ext uri="{FF2B5EF4-FFF2-40B4-BE49-F238E27FC236}">
-                <a16:creationId xmlns:a16="http://schemas.microsoft.com/office/drawing/2014/main" id="{8E9CDD85-B6A4-624A-B06F-2F4A29CAE38B}"/>
+                <a16:creationId xmlns:a16="http://schemas.microsoft.com/office/drawing/2014/main" id="{E4B28D0C-81B2-C14D-B68B-B2195C4C0AFE}"/>
               </a:ext>
             </a:extLst>
           </p:cNvPr>
@@ -4751,76 +5340,83 @@
           <a:bodyPr/>
           <a:lstStyle/>
           <a:p>
-            <a:pPr algn="ctr"/>
             <a:r>
               <a:rPr lang="en-US" dirty="0"/>
-              <a:t>Overall Crime Rate was flat</a:t>
-            </a:r>
-          </a:p>
-        </p:txBody>
-      </p:sp>
-      <p:pic>
-        <p:nvPicPr>
-          <p:cNvPr id="7" name="Content Placeholder 6" descr="Chart, bar chart&#10;&#10;Description automatically generated">
-            <a:extLst>
-              <a:ext uri="{FF2B5EF4-FFF2-40B4-BE49-F238E27FC236}">
-                <a16:creationId xmlns:a16="http://schemas.microsoft.com/office/drawing/2014/main" id="{F15B66A2-1757-EE4F-A070-143998284D15}"/>
-              </a:ext>
-            </a:extLst>
-          </p:cNvPr>
-          <p:cNvPicPr>
-            <a:picLocks noGrp="1" noChangeAspect="1"/>
-          </p:cNvPicPr>
-          <p:nvPr>
-            <p:ph sz="half" idx="1"/>
-          </p:nvPr>
-        </p:nvPicPr>
-        <p:blipFill>
-          <a:blip r:embed="rId2"/>
-          <a:stretch>
-            <a:fillRect/>
-          </a:stretch>
-        </p:blipFill>
-        <p:spPr>
-          <a:xfrm>
-            <a:off x="838200" y="2274094"/>
-            <a:ext cx="5181600" cy="3454400"/>
-          </a:xfrm>
-        </p:spPr>
-      </p:pic>
-      <p:pic>
-        <p:nvPicPr>
-          <p:cNvPr id="4" name="Content Placeholder 3" descr="Chart, bar chart&#10;&#10;Description automatically generated">
-            <a:extLst>
-              <a:ext uri="{FF2B5EF4-FFF2-40B4-BE49-F238E27FC236}">
-                <a16:creationId xmlns:a16="http://schemas.microsoft.com/office/drawing/2014/main" id="{1AE8F124-5291-CE42-A266-ED3CBD17261C}"/>
-              </a:ext>
-            </a:extLst>
-          </p:cNvPr>
-          <p:cNvPicPr>
-            <a:picLocks noGrp="1" noChangeAspect="1"/>
-          </p:cNvPicPr>
-          <p:nvPr>
-            <p:ph sz="half" idx="2"/>
-          </p:nvPr>
-        </p:nvPicPr>
-        <p:blipFill>
-          <a:blip r:embed="rId3"/>
-          <a:stretch>
-            <a:fillRect/>
-          </a:stretch>
-        </p:blipFill>
-        <p:spPr>
-          <a:xfrm>
-            <a:off x="6172200" y="2274094"/>
-            <a:ext cx="5181600" cy="3454400"/>
-          </a:xfrm>
-        </p:spPr>
-      </p:pic>
+              <a:t>Questions</a:t>
+            </a:r>
+          </a:p>
+        </p:txBody>
+      </p:sp>
+      <p:sp>
+        <p:nvSpPr>
+          <p:cNvPr id="3" name="Content Placeholder 2">
+            <a:extLst>
+              <a:ext uri="{FF2B5EF4-FFF2-40B4-BE49-F238E27FC236}">
+                <a16:creationId xmlns:a16="http://schemas.microsoft.com/office/drawing/2014/main" id="{20915F77-71B6-6049-826B-9DE3D942E07F}"/>
+              </a:ext>
+            </a:extLst>
+          </p:cNvPr>
+          <p:cNvSpPr>
+            <a:spLocks noGrp="1"/>
+          </p:cNvSpPr>
+          <p:nvPr>
+            <p:ph idx="1"/>
+          </p:nvPr>
+        </p:nvSpPr>
+        <p:spPr/>
+        <p:txBody>
+          <a:bodyPr>
+            <a:normAutofit fontScale="92500" lnSpcReduction="10000"/>
+          </a:bodyPr>
+          <a:lstStyle/>
+          <a:p>
+            <a:r>
+              <a:rPr lang="en-US" dirty="0"/>
+              <a:t>What are the overall crime rate trends in Sacramento County and Oak Park in particular?</a:t>
+            </a:r>
+          </a:p>
+          <a:p>
+            <a:r>
+              <a:rPr lang="en-US" dirty="0"/>
+              <a:t>What are the crime rates for Oak Park for 2014-2018?</a:t>
+            </a:r>
+          </a:p>
+          <a:p>
+            <a:r>
+              <a:rPr lang="en-US" dirty="0"/>
+              <a:t>How would a heat map of the crime rate for each zip code in Sacramento County appear?</a:t>
+            </a:r>
+          </a:p>
+          <a:p>
+            <a:r>
+              <a:rPr lang="en-US" dirty="0"/>
+              <a:t>How would a heat map of the poverty rate for each zip code in Sacramento County appear?</a:t>
+            </a:r>
+          </a:p>
+          <a:p>
+            <a:r>
+              <a:rPr lang="en-US" dirty="0"/>
+              <a:t>What is  the crime rate versus the poverty rate for Sacramento County for 2014-2018?</a:t>
+            </a:r>
+          </a:p>
+          <a:p>
+            <a:r>
+              <a:rPr lang="en-US" dirty="0"/>
+              <a:t>Is there a correlation between the poverty rate and the crime rate?</a:t>
+            </a:r>
+          </a:p>
+          <a:p>
+            <a:r>
+              <a:rPr lang="en-US" dirty="0"/>
+              <a:t>Is there a correlation between home prices and the crime rate?</a:t>
+            </a:r>
+          </a:p>
+        </p:txBody>
+      </p:sp>
     </p:spTree>
     <p:extLst>
       <p:ext uri="{BB962C8B-B14F-4D97-AF65-F5344CB8AC3E}">
-        <p14:creationId xmlns:p14="http://schemas.microsoft.com/office/powerpoint/2010/main" val="2278268001"/>
+        <p14:creationId xmlns:p14="http://schemas.microsoft.com/office/powerpoint/2010/main" val="342459698"/>
       </p:ext>
     </p:extLst>
   </p:cSld>
@@ -4852,7 +5448,7 @@
           <p:cNvPr id="2" name="Title 1">
             <a:extLst>
               <a:ext uri="{FF2B5EF4-FFF2-40B4-BE49-F238E27FC236}">
-                <a16:creationId xmlns:a16="http://schemas.microsoft.com/office/drawing/2014/main" id="{8F4344C0-0B3B-B244-82D4-A5BA890AA477}"/>
+                <a16:creationId xmlns:a16="http://schemas.microsoft.com/office/drawing/2014/main" id="{6434A0BD-B447-874F-840E-9393F0A760BA}"/>
               </a:ext>
             </a:extLst>
           </p:cNvPr>
@@ -4871,7 +5467,7 @@
             <a:pPr algn="ctr"/>
             <a:r>
               <a:rPr lang="en-US" dirty="0"/>
-              <a:t>A heat map of the crime rates reflects the same trend</a:t>
+              <a:t>Overall Poverty Rate was flat</a:t>
             </a:r>
           </a:p>
         </p:txBody>
@@ -4881,7 +5477,7 @@
           <p:cNvPr id="6" name="Content Placeholder 5" descr="Map&#10;&#10;Description automatically generated">
             <a:extLst>
               <a:ext uri="{FF2B5EF4-FFF2-40B4-BE49-F238E27FC236}">
-                <a16:creationId xmlns:a16="http://schemas.microsoft.com/office/drawing/2014/main" id="{13804F86-FB8E-794B-85F9-8F8135423EBD}"/>
+                <a16:creationId xmlns:a16="http://schemas.microsoft.com/office/drawing/2014/main" id="{489F57F8-106E-9B4F-8875-1070890E444C}"/>
               </a:ext>
             </a:extLst>
           </p:cNvPr>
@@ -4900,17 +5496,17 @@
         </p:blipFill>
         <p:spPr>
           <a:xfrm>
-            <a:off x="1670050" y="2534444"/>
-            <a:ext cx="3517900" cy="2933700"/>
+            <a:off x="1027289" y="2534444"/>
+            <a:ext cx="4249562" cy="2933700"/>
           </a:xfrm>
         </p:spPr>
       </p:pic>
       <p:pic>
         <p:nvPicPr>
-          <p:cNvPr id="8" name="Content Placeholder 7" descr="Map&#10;&#10;Description automatically generated">
-            <a:extLst>
-              <a:ext uri="{FF2B5EF4-FFF2-40B4-BE49-F238E27FC236}">
-                <a16:creationId xmlns:a16="http://schemas.microsoft.com/office/drawing/2014/main" id="{FA8C7C05-E969-4347-BB79-BBF36C2C7E37}"/>
+          <p:cNvPr id="8" name="Content Placeholder 7">
+            <a:extLst>
+              <a:ext uri="{FF2B5EF4-FFF2-40B4-BE49-F238E27FC236}">
+                <a16:creationId xmlns:a16="http://schemas.microsoft.com/office/drawing/2014/main" id="{3E56AA57-BE20-3E43-B914-E664F90F28B3}"/>
               </a:ext>
             </a:extLst>
           </p:cNvPr>
@@ -4929,17 +5525,17 @@
         </p:blipFill>
         <p:spPr>
           <a:xfrm>
-            <a:off x="6908800" y="2528094"/>
-            <a:ext cx="3708400" cy="2946400"/>
+            <a:off x="6491111" y="2528094"/>
+            <a:ext cx="4357511" cy="2946400"/>
           </a:xfrm>
         </p:spPr>
       </p:pic>
       <p:sp>
         <p:nvSpPr>
-          <p:cNvPr id="9" name="TextBox 8">
-            <a:extLst>
-              <a:ext uri="{FF2B5EF4-FFF2-40B4-BE49-F238E27FC236}">
-                <a16:creationId xmlns:a16="http://schemas.microsoft.com/office/drawing/2014/main" id="{A7C4F9BA-2BEF-ED44-ADC2-4D6B05EA71EE}"/>
+          <p:cNvPr id="10" name="TextBox 9">
+            <a:extLst>
+              <a:ext uri="{FF2B5EF4-FFF2-40B4-BE49-F238E27FC236}">
+                <a16:creationId xmlns:a16="http://schemas.microsoft.com/office/drawing/2014/main" id="{B8C2ABB4-1808-2348-9921-AD5EA0519776}"/>
               </a:ext>
             </a:extLst>
           </p:cNvPr>
@@ -4948,8 +5544,8 @@
         </p:nvSpPr>
         <p:spPr>
           <a:xfrm>
-            <a:off x="2900856" y="2175641"/>
-            <a:ext cx="710248" cy="369332"/>
+            <a:off x="2958262" y="2019318"/>
+            <a:ext cx="751890" cy="369332"/>
           </a:xfrm>
           <a:prstGeom prst="rect">
             <a:avLst/>
@@ -4962,6 +5558,7 @@
           </a:bodyPr>
           <a:lstStyle/>
           <a:p>
+            <a:pPr algn="ctr"/>
             <a:r>
               <a:rPr lang="en-US" dirty="0"/>
               <a:t>2014</a:t>
@@ -4971,10 +5568,10 @@
       </p:sp>
       <p:sp>
         <p:nvSpPr>
-          <p:cNvPr id="10" name="TextBox 9">
-            <a:extLst>
-              <a:ext uri="{FF2B5EF4-FFF2-40B4-BE49-F238E27FC236}">
-                <a16:creationId xmlns:a16="http://schemas.microsoft.com/office/drawing/2014/main" id="{96CC2537-573E-B943-8BC9-AEC11C2DF258}"/>
+          <p:cNvPr id="11" name="TextBox 10">
+            <a:extLst>
+              <a:ext uri="{FF2B5EF4-FFF2-40B4-BE49-F238E27FC236}">
+                <a16:creationId xmlns:a16="http://schemas.microsoft.com/office/drawing/2014/main" id="{D781E60D-F8CC-124D-BB96-A872F867B5D5}"/>
               </a:ext>
             </a:extLst>
           </p:cNvPr>
@@ -4983,8 +5580,8 @@
         </p:nvSpPr>
         <p:spPr>
           <a:xfrm>
-            <a:off x="8485646" y="2158762"/>
-            <a:ext cx="805498" cy="369332"/>
+            <a:off x="8389483" y="2019318"/>
+            <a:ext cx="751889" cy="369332"/>
           </a:xfrm>
           <a:prstGeom prst="rect">
             <a:avLst/>
@@ -5007,7 +5604,7 @@
     </p:spTree>
     <p:extLst>
       <p:ext uri="{BB962C8B-B14F-4D97-AF65-F5344CB8AC3E}">
-        <p14:creationId xmlns:p14="http://schemas.microsoft.com/office/powerpoint/2010/main" val="1175564477"/>
+        <p14:creationId xmlns:p14="http://schemas.microsoft.com/office/powerpoint/2010/main" val="3157523059"/>
       </p:ext>
     </p:extLst>
   </p:cSld>
@@ -5039,7 +5636,7 @@
           <p:cNvPr id="2" name="Title 1">
             <a:extLst>
               <a:ext uri="{FF2B5EF4-FFF2-40B4-BE49-F238E27FC236}">
-                <a16:creationId xmlns:a16="http://schemas.microsoft.com/office/drawing/2014/main" id="{01C8E1F2-0055-FD49-804A-DD484BE3E1C0}"/>
+                <a16:creationId xmlns:a16="http://schemas.microsoft.com/office/drawing/2014/main" id="{8E9CDD85-B6A4-624A-B06F-2F4A29CAE38B}"/>
               </a:ext>
             </a:extLst>
           </p:cNvPr>
@@ -5058,17 +5655,17 @@
             <a:pPr algn="ctr"/>
             <a:r>
               <a:rPr lang="en-US" dirty="0"/>
-              <a:t>An outlier in the data was identified, additional analysis confirmed it</a:t>
+              <a:t>Overall Crime Rate was flat</a:t>
             </a:r>
           </a:p>
         </p:txBody>
       </p:sp>
       <p:pic>
         <p:nvPicPr>
-          <p:cNvPr id="6" name="Content Placeholder 5" descr="Chart, box and whisker chart&#10;&#10;Description automatically generated">
-            <a:extLst>
-              <a:ext uri="{FF2B5EF4-FFF2-40B4-BE49-F238E27FC236}">
-                <a16:creationId xmlns:a16="http://schemas.microsoft.com/office/drawing/2014/main" id="{6F4B9DB2-01AB-1A4E-9E0A-A0B527B1DEAB}"/>
+          <p:cNvPr id="7" name="Content Placeholder 6" descr="Chart, bar chart&#10;&#10;Description automatically generated">
+            <a:extLst>
+              <a:ext uri="{FF2B5EF4-FFF2-40B4-BE49-F238E27FC236}">
+                <a16:creationId xmlns:a16="http://schemas.microsoft.com/office/drawing/2014/main" id="{F15B66A2-1757-EE4F-A070-143998284D15}"/>
               </a:ext>
             </a:extLst>
           </p:cNvPr>
@@ -5094,10 +5691,10 @@
       </p:pic>
       <p:pic>
         <p:nvPicPr>
-          <p:cNvPr id="8" name="Content Placeholder 7" descr="Chart&#10;&#10;Description automatically generated">
-            <a:extLst>
-              <a:ext uri="{FF2B5EF4-FFF2-40B4-BE49-F238E27FC236}">
-                <a16:creationId xmlns:a16="http://schemas.microsoft.com/office/drawing/2014/main" id="{3748B96D-1DE4-504B-ADD6-E9E08005F6F6}"/>
+          <p:cNvPr id="4" name="Content Placeholder 3" descr="Chart, bar chart&#10;&#10;Description automatically generated">
+            <a:extLst>
+              <a:ext uri="{FF2B5EF4-FFF2-40B4-BE49-F238E27FC236}">
+                <a16:creationId xmlns:a16="http://schemas.microsoft.com/office/drawing/2014/main" id="{1AE8F124-5291-CE42-A266-ED3CBD17261C}"/>
               </a:ext>
             </a:extLst>
           </p:cNvPr>
@@ -5116,51 +5713,15 @@
         </p:blipFill>
         <p:spPr>
           <a:xfrm>
-            <a:off x="6172200" y="2364828"/>
-            <a:ext cx="5181600" cy="3258206"/>
+            <a:off x="6172200" y="2274094"/>
+            <a:ext cx="5181600" cy="3454400"/>
           </a:xfrm>
         </p:spPr>
       </p:pic>
-      <p:sp>
-        <p:nvSpPr>
-          <p:cNvPr id="9" name="TextBox 8">
-            <a:extLst>
-              <a:ext uri="{FF2B5EF4-FFF2-40B4-BE49-F238E27FC236}">
-                <a16:creationId xmlns:a16="http://schemas.microsoft.com/office/drawing/2014/main" id="{163B2049-67BD-B34D-8291-38417482DE9F}"/>
-              </a:ext>
-            </a:extLst>
-          </p:cNvPr>
-          <p:cNvSpPr txBox="1"/>
-          <p:nvPr/>
-        </p:nvSpPr>
-        <p:spPr>
-          <a:xfrm>
-            <a:off x="1481959" y="5728494"/>
-            <a:ext cx="9427779" cy="646331"/>
-          </a:xfrm>
-          <a:prstGeom prst="rect">
-            <a:avLst/>
-          </a:prstGeom>
-          <a:noFill/>
-        </p:spPr>
-        <p:txBody>
-          <a:bodyPr wrap="square" rtlCol="0">
-            <a:spAutoFit/>
-          </a:bodyPr>
-          <a:lstStyle/>
-          <a:p>
-            <a:pPr algn="ctr"/>
-            <a:r>
-              <a:rPr lang="en-US" dirty="0"/>
-              <a:t>The bar graph above clearly illustrates we have an outlier, 95837. The zip code was removed from further analysis as it threw off subsequent calculations.</a:t>
-            </a:r>
-          </a:p>
-        </p:txBody>
-      </p:sp>
     </p:spTree>
     <p:extLst>
       <p:ext uri="{BB962C8B-B14F-4D97-AF65-F5344CB8AC3E}">
-        <p14:creationId xmlns:p14="http://schemas.microsoft.com/office/powerpoint/2010/main" val="938042992"/>
+        <p14:creationId xmlns:p14="http://schemas.microsoft.com/office/powerpoint/2010/main" val="2278268001"/>
       </p:ext>
     </p:extLst>
   </p:cSld>

--- a/Project_1_Presentation.pptx
+++ b/Project_1_Presentation.pptx
@@ -4871,9 +4871,15 @@
         <p:spPr/>
         <p:txBody>
           <a:bodyPr>
-            <a:normAutofit fontScale="92500"/>
+            <a:normAutofit fontScale="92500" lnSpcReduction="10000"/>
           </a:bodyPr>
           <a:lstStyle/>
+          <a:p>
+            <a:r>
+              <a:rPr lang="en-US" dirty="0"/>
+              <a:t>Oak Park has historically had high crime rates and poverty rates. Recently it has experienced rising median home prices due to gentrification. Simultaneously, the crime rates and poverty rates have decreased. Does the data reflect these trends? Does Oak Park follow the same trends found in Sacramento County?</a:t>
+            </a:r>
+          </a:p>
           <a:p>
             <a:pPr lvl="0"/>
             <a:r>
@@ -4892,7 +4898,7 @@
             <a:pPr lvl="0"/>
             <a:r>
               <a:rPr lang="en-US" dirty="0"/>
-              <a:t>Sacramento County and Oak Park both follow the same trends with respect to the relationships between poverty, crime, and median home values</a:t>
+              <a:t>Sacramento County and Oak Park both follow the same trends with respect to the relationships between poverty, crime, and median home values.</a:t>
             </a:r>
           </a:p>
           <a:p>
@@ -4900,20 +4906,6 @@
             <a:r>
               <a:rPr lang="en-US" dirty="0"/>
               <a:t>Confidence level of 95%</a:t>
-            </a:r>
-          </a:p>
-          <a:p>
-            <a:pPr lvl="0"/>
-            <a:r>
-              <a:rPr lang="en-US" dirty="0"/>
-              <a:t>Observed values are the crime rate, poverty rate, and median home prices for Oak Park. </a:t>
-            </a:r>
-          </a:p>
-          <a:p>
-            <a:pPr lvl="0"/>
-            <a:r>
-              <a:rPr lang="en-US" dirty="0"/>
-              <a:t>Expected values are the crime rate, poverty rate, and median home prices for Sacramento County.</a:t>
             </a:r>
           </a:p>
         </p:txBody>
@@ -5007,7 +4999,7 @@
           <a:p>
             <a:r>
               <a:rPr lang="en-US" dirty="0"/>
-              <a:t>“PC All”: refers to California Penal Code of all other types of crime including crimes against property, crimes against public justice, crimes against the person involving sexual assault, criminal threats, and miscellaneous crimes. </a:t>
+              <a:t>“PC All”: refers to California Penal Code of all the types of crime including crimes against property, crimes against public justice, crimes against the person involving sexual assault, criminal threats, and miscellaneous crimes. </a:t>
             </a:r>
           </a:p>
           <a:p>
@@ -5025,9 +5017,6 @@
               <a:rPr lang="en-US" dirty="0"/>
               <a:t> </a:t>
             </a:r>
-          </a:p>
-          <a:p>
-            <a:endParaRPr lang="en-US" dirty="0"/>
           </a:p>
           <a:p>
             <a:endParaRPr lang="en-US" dirty="0"/>
@@ -5408,7 +5397,7 @@
           <a:p>
             <a:r>
               <a:rPr lang="en-US" dirty="0"/>
-              <a:t>Is there a correlation between home prices and the crime rate?</a:t>
+              <a:t>Is there a correlation between median home prices and the crime rate?</a:t>
             </a:r>
           </a:p>
         </p:txBody>

--- a/Project_1_Presentation.pptx
+++ b/Project_1_Presentation.pptx
@@ -10,7 +10,7 @@
     <p:sldId id="275" r:id="rId4"/>
     <p:sldId id="258" r:id="rId5"/>
     <p:sldId id="259" r:id="rId6"/>
-    <p:sldId id="260" r:id="rId7"/>
+    <p:sldId id="276" r:id="rId7"/>
     <p:sldId id="261" r:id="rId8"/>
     <p:sldId id="263" r:id="rId9"/>
     <p:sldId id="262" r:id="rId10"/>
@@ -275,7 +275,7 @@
           <a:p>
             <a:fld id="{FE2819C9-2263-1A43-8F74-E42C80460847}" type="datetimeFigureOut">
               <a:rPr lang="en-US" smtClean="0"/>
-              <a:t>11/19/20</a:t>
+              <a:t>11/20/20</a:t>
             </a:fld>
             <a:endParaRPr lang="en-US"/>
           </a:p>
@@ -473,7 +473,7 @@
           <a:p>
             <a:fld id="{FE2819C9-2263-1A43-8F74-E42C80460847}" type="datetimeFigureOut">
               <a:rPr lang="en-US" smtClean="0"/>
-              <a:t>11/19/20</a:t>
+              <a:t>11/20/20</a:t>
             </a:fld>
             <a:endParaRPr lang="en-US"/>
           </a:p>
@@ -681,7 +681,7 @@
           <a:p>
             <a:fld id="{FE2819C9-2263-1A43-8F74-E42C80460847}" type="datetimeFigureOut">
               <a:rPr lang="en-US" smtClean="0"/>
-              <a:t>11/19/20</a:t>
+              <a:t>11/20/20</a:t>
             </a:fld>
             <a:endParaRPr lang="en-US"/>
           </a:p>
@@ -879,7 +879,7 @@
           <a:p>
             <a:fld id="{FE2819C9-2263-1A43-8F74-E42C80460847}" type="datetimeFigureOut">
               <a:rPr lang="en-US" smtClean="0"/>
-              <a:t>11/19/20</a:t>
+              <a:t>11/20/20</a:t>
             </a:fld>
             <a:endParaRPr lang="en-US"/>
           </a:p>
@@ -1154,7 +1154,7 @@
           <a:p>
             <a:fld id="{FE2819C9-2263-1A43-8F74-E42C80460847}" type="datetimeFigureOut">
               <a:rPr lang="en-US" smtClean="0"/>
-              <a:t>11/19/20</a:t>
+              <a:t>11/20/20</a:t>
             </a:fld>
             <a:endParaRPr lang="en-US"/>
           </a:p>
@@ -1419,7 +1419,7 @@
           <a:p>
             <a:fld id="{FE2819C9-2263-1A43-8F74-E42C80460847}" type="datetimeFigureOut">
               <a:rPr lang="en-US" smtClean="0"/>
-              <a:t>11/19/20</a:t>
+              <a:t>11/20/20</a:t>
             </a:fld>
             <a:endParaRPr lang="en-US"/>
           </a:p>
@@ -1831,7 +1831,7 @@
           <a:p>
             <a:fld id="{FE2819C9-2263-1A43-8F74-E42C80460847}" type="datetimeFigureOut">
               <a:rPr lang="en-US" smtClean="0"/>
-              <a:t>11/19/20</a:t>
+              <a:t>11/20/20</a:t>
             </a:fld>
             <a:endParaRPr lang="en-US"/>
           </a:p>
@@ -1972,7 +1972,7 @@
           <a:p>
             <a:fld id="{FE2819C9-2263-1A43-8F74-E42C80460847}" type="datetimeFigureOut">
               <a:rPr lang="en-US" smtClean="0"/>
-              <a:t>11/19/20</a:t>
+              <a:t>11/20/20</a:t>
             </a:fld>
             <a:endParaRPr lang="en-US"/>
           </a:p>
@@ -2085,7 +2085,7 @@
           <a:p>
             <a:fld id="{FE2819C9-2263-1A43-8F74-E42C80460847}" type="datetimeFigureOut">
               <a:rPr lang="en-US" smtClean="0"/>
-              <a:t>11/19/20</a:t>
+              <a:t>11/20/20</a:t>
             </a:fld>
             <a:endParaRPr lang="en-US"/>
           </a:p>
@@ -2396,7 +2396,7 @@
           <a:p>
             <a:fld id="{FE2819C9-2263-1A43-8F74-E42C80460847}" type="datetimeFigureOut">
               <a:rPr lang="en-US" smtClean="0"/>
-              <a:t>11/19/20</a:t>
+              <a:t>11/20/20</a:t>
             </a:fld>
             <a:endParaRPr lang="en-US"/>
           </a:p>
@@ -2684,7 +2684,7 @@
           <a:p>
             <a:fld id="{FE2819C9-2263-1A43-8F74-E42C80460847}" type="datetimeFigureOut">
               <a:rPr lang="en-US" smtClean="0"/>
-              <a:t>11/19/20</a:t>
+              <a:t>11/20/20</a:t>
             </a:fld>
             <a:endParaRPr lang="en-US"/>
           </a:p>
@@ -2925,7 +2925,7 @@
           <a:p>
             <a:fld id="{FE2819C9-2263-1A43-8F74-E42C80460847}" type="datetimeFigureOut">
               <a:rPr lang="en-US" smtClean="0"/>
-              <a:t>11/19/20</a:t>
+              <a:t>11/20/20</a:t>
             </a:fld>
             <a:endParaRPr lang="en-US"/>
           </a:p>
@@ -3328,6 +3328,14 @@
 <file path=ppt/slides/slide1.xml><?xml version="1.0" encoding="utf-8"?>
 <p:sld xmlns:a="http://schemas.openxmlformats.org/drawingml/2006/main" xmlns:r="http://schemas.openxmlformats.org/officeDocument/2006/relationships" xmlns:p="http://schemas.openxmlformats.org/presentationml/2006/main">
   <p:cSld>
+    <p:bg>
+      <p:bgPr>
+        <a:solidFill>
+          <a:schemeClr val="bg1"/>
+        </a:solidFill>
+        <a:effectLst/>
+      </p:bgPr>
+    </p:bg>
     <p:spTree>
       <p:nvGrpSpPr>
         <p:cNvPr id="1" name=""/>
@@ -3342,6 +3350,195 @@
           <a:chExt cx="0" cy="0"/>
         </a:xfrm>
       </p:grpSpPr>
+      <p:sp useBgFill="1">
+        <p:nvSpPr>
+          <p:cNvPr id="8" name="Rectangle 7">
+            <a:extLst>
+              <a:ext uri="{FF2B5EF4-FFF2-40B4-BE49-F238E27FC236}">
+                <a16:creationId xmlns:a16="http://schemas.microsoft.com/office/drawing/2014/main" id="{934F1179-B481-4F9E-BCA3-AFB972070F83}"/>
+              </a:ext>
+              <a:ext uri="{C183D7F6-B498-43B3-948B-1728B52AA6E4}">
+                <adec:decorative xmlns:adec="http://schemas.microsoft.com/office/drawing/2017/decorative" val="1"/>
+              </a:ext>
+            </a:extLst>
+          </p:cNvPr>
+          <p:cNvSpPr>
+            <a:spLocks noGrp="1" noRot="1" noChangeAspect="1" noMove="1" noResize="1" noEditPoints="1" noAdjustHandles="1" noChangeArrowheads="1" noChangeShapeType="1" noTextEdit="1"/>
+          </p:cNvSpPr>
+          <p:nvPr>
+            <p:extLst>
+              <p:ext uri="{386F3935-93C4-4BCD-93E2-E3B085C9AB24}">
+                <p16:designElem xmlns:p16="http://schemas.microsoft.com/office/powerpoint/2015/main" val="1"/>
+              </p:ext>
+            </p:extLst>
+          </p:nvPr>
+        </p:nvSpPr>
+        <p:spPr>
+          <a:xfrm>
+            <a:off x="0" y="0"/>
+            <a:ext cx="12192000" cy="6858000"/>
+          </a:xfrm>
+          <a:prstGeom prst="rect">
+            <a:avLst/>
+          </a:prstGeom>
+          <a:ln>
+            <a:noFill/>
+          </a:ln>
+        </p:spPr>
+        <p:style>
+          <a:lnRef idx="2">
+            <a:schemeClr val="accent1">
+              <a:shade val="50000"/>
+            </a:schemeClr>
+          </a:lnRef>
+          <a:fillRef idx="1">
+            <a:schemeClr val="accent1"/>
+          </a:fillRef>
+          <a:effectRef idx="0">
+            <a:schemeClr val="accent1"/>
+          </a:effectRef>
+          <a:fontRef idx="minor">
+            <a:schemeClr val="lt1"/>
+          </a:fontRef>
+        </p:style>
+        <p:txBody>
+          <a:bodyPr rtlCol="0" anchor="ctr"/>
+          <a:lstStyle/>
+          <a:p>
+            <a:pPr algn="ctr"/>
+            <a:endParaRPr lang="en-US"/>
+          </a:p>
+        </p:txBody>
+      </p:sp>
+      <p:sp>
+        <p:nvSpPr>
+          <p:cNvPr id="10" name="Right Triangle 9">
+            <a:extLst>
+              <a:ext uri="{FF2B5EF4-FFF2-40B4-BE49-F238E27FC236}">
+                <a16:creationId xmlns:a16="http://schemas.microsoft.com/office/drawing/2014/main" id="{827DC2C4-B485-428A-BF4A-472D2967F47F}"/>
+              </a:ext>
+              <a:ext uri="{C183D7F6-B498-43B3-948B-1728B52AA6E4}">
+                <adec:decorative xmlns:adec="http://schemas.microsoft.com/office/drawing/2017/decorative" val="1"/>
+              </a:ext>
+            </a:extLst>
+          </p:cNvPr>
+          <p:cNvSpPr>
+            <a:spLocks noGrp="1" noRot="1" noChangeAspect="1" noMove="1" noResize="1" noEditPoints="1" noAdjustHandles="1" noChangeArrowheads="1" noChangeShapeType="1" noTextEdit="1"/>
+          </p:cNvSpPr>
+          <p:nvPr>
+            <p:extLst>
+              <p:ext uri="{386F3935-93C4-4BCD-93E2-E3B085C9AB24}">
+                <p16:designElem xmlns:p16="http://schemas.microsoft.com/office/powerpoint/2015/main" val="1"/>
+              </p:ext>
+            </p:extLst>
+          </p:nvPr>
+        </p:nvSpPr>
+        <p:spPr>
+          <a:xfrm flipH="1">
+            <a:off x="8576720" y="3335867"/>
+            <a:ext cx="3291840" cy="3200400"/>
+          </a:xfrm>
+          <a:prstGeom prst="rtTriangle">
+            <a:avLst/>
+          </a:prstGeom>
+          <a:solidFill>
+            <a:schemeClr val="accent4"/>
+          </a:solidFill>
+          <a:ln>
+            <a:noFill/>
+          </a:ln>
+        </p:spPr>
+        <p:style>
+          <a:lnRef idx="2">
+            <a:schemeClr val="accent1">
+              <a:shade val="50000"/>
+            </a:schemeClr>
+          </a:lnRef>
+          <a:fillRef idx="1">
+            <a:schemeClr val="accent1"/>
+          </a:fillRef>
+          <a:effectRef idx="0">
+            <a:schemeClr val="accent1"/>
+          </a:effectRef>
+          <a:fontRef idx="minor">
+            <a:schemeClr val="lt1"/>
+          </a:fontRef>
+        </p:style>
+        <p:txBody>
+          <a:bodyPr rtlCol="0" anchor="ctr"/>
+          <a:lstStyle/>
+          <a:p>
+            <a:pPr algn="ctr"/>
+            <a:endParaRPr lang="en-US" dirty="0"/>
+          </a:p>
+        </p:txBody>
+      </p:sp>
+      <p:sp>
+        <p:nvSpPr>
+          <p:cNvPr id="12" name="Rectangle 11">
+            <a:extLst>
+              <a:ext uri="{FF2B5EF4-FFF2-40B4-BE49-F238E27FC236}">
+                <a16:creationId xmlns:a16="http://schemas.microsoft.com/office/drawing/2014/main" id="{EE04B5EB-F158-4507-90DD-BD23620C7CC9}"/>
+              </a:ext>
+              <a:ext uri="{C183D7F6-B498-43B3-948B-1728B52AA6E4}">
+                <adec:decorative xmlns:adec="http://schemas.microsoft.com/office/drawing/2017/decorative" val="1"/>
+              </a:ext>
+            </a:extLst>
+          </p:cNvPr>
+          <p:cNvSpPr>
+            <a:spLocks noGrp="1" noRot="1" noChangeAspect="1" noMove="1" noResize="1" noEditPoints="1" noAdjustHandles="1" noChangeArrowheads="1" noChangeShapeType="1" noTextEdit="1"/>
+          </p:cNvSpPr>
+          <p:nvPr>
+            <p:extLst>
+              <p:ext uri="{386F3935-93C4-4BCD-93E2-E3B085C9AB24}">
+                <p16:designElem xmlns:p16="http://schemas.microsoft.com/office/powerpoint/2015/main" val="1"/>
+              </p:ext>
+            </p:extLst>
+          </p:nvPr>
+        </p:nvSpPr>
+        <p:spPr>
+          <a:xfrm>
+            <a:off x="641774" y="623275"/>
+            <a:ext cx="10905053" cy="5607882"/>
+          </a:xfrm>
+          <a:prstGeom prst="rect">
+            <a:avLst/>
+          </a:prstGeom>
+          <a:noFill/>
+          <a:ln w="19050">
+            <a:solidFill>
+              <a:schemeClr val="tx1">
+                <a:lumMod val="75000"/>
+                <a:lumOff val="25000"/>
+              </a:schemeClr>
+            </a:solidFill>
+          </a:ln>
+        </p:spPr>
+        <p:style>
+          <a:lnRef idx="2">
+            <a:schemeClr val="accent1">
+              <a:shade val="50000"/>
+            </a:schemeClr>
+          </a:lnRef>
+          <a:fillRef idx="1">
+            <a:schemeClr val="accent1"/>
+          </a:fillRef>
+          <a:effectRef idx="0">
+            <a:schemeClr val="accent1"/>
+          </a:effectRef>
+          <a:fontRef idx="minor">
+            <a:schemeClr val="lt1"/>
+          </a:fontRef>
+        </p:style>
+        <p:txBody>
+          <a:bodyPr rtlCol="0" anchor="ctr"/>
+          <a:lstStyle/>
+          <a:p>
+            <a:pPr algn="ctr"/>
+            <a:endParaRPr lang="en-US"/>
+          </a:p>
+        </p:txBody>
+      </p:sp>
       <p:sp>
         <p:nvSpPr>
           <p:cNvPr id="2" name="Title 1">
@@ -3358,13 +3555,21 @@
             <p:ph type="ctrTitle"/>
           </p:nvPr>
         </p:nvSpPr>
-        <p:spPr/>
-        <p:txBody>
-          <a:bodyPr/>
-          <a:lstStyle/>
-          <a:p>
-            <a:r>
-              <a:rPr lang="en-US" dirty="0"/>
+        <p:spPr>
+          <a:xfrm>
+            <a:off x="1285241" y="1008993"/>
+            <a:ext cx="9231410" cy="3542045"/>
+          </a:xfrm>
+        </p:spPr>
+        <p:txBody>
+          <a:bodyPr anchor="b">
+            <a:normAutofit/>
+          </a:bodyPr>
+          <a:lstStyle/>
+          <a:p>
+            <a:pPr algn="l"/>
+            <a:r>
+              <a:rPr lang="en-US" sz="11500"/>
               <a:t>Crime and Poverty</a:t>
             </a:r>
           </a:p>
@@ -3386,25 +3591,35 @@
             <p:ph type="subTitle" idx="1"/>
           </p:nvPr>
         </p:nvSpPr>
-        <p:spPr/>
-        <p:txBody>
-          <a:bodyPr/>
-          <a:lstStyle/>
-          <a:p>
-            <a:r>
-              <a:rPr lang="en-US" dirty="0"/>
+        <p:spPr>
+          <a:xfrm>
+            <a:off x="1285241" y="4582814"/>
+            <a:ext cx="7132335" cy="1312657"/>
+          </a:xfrm>
+        </p:spPr>
+        <p:txBody>
+          <a:bodyPr anchor="t">
+            <a:normAutofit/>
+          </a:bodyPr>
+          <a:lstStyle/>
+          <a:p>
+            <a:pPr algn="l"/>
+            <a:r>
+              <a:rPr lang="en-US" sz="1900"/>
               <a:t>Project 1</a:t>
             </a:r>
           </a:p>
           <a:p>
-            <a:r>
-              <a:rPr lang="en-US" dirty="0"/>
+            <a:pPr algn="l"/>
+            <a:r>
+              <a:rPr lang="en-US" sz="1900"/>
               <a:t>November 21, 2020</a:t>
             </a:r>
           </a:p>
           <a:p>
-            <a:r>
-              <a:rPr lang="en-US" dirty="0"/>
+            <a:pPr algn="l"/>
+            <a:r>
+              <a:rPr lang="en-US" sz="1900"/>
               <a:t>Presenters: Sean Galloway, Peter Vlahos, Elliot Chen, Cora Micsunescu</a:t>
             </a:r>
           </a:p>
@@ -3766,6 +3981,14 @@
 <file path=ppt/slides/slide12.xml><?xml version="1.0" encoding="utf-8"?>
 <p:sld xmlns:a="http://schemas.openxmlformats.org/drawingml/2006/main" xmlns:r="http://schemas.openxmlformats.org/officeDocument/2006/relationships" xmlns:p="http://schemas.openxmlformats.org/presentationml/2006/main">
   <p:cSld>
+    <p:bg>
+      <p:bgPr>
+        <a:solidFill>
+          <a:schemeClr val="bg1"/>
+        </a:solidFill>
+        <a:effectLst/>
+      </p:bgPr>
+    </p:bg>
     <p:spTree>
       <p:nvGrpSpPr>
         <p:cNvPr id="1" name=""/>
@@ -3780,33 +4003,559 @@
           <a:chExt cx="0" cy="0"/>
         </a:xfrm>
       </p:grpSpPr>
-      <p:sp>
-        <p:nvSpPr>
-          <p:cNvPr id="5" name="Title 4">
-            <a:extLst>
-              <a:ext uri="{FF2B5EF4-FFF2-40B4-BE49-F238E27FC236}">
-                <a16:creationId xmlns:a16="http://schemas.microsoft.com/office/drawing/2014/main" id="{2F7EE93D-E0F3-0B4F-9E0C-3904C99BEEDB}"/>
-              </a:ext>
-            </a:extLst>
-          </p:cNvPr>
-          <p:cNvSpPr>
-            <a:spLocks noGrp="1"/>
-          </p:cNvSpPr>
-          <p:nvPr>
-            <p:ph type="title"/>
-          </p:nvPr>
-        </p:nvSpPr>
-        <p:spPr/>
-        <p:txBody>
-          <a:bodyPr>
-            <a:normAutofit fontScale="90000"/>
+      <p:sp useBgFill="1">
+        <p:nvSpPr>
+          <p:cNvPr id="44" name="Rectangle 43">
+            <a:extLst>
+              <a:ext uri="{FF2B5EF4-FFF2-40B4-BE49-F238E27FC236}">
+                <a16:creationId xmlns:a16="http://schemas.microsoft.com/office/drawing/2014/main" id="{0288C6B4-AFC3-407F-A595-EFFD38D4CCAF}"/>
+              </a:ext>
+              <a:ext uri="{C183D7F6-B498-43B3-948B-1728B52AA6E4}">
+                <adec:decorative xmlns:adec="http://schemas.microsoft.com/office/drawing/2017/decorative" val="1"/>
+              </a:ext>
+            </a:extLst>
+          </p:cNvPr>
+          <p:cNvSpPr>
+            <a:spLocks noGrp="1" noRot="1" noChangeAspect="1" noMove="1" noResize="1" noEditPoints="1" noAdjustHandles="1" noChangeArrowheads="1" noChangeShapeType="1" noTextEdit="1"/>
+          </p:cNvSpPr>
+          <p:nvPr>
+            <p:extLst>
+              <p:ext uri="{386F3935-93C4-4BCD-93E2-E3B085C9AB24}">
+                <p16:designElem xmlns:p16="http://schemas.microsoft.com/office/powerpoint/2015/main" val="1"/>
+              </p:ext>
+            </p:extLst>
+          </p:nvPr>
+        </p:nvSpPr>
+        <p:spPr>
+          <a:xfrm>
+            <a:off x="0" y="0"/>
+            <a:ext cx="12192000" cy="6858000"/>
+          </a:xfrm>
+          <a:prstGeom prst="rect">
+            <a:avLst/>
+          </a:prstGeom>
+          <a:ln>
+            <a:noFill/>
+          </a:ln>
+        </p:spPr>
+        <p:style>
+          <a:lnRef idx="2">
+            <a:schemeClr val="accent1">
+              <a:shade val="50000"/>
+            </a:schemeClr>
+          </a:lnRef>
+          <a:fillRef idx="1">
+            <a:schemeClr val="accent1"/>
+          </a:fillRef>
+          <a:effectRef idx="0">
+            <a:schemeClr val="accent1"/>
+          </a:effectRef>
+          <a:fontRef idx="minor">
+            <a:schemeClr val="lt1"/>
+          </a:fontRef>
+        </p:style>
+        <p:txBody>
+          <a:bodyPr rtlCol="0" anchor="ctr"/>
+          <a:lstStyle/>
+          <a:p>
+            <a:pPr algn="ctr"/>
+            <a:endParaRPr lang="en-US"/>
+          </a:p>
+        </p:txBody>
+      </p:sp>
+      <p:sp useBgFill="1">
+        <p:nvSpPr>
+          <p:cNvPr id="46" name="Freeform: Shape 45">
+            <a:extLst>
+              <a:ext uri="{FF2B5EF4-FFF2-40B4-BE49-F238E27FC236}">
+                <a16:creationId xmlns:a16="http://schemas.microsoft.com/office/drawing/2014/main" id="{CF236821-17FE-429B-8D2C-08E13A64EA40}"/>
+              </a:ext>
+              <a:ext uri="{C183D7F6-B498-43B3-948B-1728B52AA6E4}">
+                <adec:decorative xmlns:adec="http://schemas.microsoft.com/office/drawing/2017/decorative" val="1"/>
+              </a:ext>
+            </a:extLst>
+          </p:cNvPr>
+          <p:cNvSpPr>
+            <a:spLocks noGrp="1" noRot="1" noChangeAspect="1" noMove="1" noResize="1" noEditPoints="1" noAdjustHandles="1" noChangeArrowheads="1" noChangeShapeType="1" noTextEdit="1"/>
+          </p:cNvSpPr>
+          <p:nvPr>
+            <p:extLst>
+              <p:ext uri="{386F3935-93C4-4BCD-93E2-E3B085C9AB24}">
+                <p16:designElem xmlns:p16="http://schemas.microsoft.com/office/powerpoint/2015/main" val="1"/>
+              </p:ext>
+            </p:extLst>
+          </p:nvPr>
+        </p:nvSpPr>
+        <p:spPr>
+          <a:xfrm>
+            <a:off x="-1" y="0"/>
+            <a:ext cx="4455673" cy="6858000"/>
+          </a:xfrm>
+          <a:custGeom>
+            <a:avLst/>
+            <a:gdLst>
+              <a:gd name="connsiteX0" fmla="*/ 0 w 4455673"/>
+              <a:gd name="connsiteY0" fmla="*/ 0 h 6858000"/>
+              <a:gd name="connsiteX1" fmla="*/ 3242695 w 4455673"/>
+              <a:gd name="connsiteY1" fmla="*/ 0 h 6858000"/>
+              <a:gd name="connsiteX2" fmla="*/ 3305678 w 4455673"/>
+              <a:gd name="connsiteY2" fmla="*/ 69271 h 6858000"/>
+              <a:gd name="connsiteX3" fmla="*/ 4455673 w 4455673"/>
+              <a:gd name="connsiteY3" fmla="*/ 3429000 h 6858000"/>
+              <a:gd name="connsiteX4" fmla="*/ 3305678 w 4455673"/>
+              <a:gd name="connsiteY4" fmla="*/ 6788730 h 6858000"/>
+              <a:gd name="connsiteX5" fmla="*/ 3242695 w 4455673"/>
+              <a:gd name="connsiteY5" fmla="*/ 6858000 h 6858000"/>
+              <a:gd name="connsiteX6" fmla="*/ 0 w 4455673"/>
+              <a:gd name="connsiteY6" fmla="*/ 6858000 h 6858000"/>
+            </a:gdLst>
+            <a:ahLst/>
+            <a:cxnLst>
+              <a:cxn ang="0">
+                <a:pos x="connsiteX0" y="connsiteY0"/>
+              </a:cxn>
+              <a:cxn ang="0">
+                <a:pos x="connsiteX1" y="connsiteY1"/>
+              </a:cxn>
+              <a:cxn ang="0">
+                <a:pos x="connsiteX2" y="connsiteY2"/>
+              </a:cxn>
+              <a:cxn ang="0">
+                <a:pos x="connsiteX3" y="connsiteY3"/>
+              </a:cxn>
+              <a:cxn ang="0">
+                <a:pos x="connsiteX4" y="connsiteY4"/>
+              </a:cxn>
+              <a:cxn ang="0">
+                <a:pos x="connsiteX5" y="connsiteY5"/>
+              </a:cxn>
+              <a:cxn ang="0">
+                <a:pos x="connsiteX6" y="connsiteY6"/>
+              </a:cxn>
+            </a:cxnLst>
+            <a:rect l="l" t="t" r="r" b="b"/>
+            <a:pathLst>
+              <a:path w="4455673" h="6858000">
+                <a:moveTo>
+                  <a:pt x="0" y="0"/>
+                </a:moveTo>
+                <a:lnTo>
+                  <a:pt x="3242695" y="0"/>
+                </a:lnTo>
+                <a:lnTo>
+                  <a:pt x="3305678" y="69271"/>
+                </a:lnTo>
+                <a:cubicBezTo>
+                  <a:pt x="4016204" y="929100"/>
+                  <a:pt x="4455673" y="2116944"/>
+                  <a:pt x="4455673" y="3429000"/>
+                </a:cubicBezTo>
+                <a:cubicBezTo>
+                  <a:pt x="4455673" y="4741056"/>
+                  <a:pt x="4016204" y="5928900"/>
+                  <a:pt x="3305678" y="6788730"/>
+                </a:cubicBezTo>
+                <a:lnTo>
+                  <a:pt x="3242695" y="6858000"/>
+                </a:lnTo>
+                <a:lnTo>
+                  <a:pt x="0" y="6858000"/>
+                </a:lnTo>
+                <a:close/>
+              </a:path>
+            </a:pathLst>
+          </a:custGeom>
+          <a:ln w="9525">
+            <a:solidFill>
+              <a:srgbClr val="EFEFEF"/>
+            </a:solidFill>
+          </a:ln>
+          <a:effectLst>
+            <a:outerShdw blurRad="88900" dist="38100" algn="l" rotWithShape="0">
+              <a:schemeClr val="bg1">
+                <a:lumMod val="85000"/>
+                <a:alpha val="50000"/>
+              </a:schemeClr>
+            </a:outerShdw>
+          </a:effectLst>
+        </p:spPr>
+        <p:style>
+          <a:lnRef idx="2">
+            <a:schemeClr val="accent1">
+              <a:shade val="50000"/>
+            </a:schemeClr>
+          </a:lnRef>
+          <a:fillRef idx="1">
+            <a:schemeClr val="accent1"/>
+          </a:fillRef>
+          <a:effectRef idx="0">
+            <a:schemeClr val="accent1"/>
+          </a:effectRef>
+          <a:fontRef idx="minor">
+            <a:schemeClr val="lt1"/>
+          </a:fontRef>
+        </p:style>
+        <p:txBody>
+          <a:bodyPr wrap="square" rtlCol="0" anchor="ctr">
+            <a:noAutofit/>
           </a:bodyPr>
           <a:lstStyle/>
           <a:p>
-            <a:r>
-              <a:rPr lang="en-US" dirty="0"/>
-              <a:t>Is there a correlation between the poverty rate and the crime rate?</a:t>
-            </a:r>
+            <a:pPr marL="0" marR="0" lvl="0" indent="0" algn="ctr" defTabSz="914400" rtl="0" eaLnBrk="1" fontAlgn="auto" latinLnBrk="0" hangingPunct="1">
+              <a:lnSpc>
+                <a:spcPct val="100000"/>
+              </a:lnSpc>
+              <a:spcBef>
+                <a:spcPts val="0"/>
+              </a:spcBef>
+              <a:spcAft>
+                <a:spcPts val="0"/>
+              </a:spcAft>
+              <a:buClrTx/>
+              <a:buSzTx/>
+              <a:buFontTx/>
+              <a:buNone/>
+              <a:tabLst/>
+              <a:defRPr/>
+            </a:pPr>
+            <a:endParaRPr kumimoji="0" lang="en-US" sz="1800" b="0" i="0" u="none" strike="noStrike" kern="1200" cap="none" spc="0" normalizeH="0" baseline="0" noProof="0">
+              <a:ln>
+                <a:noFill/>
+              </a:ln>
+              <a:solidFill>
+                <a:prstClr val="white"/>
+              </a:solidFill>
+              <a:effectLst/>
+              <a:uLnTx/>
+              <a:uFillTx/>
+              <a:latin typeface="Calibri" panose="020F0502020204030204"/>
+              <a:ea typeface="+mn-ea"/>
+              <a:cs typeface="+mn-cs"/>
+            </a:endParaRPr>
+          </a:p>
+        </p:txBody>
+      </p:sp>
+      <p:sp useBgFill="1">
+        <p:nvSpPr>
+          <p:cNvPr id="48" name="Freeform: Shape 47">
+            <a:extLst>
+              <a:ext uri="{FF2B5EF4-FFF2-40B4-BE49-F238E27FC236}">
+                <a16:creationId xmlns:a16="http://schemas.microsoft.com/office/drawing/2014/main" id="{C0BDBCD2-E081-43AB-9119-C55465E59757}"/>
+              </a:ext>
+              <a:ext uri="{C183D7F6-B498-43B3-948B-1728B52AA6E4}">
+                <adec:decorative xmlns:adec="http://schemas.microsoft.com/office/drawing/2017/decorative" val="1"/>
+              </a:ext>
+            </a:extLst>
+          </p:cNvPr>
+          <p:cNvSpPr>
+            <a:spLocks noGrp="1" noRot="1" noChangeAspect="1" noMove="1" noResize="1" noEditPoints="1" noAdjustHandles="1" noChangeArrowheads="1" noChangeShapeType="1" noTextEdit="1"/>
+          </p:cNvSpPr>
+          <p:nvPr>
+            <p:extLst>
+              <p:ext uri="{386F3935-93C4-4BCD-93E2-E3B085C9AB24}">
+                <p16:designElem xmlns:p16="http://schemas.microsoft.com/office/powerpoint/2015/main" val="1"/>
+              </p:ext>
+            </p:extLst>
+          </p:nvPr>
+        </p:nvSpPr>
+        <p:spPr>
+          <a:xfrm>
+            <a:off x="0" y="0"/>
+            <a:ext cx="4446529" cy="6858000"/>
+          </a:xfrm>
+          <a:custGeom>
+            <a:avLst/>
+            <a:gdLst>
+              <a:gd name="connsiteX0" fmla="*/ 0 w 4446529"/>
+              <a:gd name="connsiteY0" fmla="*/ 0 h 6858000"/>
+              <a:gd name="connsiteX1" fmla="*/ 3233551 w 4446529"/>
+              <a:gd name="connsiteY1" fmla="*/ 0 h 6858000"/>
+              <a:gd name="connsiteX2" fmla="*/ 3296534 w 4446529"/>
+              <a:gd name="connsiteY2" fmla="*/ 69271 h 6858000"/>
+              <a:gd name="connsiteX3" fmla="*/ 4446529 w 4446529"/>
+              <a:gd name="connsiteY3" fmla="*/ 3429000 h 6858000"/>
+              <a:gd name="connsiteX4" fmla="*/ 3296534 w 4446529"/>
+              <a:gd name="connsiteY4" fmla="*/ 6788730 h 6858000"/>
+              <a:gd name="connsiteX5" fmla="*/ 3233551 w 4446529"/>
+              <a:gd name="connsiteY5" fmla="*/ 6858000 h 6858000"/>
+              <a:gd name="connsiteX6" fmla="*/ 0 w 4446529"/>
+              <a:gd name="connsiteY6" fmla="*/ 6858000 h 6858000"/>
+            </a:gdLst>
+            <a:ahLst/>
+            <a:cxnLst>
+              <a:cxn ang="0">
+                <a:pos x="connsiteX0" y="connsiteY0"/>
+              </a:cxn>
+              <a:cxn ang="0">
+                <a:pos x="connsiteX1" y="connsiteY1"/>
+              </a:cxn>
+              <a:cxn ang="0">
+                <a:pos x="connsiteX2" y="connsiteY2"/>
+              </a:cxn>
+              <a:cxn ang="0">
+                <a:pos x="connsiteX3" y="connsiteY3"/>
+              </a:cxn>
+              <a:cxn ang="0">
+                <a:pos x="connsiteX4" y="connsiteY4"/>
+              </a:cxn>
+              <a:cxn ang="0">
+                <a:pos x="connsiteX5" y="connsiteY5"/>
+              </a:cxn>
+              <a:cxn ang="0">
+                <a:pos x="connsiteX6" y="connsiteY6"/>
+              </a:cxn>
+            </a:cxnLst>
+            <a:rect l="l" t="t" r="r" b="b"/>
+            <a:pathLst>
+              <a:path w="4446529" h="6858000">
+                <a:moveTo>
+                  <a:pt x="0" y="0"/>
+                </a:moveTo>
+                <a:lnTo>
+                  <a:pt x="3233551" y="0"/>
+                </a:lnTo>
+                <a:lnTo>
+                  <a:pt x="3296534" y="69271"/>
+                </a:lnTo>
+                <a:cubicBezTo>
+                  <a:pt x="4007060" y="929100"/>
+                  <a:pt x="4446529" y="2116944"/>
+                  <a:pt x="4446529" y="3429000"/>
+                </a:cubicBezTo>
+                <a:cubicBezTo>
+                  <a:pt x="4446529" y="4741056"/>
+                  <a:pt x="4007060" y="5928900"/>
+                  <a:pt x="3296534" y="6788730"/>
+                </a:cubicBezTo>
+                <a:lnTo>
+                  <a:pt x="3233551" y="6858000"/>
+                </a:lnTo>
+                <a:lnTo>
+                  <a:pt x="0" y="6858000"/>
+                </a:lnTo>
+                <a:close/>
+              </a:path>
+            </a:pathLst>
+          </a:custGeom>
+          <a:ln w="9525">
+            <a:noFill/>
+          </a:ln>
+          <a:effectLst/>
+        </p:spPr>
+        <p:style>
+          <a:lnRef idx="2">
+            <a:schemeClr val="accent1">
+              <a:shade val="50000"/>
+            </a:schemeClr>
+          </a:lnRef>
+          <a:fillRef idx="1">
+            <a:schemeClr val="accent1"/>
+          </a:fillRef>
+          <a:effectRef idx="0">
+            <a:schemeClr val="accent1"/>
+          </a:effectRef>
+          <a:fontRef idx="minor">
+            <a:schemeClr val="lt1"/>
+          </a:fontRef>
+        </p:style>
+        <p:txBody>
+          <a:bodyPr wrap="square" rtlCol="0" anchor="ctr">
+            <a:noAutofit/>
+          </a:bodyPr>
+          <a:lstStyle/>
+          <a:p>
+            <a:pPr marL="0" marR="0" lvl="0" indent="0" algn="ctr" defTabSz="914400" rtl="0" eaLnBrk="1" fontAlgn="auto" latinLnBrk="0" hangingPunct="1">
+              <a:lnSpc>
+                <a:spcPct val="100000"/>
+              </a:lnSpc>
+              <a:spcBef>
+                <a:spcPts val="0"/>
+              </a:spcBef>
+              <a:spcAft>
+                <a:spcPts val="0"/>
+              </a:spcAft>
+              <a:buClrTx/>
+              <a:buSzTx/>
+              <a:buFontTx/>
+              <a:buNone/>
+              <a:tabLst/>
+              <a:defRPr/>
+            </a:pPr>
+            <a:endParaRPr kumimoji="0" lang="en-US" sz="1800" b="0" i="0" u="none" strike="noStrike" kern="1200" cap="none" spc="0" normalizeH="0" baseline="0" noProof="0">
+              <a:ln>
+                <a:noFill/>
+              </a:ln>
+              <a:solidFill>
+                <a:prstClr val="white"/>
+              </a:solidFill>
+              <a:effectLst/>
+              <a:uLnTx/>
+              <a:uFillTx/>
+              <a:latin typeface="Calibri" panose="020F0502020204030204"/>
+              <a:ea typeface="+mn-ea"/>
+              <a:cs typeface="+mn-cs"/>
+            </a:endParaRPr>
+          </a:p>
+        </p:txBody>
+      </p:sp>
+      <p:sp>
+        <p:nvSpPr>
+          <p:cNvPr id="50" name="Rectangle 49">
+            <a:extLst>
+              <a:ext uri="{FF2B5EF4-FFF2-40B4-BE49-F238E27FC236}">
+                <a16:creationId xmlns:a16="http://schemas.microsoft.com/office/drawing/2014/main" id="{98E79BE4-34FE-485A-98A5-92CE8F7C4743}"/>
+              </a:ext>
+              <a:ext uri="{C183D7F6-B498-43B3-948B-1728B52AA6E4}">
+                <adec:decorative xmlns:adec="http://schemas.microsoft.com/office/drawing/2017/decorative" val="1"/>
+              </a:ext>
+            </a:extLst>
+          </p:cNvPr>
+          <p:cNvSpPr>
+            <a:spLocks noGrp="1" noRot="1" noChangeAspect="1" noMove="1" noResize="1" noEditPoints="1" noAdjustHandles="1" noChangeArrowheads="1" noChangeShapeType="1" noTextEdit="1"/>
+          </p:cNvSpPr>
+          <p:nvPr>
+            <p:extLst>
+              <p:ext uri="{386F3935-93C4-4BCD-93E2-E3B085C9AB24}">
+                <p16:designElem xmlns:p16="http://schemas.microsoft.com/office/powerpoint/2015/main" val="1"/>
+              </p:ext>
+            </p:extLst>
+          </p:nvPr>
+        </p:nvSpPr>
+        <p:spPr>
+          <a:xfrm>
+            <a:off x="0" y="1426546"/>
+            <a:ext cx="128016" cy="653903"/>
+          </a:xfrm>
+          <a:prstGeom prst="rect">
+            <a:avLst/>
+          </a:prstGeom>
+          <a:solidFill>
+            <a:schemeClr val="accent2"/>
+          </a:solidFill>
+          <a:ln>
+            <a:noFill/>
+          </a:ln>
+        </p:spPr>
+        <p:style>
+          <a:lnRef idx="2">
+            <a:schemeClr val="accent1">
+              <a:shade val="50000"/>
+            </a:schemeClr>
+          </a:lnRef>
+          <a:fillRef idx="1">
+            <a:schemeClr val="accent1"/>
+          </a:fillRef>
+          <a:effectRef idx="0">
+            <a:schemeClr val="accent1"/>
+          </a:effectRef>
+          <a:fontRef idx="minor">
+            <a:schemeClr val="lt1"/>
+          </a:fontRef>
+        </p:style>
+        <p:txBody>
+          <a:bodyPr rtlCol="0" anchor="ctr"/>
+          <a:lstStyle/>
+          <a:p>
+            <a:pPr algn="ctr"/>
+            <a:endParaRPr lang="en-US">
+              <a:solidFill>
+                <a:prstClr val="white"/>
+              </a:solidFill>
+              <a:latin typeface="Calibri" panose="020F0502020204030204"/>
+            </a:endParaRPr>
+          </a:p>
+        </p:txBody>
+      </p:sp>
+      <p:sp>
+        <p:nvSpPr>
+          <p:cNvPr id="52" name="Rectangle 51">
+            <a:extLst>
+              <a:ext uri="{FF2B5EF4-FFF2-40B4-BE49-F238E27FC236}">
+                <a16:creationId xmlns:a16="http://schemas.microsoft.com/office/drawing/2014/main" id="{7A5F0580-5EE9-419F-96EE-B6529EF6E7D0}"/>
+              </a:ext>
+              <a:ext uri="{C183D7F6-B498-43B3-948B-1728B52AA6E4}">
+                <adec:decorative xmlns:adec="http://schemas.microsoft.com/office/drawing/2017/decorative" val="1"/>
+              </a:ext>
+            </a:extLst>
+          </p:cNvPr>
+          <p:cNvSpPr>
+            <a:spLocks noGrp="1" noRot="1" noChangeAspect="1" noMove="1" noResize="1" noEditPoints="1" noAdjustHandles="1" noChangeArrowheads="1" noChangeShapeType="1" noTextEdit="1"/>
+          </p:cNvSpPr>
+          <p:nvPr>
+            <p:extLst>
+              <p:ext uri="{386F3935-93C4-4BCD-93E2-E3B085C9AB24}">
+                <p16:designElem xmlns:p16="http://schemas.microsoft.com/office/powerpoint/2015/main" val="1"/>
+              </p:ext>
+            </p:extLst>
+          </p:nvPr>
+        </p:nvSpPr>
+        <p:spPr>
+          <a:xfrm>
+            <a:off x="395893" y="2443480"/>
+            <a:ext cx="3383280" cy="18288"/>
+          </a:xfrm>
+          <a:prstGeom prst="rect">
+            <a:avLst/>
+          </a:prstGeom>
+          <a:solidFill>
+            <a:srgbClr val="D5D5D5"/>
+          </a:solidFill>
+          <a:ln w="3175">
+            <a:noFill/>
+          </a:ln>
+          <a:effectLst/>
+        </p:spPr>
+        <p:style>
+          <a:lnRef idx="2">
+            <a:schemeClr val="accent1">
+              <a:shade val="50000"/>
+            </a:schemeClr>
+          </a:lnRef>
+          <a:fillRef idx="1">
+            <a:schemeClr val="accent1"/>
+          </a:fillRef>
+          <a:effectRef idx="0">
+            <a:schemeClr val="accent1"/>
+          </a:effectRef>
+          <a:fontRef idx="minor">
+            <a:schemeClr val="lt1"/>
+          </a:fontRef>
+        </p:style>
+        <p:txBody>
+          <a:bodyPr rtlCol="0" anchor="ctr"/>
+          <a:lstStyle/>
+          <a:p>
+            <a:pPr marL="0" marR="0" lvl="0" indent="0" algn="ctr" defTabSz="914400" rtl="0" eaLnBrk="1" fontAlgn="auto" latinLnBrk="0" hangingPunct="1">
+              <a:lnSpc>
+                <a:spcPct val="100000"/>
+              </a:lnSpc>
+              <a:spcBef>
+                <a:spcPts val="0"/>
+              </a:spcBef>
+              <a:spcAft>
+                <a:spcPts val="0"/>
+              </a:spcAft>
+              <a:buClrTx/>
+              <a:buSzTx/>
+              <a:buFontTx/>
+              <a:buNone/>
+              <a:tabLst/>
+              <a:defRPr/>
+            </a:pPr>
+            <a:endParaRPr kumimoji="0" lang="en-US" sz="1800" b="0" i="0" u="none" strike="noStrike" kern="1200" cap="none" spc="0" normalizeH="0" baseline="0" noProof="0">
+              <a:ln>
+                <a:noFill/>
+              </a:ln>
+              <a:solidFill>
+                <a:prstClr val="white"/>
+              </a:solidFill>
+              <a:effectLst/>
+              <a:uLnTx/>
+              <a:uFillTx/>
+              <a:latin typeface="Calibri" panose="020F0502020204030204"/>
+              <a:ea typeface="+mn-ea"/>
+              <a:cs typeface="+mn-cs"/>
+            </a:endParaRPr>
           </a:p>
         </p:txBody>
       </p:sp>
@@ -3839,10 +4588,57 @@
             <a:fillRect/>
           </a:stretch>
         </p:blipFill>
-        <p:spPr/>
+        <p:spPr>
+          <a:xfrm>
+            <a:off x="4991100" y="838200"/>
+            <a:ext cx="6705600" cy="5270500"/>
+          </a:xfrm>
+        </p:spPr>
       </p:pic>
       <p:sp>
         <p:nvSpPr>
+          <p:cNvPr id="5" name="Title 4">
+            <a:extLst>
+              <a:ext uri="{FF2B5EF4-FFF2-40B4-BE49-F238E27FC236}">
+                <a16:creationId xmlns:a16="http://schemas.microsoft.com/office/drawing/2014/main" id="{2F7EE93D-E0F3-0B4F-9E0C-3904C99BEEDB}"/>
+              </a:ext>
+            </a:extLst>
+          </p:cNvPr>
+          <p:cNvSpPr>
+            <a:spLocks noGrp="1"/>
+          </p:cNvSpPr>
+          <p:nvPr>
+            <p:ph type="title"/>
+          </p:nvPr>
+        </p:nvSpPr>
+        <p:spPr>
+          <a:xfrm>
+            <a:off x="371094" y="1161288"/>
+            <a:ext cx="3438144" cy="1239012"/>
+          </a:xfrm>
+        </p:spPr>
+        <p:txBody>
+          <a:bodyPr vert="horz" lIns="91440" tIns="45720" rIns="91440" bIns="45720" rtlCol="0" anchor="ctr">
+            <a:normAutofit/>
+          </a:bodyPr>
+          <a:lstStyle/>
+          <a:p>
+            <a:r>
+              <a:rPr lang="en-US" sz="2600" kern="1200">
+                <a:solidFill>
+                  <a:schemeClr val="tx1"/>
+                </a:solidFill>
+                <a:latin typeface="+mj-lt"/>
+                <a:ea typeface="+mj-ea"/>
+                <a:cs typeface="+mj-cs"/>
+              </a:rPr>
+              <a:t>Is there a correlation between the poverty rate and the crime rate?</a:t>
+            </a:r>
+          </a:p>
+        </p:txBody>
+      </p:sp>
+      <p:sp>
+        <p:nvSpPr>
           <p:cNvPr id="7" name="Text Placeholder 6">
             <a:extLst>
               <a:ext uri="{FF2B5EF4-FFF2-40B4-BE49-F238E27FC236}">
@@ -3857,18 +4653,33 @@
             <p:ph type="body" sz="half" idx="2"/>
           </p:nvPr>
         </p:nvSpPr>
-        <p:spPr/>
-        <p:txBody>
-          <a:bodyPr/>
-          <a:lstStyle/>
-          <a:p>
-            <a:r>
-              <a:rPr lang="en-US" dirty="0"/>
-              <a:t>Our hypothesis is that as the poverty rate goes up, the crime rate goes up.</a:t>
-            </a:r>
-          </a:p>
-          <a:p>
-            <a:endParaRPr lang="en-US" dirty="0"/>
+        <p:spPr>
+          <a:xfrm>
+            <a:off x="368300" y="2717800"/>
+            <a:ext cx="3429000" cy="3200400"/>
+          </a:xfrm>
+        </p:spPr>
+        <p:txBody>
+          <a:bodyPr vert="horz" wrap="square" lIns="91440" tIns="45720" rIns="91440" bIns="45720" rtlCol="0" anchor="t">
+            <a:normAutofit/>
+          </a:bodyPr>
+          <a:lstStyle/>
+          <a:p>
+            <a:pPr indent="-228600">
+              <a:buFont typeface="Arial" panose="020B0604020202020204" pitchFamily="34" charset="0"/>
+              <a:buChar char="•"/>
+            </a:pPr>
+            <a:r>
+              <a:rPr lang="en-US" sz="2800" dirty="0"/>
+              <a:t>Our hypothesis is that as the poverty rate goes up, the crime rate increases.</a:t>
+            </a:r>
+          </a:p>
+          <a:p>
+            <a:pPr indent="-228600">
+              <a:buFont typeface="Arial" panose="020B0604020202020204" pitchFamily="34" charset="0"/>
+              <a:buChar char="•"/>
+            </a:pPr>
+            <a:endParaRPr lang="en-US" sz="2800" dirty="0"/>
           </a:p>
         </p:txBody>
       </p:sp>
@@ -3888,6 +4699,14 @@
 <file path=ppt/slides/slide13.xml><?xml version="1.0" encoding="utf-8"?>
 <p:sld xmlns:a="http://schemas.openxmlformats.org/drawingml/2006/main" xmlns:r="http://schemas.openxmlformats.org/officeDocument/2006/relationships" xmlns:p="http://schemas.openxmlformats.org/presentationml/2006/main">
   <p:cSld>
+    <p:bg>
+      <p:bgPr>
+        <a:solidFill>
+          <a:schemeClr val="bg1"/>
+        </a:solidFill>
+        <a:effectLst/>
+      </p:bgPr>
+    </p:bg>
     <p:spTree>
       <p:nvGrpSpPr>
         <p:cNvPr id="1" name=""/>
@@ -3902,6 +4721,165 @@
           <a:chExt cx="0" cy="0"/>
         </a:xfrm>
       </p:grpSpPr>
+      <p:sp useBgFill="1">
+        <p:nvSpPr>
+          <p:cNvPr id="15" name="Rectangle 14">
+            <a:extLst>
+              <a:ext uri="{FF2B5EF4-FFF2-40B4-BE49-F238E27FC236}">
+                <a16:creationId xmlns:a16="http://schemas.microsoft.com/office/drawing/2014/main" id="{385E1BDC-A9B0-4A87-82E3-F3187F69A802}"/>
+              </a:ext>
+              <a:ext uri="{C183D7F6-B498-43B3-948B-1728B52AA6E4}">
+                <adec:decorative xmlns:adec="http://schemas.microsoft.com/office/drawing/2017/decorative" val="1"/>
+              </a:ext>
+            </a:extLst>
+          </p:cNvPr>
+          <p:cNvSpPr>
+            <a:spLocks noGrp="1" noRot="1" noChangeAspect="1" noMove="1" noResize="1" noEditPoints="1" noAdjustHandles="1" noChangeArrowheads="1" noChangeShapeType="1" noTextEdit="1"/>
+          </p:cNvSpPr>
+          <p:nvPr>
+            <p:extLst>
+              <p:ext uri="{386F3935-93C4-4BCD-93E2-E3B085C9AB24}">
+                <p16:designElem xmlns:p16="http://schemas.microsoft.com/office/powerpoint/2015/main" val="1"/>
+              </p:ext>
+            </p:extLst>
+          </p:nvPr>
+        </p:nvSpPr>
+        <p:spPr>
+          <a:xfrm>
+            <a:off x="0" y="0"/>
+            <a:ext cx="12192000" cy="6858000"/>
+          </a:xfrm>
+          <a:prstGeom prst="rect">
+            <a:avLst/>
+          </a:prstGeom>
+          <a:ln>
+            <a:noFill/>
+          </a:ln>
+        </p:spPr>
+        <p:style>
+          <a:lnRef idx="2">
+            <a:schemeClr val="accent1">
+              <a:shade val="50000"/>
+            </a:schemeClr>
+          </a:lnRef>
+          <a:fillRef idx="1">
+            <a:schemeClr val="accent1"/>
+          </a:fillRef>
+          <a:effectRef idx="0">
+            <a:schemeClr val="accent1"/>
+          </a:effectRef>
+          <a:fontRef idx="minor">
+            <a:schemeClr val="lt1"/>
+          </a:fontRef>
+        </p:style>
+        <p:txBody>
+          <a:bodyPr rtlCol="0" anchor="ctr"/>
+          <a:lstStyle/>
+          <a:p>
+            <a:pPr algn="ctr"/>
+            <a:endParaRPr lang="en-US"/>
+          </a:p>
+        </p:txBody>
+      </p:sp>
+      <p:sp useBgFill="1">
+        <p:nvSpPr>
+          <p:cNvPr id="17" name="Rectangle 16">
+            <a:extLst>
+              <a:ext uri="{FF2B5EF4-FFF2-40B4-BE49-F238E27FC236}">
+                <a16:creationId xmlns:a16="http://schemas.microsoft.com/office/drawing/2014/main" id="{0990C621-3B8B-4820-8328-D47EF7CE823C}"/>
+              </a:ext>
+              <a:ext uri="{C183D7F6-B498-43B3-948B-1728B52AA6E4}">
+                <adec:decorative xmlns:adec="http://schemas.microsoft.com/office/drawing/2017/decorative" val="1"/>
+              </a:ext>
+            </a:extLst>
+          </p:cNvPr>
+          <p:cNvSpPr>
+            <a:spLocks noGrp="1" noRot="1" noChangeAspect="1" noMove="1" noResize="1" noEditPoints="1" noAdjustHandles="1" noChangeArrowheads="1" noChangeShapeType="1" noTextEdit="1"/>
+          </p:cNvSpPr>
+          <p:nvPr>
+            <p:extLst>
+              <p:ext uri="{386F3935-93C4-4BCD-93E2-E3B085C9AB24}">
+                <p16:designElem xmlns:p16="http://schemas.microsoft.com/office/powerpoint/2015/main" val="1"/>
+              </p:ext>
+            </p:extLst>
+          </p:nvPr>
+        </p:nvSpPr>
+        <p:spPr>
+          <a:xfrm>
+            <a:off x="554416" y="365125"/>
+            <a:ext cx="11167447" cy="2089317"/>
+          </a:xfrm>
+          <a:prstGeom prst="rect">
+            <a:avLst/>
+          </a:prstGeom>
+          <a:ln w="12700">
+            <a:solidFill>
+              <a:srgbClr val="DEDEDE"/>
+            </a:solidFill>
+          </a:ln>
+          <a:effectLst>
+            <a:outerShdw blurRad="50800" dist="38100" dir="2700000" algn="tl" rotWithShape="0">
+              <a:schemeClr val="bg2">
+                <a:lumMod val="85000"/>
+                <a:alpha val="50000"/>
+              </a:schemeClr>
+            </a:outerShdw>
+          </a:effectLst>
+        </p:spPr>
+        <p:style>
+          <a:lnRef idx="2">
+            <a:schemeClr val="accent1">
+              <a:shade val="50000"/>
+            </a:schemeClr>
+          </a:lnRef>
+          <a:fillRef idx="1">
+            <a:schemeClr val="accent1"/>
+          </a:fillRef>
+          <a:effectRef idx="0">
+            <a:schemeClr val="accent1"/>
+          </a:effectRef>
+          <a:fontRef idx="minor">
+            <a:schemeClr val="lt1"/>
+          </a:fontRef>
+        </p:style>
+        <p:txBody>
+          <a:bodyPr rtlCol="0" anchor="ctr"/>
+          <a:lstStyle/>
+          <a:p>
+            <a:pPr marL="0" marR="0" lvl="0" indent="0" algn="ctr" defTabSz="914400" rtl="0" eaLnBrk="1" fontAlgn="auto" latinLnBrk="0" hangingPunct="1">
+              <a:lnSpc>
+                <a:spcPct val="100000"/>
+              </a:lnSpc>
+              <a:spcBef>
+                <a:spcPts val="0"/>
+              </a:spcBef>
+              <a:spcAft>
+                <a:spcPts val="0"/>
+              </a:spcAft>
+              <a:buClrTx/>
+              <a:buSzTx/>
+              <a:buFontTx/>
+              <a:buNone/>
+              <a:tabLst/>
+              <a:defRPr/>
+            </a:pPr>
+            <a:endParaRPr kumimoji="0" lang="en-US" sz="1800" b="0" i="0" u="none" strike="noStrike" kern="1200" cap="none" spc="0" normalizeH="0" baseline="0" noProof="0">
+              <a:ln>
+                <a:noFill/>
+              </a:ln>
+              <a:solidFill>
+                <a:prstClr val="white"/>
+              </a:solidFill>
+              <a:effectLst/>
+              <a:uLnTx/>
+              <a:uFillTx/>
+              <a:latin typeface="Calibri" panose="020F0502020204030204"/>
+              <a:ea typeface="+mn-ea"/>
+              <a:cs typeface="+mn-cs"/>
+            </a:endParaRPr>
+          </a:p>
+        </p:txBody>
+      </p:sp>
       <p:sp>
         <p:nvSpPr>
           <p:cNvPr id="2" name="Title 1">
@@ -3918,25 +4896,249 @@
             <p:ph type="title"/>
           </p:nvPr>
         </p:nvSpPr>
-        <p:spPr/>
-        <p:txBody>
-          <a:bodyPr/>
+        <p:spPr>
+          <a:xfrm>
+            <a:off x="1051560" y="586822"/>
+            <a:ext cx="3657600" cy="1645920"/>
+          </a:xfrm>
+        </p:spPr>
+        <p:txBody>
+          <a:bodyPr vert="horz" lIns="91440" tIns="45720" rIns="91440" bIns="45720" rtlCol="0" anchor="ctr">
+            <a:normAutofit/>
+          </a:bodyPr>
+          <a:lstStyle/>
+          <a:p>
+            <a:r>
+              <a:rPr lang="en-US" sz="3200"/>
+              <a:t>Sacramento County </a:t>
+            </a:r>
+          </a:p>
+        </p:txBody>
+      </p:sp>
+      <p:sp>
+        <p:nvSpPr>
+          <p:cNvPr id="19" name="Rectangle 18">
+            <a:extLst>
+              <a:ext uri="{FF2B5EF4-FFF2-40B4-BE49-F238E27FC236}">
+                <a16:creationId xmlns:a16="http://schemas.microsoft.com/office/drawing/2014/main" id="{C1A2385B-1D2A-4E17-84FA-6CB7F0AAE473}"/>
+              </a:ext>
+              <a:ext uri="{C183D7F6-B498-43B3-948B-1728B52AA6E4}">
+                <adec:decorative xmlns:adec="http://schemas.microsoft.com/office/drawing/2017/decorative" val="1"/>
+              </a:ext>
+            </a:extLst>
+          </p:cNvPr>
+          <p:cNvSpPr>
+            <a:spLocks noGrp="1" noRot="1" noChangeAspect="1" noMove="1" noResize="1" noEditPoints="1" noAdjustHandles="1" noChangeArrowheads="1" noChangeShapeType="1" noTextEdit="1"/>
+          </p:cNvSpPr>
+          <p:nvPr>
+            <p:extLst>
+              <p:ext uri="{386F3935-93C4-4BCD-93E2-E3B085C9AB24}">
+                <p16:designElem xmlns:p16="http://schemas.microsoft.com/office/powerpoint/2015/main" val="1"/>
+              </p:ext>
+            </p:extLst>
+          </p:nvPr>
+        </p:nvSpPr>
+        <p:spPr>
+          <a:xfrm>
+            <a:off x="490408" y="1057739"/>
+            <a:ext cx="128016" cy="704088"/>
+          </a:xfrm>
+          <a:prstGeom prst="rect">
+            <a:avLst/>
+          </a:prstGeom>
+          <a:solidFill>
+            <a:schemeClr val="accent2"/>
+          </a:solidFill>
+          <a:ln>
+            <a:noFill/>
+          </a:ln>
+        </p:spPr>
+        <p:style>
+          <a:lnRef idx="2">
+            <a:schemeClr val="accent1">
+              <a:shade val="50000"/>
+            </a:schemeClr>
+          </a:lnRef>
+          <a:fillRef idx="1">
+            <a:schemeClr val="accent1"/>
+          </a:fillRef>
+          <a:effectRef idx="0">
+            <a:schemeClr val="accent1"/>
+          </a:effectRef>
+          <a:fontRef idx="minor">
+            <a:schemeClr val="lt1"/>
+          </a:fontRef>
+        </p:style>
+        <p:txBody>
+          <a:bodyPr rtlCol="0" anchor="ctr"/>
           <a:lstStyle/>
           <a:p>
             <a:pPr algn="ctr"/>
-            <a:r>
-              <a:rPr lang="en-US" dirty="0"/>
-              <a:t>Sacramento County </a:t>
-            </a:r>
+            <a:endParaRPr lang="en-US" dirty="0">
+              <a:solidFill>
+                <a:prstClr val="white"/>
+              </a:solidFill>
+              <a:latin typeface="Calibri" panose="020F0502020204030204"/>
+            </a:endParaRPr>
+          </a:p>
+        </p:txBody>
+      </p:sp>
+      <p:sp>
+        <p:nvSpPr>
+          <p:cNvPr id="21" name="Rectangle 20">
+            <a:extLst>
+              <a:ext uri="{FF2B5EF4-FFF2-40B4-BE49-F238E27FC236}">
+                <a16:creationId xmlns:a16="http://schemas.microsoft.com/office/drawing/2014/main" id="{5E791F2F-79DB-4CC0-9FA1-001E3E91E8B7}"/>
+              </a:ext>
+              <a:ext uri="{C183D7F6-B498-43B3-948B-1728B52AA6E4}">
+                <adec:decorative xmlns:adec="http://schemas.microsoft.com/office/drawing/2017/decorative" val="1"/>
+              </a:ext>
+            </a:extLst>
+          </p:cNvPr>
+          <p:cNvSpPr>
+            <a:spLocks noGrp="1" noRot="1" noChangeAspect="1" noMove="1" noResize="1" noEditPoints="1" noAdjustHandles="1" noChangeArrowheads="1" noChangeShapeType="1" noTextEdit="1"/>
+          </p:cNvSpPr>
+          <p:nvPr>
+            <p:extLst>
+              <p:ext uri="{386F3935-93C4-4BCD-93E2-E3B085C9AB24}">
+                <p16:designElem xmlns:p16="http://schemas.microsoft.com/office/powerpoint/2015/main" val="1"/>
+              </p:ext>
+            </p:extLst>
+          </p:nvPr>
+        </p:nvSpPr>
+        <p:spPr>
+          <a:xfrm rot="5400000">
+            <a:off x="4243541" y="1400638"/>
+            <a:ext cx="1463040" cy="18288"/>
+          </a:xfrm>
+          <a:prstGeom prst="rect">
+            <a:avLst/>
+          </a:prstGeom>
+          <a:solidFill>
+            <a:srgbClr val="D5D5D5"/>
+          </a:solidFill>
+          <a:ln w="3175">
+            <a:noFill/>
+          </a:ln>
+          <a:effectLst/>
+        </p:spPr>
+        <p:style>
+          <a:lnRef idx="2">
+            <a:schemeClr val="accent1">
+              <a:shade val="50000"/>
+            </a:schemeClr>
+          </a:lnRef>
+          <a:fillRef idx="1">
+            <a:schemeClr val="accent1"/>
+          </a:fillRef>
+          <a:effectRef idx="0">
+            <a:schemeClr val="accent1"/>
+          </a:effectRef>
+          <a:fontRef idx="minor">
+            <a:schemeClr val="lt1"/>
+          </a:fontRef>
+        </p:style>
+        <p:txBody>
+          <a:bodyPr rtlCol="0" anchor="ctr"/>
+          <a:lstStyle/>
+          <a:p>
+            <a:pPr marL="0" marR="0" lvl="0" indent="0" algn="ctr" defTabSz="914400" rtl="0" eaLnBrk="1" fontAlgn="auto" latinLnBrk="0" hangingPunct="1">
+              <a:lnSpc>
+                <a:spcPct val="100000"/>
+              </a:lnSpc>
+              <a:spcBef>
+                <a:spcPts val="0"/>
+              </a:spcBef>
+              <a:spcAft>
+                <a:spcPts val="0"/>
+              </a:spcAft>
+              <a:buClrTx/>
+              <a:buSzTx/>
+              <a:buFontTx/>
+              <a:buNone/>
+              <a:tabLst/>
+              <a:defRPr/>
+            </a:pPr>
+            <a:endParaRPr kumimoji="0" lang="en-US" sz="1800" b="0" i="0" u="none" strike="noStrike" kern="1200" cap="none" spc="0" normalizeH="0" baseline="0" noProof="0">
+              <a:ln>
+                <a:noFill/>
+              </a:ln>
+              <a:solidFill>
+                <a:prstClr val="white"/>
+              </a:solidFill>
+              <a:effectLst/>
+              <a:uLnTx/>
+              <a:uFillTx/>
+              <a:latin typeface="Calibri" panose="020F0502020204030204"/>
+              <a:ea typeface="+mn-ea"/>
+              <a:cs typeface="+mn-cs"/>
+            </a:endParaRPr>
+          </a:p>
+        </p:txBody>
+      </p:sp>
+      <p:sp>
+        <p:nvSpPr>
+          <p:cNvPr id="10" name="TextBox 9">
+            <a:extLst>
+              <a:ext uri="{FF2B5EF4-FFF2-40B4-BE49-F238E27FC236}">
+                <a16:creationId xmlns:a16="http://schemas.microsoft.com/office/drawing/2014/main" id="{B1BB0B7B-C619-AA49-9400-EB962F819779}"/>
+              </a:ext>
+            </a:extLst>
+          </p:cNvPr>
+          <p:cNvSpPr txBox="1"/>
+          <p:nvPr/>
+        </p:nvSpPr>
+        <p:spPr>
+          <a:xfrm>
+            <a:off x="5250106" y="586822"/>
+            <a:ext cx="6106742" cy="1645920"/>
+          </a:xfrm>
+          <a:prstGeom prst="rect">
+            <a:avLst/>
+          </a:prstGeom>
+        </p:spPr>
+        <p:txBody>
+          <a:bodyPr vert="horz" lIns="91440" tIns="45720" rIns="91440" bIns="45720" rtlCol="0" anchor="ctr">
+            <a:normAutofit/>
+          </a:bodyPr>
+          <a:lstStyle/>
+          <a:p>
+            <a:pPr indent="-228600">
+              <a:lnSpc>
+                <a:spcPct val="90000"/>
+              </a:lnSpc>
+              <a:spcAft>
+                <a:spcPts val="600"/>
+              </a:spcAft>
+              <a:buFont typeface="Arial" panose="020B0604020202020204" pitchFamily="34" charset="0"/>
+              <a:buChar char="•"/>
+            </a:pPr>
+            <a:r>
+              <a:rPr lang="en-US"/>
+              <a:t>The average p-value is 0.02 and the average r-square value is 0.12. Given these values and the diagrams’ appearance, our hypothesis is confirmed.</a:t>
+            </a:r>
+          </a:p>
+          <a:p>
+            <a:pPr indent="-228600">
+              <a:lnSpc>
+                <a:spcPct val="90000"/>
+              </a:lnSpc>
+              <a:spcAft>
+                <a:spcPts val="600"/>
+              </a:spcAft>
+              <a:buFont typeface="Arial" panose="020B0604020202020204" pitchFamily="34" charset="0"/>
+              <a:buChar char="•"/>
+            </a:pPr>
+            <a:endParaRPr lang="en-US"/>
           </a:p>
         </p:txBody>
       </p:sp>
       <p:pic>
         <p:nvPicPr>
-          <p:cNvPr id="6" name="Content Placeholder 5" descr="Chart, scatter chart&#10;&#10;Description automatically generated">
-            <a:extLst>
-              <a:ext uri="{FF2B5EF4-FFF2-40B4-BE49-F238E27FC236}">
-                <a16:creationId xmlns:a16="http://schemas.microsoft.com/office/drawing/2014/main" id="{B7197AEC-0450-B140-9E94-A5CBC5207FCF}"/>
+          <p:cNvPr id="8" name="Content Placeholder 7" descr="Chart, scatter chart&#10;&#10;Description automatically generated">
+            <a:extLst>
+              <a:ext uri="{FF2B5EF4-FFF2-40B4-BE49-F238E27FC236}">
+                <a16:creationId xmlns:a16="http://schemas.microsoft.com/office/drawing/2014/main" id="{52C72A5B-0B5B-4E44-830D-75823A12BEB4}"/>
               </a:ext>
             </a:extLst>
           </p:cNvPr>
@@ -3944,7 +5146,7 @@
             <a:picLocks noGrp="1" noChangeAspect="1"/>
           </p:cNvPicPr>
           <p:nvPr>
-            <p:ph sz="half" idx="1"/>
+            <p:ph sz="half" idx="2"/>
           </p:nvPr>
         </p:nvPicPr>
         <p:blipFill>
@@ -3955,17 +5157,20 @@
         </p:blipFill>
         <p:spPr>
           <a:xfrm>
-            <a:off x="838200" y="2274094"/>
-            <a:ext cx="5181600" cy="3454400"/>
+            <a:off x="685639" y="2729397"/>
+            <a:ext cx="5225796" cy="3483864"/>
           </a:xfrm>
+          <a:prstGeom prst="rect">
+            <a:avLst/>
+          </a:prstGeom>
         </p:spPr>
       </p:pic>
       <p:pic>
         <p:nvPicPr>
-          <p:cNvPr id="8" name="Content Placeholder 7" descr="Chart, scatter chart&#10;&#10;Description automatically generated">
-            <a:extLst>
-              <a:ext uri="{FF2B5EF4-FFF2-40B4-BE49-F238E27FC236}">
-                <a16:creationId xmlns:a16="http://schemas.microsoft.com/office/drawing/2014/main" id="{52C72A5B-0B5B-4E44-830D-75823A12BEB4}"/>
+          <p:cNvPr id="6" name="Content Placeholder 5" descr="Chart, scatter chart&#10;&#10;Description automatically generated">
+            <a:extLst>
+              <a:ext uri="{FF2B5EF4-FFF2-40B4-BE49-F238E27FC236}">
+                <a16:creationId xmlns:a16="http://schemas.microsoft.com/office/drawing/2014/main" id="{B7197AEC-0450-B140-9E94-A5CBC5207FCF}"/>
               </a:ext>
             </a:extLst>
           </p:cNvPr>
@@ -3973,7 +5178,7 @@
             <a:picLocks noGrp="1" noChangeAspect="1"/>
           </p:cNvPicPr>
           <p:nvPr>
-            <p:ph sz="half" idx="2"/>
+            <p:ph sz="half" idx="1"/>
           </p:nvPr>
         </p:nvPicPr>
         <p:blipFill>
@@ -3984,49 +5189,14 @@
         </p:blipFill>
         <p:spPr>
           <a:xfrm>
-            <a:off x="6172200" y="2274094"/>
-            <a:ext cx="5181600" cy="3454400"/>
-          </a:xfrm>
-        </p:spPr>
-      </p:pic>
-      <p:sp>
-        <p:nvSpPr>
-          <p:cNvPr id="10" name="TextBox 9">
-            <a:extLst>
-              <a:ext uri="{FF2B5EF4-FFF2-40B4-BE49-F238E27FC236}">
-                <a16:creationId xmlns:a16="http://schemas.microsoft.com/office/drawing/2014/main" id="{B1BB0B7B-C619-AA49-9400-EB962F819779}"/>
-              </a:ext>
-            </a:extLst>
-          </p:cNvPr>
-          <p:cNvSpPr txBox="1"/>
-          <p:nvPr/>
-        </p:nvSpPr>
-        <p:spPr>
-          <a:xfrm>
-            <a:off x="1495167" y="5832388"/>
-            <a:ext cx="9341709" cy="861774"/>
+            <a:off x="6347424" y="2729397"/>
+            <a:ext cx="5225796" cy="3483864"/>
           </a:xfrm>
           <a:prstGeom prst="rect">
             <a:avLst/>
           </a:prstGeom>
-          <a:noFill/>
         </p:spPr>
-        <p:txBody>
-          <a:bodyPr wrap="square" rtlCol="0">
-            <a:spAutoFit/>
-          </a:bodyPr>
-          <a:lstStyle/>
-          <a:p>
-            <a:r>
-              <a:rPr lang="en-US" sz="1600" dirty="0"/>
-              <a:t>The average p-value is 0.02 and the average r-square value is 0.12. Given these values and the diagrams’ appearance, our hypothesis is confirmed.</a:t>
-            </a:r>
-          </a:p>
-          <a:p>
-            <a:endParaRPr lang="en-US" dirty="0"/>
-          </a:p>
-        </p:txBody>
-      </p:sp>
+      </p:pic>
     </p:spTree>
     <p:extLst>
       <p:ext uri="{BB962C8B-B14F-4D97-AF65-F5344CB8AC3E}">
@@ -4043,6 +5213,14 @@
 <file path=ppt/slides/slide14.xml><?xml version="1.0" encoding="utf-8"?>
 <p:sld xmlns:a="http://schemas.openxmlformats.org/drawingml/2006/main" xmlns:r="http://schemas.openxmlformats.org/officeDocument/2006/relationships" xmlns:p="http://schemas.openxmlformats.org/presentationml/2006/main">
   <p:cSld>
+    <p:bg>
+      <p:bgPr>
+        <a:solidFill>
+          <a:schemeClr val="bg1"/>
+        </a:solidFill>
+        <a:effectLst/>
+      </p:bgPr>
+    </p:bg>
     <p:spTree>
       <p:nvGrpSpPr>
         <p:cNvPr id="1" name=""/>
@@ -4057,102 +5235,449 @@
           <a:chExt cx="0" cy="0"/>
         </a:xfrm>
       </p:grpSpPr>
-      <p:sp>
-        <p:nvSpPr>
-          <p:cNvPr id="5" name="Title 4">
-            <a:extLst>
-              <a:ext uri="{FF2B5EF4-FFF2-40B4-BE49-F238E27FC236}">
-                <a16:creationId xmlns:a16="http://schemas.microsoft.com/office/drawing/2014/main" id="{FB4B6351-2F76-4647-9450-AF9B37B27325}"/>
-              </a:ext>
-            </a:extLst>
-          </p:cNvPr>
-          <p:cNvSpPr>
-            <a:spLocks noGrp="1"/>
-          </p:cNvSpPr>
-          <p:nvPr>
-            <p:ph type="title"/>
-          </p:nvPr>
-        </p:nvSpPr>
-        <p:spPr/>
-        <p:txBody>
-          <a:bodyPr/>
-          <a:lstStyle/>
-          <a:p>
-            <a:pPr algn="ctr"/>
-            <a:r>
-              <a:rPr lang="en-US" dirty="0"/>
-              <a:t>Oak Park </a:t>
-            </a:r>
-          </a:p>
-        </p:txBody>
-      </p:sp>
-      <p:pic>
-        <p:nvPicPr>
-          <p:cNvPr id="12" name="Content Placeholder 11" descr="Chart, scatter chart&#10;&#10;Description automatically generated">
-            <a:extLst>
-              <a:ext uri="{FF2B5EF4-FFF2-40B4-BE49-F238E27FC236}">
-                <a16:creationId xmlns:a16="http://schemas.microsoft.com/office/drawing/2014/main" id="{293A37EA-EE72-3844-A1BF-266B88C9A796}"/>
-              </a:ext>
-            </a:extLst>
-          </p:cNvPr>
-          <p:cNvPicPr>
-            <a:picLocks noGrp="1" noChangeAspect="1"/>
-          </p:cNvPicPr>
-          <p:nvPr>
-            <p:ph idx="1"/>
-          </p:nvPr>
-        </p:nvPicPr>
-        <p:blipFill>
-          <a:blip r:embed="rId2"/>
-          <a:stretch>
-            <a:fillRect/>
-          </a:stretch>
-        </p:blipFill>
+      <p:sp useBgFill="1">
+        <p:nvSpPr>
+          <p:cNvPr id="18" name="Rectangle 17">
+            <a:extLst>
+              <a:ext uri="{FF2B5EF4-FFF2-40B4-BE49-F238E27FC236}">
+                <a16:creationId xmlns:a16="http://schemas.microsoft.com/office/drawing/2014/main" id="{1ECAB1E8-8195-4748-BE71-FF806D86892E}"/>
+              </a:ext>
+              <a:ext uri="{C183D7F6-B498-43B3-948B-1728B52AA6E4}">
+                <adec:decorative xmlns:adec="http://schemas.microsoft.com/office/drawing/2017/decorative" val="1"/>
+              </a:ext>
+            </a:extLst>
+          </p:cNvPr>
+          <p:cNvSpPr>
+            <a:spLocks noGrp="1" noRot="1" noChangeAspect="1" noMove="1" noResize="1" noEditPoints="1" noAdjustHandles="1" noChangeArrowheads="1" noChangeShapeType="1" noTextEdit="1"/>
+          </p:cNvSpPr>
+          <p:nvPr>
+            <p:extLst>
+              <p:ext uri="{386F3935-93C4-4BCD-93E2-E3B085C9AB24}">
+                <p16:designElem xmlns:p16="http://schemas.microsoft.com/office/powerpoint/2015/main" val="1"/>
+              </p:ext>
+            </p:extLst>
+          </p:nvPr>
+        </p:nvSpPr>
         <p:spPr>
           <a:xfrm>
-            <a:off x="3352800" y="2172494"/>
-            <a:ext cx="5486400" cy="3657600"/>
-          </a:xfrm>
-        </p:spPr>
-      </p:pic>
-      <p:sp>
-        <p:nvSpPr>
-          <p:cNvPr id="13" name="TextBox 12">
-            <a:extLst>
-              <a:ext uri="{FF2B5EF4-FFF2-40B4-BE49-F238E27FC236}">
-                <a16:creationId xmlns:a16="http://schemas.microsoft.com/office/drawing/2014/main" id="{4697160B-8F48-8C4C-B3C0-4FFB87B30981}"/>
-              </a:ext>
-            </a:extLst>
-          </p:cNvPr>
-          <p:cNvSpPr txBox="1"/>
-          <p:nvPr/>
-        </p:nvSpPr>
-        <p:spPr>
-          <a:xfrm>
-            <a:off x="1692165" y="5850235"/>
-            <a:ext cx="9112469" cy="923330"/>
+            <a:off x="0" y="0"/>
+            <a:ext cx="12192000" cy="6858000"/>
           </a:xfrm>
           <a:prstGeom prst="rect">
             <a:avLst/>
           </a:prstGeom>
-          <a:noFill/>
+          <a:ln>
+            <a:noFill/>
+          </a:ln>
         </p:spPr>
-        <p:txBody>
-          <a:bodyPr wrap="square" rtlCol="0">
-            <a:spAutoFit/>
+        <p:style>
+          <a:lnRef idx="2">
+            <a:schemeClr val="accent1">
+              <a:shade val="50000"/>
+            </a:schemeClr>
+          </a:lnRef>
+          <a:fillRef idx="1">
+            <a:schemeClr val="accent1"/>
+          </a:fillRef>
+          <a:effectRef idx="0">
+            <a:schemeClr val="accent1"/>
+          </a:effectRef>
+          <a:fontRef idx="minor">
+            <a:schemeClr val="lt1"/>
+          </a:fontRef>
+        </p:style>
+        <p:txBody>
+          <a:bodyPr rtlCol="0" anchor="ctr"/>
+          <a:lstStyle/>
+          <a:p>
+            <a:pPr algn="ctr"/>
+            <a:endParaRPr lang="en-US"/>
+          </a:p>
+        </p:txBody>
+      </p:sp>
+      <p:sp useBgFill="1">
+        <p:nvSpPr>
+          <p:cNvPr id="20" name="Rectangle 19">
+            <a:extLst>
+              <a:ext uri="{FF2B5EF4-FFF2-40B4-BE49-F238E27FC236}">
+                <a16:creationId xmlns:a16="http://schemas.microsoft.com/office/drawing/2014/main" id="{57F6BDD4-E066-4008-8011-6CC31AEB4556}"/>
+              </a:ext>
+              <a:ext uri="{C183D7F6-B498-43B3-948B-1728B52AA6E4}">
+                <adec:decorative xmlns:adec="http://schemas.microsoft.com/office/drawing/2017/decorative" val="1"/>
+              </a:ext>
+            </a:extLst>
+          </p:cNvPr>
+          <p:cNvSpPr>
+            <a:spLocks noGrp="1" noRot="1" noChangeAspect="1" noMove="1" noResize="1" noEditPoints="1" noAdjustHandles="1" noChangeArrowheads="1" noChangeShapeType="1" noTextEdit="1"/>
+          </p:cNvSpPr>
+          <p:nvPr>
+            <p:extLst>
+              <p:ext uri="{386F3935-93C4-4BCD-93E2-E3B085C9AB24}">
+                <p16:designElem xmlns:p16="http://schemas.microsoft.com/office/powerpoint/2015/main" val="1"/>
+              </p:ext>
+            </p:extLst>
+          </p:nvPr>
+        </p:nvSpPr>
+        <p:spPr>
+          <a:xfrm>
+            <a:off x="409575" y="633619"/>
+            <a:ext cx="4279383" cy="5495925"/>
+          </a:xfrm>
+          <a:prstGeom prst="rect">
+            <a:avLst/>
+          </a:prstGeom>
+          <a:ln w="9525">
+            <a:solidFill>
+              <a:srgbClr val="E1E1E1"/>
+            </a:solidFill>
+          </a:ln>
+          <a:effectLst>
+            <a:outerShdw blurRad="50800" dist="38100" dir="2700000" algn="tl" rotWithShape="0">
+              <a:schemeClr val="bg1">
+                <a:lumMod val="85000"/>
+                <a:alpha val="50000"/>
+              </a:schemeClr>
+            </a:outerShdw>
+          </a:effectLst>
+        </p:spPr>
+        <p:style>
+          <a:lnRef idx="2">
+            <a:schemeClr val="accent1">
+              <a:shade val="50000"/>
+            </a:schemeClr>
+          </a:lnRef>
+          <a:fillRef idx="1">
+            <a:schemeClr val="accent1"/>
+          </a:fillRef>
+          <a:effectRef idx="0">
+            <a:schemeClr val="accent1"/>
+          </a:effectRef>
+          <a:fontRef idx="minor">
+            <a:schemeClr val="lt1"/>
+          </a:fontRef>
+        </p:style>
+        <p:txBody>
+          <a:bodyPr rtlCol="0" anchor="ctr"/>
+          <a:lstStyle/>
+          <a:p>
+            <a:pPr marL="0" marR="0" lvl="0" indent="0" algn="ctr" defTabSz="914400" rtl="0" eaLnBrk="1" fontAlgn="auto" latinLnBrk="0" hangingPunct="1">
+              <a:lnSpc>
+                <a:spcPct val="100000"/>
+              </a:lnSpc>
+              <a:spcBef>
+                <a:spcPts val="0"/>
+              </a:spcBef>
+              <a:spcAft>
+                <a:spcPts val="0"/>
+              </a:spcAft>
+              <a:buClrTx/>
+              <a:buSzTx/>
+              <a:buFontTx/>
+              <a:buNone/>
+              <a:tabLst/>
+              <a:defRPr/>
+            </a:pPr>
+            <a:endParaRPr kumimoji="0" lang="en-US" sz="1800" b="0" i="0" u="none" strike="noStrike" kern="1200" cap="none" spc="0" normalizeH="0" baseline="0" noProof="0">
+              <a:ln>
+                <a:noFill/>
+              </a:ln>
+              <a:solidFill>
+                <a:prstClr val="white"/>
+              </a:solidFill>
+              <a:effectLst/>
+              <a:uLnTx/>
+              <a:uFillTx/>
+              <a:latin typeface="Calibri" panose="020F0502020204030204"/>
+              <a:ea typeface="+mn-ea"/>
+              <a:cs typeface="+mn-cs"/>
+            </a:endParaRPr>
+          </a:p>
+        </p:txBody>
+      </p:sp>
+      <p:sp>
+        <p:nvSpPr>
+          <p:cNvPr id="5" name="Title 4">
+            <a:extLst>
+              <a:ext uri="{FF2B5EF4-FFF2-40B4-BE49-F238E27FC236}">
+                <a16:creationId xmlns:a16="http://schemas.microsoft.com/office/drawing/2014/main" id="{FB4B6351-2F76-4647-9450-AF9B37B27325}"/>
+              </a:ext>
+            </a:extLst>
+          </p:cNvPr>
+          <p:cNvSpPr>
+            <a:spLocks noGrp="1"/>
+          </p:cNvSpPr>
+          <p:nvPr>
+            <p:ph type="title"/>
+          </p:nvPr>
+        </p:nvSpPr>
+        <p:spPr>
+          <a:xfrm>
+            <a:off x="841247" y="978619"/>
+            <a:ext cx="3410712" cy="1106424"/>
+          </a:xfrm>
+        </p:spPr>
+        <p:txBody>
+          <a:bodyPr vert="horz" lIns="91440" tIns="45720" rIns="91440" bIns="45720" rtlCol="0" anchor="ctr">
+            <a:normAutofit/>
           </a:bodyPr>
           <a:lstStyle/>
           <a:p>
             <a:r>
-              <a:rPr lang="en-US" dirty="0"/>
-              <a:t>The p-value is 0.23 and the r-square value is 0.16. Given these values and the diagrams’ appearance, we conclude that Oak Park goes against the overall trend in Sacramento County. </a:t>
-            </a:r>
-          </a:p>
-          <a:p>
-            <a:endParaRPr lang="en-US" dirty="0"/>
-          </a:p>
-        </p:txBody>
-      </p:sp>
+              <a:rPr lang="en-US" sz="2800"/>
+              <a:t>Oak Park </a:t>
+            </a:r>
+          </a:p>
+        </p:txBody>
+      </p:sp>
+      <p:sp>
+        <p:nvSpPr>
+          <p:cNvPr id="22" name="Rectangle 21">
+            <a:extLst>
+              <a:ext uri="{FF2B5EF4-FFF2-40B4-BE49-F238E27FC236}">
+                <a16:creationId xmlns:a16="http://schemas.microsoft.com/office/drawing/2014/main" id="{2711A8FB-68FC-45FC-B01E-38F809E2D439}"/>
+              </a:ext>
+              <a:ext uri="{C183D7F6-B498-43B3-948B-1728B52AA6E4}">
+                <adec:decorative xmlns:adec="http://schemas.microsoft.com/office/drawing/2017/decorative" val="1"/>
+              </a:ext>
+            </a:extLst>
+          </p:cNvPr>
+          <p:cNvSpPr>
+            <a:spLocks noGrp="1" noRot="1" noChangeAspect="1" noMove="1" noResize="1" noEditPoints="1" noAdjustHandles="1" noChangeArrowheads="1" noChangeShapeType="1" noTextEdit="1"/>
+          </p:cNvSpPr>
+          <p:nvPr>
+            <p:extLst>
+              <p:ext uri="{386F3935-93C4-4BCD-93E2-E3B085C9AB24}">
+                <p16:designElem xmlns:p16="http://schemas.microsoft.com/office/powerpoint/2015/main" val="1"/>
+              </p:ext>
+            </p:extLst>
+          </p:nvPr>
+        </p:nvSpPr>
+        <p:spPr>
+          <a:xfrm>
+            <a:off x="345567" y="1170432"/>
+            <a:ext cx="128016" cy="704088"/>
+          </a:xfrm>
+          <a:prstGeom prst="rect">
+            <a:avLst/>
+          </a:prstGeom>
+          <a:solidFill>
+            <a:schemeClr val="accent2"/>
+          </a:solidFill>
+          <a:ln>
+            <a:noFill/>
+          </a:ln>
+        </p:spPr>
+        <p:style>
+          <a:lnRef idx="2">
+            <a:schemeClr val="accent1">
+              <a:shade val="50000"/>
+            </a:schemeClr>
+          </a:lnRef>
+          <a:fillRef idx="1">
+            <a:schemeClr val="accent1"/>
+          </a:fillRef>
+          <a:effectRef idx="0">
+            <a:schemeClr val="accent1"/>
+          </a:effectRef>
+          <a:fontRef idx="minor">
+            <a:schemeClr val="lt1"/>
+          </a:fontRef>
+        </p:style>
+        <p:txBody>
+          <a:bodyPr rtlCol="0" anchor="ctr"/>
+          <a:lstStyle/>
+          <a:p>
+            <a:pPr algn="ctr"/>
+            <a:endParaRPr lang="en-US">
+              <a:solidFill>
+                <a:prstClr val="white"/>
+              </a:solidFill>
+              <a:latin typeface="Calibri" panose="020F0502020204030204"/>
+            </a:endParaRPr>
+          </a:p>
+        </p:txBody>
+      </p:sp>
+      <p:sp>
+        <p:nvSpPr>
+          <p:cNvPr id="24" name="Rectangle 23">
+            <a:extLst>
+              <a:ext uri="{FF2B5EF4-FFF2-40B4-BE49-F238E27FC236}">
+                <a16:creationId xmlns:a16="http://schemas.microsoft.com/office/drawing/2014/main" id="{2A865FE3-5FC9-4049-87CF-30019C46C0F5}"/>
+              </a:ext>
+              <a:ext uri="{C183D7F6-B498-43B3-948B-1728B52AA6E4}">
+                <adec:decorative xmlns:adec="http://schemas.microsoft.com/office/drawing/2017/decorative" val="1"/>
+              </a:ext>
+            </a:extLst>
+          </p:cNvPr>
+          <p:cNvSpPr>
+            <a:spLocks noGrp="1" noRot="1" noChangeAspect="1" noMove="1" noResize="1" noEditPoints="1" noAdjustHandles="1" noChangeArrowheads="1" noChangeShapeType="1" noTextEdit="1"/>
+          </p:cNvSpPr>
+          <p:nvPr>
+            <p:extLst>
+              <p:ext uri="{386F3935-93C4-4BCD-93E2-E3B085C9AB24}">
+                <p16:designElem xmlns:p16="http://schemas.microsoft.com/office/powerpoint/2015/main" val="1"/>
+              </p:ext>
+            </p:extLst>
+          </p:nvPr>
+        </p:nvSpPr>
+        <p:spPr>
+          <a:xfrm>
+            <a:off x="877459" y="2121408"/>
+            <a:ext cx="3328416" cy="9144"/>
+          </a:xfrm>
+          <a:prstGeom prst="rect">
+            <a:avLst/>
+          </a:prstGeom>
+          <a:solidFill>
+            <a:srgbClr val="D5D5D5"/>
+          </a:solidFill>
+          <a:ln w="3175">
+            <a:noFill/>
+          </a:ln>
+          <a:effectLst/>
+        </p:spPr>
+        <p:style>
+          <a:lnRef idx="2">
+            <a:schemeClr val="accent1">
+              <a:shade val="50000"/>
+            </a:schemeClr>
+          </a:lnRef>
+          <a:fillRef idx="1">
+            <a:schemeClr val="accent1"/>
+          </a:fillRef>
+          <a:effectRef idx="0">
+            <a:schemeClr val="accent1"/>
+          </a:effectRef>
+          <a:fontRef idx="minor">
+            <a:schemeClr val="lt1"/>
+          </a:fontRef>
+        </p:style>
+        <p:txBody>
+          <a:bodyPr rtlCol="0" anchor="ctr"/>
+          <a:lstStyle/>
+          <a:p>
+            <a:pPr marL="0" marR="0" lvl="0" indent="0" algn="ctr" defTabSz="914400" rtl="0" eaLnBrk="1" fontAlgn="auto" latinLnBrk="0" hangingPunct="1">
+              <a:lnSpc>
+                <a:spcPct val="100000"/>
+              </a:lnSpc>
+              <a:spcBef>
+                <a:spcPts val="0"/>
+              </a:spcBef>
+              <a:spcAft>
+                <a:spcPts val="0"/>
+              </a:spcAft>
+              <a:buClrTx/>
+              <a:buSzTx/>
+              <a:buFontTx/>
+              <a:buNone/>
+              <a:tabLst/>
+              <a:defRPr/>
+            </a:pPr>
+            <a:endParaRPr kumimoji="0" lang="en-US" sz="1800" b="0" i="0" u="none" strike="noStrike" kern="1200" cap="none" spc="0" normalizeH="0" baseline="0" noProof="0">
+              <a:ln>
+                <a:noFill/>
+              </a:ln>
+              <a:solidFill>
+                <a:prstClr val="white"/>
+              </a:solidFill>
+              <a:effectLst/>
+              <a:uLnTx/>
+              <a:uFillTx/>
+              <a:latin typeface="Calibri" panose="020F0502020204030204"/>
+              <a:ea typeface="+mn-ea"/>
+              <a:cs typeface="+mn-cs"/>
+            </a:endParaRPr>
+          </a:p>
+        </p:txBody>
+      </p:sp>
+      <p:sp>
+        <p:nvSpPr>
+          <p:cNvPr id="13" name="TextBox 12">
+            <a:extLst>
+              <a:ext uri="{FF2B5EF4-FFF2-40B4-BE49-F238E27FC236}">
+                <a16:creationId xmlns:a16="http://schemas.microsoft.com/office/drawing/2014/main" id="{4697160B-8F48-8C4C-B3C0-4FFB87B30981}"/>
+              </a:ext>
+            </a:extLst>
+          </p:cNvPr>
+          <p:cNvSpPr txBox="1"/>
+          <p:nvPr/>
+        </p:nvSpPr>
+        <p:spPr>
+          <a:xfrm>
+            <a:off x="841247" y="2359152"/>
+            <a:ext cx="3410712" cy="3425043"/>
+          </a:xfrm>
+          <a:prstGeom prst="rect">
+            <a:avLst/>
+          </a:prstGeom>
+        </p:spPr>
+        <p:txBody>
+          <a:bodyPr vert="horz" lIns="91440" tIns="45720" rIns="91440" bIns="45720" rtlCol="0">
+            <a:normAutofit/>
+          </a:bodyPr>
+          <a:lstStyle/>
+          <a:p>
+            <a:pPr indent="-228600">
+              <a:lnSpc>
+                <a:spcPct val="90000"/>
+              </a:lnSpc>
+              <a:spcAft>
+                <a:spcPts val="600"/>
+              </a:spcAft>
+              <a:buFont typeface="Arial" panose="020B0604020202020204" pitchFamily="34" charset="0"/>
+              <a:buChar char="•"/>
+            </a:pPr>
+            <a:r>
+              <a:rPr lang="en-US" sz="1700" dirty="0"/>
+              <a:t>The p-value is 0.23 and the r-square value is 0.16. Given these values and the diagram’s appearance, we conclude that Oak Park goes against the overall trend in Sacramento County. </a:t>
+            </a:r>
+          </a:p>
+          <a:p>
+            <a:pPr indent="-228600">
+              <a:lnSpc>
+                <a:spcPct val="90000"/>
+              </a:lnSpc>
+              <a:spcAft>
+                <a:spcPts val="600"/>
+              </a:spcAft>
+              <a:buFont typeface="Arial" panose="020B0604020202020204" pitchFamily="34" charset="0"/>
+              <a:buChar char="•"/>
+            </a:pPr>
+            <a:endParaRPr lang="en-US" sz="1700" dirty="0"/>
+          </a:p>
+        </p:txBody>
+      </p:sp>
+      <p:pic>
+        <p:nvPicPr>
+          <p:cNvPr id="12" name="Content Placeholder 11" descr="Chart, scatter chart&#10;&#10;Description automatically generated">
+            <a:extLst>
+              <a:ext uri="{FF2B5EF4-FFF2-40B4-BE49-F238E27FC236}">
+                <a16:creationId xmlns:a16="http://schemas.microsoft.com/office/drawing/2014/main" id="{293A37EA-EE72-3844-A1BF-266B88C9A796}"/>
+              </a:ext>
+            </a:extLst>
+          </p:cNvPr>
+          <p:cNvPicPr>
+            <a:picLocks noGrp="1" noChangeAspect="1"/>
+          </p:cNvPicPr>
+          <p:nvPr>
+            <p:ph idx="1"/>
+          </p:nvPr>
+        </p:nvPicPr>
+        <p:blipFill rotWithShape="1">
+          <a:blip r:embed="rId2"/>
+          <a:srcRect l="7636" r="11598" b="-2"/>
+          <a:stretch/>
+        </p:blipFill>
+        <p:spPr>
+          <a:xfrm>
+            <a:off x="5124450" y="634382"/>
+            <a:ext cx="6657213" cy="5495162"/>
+          </a:xfrm>
+          <a:prstGeom prst="rect">
+            <a:avLst/>
+          </a:prstGeom>
+        </p:spPr>
+      </p:pic>
     </p:spTree>
     <p:extLst>
       <p:ext uri="{BB962C8B-B14F-4D97-AF65-F5344CB8AC3E}">
@@ -4169,6 +5694,14 @@
 <file path=ppt/slides/slide15.xml><?xml version="1.0" encoding="utf-8"?>
 <p:sld xmlns:a="http://schemas.openxmlformats.org/drawingml/2006/main" xmlns:r="http://schemas.openxmlformats.org/officeDocument/2006/relationships" xmlns:p="http://schemas.openxmlformats.org/presentationml/2006/main">
   <p:cSld>
+    <p:bg>
+      <p:bgPr>
+        <a:solidFill>
+          <a:schemeClr val="bg1"/>
+        </a:solidFill>
+        <a:effectLst/>
+      </p:bgPr>
+    </p:bg>
     <p:spTree>
       <p:nvGrpSpPr>
         <p:cNvPr id="1" name=""/>
@@ -4183,6 +5716,165 @@
           <a:chExt cx="0" cy="0"/>
         </a:xfrm>
       </p:grpSpPr>
+      <p:sp useBgFill="1">
+        <p:nvSpPr>
+          <p:cNvPr id="27" name="Rectangle 26">
+            <a:extLst>
+              <a:ext uri="{FF2B5EF4-FFF2-40B4-BE49-F238E27FC236}">
+                <a16:creationId xmlns:a16="http://schemas.microsoft.com/office/drawing/2014/main" id="{385E1BDC-A9B0-4A87-82E3-F3187F69A802}"/>
+              </a:ext>
+              <a:ext uri="{C183D7F6-B498-43B3-948B-1728B52AA6E4}">
+                <adec:decorative xmlns:adec="http://schemas.microsoft.com/office/drawing/2017/decorative" val="1"/>
+              </a:ext>
+            </a:extLst>
+          </p:cNvPr>
+          <p:cNvSpPr>
+            <a:spLocks noGrp="1" noRot="1" noChangeAspect="1" noMove="1" noResize="1" noEditPoints="1" noAdjustHandles="1" noChangeArrowheads="1" noChangeShapeType="1" noTextEdit="1"/>
+          </p:cNvSpPr>
+          <p:nvPr>
+            <p:extLst>
+              <p:ext uri="{386F3935-93C4-4BCD-93E2-E3B085C9AB24}">
+                <p16:designElem xmlns:p16="http://schemas.microsoft.com/office/powerpoint/2015/main" val="1"/>
+              </p:ext>
+            </p:extLst>
+          </p:nvPr>
+        </p:nvSpPr>
+        <p:spPr>
+          <a:xfrm>
+            <a:off x="0" y="0"/>
+            <a:ext cx="12192000" cy="6858000"/>
+          </a:xfrm>
+          <a:prstGeom prst="rect">
+            <a:avLst/>
+          </a:prstGeom>
+          <a:ln>
+            <a:noFill/>
+          </a:ln>
+        </p:spPr>
+        <p:style>
+          <a:lnRef idx="2">
+            <a:schemeClr val="accent1">
+              <a:shade val="50000"/>
+            </a:schemeClr>
+          </a:lnRef>
+          <a:fillRef idx="1">
+            <a:schemeClr val="accent1"/>
+          </a:fillRef>
+          <a:effectRef idx="0">
+            <a:schemeClr val="accent1"/>
+          </a:effectRef>
+          <a:fontRef idx="minor">
+            <a:schemeClr val="lt1"/>
+          </a:fontRef>
+        </p:style>
+        <p:txBody>
+          <a:bodyPr rtlCol="0" anchor="ctr"/>
+          <a:lstStyle/>
+          <a:p>
+            <a:pPr algn="ctr"/>
+            <a:endParaRPr lang="en-US"/>
+          </a:p>
+        </p:txBody>
+      </p:sp>
+      <p:sp useBgFill="1">
+        <p:nvSpPr>
+          <p:cNvPr id="29" name="Rectangle 28">
+            <a:extLst>
+              <a:ext uri="{FF2B5EF4-FFF2-40B4-BE49-F238E27FC236}">
+                <a16:creationId xmlns:a16="http://schemas.microsoft.com/office/drawing/2014/main" id="{0990C621-3B8B-4820-8328-D47EF7CE823C}"/>
+              </a:ext>
+              <a:ext uri="{C183D7F6-B498-43B3-948B-1728B52AA6E4}">
+                <adec:decorative xmlns:adec="http://schemas.microsoft.com/office/drawing/2017/decorative" val="1"/>
+              </a:ext>
+            </a:extLst>
+          </p:cNvPr>
+          <p:cNvSpPr>
+            <a:spLocks noGrp="1" noRot="1" noChangeAspect="1" noMove="1" noResize="1" noEditPoints="1" noAdjustHandles="1" noChangeArrowheads="1" noChangeShapeType="1" noTextEdit="1"/>
+          </p:cNvSpPr>
+          <p:nvPr>
+            <p:extLst>
+              <p:ext uri="{386F3935-93C4-4BCD-93E2-E3B085C9AB24}">
+                <p16:designElem xmlns:p16="http://schemas.microsoft.com/office/powerpoint/2015/main" val="1"/>
+              </p:ext>
+            </p:extLst>
+          </p:nvPr>
+        </p:nvSpPr>
+        <p:spPr>
+          <a:xfrm>
+            <a:off x="554416" y="365125"/>
+            <a:ext cx="11167447" cy="2089317"/>
+          </a:xfrm>
+          <a:prstGeom prst="rect">
+            <a:avLst/>
+          </a:prstGeom>
+          <a:ln w="12700">
+            <a:solidFill>
+              <a:srgbClr val="DEDEDE"/>
+            </a:solidFill>
+          </a:ln>
+          <a:effectLst>
+            <a:outerShdw blurRad="50800" dist="38100" dir="2700000" algn="tl" rotWithShape="0">
+              <a:schemeClr val="bg2">
+                <a:lumMod val="85000"/>
+                <a:alpha val="50000"/>
+              </a:schemeClr>
+            </a:outerShdw>
+          </a:effectLst>
+        </p:spPr>
+        <p:style>
+          <a:lnRef idx="2">
+            <a:schemeClr val="accent1">
+              <a:shade val="50000"/>
+            </a:schemeClr>
+          </a:lnRef>
+          <a:fillRef idx="1">
+            <a:schemeClr val="accent1"/>
+          </a:fillRef>
+          <a:effectRef idx="0">
+            <a:schemeClr val="accent1"/>
+          </a:effectRef>
+          <a:fontRef idx="minor">
+            <a:schemeClr val="lt1"/>
+          </a:fontRef>
+        </p:style>
+        <p:txBody>
+          <a:bodyPr rtlCol="0" anchor="ctr"/>
+          <a:lstStyle/>
+          <a:p>
+            <a:pPr marL="0" marR="0" lvl="0" indent="0" algn="ctr" defTabSz="914400" rtl="0" eaLnBrk="1" fontAlgn="auto" latinLnBrk="0" hangingPunct="1">
+              <a:lnSpc>
+                <a:spcPct val="100000"/>
+              </a:lnSpc>
+              <a:spcBef>
+                <a:spcPts val="0"/>
+              </a:spcBef>
+              <a:spcAft>
+                <a:spcPts val="0"/>
+              </a:spcAft>
+              <a:buClrTx/>
+              <a:buSzTx/>
+              <a:buFontTx/>
+              <a:buNone/>
+              <a:tabLst/>
+              <a:defRPr/>
+            </a:pPr>
+            <a:endParaRPr kumimoji="0" lang="en-US" sz="1800" b="0" i="0" u="none" strike="noStrike" kern="1200" cap="none" spc="0" normalizeH="0" baseline="0" noProof="0">
+              <a:ln>
+                <a:noFill/>
+              </a:ln>
+              <a:solidFill>
+                <a:prstClr val="white"/>
+              </a:solidFill>
+              <a:effectLst/>
+              <a:uLnTx/>
+              <a:uFillTx/>
+              <a:latin typeface="Calibri" panose="020F0502020204030204"/>
+              <a:ea typeface="+mn-ea"/>
+              <a:cs typeface="+mn-cs"/>
+            </a:endParaRPr>
+          </a:p>
+        </p:txBody>
+      </p:sp>
       <p:sp>
         <p:nvSpPr>
           <p:cNvPr id="2" name="Title 1">
@@ -4199,25 +5891,237 @@
             <p:ph type="title"/>
           </p:nvPr>
         </p:nvSpPr>
-        <p:spPr/>
-        <p:txBody>
-          <a:bodyPr/>
+        <p:spPr>
+          <a:xfrm>
+            <a:off x="1051560" y="586822"/>
+            <a:ext cx="3657600" cy="1645920"/>
+          </a:xfrm>
+        </p:spPr>
+        <p:txBody>
+          <a:bodyPr vert="horz" lIns="91440" tIns="45720" rIns="91440" bIns="45720" rtlCol="0" anchor="ctr">
+            <a:normAutofit/>
+          </a:bodyPr>
+          <a:lstStyle/>
+          <a:p>
+            <a:r>
+              <a:rPr lang="en-US" sz="2700"/>
+              <a:t>Crime Rate vs. Median Home Values in Sacramento County for 2014-2018</a:t>
+            </a:r>
+          </a:p>
+        </p:txBody>
+      </p:sp>
+      <p:sp>
+        <p:nvSpPr>
+          <p:cNvPr id="31" name="Rectangle 30">
+            <a:extLst>
+              <a:ext uri="{FF2B5EF4-FFF2-40B4-BE49-F238E27FC236}">
+                <a16:creationId xmlns:a16="http://schemas.microsoft.com/office/drawing/2014/main" id="{C1A2385B-1D2A-4E17-84FA-6CB7F0AAE473}"/>
+              </a:ext>
+              <a:ext uri="{C183D7F6-B498-43B3-948B-1728B52AA6E4}">
+                <adec:decorative xmlns:adec="http://schemas.microsoft.com/office/drawing/2017/decorative" val="1"/>
+              </a:ext>
+            </a:extLst>
+          </p:cNvPr>
+          <p:cNvSpPr>
+            <a:spLocks noGrp="1" noRot="1" noChangeAspect="1" noMove="1" noResize="1" noEditPoints="1" noAdjustHandles="1" noChangeArrowheads="1" noChangeShapeType="1" noTextEdit="1"/>
+          </p:cNvSpPr>
+          <p:nvPr>
+            <p:extLst>
+              <p:ext uri="{386F3935-93C4-4BCD-93E2-E3B085C9AB24}">
+                <p16:designElem xmlns:p16="http://schemas.microsoft.com/office/powerpoint/2015/main" val="1"/>
+              </p:ext>
+            </p:extLst>
+          </p:nvPr>
+        </p:nvSpPr>
+        <p:spPr>
+          <a:xfrm>
+            <a:off x="490408" y="1057739"/>
+            <a:ext cx="128016" cy="704088"/>
+          </a:xfrm>
+          <a:prstGeom prst="rect">
+            <a:avLst/>
+          </a:prstGeom>
+          <a:solidFill>
+            <a:schemeClr val="accent2"/>
+          </a:solidFill>
+          <a:ln>
+            <a:noFill/>
+          </a:ln>
+        </p:spPr>
+        <p:style>
+          <a:lnRef idx="2">
+            <a:schemeClr val="accent1">
+              <a:shade val="50000"/>
+            </a:schemeClr>
+          </a:lnRef>
+          <a:fillRef idx="1">
+            <a:schemeClr val="accent1"/>
+          </a:fillRef>
+          <a:effectRef idx="0">
+            <a:schemeClr val="accent1"/>
+          </a:effectRef>
+          <a:fontRef idx="minor">
+            <a:schemeClr val="lt1"/>
+          </a:fontRef>
+        </p:style>
+        <p:txBody>
+          <a:bodyPr rtlCol="0" anchor="ctr"/>
           <a:lstStyle/>
           <a:p>
             <a:pPr algn="ctr"/>
+            <a:endParaRPr lang="en-US" dirty="0">
+              <a:solidFill>
+                <a:prstClr val="white"/>
+              </a:solidFill>
+              <a:latin typeface="Calibri" panose="020F0502020204030204"/>
+            </a:endParaRPr>
+          </a:p>
+        </p:txBody>
+      </p:sp>
+      <p:sp>
+        <p:nvSpPr>
+          <p:cNvPr id="33" name="Rectangle 32">
+            <a:extLst>
+              <a:ext uri="{FF2B5EF4-FFF2-40B4-BE49-F238E27FC236}">
+                <a16:creationId xmlns:a16="http://schemas.microsoft.com/office/drawing/2014/main" id="{5E791F2F-79DB-4CC0-9FA1-001E3E91E8B7}"/>
+              </a:ext>
+              <a:ext uri="{C183D7F6-B498-43B3-948B-1728B52AA6E4}">
+                <adec:decorative xmlns:adec="http://schemas.microsoft.com/office/drawing/2017/decorative" val="1"/>
+              </a:ext>
+            </a:extLst>
+          </p:cNvPr>
+          <p:cNvSpPr>
+            <a:spLocks noGrp="1" noRot="1" noChangeAspect="1" noMove="1" noResize="1" noEditPoints="1" noAdjustHandles="1" noChangeArrowheads="1" noChangeShapeType="1" noTextEdit="1"/>
+          </p:cNvSpPr>
+          <p:nvPr>
+            <p:extLst>
+              <p:ext uri="{386F3935-93C4-4BCD-93E2-E3B085C9AB24}">
+                <p16:designElem xmlns:p16="http://schemas.microsoft.com/office/powerpoint/2015/main" val="1"/>
+              </p:ext>
+            </p:extLst>
+          </p:nvPr>
+        </p:nvSpPr>
+        <p:spPr>
+          <a:xfrm rot="5400000">
+            <a:off x="4243541" y="1400638"/>
+            <a:ext cx="1463040" cy="18288"/>
+          </a:xfrm>
+          <a:prstGeom prst="rect">
+            <a:avLst/>
+          </a:prstGeom>
+          <a:solidFill>
+            <a:srgbClr val="D5D5D5"/>
+          </a:solidFill>
+          <a:ln w="3175">
+            <a:noFill/>
+          </a:ln>
+          <a:effectLst/>
+        </p:spPr>
+        <p:style>
+          <a:lnRef idx="2">
+            <a:schemeClr val="accent1">
+              <a:shade val="50000"/>
+            </a:schemeClr>
+          </a:lnRef>
+          <a:fillRef idx="1">
+            <a:schemeClr val="accent1"/>
+          </a:fillRef>
+          <a:effectRef idx="0">
+            <a:schemeClr val="accent1"/>
+          </a:effectRef>
+          <a:fontRef idx="minor">
+            <a:schemeClr val="lt1"/>
+          </a:fontRef>
+        </p:style>
+        <p:txBody>
+          <a:bodyPr rtlCol="0" anchor="ctr"/>
+          <a:lstStyle/>
+          <a:p>
+            <a:pPr marL="0" marR="0" lvl="0" indent="0" algn="ctr" defTabSz="914400" rtl="0" eaLnBrk="1" fontAlgn="auto" latinLnBrk="0" hangingPunct="1">
+              <a:lnSpc>
+                <a:spcPct val="100000"/>
+              </a:lnSpc>
+              <a:spcBef>
+                <a:spcPts val="0"/>
+              </a:spcBef>
+              <a:spcAft>
+                <a:spcPts val="0"/>
+              </a:spcAft>
+              <a:buClrTx/>
+              <a:buSzTx/>
+              <a:buFontTx/>
+              <a:buNone/>
+              <a:tabLst/>
+              <a:defRPr/>
+            </a:pPr>
+            <a:endParaRPr kumimoji="0" lang="en-US" sz="1800" b="0" i="0" u="none" strike="noStrike" kern="1200" cap="none" spc="0" normalizeH="0" baseline="0" noProof="0">
+              <a:ln>
+                <a:noFill/>
+              </a:ln>
+              <a:solidFill>
+                <a:prstClr val="white"/>
+              </a:solidFill>
+              <a:effectLst/>
+              <a:uLnTx/>
+              <a:uFillTx/>
+              <a:latin typeface="Calibri" panose="020F0502020204030204"/>
+              <a:ea typeface="+mn-ea"/>
+              <a:cs typeface="+mn-cs"/>
+            </a:endParaRPr>
+          </a:p>
+        </p:txBody>
+      </p:sp>
+      <p:sp>
+        <p:nvSpPr>
+          <p:cNvPr id="22" name="TextBox 21">
+            <a:extLst>
+              <a:ext uri="{FF2B5EF4-FFF2-40B4-BE49-F238E27FC236}">
+                <a16:creationId xmlns:a16="http://schemas.microsoft.com/office/drawing/2014/main" id="{98334412-A37A-8D45-BC60-6FDB2E80CF4C}"/>
+              </a:ext>
+            </a:extLst>
+          </p:cNvPr>
+          <p:cNvSpPr txBox="1"/>
+          <p:nvPr/>
+        </p:nvSpPr>
+        <p:spPr>
+          <a:xfrm>
+            <a:off x="5250106" y="586822"/>
+            <a:ext cx="6106742" cy="1645920"/>
+          </a:xfrm>
+          <a:prstGeom prst="rect">
+            <a:avLst/>
+          </a:prstGeom>
+        </p:spPr>
+        <p:txBody>
+          <a:bodyPr vert="horz" lIns="91440" tIns="45720" rIns="91440" bIns="45720" rtlCol="0" anchor="ctr">
+            <a:normAutofit/>
+          </a:bodyPr>
+          <a:lstStyle/>
+          <a:p>
+            <a:pPr indent="-228600">
+              <a:lnSpc>
+                <a:spcPct val="90000"/>
+              </a:lnSpc>
+              <a:spcAft>
+                <a:spcPts val="600"/>
+              </a:spcAft>
+              <a:buFont typeface="Arial" panose="020B0604020202020204" pitchFamily="34" charset="0"/>
+              <a:buChar char="•"/>
+            </a:pPr>
             <a:r>
               <a:rPr lang="en-US" dirty="0"/>
-              <a:t>Crime Rate vs. Median Home Values in Sacramento County for 2014-2018</a:t>
-            </a:r>
+              <a:t>The average p-value is 0.01 and the average r-square value is 0.15. Given these values and the diagrams’ appearance, our hypothesis, which is that as median home values increase the crime rate decreases, is confirmed.</a:t>
+            </a:r>
+            <a:endParaRPr lang="en-US"/>
           </a:p>
         </p:txBody>
       </p:sp>
       <p:pic>
         <p:nvPicPr>
-          <p:cNvPr id="17" name="Content Placeholder 16" descr="Chart, scatter chart&#10;&#10;Description automatically generated">
-            <a:extLst>
-              <a:ext uri="{FF2B5EF4-FFF2-40B4-BE49-F238E27FC236}">
-                <a16:creationId xmlns:a16="http://schemas.microsoft.com/office/drawing/2014/main" id="{9773D26D-9102-9042-8DCB-1E8F87070936}"/>
+          <p:cNvPr id="19" name="Content Placeholder 18" descr="Chart, scatter chart&#10;&#10;Description automatically generated">
+            <a:extLst>
+              <a:ext uri="{FF2B5EF4-FFF2-40B4-BE49-F238E27FC236}">
+                <a16:creationId xmlns:a16="http://schemas.microsoft.com/office/drawing/2014/main" id="{D3703BF8-BD70-DC4B-AE4E-87D90FE0947A}"/>
               </a:ext>
             </a:extLst>
           </p:cNvPr>
@@ -4225,7 +6129,7 @@
             <a:picLocks noGrp="1" noChangeAspect="1"/>
           </p:cNvPicPr>
           <p:nvPr>
-            <p:ph sz="half" idx="1"/>
+            <p:ph sz="half" idx="2"/>
           </p:nvPr>
         </p:nvPicPr>
         <p:blipFill>
@@ -4236,17 +6140,20 @@
         </p:blipFill>
         <p:spPr>
           <a:xfrm>
-            <a:off x="838200" y="2274094"/>
-            <a:ext cx="5181600" cy="3454400"/>
+            <a:off x="685639" y="2729397"/>
+            <a:ext cx="5225796" cy="3483864"/>
           </a:xfrm>
+          <a:prstGeom prst="rect">
+            <a:avLst/>
+          </a:prstGeom>
         </p:spPr>
       </p:pic>
       <p:pic>
         <p:nvPicPr>
-          <p:cNvPr id="19" name="Content Placeholder 18" descr="Chart, scatter chart&#10;&#10;Description automatically generated">
-            <a:extLst>
-              <a:ext uri="{FF2B5EF4-FFF2-40B4-BE49-F238E27FC236}">
-                <a16:creationId xmlns:a16="http://schemas.microsoft.com/office/drawing/2014/main" id="{D3703BF8-BD70-DC4B-AE4E-87D90FE0947A}"/>
+          <p:cNvPr id="17" name="Content Placeholder 16" descr="Chart, scatter chart&#10;&#10;Description automatically generated">
+            <a:extLst>
+              <a:ext uri="{FF2B5EF4-FFF2-40B4-BE49-F238E27FC236}">
+                <a16:creationId xmlns:a16="http://schemas.microsoft.com/office/drawing/2014/main" id="{9773D26D-9102-9042-8DCB-1E8F87070936}"/>
               </a:ext>
             </a:extLst>
           </p:cNvPr>
@@ -4254,7 +6161,7 @@
             <a:picLocks noGrp="1" noChangeAspect="1"/>
           </p:cNvPicPr>
           <p:nvPr>
-            <p:ph sz="half" idx="2"/>
+            <p:ph sz="half" idx="1"/>
           </p:nvPr>
         </p:nvPicPr>
         <p:blipFill>
@@ -4265,46 +6172,14 @@
         </p:blipFill>
         <p:spPr>
           <a:xfrm>
-            <a:off x="6172200" y="2274094"/>
-            <a:ext cx="5181600" cy="3454400"/>
-          </a:xfrm>
-        </p:spPr>
-      </p:pic>
-      <p:sp>
-        <p:nvSpPr>
-          <p:cNvPr id="22" name="TextBox 21">
-            <a:extLst>
-              <a:ext uri="{FF2B5EF4-FFF2-40B4-BE49-F238E27FC236}">
-                <a16:creationId xmlns:a16="http://schemas.microsoft.com/office/drawing/2014/main" id="{98334412-A37A-8D45-BC60-6FDB2E80CF4C}"/>
-              </a:ext>
-            </a:extLst>
-          </p:cNvPr>
-          <p:cNvSpPr txBox="1"/>
-          <p:nvPr/>
-        </p:nvSpPr>
-        <p:spPr>
-          <a:xfrm>
-            <a:off x="1450428" y="5927834"/>
-            <a:ext cx="9438289" cy="923330"/>
+            <a:off x="6347424" y="2729397"/>
+            <a:ext cx="5225796" cy="3483864"/>
           </a:xfrm>
           <a:prstGeom prst="rect">
             <a:avLst/>
           </a:prstGeom>
-          <a:noFill/>
         </p:spPr>
-        <p:txBody>
-          <a:bodyPr wrap="square" rtlCol="0">
-            <a:spAutoFit/>
-          </a:bodyPr>
-          <a:lstStyle/>
-          <a:p>
-            <a:r>
-              <a:rPr lang="en-US" dirty="0"/>
-              <a:t>The average p-value is 0.01 and the average r-square value is 0.15. Given these values and the diagrams’ appearance, our hypothesis, which is that as median home values increase the crime rate decreases, is confirmed.</a:t>
-            </a:r>
-          </a:p>
-        </p:txBody>
-      </p:sp>
+      </p:pic>
     </p:spTree>
     <p:extLst>
       <p:ext uri="{BB962C8B-B14F-4D97-AF65-F5344CB8AC3E}">
@@ -4358,9 +6233,10 @@
           <a:p>
             <a:pPr algn="ctr"/>
             <a:r>
-              <a:rPr lang="en-US" dirty="0"/>
+              <a:rPr lang="en-US"/>
               <a:t>Crime Rate vs. Median Home Values in Oak Park for 2014-2018</a:t>
             </a:r>
+            <a:endParaRPr lang="en-US" dirty="0"/>
           </a:p>
         </p:txBody>
       </p:sp>
@@ -4422,9 +6298,10 @@
           <a:lstStyle/>
           <a:p>
             <a:r>
-              <a:rPr lang="en-US" dirty="0"/>
+              <a:rPr lang="en-US"/>
               <a:t>The p-value is 0.03 and the r-square value is 0.46. The chart demonstrates that Oak Park follows the same trend as Sacramento County.</a:t>
             </a:r>
+            <a:endParaRPr lang="en-US" dirty="0"/>
           </a:p>
         </p:txBody>
       </p:sp>
@@ -4444,6 +6321,14 @@
 <file path=ppt/slides/slide17.xml><?xml version="1.0" encoding="utf-8"?>
 <p:sld xmlns:a="http://schemas.openxmlformats.org/drawingml/2006/main" xmlns:r="http://schemas.openxmlformats.org/officeDocument/2006/relationships" xmlns:p="http://schemas.openxmlformats.org/presentationml/2006/main">
   <p:cSld>
+    <p:bg>
+      <p:bgPr>
+        <a:solidFill>
+          <a:schemeClr val="bg1"/>
+        </a:solidFill>
+        <a:effectLst/>
+      </p:bgPr>
+    </p:bg>
     <p:spTree>
       <p:nvGrpSpPr>
         <p:cNvPr id="1" name=""/>
@@ -4474,16 +6359,493 @@
             <p:ph type="title"/>
           </p:nvPr>
         </p:nvSpPr>
-        <p:spPr/>
-        <p:txBody>
-          <a:bodyPr/>
-          <a:lstStyle/>
-          <a:p>
-            <a:pPr algn="ctr"/>
+        <p:spPr>
+          <a:xfrm>
+            <a:off x="1653363" y="365760"/>
+            <a:ext cx="9367203" cy="1188720"/>
+          </a:xfrm>
+        </p:spPr>
+        <p:txBody>
+          <a:bodyPr>
+            <a:normAutofit/>
+          </a:bodyPr>
+          <a:lstStyle/>
+          <a:p>
             <a:r>
               <a:rPr lang="en-US" dirty="0"/>
               <a:t>Overall Conclusions</a:t>
             </a:r>
+            <a:endParaRPr lang="en-US"/>
+          </a:p>
+        </p:txBody>
+      </p:sp>
+      <p:sp>
+        <p:nvSpPr>
+          <p:cNvPr id="8" name="Freeform: Shape 7">
+            <a:extLst>
+              <a:ext uri="{FF2B5EF4-FFF2-40B4-BE49-F238E27FC236}">
+                <a16:creationId xmlns:a16="http://schemas.microsoft.com/office/drawing/2014/main" id="{7CB4857B-ED7C-444D-9F04-2F885114A1C2}"/>
+              </a:ext>
+              <a:ext uri="{C183D7F6-B498-43B3-948B-1728B52AA6E4}">
+                <adec:decorative xmlns:adec="http://schemas.microsoft.com/office/drawing/2017/decorative" val="1"/>
+              </a:ext>
+            </a:extLst>
+          </p:cNvPr>
+          <p:cNvSpPr>
+            <a:spLocks noGrp="1" noRot="1" noChangeAspect="1" noMove="1" noResize="1" noEditPoints="1" noAdjustHandles="1" noChangeArrowheads="1" noChangeShapeType="1" noTextEdit="1"/>
+          </p:cNvSpPr>
+          <p:nvPr>
+            <p:extLst>
+              <p:ext uri="{386F3935-93C4-4BCD-93E2-E3B085C9AB24}">
+                <p16:designElem xmlns:p16="http://schemas.microsoft.com/office/powerpoint/2015/main" val="1"/>
+              </p:ext>
+            </p:extLst>
+          </p:nvPr>
+        </p:nvSpPr>
+        <p:spPr>
+          <a:xfrm>
+            <a:off x="1" y="0"/>
+            <a:ext cx="1764099" cy="1558212"/>
+          </a:xfrm>
+          <a:custGeom>
+            <a:avLst/>
+            <a:gdLst>
+              <a:gd name="connsiteX0" fmla="*/ 0 w 1764099"/>
+              <a:gd name="connsiteY0" fmla="*/ 0 h 1558212"/>
+              <a:gd name="connsiteX1" fmla="*/ 1764099 w 1764099"/>
+              <a:gd name="connsiteY1" fmla="*/ 0 h 1558212"/>
+              <a:gd name="connsiteX2" fmla="*/ 1042087 w 1764099"/>
+              <a:gd name="connsiteY2" fmla="*/ 1558212 h 1558212"/>
+              <a:gd name="connsiteX3" fmla="*/ 0 w 1764099"/>
+              <a:gd name="connsiteY3" fmla="*/ 1558212 h 1558212"/>
+            </a:gdLst>
+            <a:ahLst/>
+            <a:cxnLst>
+              <a:cxn ang="0">
+                <a:pos x="connsiteX0" y="connsiteY0"/>
+              </a:cxn>
+              <a:cxn ang="0">
+                <a:pos x="connsiteX1" y="connsiteY1"/>
+              </a:cxn>
+              <a:cxn ang="0">
+                <a:pos x="connsiteX2" y="connsiteY2"/>
+              </a:cxn>
+              <a:cxn ang="0">
+                <a:pos x="connsiteX3" y="connsiteY3"/>
+              </a:cxn>
+            </a:cxnLst>
+            <a:rect l="l" t="t" r="r" b="b"/>
+            <a:pathLst>
+              <a:path w="1764099" h="1558212">
+                <a:moveTo>
+                  <a:pt x="0" y="0"/>
+                </a:moveTo>
+                <a:lnTo>
+                  <a:pt x="1764099" y="0"/>
+                </a:lnTo>
+                <a:lnTo>
+                  <a:pt x="1042087" y="1558212"/>
+                </a:lnTo>
+                <a:lnTo>
+                  <a:pt x="0" y="1558212"/>
+                </a:lnTo>
+                <a:close/>
+              </a:path>
+            </a:pathLst>
+          </a:custGeom>
+          <a:solidFill>
+            <a:schemeClr val="accent4"/>
+          </a:solidFill>
+          <a:ln>
+            <a:noFill/>
+          </a:ln>
+        </p:spPr>
+        <p:style>
+          <a:lnRef idx="2">
+            <a:schemeClr val="accent1">
+              <a:shade val="50000"/>
+            </a:schemeClr>
+          </a:lnRef>
+          <a:fillRef idx="1">
+            <a:schemeClr val="accent1"/>
+          </a:fillRef>
+          <a:effectRef idx="0">
+            <a:schemeClr val="accent1"/>
+          </a:effectRef>
+          <a:fontRef idx="minor">
+            <a:schemeClr val="lt1"/>
+          </a:fontRef>
+        </p:style>
+        <p:txBody>
+          <a:bodyPr wrap="square" rtlCol="0" anchor="ctr">
+            <a:noAutofit/>
+          </a:bodyPr>
+          <a:lstStyle/>
+          <a:p>
+            <a:pPr algn="ctr"/>
+            <a:endParaRPr lang="en-US"/>
+          </a:p>
+        </p:txBody>
+      </p:sp>
+      <p:sp>
+        <p:nvSpPr>
+          <p:cNvPr id="10" name="Freeform: Shape 9">
+            <a:extLst>
+              <a:ext uri="{FF2B5EF4-FFF2-40B4-BE49-F238E27FC236}">
+                <a16:creationId xmlns:a16="http://schemas.microsoft.com/office/drawing/2014/main" id="{D18046FB-44EA-4FD8-A585-EA09A319B2D0}"/>
+              </a:ext>
+              <a:ext uri="{C183D7F6-B498-43B3-948B-1728B52AA6E4}">
+                <adec:decorative xmlns:adec="http://schemas.microsoft.com/office/drawing/2017/decorative" val="1"/>
+              </a:ext>
+            </a:extLst>
+          </p:cNvPr>
+          <p:cNvSpPr>
+            <a:spLocks noGrp="1" noRot="1" noChangeAspect="1" noMove="1" noResize="1" noEditPoints="1" noAdjustHandles="1" noChangeArrowheads="1" noChangeShapeType="1" noTextEdit="1"/>
+          </p:cNvSpPr>
+          <p:nvPr>
+            <p:extLst>
+              <p:ext uri="{386F3935-93C4-4BCD-93E2-E3B085C9AB24}">
+                <p16:designElem xmlns:p16="http://schemas.microsoft.com/office/powerpoint/2015/main" val="1"/>
+              </p:ext>
+            </p:extLst>
+          </p:nvPr>
+        </p:nvSpPr>
+        <p:spPr>
+          <a:xfrm>
+            <a:off x="1" y="1691640"/>
+            <a:ext cx="12191999" cy="5166360"/>
+          </a:xfrm>
+          <a:custGeom>
+            <a:avLst/>
+            <a:gdLst>
+              <a:gd name="connsiteX0" fmla="*/ 0 w 12191999"/>
+              <a:gd name="connsiteY0" fmla="*/ 0 h 5166360"/>
+              <a:gd name="connsiteX1" fmla="*/ 1822388 w 12191999"/>
+              <a:gd name="connsiteY1" fmla="*/ 0 h 5166360"/>
+              <a:gd name="connsiteX2" fmla="*/ 6468290 w 12191999"/>
+              <a:gd name="connsiteY2" fmla="*/ 0 h 5166360"/>
+              <a:gd name="connsiteX3" fmla="*/ 7796394 w 12191999"/>
+              <a:gd name="connsiteY3" fmla="*/ 0 h 5166360"/>
+              <a:gd name="connsiteX4" fmla="*/ 8376834 w 12191999"/>
+              <a:gd name="connsiteY4" fmla="*/ 0 h 5166360"/>
+              <a:gd name="connsiteX5" fmla="*/ 9704938 w 12191999"/>
+              <a:gd name="connsiteY5" fmla="*/ 0 h 5166360"/>
+              <a:gd name="connsiteX6" fmla="*/ 9704938 w 12191999"/>
+              <a:gd name="connsiteY6" fmla="*/ 2 h 5166360"/>
+              <a:gd name="connsiteX7" fmla="*/ 10283456 w 12191999"/>
+              <a:gd name="connsiteY7" fmla="*/ 2 h 5166360"/>
+              <a:gd name="connsiteX8" fmla="*/ 10863897 w 12191999"/>
+              <a:gd name="connsiteY8" fmla="*/ 2 h 5166360"/>
+              <a:gd name="connsiteX9" fmla="*/ 12191999 w 12191999"/>
+              <a:gd name="connsiteY9" fmla="*/ 2 h 5166360"/>
+              <a:gd name="connsiteX10" fmla="*/ 12191999 w 12191999"/>
+              <a:gd name="connsiteY10" fmla="*/ 5166360 h 5166360"/>
+              <a:gd name="connsiteX11" fmla="*/ 0 w 12191999"/>
+              <a:gd name="connsiteY11" fmla="*/ 5166360 h 5166360"/>
+              <a:gd name="connsiteX12" fmla="*/ 0 w 12191999"/>
+              <a:gd name="connsiteY12" fmla="*/ 2604436 h 5166360"/>
+              <a:gd name="connsiteX13" fmla="*/ 862341 w 12191999"/>
+              <a:gd name="connsiteY13" fmla="*/ 743371 h 5166360"/>
+              <a:gd name="connsiteX14" fmla="*/ 0 w 12191999"/>
+              <a:gd name="connsiteY14" fmla="*/ 743371 h 5166360"/>
+              <a:gd name="connsiteX15" fmla="*/ 0 w 12191999"/>
+              <a:gd name="connsiteY15" fmla="*/ 742508 h 5166360"/>
+              <a:gd name="connsiteX16" fmla="*/ 92826 w 12191999"/>
+              <a:gd name="connsiteY16" fmla="*/ 742508 h 5166360"/>
+              <a:gd name="connsiteX17" fmla="*/ 406486 w 12191999"/>
+              <a:gd name="connsiteY17" fmla="*/ 742508 h 5166360"/>
+              <a:gd name="connsiteX18" fmla="*/ 406486 w 12191999"/>
+              <a:gd name="connsiteY18" fmla="*/ 742507 h 5166360"/>
+              <a:gd name="connsiteX19" fmla="*/ 862741 w 12191999"/>
+              <a:gd name="connsiteY19" fmla="*/ 742507 h 5166360"/>
+              <a:gd name="connsiteX20" fmla="*/ 1206388 w 12191999"/>
+              <a:gd name="connsiteY20" fmla="*/ 864 h 5166360"/>
+              <a:gd name="connsiteX21" fmla="*/ 748500 w 12191999"/>
+              <a:gd name="connsiteY21" fmla="*/ 864 h 5166360"/>
+              <a:gd name="connsiteX22" fmla="*/ 0 w 12191999"/>
+              <a:gd name="connsiteY22" fmla="*/ 864 h 5166360"/>
+            </a:gdLst>
+            <a:ahLst/>
+            <a:cxnLst>
+              <a:cxn ang="0">
+                <a:pos x="connsiteX0" y="connsiteY0"/>
+              </a:cxn>
+              <a:cxn ang="0">
+                <a:pos x="connsiteX1" y="connsiteY1"/>
+              </a:cxn>
+              <a:cxn ang="0">
+                <a:pos x="connsiteX2" y="connsiteY2"/>
+              </a:cxn>
+              <a:cxn ang="0">
+                <a:pos x="connsiteX3" y="connsiteY3"/>
+              </a:cxn>
+              <a:cxn ang="0">
+                <a:pos x="connsiteX4" y="connsiteY4"/>
+              </a:cxn>
+              <a:cxn ang="0">
+                <a:pos x="connsiteX5" y="connsiteY5"/>
+              </a:cxn>
+              <a:cxn ang="0">
+                <a:pos x="connsiteX6" y="connsiteY6"/>
+              </a:cxn>
+              <a:cxn ang="0">
+                <a:pos x="connsiteX7" y="connsiteY7"/>
+              </a:cxn>
+              <a:cxn ang="0">
+                <a:pos x="connsiteX8" y="connsiteY8"/>
+              </a:cxn>
+              <a:cxn ang="0">
+                <a:pos x="connsiteX9" y="connsiteY9"/>
+              </a:cxn>
+              <a:cxn ang="0">
+                <a:pos x="connsiteX10" y="connsiteY10"/>
+              </a:cxn>
+              <a:cxn ang="0">
+                <a:pos x="connsiteX11" y="connsiteY11"/>
+              </a:cxn>
+              <a:cxn ang="0">
+                <a:pos x="connsiteX12" y="connsiteY12"/>
+              </a:cxn>
+              <a:cxn ang="0">
+                <a:pos x="connsiteX13" y="connsiteY13"/>
+              </a:cxn>
+              <a:cxn ang="0">
+                <a:pos x="connsiteX14" y="connsiteY14"/>
+              </a:cxn>
+              <a:cxn ang="0">
+                <a:pos x="connsiteX15" y="connsiteY15"/>
+              </a:cxn>
+              <a:cxn ang="0">
+                <a:pos x="connsiteX16" y="connsiteY16"/>
+              </a:cxn>
+              <a:cxn ang="0">
+                <a:pos x="connsiteX17" y="connsiteY17"/>
+              </a:cxn>
+              <a:cxn ang="0">
+                <a:pos x="connsiteX18" y="connsiteY18"/>
+              </a:cxn>
+              <a:cxn ang="0">
+                <a:pos x="connsiteX19" y="connsiteY19"/>
+              </a:cxn>
+              <a:cxn ang="0">
+                <a:pos x="connsiteX20" y="connsiteY20"/>
+              </a:cxn>
+              <a:cxn ang="0">
+                <a:pos x="connsiteX21" y="connsiteY21"/>
+              </a:cxn>
+              <a:cxn ang="0">
+                <a:pos x="connsiteX22" y="connsiteY22"/>
+              </a:cxn>
+            </a:cxnLst>
+            <a:rect l="l" t="t" r="r" b="b"/>
+            <a:pathLst>
+              <a:path w="12191999" h="5166360">
+                <a:moveTo>
+                  <a:pt x="0" y="0"/>
+                </a:moveTo>
+                <a:lnTo>
+                  <a:pt x="1822388" y="0"/>
+                </a:lnTo>
+                <a:lnTo>
+                  <a:pt x="6468290" y="0"/>
+                </a:lnTo>
+                <a:lnTo>
+                  <a:pt x="7796394" y="0"/>
+                </a:lnTo>
+                <a:lnTo>
+                  <a:pt x="8376834" y="0"/>
+                </a:lnTo>
+                <a:lnTo>
+                  <a:pt x="9704938" y="0"/>
+                </a:lnTo>
+                <a:lnTo>
+                  <a:pt x="9704938" y="2"/>
+                </a:lnTo>
+                <a:lnTo>
+                  <a:pt x="10283456" y="2"/>
+                </a:lnTo>
+                <a:lnTo>
+                  <a:pt x="10863897" y="2"/>
+                </a:lnTo>
+                <a:lnTo>
+                  <a:pt x="12191999" y="2"/>
+                </a:lnTo>
+                <a:lnTo>
+                  <a:pt x="12191999" y="5166360"/>
+                </a:lnTo>
+                <a:lnTo>
+                  <a:pt x="0" y="5166360"/>
+                </a:lnTo>
+                <a:lnTo>
+                  <a:pt x="0" y="2604436"/>
+                </a:lnTo>
+                <a:lnTo>
+                  <a:pt x="862341" y="743371"/>
+                </a:lnTo>
+                <a:lnTo>
+                  <a:pt x="0" y="743371"/>
+                </a:lnTo>
+                <a:lnTo>
+                  <a:pt x="0" y="742508"/>
+                </a:lnTo>
+                <a:lnTo>
+                  <a:pt x="92826" y="742508"/>
+                </a:lnTo>
+                <a:lnTo>
+                  <a:pt x="406486" y="742508"/>
+                </a:lnTo>
+                <a:lnTo>
+                  <a:pt x="406486" y="742507"/>
+                </a:lnTo>
+                <a:lnTo>
+                  <a:pt x="862741" y="742507"/>
+                </a:lnTo>
+                <a:lnTo>
+                  <a:pt x="1206388" y="864"/>
+                </a:lnTo>
+                <a:lnTo>
+                  <a:pt x="748500" y="864"/>
+                </a:lnTo>
+                <a:lnTo>
+                  <a:pt x="0" y="864"/>
+                </a:lnTo>
+                <a:close/>
+              </a:path>
+            </a:pathLst>
+          </a:custGeom>
+          <a:solidFill>
+            <a:srgbClr val="A6A6A6">
+              <a:alpha val="49804"/>
+            </a:srgbClr>
+          </a:solidFill>
+          <a:ln>
+            <a:noFill/>
+          </a:ln>
+        </p:spPr>
+        <p:style>
+          <a:lnRef idx="2">
+            <a:schemeClr val="accent1">
+              <a:shade val="50000"/>
+            </a:schemeClr>
+          </a:lnRef>
+          <a:fillRef idx="1">
+            <a:schemeClr val="accent1"/>
+          </a:fillRef>
+          <a:effectRef idx="0">
+            <a:schemeClr val="accent1"/>
+          </a:effectRef>
+          <a:fontRef idx="minor">
+            <a:schemeClr val="lt1"/>
+          </a:fontRef>
+        </p:style>
+        <p:txBody>
+          <a:bodyPr wrap="square" rtlCol="0" anchor="ctr">
+            <a:noAutofit/>
+          </a:bodyPr>
+          <a:lstStyle/>
+          <a:p>
+            <a:pPr algn="ctr"/>
+            <a:endParaRPr lang="en-US"/>
+          </a:p>
+        </p:txBody>
+      </p:sp>
+      <p:sp>
+        <p:nvSpPr>
+          <p:cNvPr id="12" name="Freeform: Shape 11">
+            <a:extLst>
+              <a:ext uri="{FF2B5EF4-FFF2-40B4-BE49-F238E27FC236}">
+                <a16:creationId xmlns:a16="http://schemas.microsoft.com/office/drawing/2014/main" id="{479F5F2B-8B58-4140-AE6A-51F6C67B18D9}"/>
+              </a:ext>
+              <a:ext uri="{C183D7F6-B498-43B3-948B-1728B52AA6E4}">
+                <adec:decorative xmlns:adec="http://schemas.microsoft.com/office/drawing/2017/decorative" val="1"/>
+              </a:ext>
+            </a:extLst>
+          </p:cNvPr>
+          <p:cNvSpPr>
+            <a:spLocks noGrp="1" noRot="1" noChangeAspect="1" noMove="1" noResize="1" noEditPoints="1" noAdjustHandles="1" noChangeArrowheads="1" noChangeShapeType="1" noTextEdit="1"/>
+          </p:cNvSpPr>
+          <p:nvPr>
+            <p:extLst>
+              <p:ext uri="{386F3935-93C4-4BCD-93E2-E3B085C9AB24}">
+                <p16:designElem xmlns:p16="http://schemas.microsoft.com/office/powerpoint/2015/main" val="1"/>
+              </p:ext>
+            </p:extLst>
+          </p:nvPr>
+        </p:nvSpPr>
+        <p:spPr>
+          <a:xfrm>
+            <a:off x="0" y="1691641"/>
+            <a:ext cx="971654" cy="2096979"/>
+          </a:xfrm>
+          <a:custGeom>
+            <a:avLst/>
+            <a:gdLst>
+              <a:gd name="connsiteX0" fmla="*/ 0 w 971654"/>
+              <a:gd name="connsiteY0" fmla="*/ 0 h 2096979"/>
+              <a:gd name="connsiteX1" fmla="*/ 971654 w 971654"/>
+              <a:gd name="connsiteY1" fmla="*/ 0 h 2096979"/>
+              <a:gd name="connsiteX2" fmla="*/ 0 w 971654"/>
+              <a:gd name="connsiteY2" fmla="*/ 2096979 h 2096979"/>
+            </a:gdLst>
+            <a:ahLst/>
+            <a:cxnLst>
+              <a:cxn ang="0">
+                <a:pos x="connsiteX0" y="connsiteY0"/>
+              </a:cxn>
+              <a:cxn ang="0">
+                <a:pos x="connsiteX1" y="connsiteY1"/>
+              </a:cxn>
+              <a:cxn ang="0">
+                <a:pos x="connsiteX2" y="connsiteY2"/>
+              </a:cxn>
+            </a:cxnLst>
+            <a:rect l="l" t="t" r="r" b="b"/>
+            <a:pathLst>
+              <a:path w="971654" h="2096979">
+                <a:moveTo>
+                  <a:pt x="0" y="0"/>
+                </a:moveTo>
+                <a:lnTo>
+                  <a:pt x="971654" y="0"/>
+                </a:lnTo>
+                <a:lnTo>
+                  <a:pt x="0" y="2096979"/>
+                </a:lnTo>
+                <a:close/>
+              </a:path>
+            </a:pathLst>
+          </a:custGeom>
+          <a:solidFill>
+            <a:srgbClr val="404040"/>
+          </a:solidFill>
+          <a:ln>
+            <a:noFill/>
+          </a:ln>
+        </p:spPr>
+        <p:style>
+          <a:lnRef idx="2">
+            <a:schemeClr val="accent1">
+              <a:shade val="50000"/>
+            </a:schemeClr>
+          </a:lnRef>
+          <a:fillRef idx="1">
+            <a:schemeClr val="accent1"/>
+          </a:fillRef>
+          <a:effectRef idx="0">
+            <a:schemeClr val="accent1"/>
+          </a:effectRef>
+          <a:fontRef idx="minor">
+            <a:schemeClr val="lt1"/>
+          </a:fontRef>
+        </p:style>
+        <p:txBody>
+          <a:bodyPr wrap="square" rtlCol="0" anchor="ctr">
+            <a:noAutofit/>
+          </a:bodyPr>
+          <a:lstStyle/>
+          <a:p>
+            <a:pPr algn="ctr"/>
+            <a:endParaRPr lang="en-US"/>
           </a:p>
         </p:txBody>
       </p:sp>
@@ -4503,15 +6865,52 @@
             <p:ph idx="1"/>
           </p:nvPr>
         </p:nvSpPr>
-        <p:spPr/>
-        <p:txBody>
-          <a:bodyPr/>
+        <p:spPr>
+          <a:xfrm>
+            <a:off x="1653363" y="2176272"/>
+            <a:ext cx="9367204" cy="4041648"/>
+          </a:xfrm>
+        </p:spPr>
+        <p:txBody>
+          <a:bodyPr anchor="t">
+            <a:normAutofit/>
+          </a:bodyPr>
           <a:lstStyle/>
           <a:p>
             <a:pPr marL="0" indent="0">
               <a:buNone/>
             </a:pPr>
-            <a:endParaRPr lang="en-US" dirty="0"/>
+            <a:r>
+              <a:rPr lang="en-US" sz="2400" dirty="0"/>
+              <a:t>We had two main hypotheses:</a:t>
+            </a:r>
+          </a:p>
+          <a:p>
+            <a:pPr lvl="1"/>
+            <a:r>
+              <a:rPr lang="en-US" sz="2000" dirty="0"/>
+              <a:t>Rising median home prices correlate with lower crime rates</a:t>
+            </a:r>
+          </a:p>
+          <a:p>
+            <a:pPr lvl="1"/>
+            <a:r>
+              <a:rPr lang="en-US" sz="2000" dirty="0"/>
+              <a:t>Rising poverty rates correlate with higher crime rates</a:t>
+            </a:r>
+          </a:p>
+          <a:p>
+            <a:pPr marL="0" indent="0">
+              <a:buNone/>
+            </a:pPr>
+            <a:r>
+              <a:rPr lang="en-US" sz="2400" dirty="0"/>
+              <a:t>Overall the data for Sacramento County conformed to these hypotheses. When we looked exclusively at Oak Park, results from the data were mixed. Oak Park had a decreasing crime rate as median home prices went up, as expected. In contrast, Oak Park had a decreasing crime rate even as the poverty rate went up, which did not conform to our hypotheses. More research into Oak Park is needed to </a:t>
+            </a:r>
+            <a:r>
+              <a:rPr lang="en-US" sz="2400"/>
+              <a:t>understand this.</a:t>
+            </a:r>
           </a:p>
         </p:txBody>
       </p:sp>
@@ -4531,6 +6930,14 @@
 <file path=ppt/slides/slide2.xml><?xml version="1.0" encoding="utf-8"?>
 <p:sld xmlns:a="http://schemas.openxmlformats.org/drawingml/2006/main" xmlns:r="http://schemas.openxmlformats.org/officeDocument/2006/relationships" xmlns:p="http://schemas.openxmlformats.org/presentationml/2006/main">
   <p:cSld>
+    <p:bg>
+      <p:bgPr>
+        <a:solidFill>
+          <a:schemeClr val="bg1"/>
+        </a:solidFill>
+        <a:effectLst/>
+      </p:bgPr>
+    </p:bg>
     <p:spTree>
       <p:nvGrpSpPr>
         <p:cNvPr id="1" name=""/>
@@ -4561,16 +6968,493 @@
             <p:ph type="title"/>
           </p:nvPr>
         </p:nvSpPr>
-        <p:spPr/>
-        <p:txBody>
-          <a:bodyPr/>
-          <a:lstStyle/>
-          <a:p>
-            <a:pPr algn="ctr"/>
+        <p:spPr>
+          <a:xfrm>
+            <a:off x="1653363" y="365760"/>
+            <a:ext cx="9367203" cy="1188720"/>
+          </a:xfrm>
+        </p:spPr>
+        <p:txBody>
+          <a:bodyPr>
+            <a:normAutofit/>
+          </a:bodyPr>
+          <a:lstStyle/>
+          <a:p>
             <a:r>
               <a:rPr lang="en-US" dirty="0"/>
               <a:t>Data Sources</a:t>
             </a:r>
+            <a:endParaRPr lang="en-US"/>
+          </a:p>
+        </p:txBody>
+      </p:sp>
+      <p:sp>
+        <p:nvSpPr>
+          <p:cNvPr id="8" name="Freeform: Shape 7">
+            <a:extLst>
+              <a:ext uri="{FF2B5EF4-FFF2-40B4-BE49-F238E27FC236}">
+                <a16:creationId xmlns:a16="http://schemas.microsoft.com/office/drawing/2014/main" id="{7CB4857B-ED7C-444D-9F04-2F885114A1C2}"/>
+              </a:ext>
+              <a:ext uri="{C183D7F6-B498-43B3-948B-1728B52AA6E4}">
+                <adec:decorative xmlns:adec="http://schemas.microsoft.com/office/drawing/2017/decorative" val="1"/>
+              </a:ext>
+            </a:extLst>
+          </p:cNvPr>
+          <p:cNvSpPr>
+            <a:spLocks noGrp="1" noRot="1" noChangeAspect="1" noMove="1" noResize="1" noEditPoints="1" noAdjustHandles="1" noChangeArrowheads="1" noChangeShapeType="1" noTextEdit="1"/>
+          </p:cNvSpPr>
+          <p:nvPr>
+            <p:extLst>
+              <p:ext uri="{386F3935-93C4-4BCD-93E2-E3B085C9AB24}">
+                <p16:designElem xmlns:p16="http://schemas.microsoft.com/office/powerpoint/2015/main" val="1"/>
+              </p:ext>
+            </p:extLst>
+          </p:nvPr>
+        </p:nvSpPr>
+        <p:spPr>
+          <a:xfrm>
+            <a:off x="1" y="0"/>
+            <a:ext cx="1764099" cy="1558212"/>
+          </a:xfrm>
+          <a:custGeom>
+            <a:avLst/>
+            <a:gdLst>
+              <a:gd name="connsiteX0" fmla="*/ 0 w 1764099"/>
+              <a:gd name="connsiteY0" fmla="*/ 0 h 1558212"/>
+              <a:gd name="connsiteX1" fmla="*/ 1764099 w 1764099"/>
+              <a:gd name="connsiteY1" fmla="*/ 0 h 1558212"/>
+              <a:gd name="connsiteX2" fmla="*/ 1042087 w 1764099"/>
+              <a:gd name="connsiteY2" fmla="*/ 1558212 h 1558212"/>
+              <a:gd name="connsiteX3" fmla="*/ 0 w 1764099"/>
+              <a:gd name="connsiteY3" fmla="*/ 1558212 h 1558212"/>
+            </a:gdLst>
+            <a:ahLst/>
+            <a:cxnLst>
+              <a:cxn ang="0">
+                <a:pos x="connsiteX0" y="connsiteY0"/>
+              </a:cxn>
+              <a:cxn ang="0">
+                <a:pos x="connsiteX1" y="connsiteY1"/>
+              </a:cxn>
+              <a:cxn ang="0">
+                <a:pos x="connsiteX2" y="connsiteY2"/>
+              </a:cxn>
+              <a:cxn ang="0">
+                <a:pos x="connsiteX3" y="connsiteY3"/>
+              </a:cxn>
+            </a:cxnLst>
+            <a:rect l="l" t="t" r="r" b="b"/>
+            <a:pathLst>
+              <a:path w="1764099" h="1558212">
+                <a:moveTo>
+                  <a:pt x="0" y="0"/>
+                </a:moveTo>
+                <a:lnTo>
+                  <a:pt x="1764099" y="0"/>
+                </a:lnTo>
+                <a:lnTo>
+                  <a:pt x="1042087" y="1558212"/>
+                </a:lnTo>
+                <a:lnTo>
+                  <a:pt x="0" y="1558212"/>
+                </a:lnTo>
+                <a:close/>
+              </a:path>
+            </a:pathLst>
+          </a:custGeom>
+          <a:solidFill>
+            <a:schemeClr val="accent4"/>
+          </a:solidFill>
+          <a:ln>
+            <a:noFill/>
+          </a:ln>
+        </p:spPr>
+        <p:style>
+          <a:lnRef idx="2">
+            <a:schemeClr val="accent1">
+              <a:shade val="50000"/>
+            </a:schemeClr>
+          </a:lnRef>
+          <a:fillRef idx="1">
+            <a:schemeClr val="accent1"/>
+          </a:fillRef>
+          <a:effectRef idx="0">
+            <a:schemeClr val="accent1"/>
+          </a:effectRef>
+          <a:fontRef idx="minor">
+            <a:schemeClr val="lt1"/>
+          </a:fontRef>
+        </p:style>
+        <p:txBody>
+          <a:bodyPr wrap="square" rtlCol="0" anchor="ctr">
+            <a:noAutofit/>
+          </a:bodyPr>
+          <a:lstStyle/>
+          <a:p>
+            <a:pPr algn="ctr"/>
+            <a:endParaRPr lang="en-US"/>
+          </a:p>
+        </p:txBody>
+      </p:sp>
+      <p:sp>
+        <p:nvSpPr>
+          <p:cNvPr id="10" name="Freeform: Shape 9">
+            <a:extLst>
+              <a:ext uri="{FF2B5EF4-FFF2-40B4-BE49-F238E27FC236}">
+                <a16:creationId xmlns:a16="http://schemas.microsoft.com/office/drawing/2014/main" id="{D18046FB-44EA-4FD8-A585-EA09A319B2D0}"/>
+              </a:ext>
+              <a:ext uri="{C183D7F6-B498-43B3-948B-1728B52AA6E4}">
+                <adec:decorative xmlns:adec="http://schemas.microsoft.com/office/drawing/2017/decorative" val="1"/>
+              </a:ext>
+            </a:extLst>
+          </p:cNvPr>
+          <p:cNvSpPr>
+            <a:spLocks noGrp="1" noRot="1" noChangeAspect="1" noMove="1" noResize="1" noEditPoints="1" noAdjustHandles="1" noChangeArrowheads="1" noChangeShapeType="1" noTextEdit="1"/>
+          </p:cNvSpPr>
+          <p:nvPr>
+            <p:extLst>
+              <p:ext uri="{386F3935-93C4-4BCD-93E2-E3B085C9AB24}">
+                <p16:designElem xmlns:p16="http://schemas.microsoft.com/office/powerpoint/2015/main" val="1"/>
+              </p:ext>
+            </p:extLst>
+          </p:nvPr>
+        </p:nvSpPr>
+        <p:spPr>
+          <a:xfrm>
+            <a:off x="1" y="1691640"/>
+            <a:ext cx="12191999" cy="5166360"/>
+          </a:xfrm>
+          <a:custGeom>
+            <a:avLst/>
+            <a:gdLst>
+              <a:gd name="connsiteX0" fmla="*/ 0 w 12191999"/>
+              <a:gd name="connsiteY0" fmla="*/ 0 h 5166360"/>
+              <a:gd name="connsiteX1" fmla="*/ 1822388 w 12191999"/>
+              <a:gd name="connsiteY1" fmla="*/ 0 h 5166360"/>
+              <a:gd name="connsiteX2" fmla="*/ 6468290 w 12191999"/>
+              <a:gd name="connsiteY2" fmla="*/ 0 h 5166360"/>
+              <a:gd name="connsiteX3" fmla="*/ 7796394 w 12191999"/>
+              <a:gd name="connsiteY3" fmla="*/ 0 h 5166360"/>
+              <a:gd name="connsiteX4" fmla="*/ 8376834 w 12191999"/>
+              <a:gd name="connsiteY4" fmla="*/ 0 h 5166360"/>
+              <a:gd name="connsiteX5" fmla="*/ 9704938 w 12191999"/>
+              <a:gd name="connsiteY5" fmla="*/ 0 h 5166360"/>
+              <a:gd name="connsiteX6" fmla="*/ 9704938 w 12191999"/>
+              <a:gd name="connsiteY6" fmla="*/ 2 h 5166360"/>
+              <a:gd name="connsiteX7" fmla="*/ 10283456 w 12191999"/>
+              <a:gd name="connsiteY7" fmla="*/ 2 h 5166360"/>
+              <a:gd name="connsiteX8" fmla="*/ 10863897 w 12191999"/>
+              <a:gd name="connsiteY8" fmla="*/ 2 h 5166360"/>
+              <a:gd name="connsiteX9" fmla="*/ 12191999 w 12191999"/>
+              <a:gd name="connsiteY9" fmla="*/ 2 h 5166360"/>
+              <a:gd name="connsiteX10" fmla="*/ 12191999 w 12191999"/>
+              <a:gd name="connsiteY10" fmla="*/ 5166360 h 5166360"/>
+              <a:gd name="connsiteX11" fmla="*/ 0 w 12191999"/>
+              <a:gd name="connsiteY11" fmla="*/ 5166360 h 5166360"/>
+              <a:gd name="connsiteX12" fmla="*/ 0 w 12191999"/>
+              <a:gd name="connsiteY12" fmla="*/ 2604436 h 5166360"/>
+              <a:gd name="connsiteX13" fmla="*/ 862341 w 12191999"/>
+              <a:gd name="connsiteY13" fmla="*/ 743371 h 5166360"/>
+              <a:gd name="connsiteX14" fmla="*/ 0 w 12191999"/>
+              <a:gd name="connsiteY14" fmla="*/ 743371 h 5166360"/>
+              <a:gd name="connsiteX15" fmla="*/ 0 w 12191999"/>
+              <a:gd name="connsiteY15" fmla="*/ 742508 h 5166360"/>
+              <a:gd name="connsiteX16" fmla="*/ 92826 w 12191999"/>
+              <a:gd name="connsiteY16" fmla="*/ 742508 h 5166360"/>
+              <a:gd name="connsiteX17" fmla="*/ 406486 w 12191999"/>
+              <a:gd name="connsiteY17" fmla="*/ 742508 h 5166360"/>
+              <a:gd name="connsiteX18" fmla="*/ 406486 w 12191999"/>
+              <a:gd name="connsiteY18" fmla="*/ 742507 h 5166360"/>
+              <a:gd name="connsiteX19" fmla="*/ 862741 w 12191999"/>
+              <a:gd name="connsiteY19" fmla="*/ 742507 h 5166360"/>
+              <a:gd name="connsiteX20" fmla="*/ 1206388 w 12191999"/>
+              <a:gd name="connsiteY20" fmla="*/ 864 h 5166360"/>
+              <a:gd name="connsiteX21" fmla="*/ 748500 w 12191999"/>
+              <a:gd name="connsiteY21" fmla="*/ 864 h 5166360"/>
+              <a:gd name="connsiteX22" fmla="*/ 0 w 12191999"/>
+              <a:gd name="connsiteY22" fmla="*/ 864 h 5166360"/>
+            </a:gdLst>
+            <a:ahLst/>
+            <a:cxnLst>
+              <a:cxn ang="0">
+                <a:pos x="connsiteX0" y="connsiteY0"/>
+              </a:cxn>
+              <a:cxn ang="0">
+                <a:pos x="connsiteX1" y="connsiteY1"/>
+              </a:cxn>
+              <a:cxn ang="0">
+                <a:pos x="connsiteX2" y="connsiteY2"/>
+              </a:cxn>
+              <a:cxn ang="0">
+                <a:pos x="connsiteX3" y="connsiteY3"/>
+              </a:cxn>
+              <a:cxn ang="0">
+                <a:pos x="connsiteX4" y="connsiteY4"/>
+              </a:cxn>
+              <a:cxn ang="0">
+                <a:pos x="connsiteX5" y="connsiteY5"/>
+              </a:cxn>
+              <a:cxn ang="0">
+                <a:pos x="connsiteX6" y="connsiteY6"/>
+              </a:cxn>
+              <a:cxn ang="0">
+                <a:pos x="connsiteX7" y="connsiteY7"/>
+              </a:cxn>
+              <a:cxn ang="0">
+                <a:pos x="connsiteX8" y="connsiteY8"/>
+              </a:cxn>
+              <a:cxn ang="0">
+                <a:pos x="connsiteX9" y="connsiteY9"/>
+              </a:cxn>
+              <a:cxn ang="0">
+                <a:pos x="connsiteX10" y="connsiteY10"/>
+              </a:cxn>
+              <a:cxn ang="0">
+                <a:pos x="connsiteX11" y="connsiteY11"/>
+              </a:cxn>
+              <a:cxn ang="0">
+                <a:pos x="connsiteX12" y="connsiteY12"/>
+              </a:cxn>
+              <a:cxn ang="0">
+                <a:pos x="connsiteX13" y="connsiteY13"/>
+              </a:cxn>
+              <a:cxn ang="0">
+                <a:pos x="connsiteX14" y="connsiteY14"/>
+              </a:cxn>
+              <a:cxn ang="0">
+                <a:pos x="connsiteX15" y="connsiteY15"/>
+              </a:cxn>
+              <a:cxn ang="0">
+                <a:pos x="connsiteX16" y="connsiteY16"/>
+              </a:cxn>
+              <a:cxn ang="0">
+                <a:pos x="connsiteX17" y="connsiteY17"/>
+              </a:cxn>
+              <a:cxn ang="0">
+                <a:pos x="connsiteX18" y="connsiteY18"/>
+              </a:cxn>
+              <a:cxn ang="0">
+                <a:pos x="connsiteX19" y="connsiteY19"/>
+              </a:cxn>
+              <a:cxn ang="0">
+                <a:pos x="connsiteX20" y="connsiteY20"/>
+              </a:cxn>
+              <a:cxn ang="0">
+                <a:pos x="connsiteX21" y="connsiteY21"/>
+              </a:cxn>
+              <a:cxn ang="0">
+                <a:pos x="connsiteX22" y="connsiteY22"/>
+              </a:cxn>
+            </a:cxnLst>
+            <a:rect l="l" t="t" r="r" b="b"/>
+            <a:pathLst>
+              <a:path w="12191999" h="5166360">
+                <a:moveTo>
+                  <a:pt x="0" y="0"/>
+                </a:moveTo>
+                <a:lnTo>
+                  <a:pt x="1822388" y="0"/>
+                </a:lnTo>
+                <a:lnTo>
+                  <a:pt x="6468290" y="0"/>
+                </a:lnTo>
+                <a:lnTo>
+                  <a:pt x="7796394" y="0"/>
+                </a:lnTo>
+                <a:lnTo>
+                  <a:pt x="8376834" y="0"/>
+                </a:lnTo>
+                <a:lnTo>
+                  <a:pt x="9704938" y="0"/>
+                </a:lnTo>
+                <a:lnTo>
+                  <a:pt x="9704938" y="2"/>
+                </a:lnTo>
+                <a:lnTo>
+                  <a:pt x="10283456" y="2"/>
+                </a:lnTo>
+                <a:lnTo>
+                  <a:pt x="10863897" y="2"/>
+                </a:lnTo>
+                <a:lnTo>
+                  <a:pt x="12191999" y="2"/>
+                </a:lnTo>
+                <a:lnTo>
+                  <a:pt x="12191999" y="5166360"/>
+                </a:lnTo>
+                <a:lnTo>
+                  <a:pt x="0" y="5166360"/>
+                </a:lnTo>
+                <a:lnTo>
+                  <a:pt x="0" y="2604436"/>
+                </a:lnTo>
+                <a:lnTo>
+                  <a:pt x="862341" y="743371"/>
+                </a:lnTo>
+                <a:lnTo>
+                  <a:pt x="0" y="743371"/>
+                </a:lnTo>
+                <a:lnTo>
+                  <a:pt x="0" y="742508"/>
+                </a:lnTo>
+                <a:lnTo>
+                  <a:pt x="92826" y="742508"/>
+                </a:lnTo>
+                <a:lnTo>
+                  <a:pt x="406486" y="742508"/>
+                </a:lnTo>
+                <a:lnTo>
+                  <a:pt x="406486" y="742507"/>
+                </a:lnTo>
+                <a:lnTo>
+                  <a:pt x="862741" y="742507"/>
+                </a:lnTo>
+                <a:lnTo>
+                  <a:pt x="1206388" y="864"/>
+                </a:lnTo>
+                <a:lnTo>
+                  <a:pt x="748500" y="864"/>
+                </a:lnTo>
+                <a:lnTo>
+                  <a:pt x="0" y="864"/>
+                </a:lnTo>
+                <a:close/>
+              </a:path>
+            </a:pathLst>
+          </a:custGeom>
+          <a:solidFill>
+            <a:srgbClr val="A6A6A6">
+              <a:alpha val="49804"/>
+            </a:srgbClr>
+          </a:solidFill>
+          <a:ln>
+            <a:noFill/>
+          </a:ln>
+        </p:spPr>
+        <p:style>
+          <a:lnRef idx="2">
+            <a:schemeClr val="accent1">
+              <a:shade val="50000"/>
+            </a:schemeClr>
+          </a:lnRef>
+          <a:fillRef idx="1">
+            <a:schemeClr val="accent1"/>
+          </a:fillRef>
+          <a:effectRef idx="0">
+            <a:schemeClr val="accent1"/>
+          </a:effectRef>
+          <a:fontRef idx="minor">
+            <a:schemeClr val="lt1"/>
+          </a:fontRef>
+        </p:style>
+        <p:txBody>
+          <a:bodyPr wrap="square" rtlCol="0" anchor="ctr">
+            <a:noAutofit/>
+          </a:bodyPr>
+          <a:lstStyle/>
+          <a:p>
+            <a:pPr algn="ctr"/>
+            <a:endParaRPr lang="en-US"/>
+          </a:p>
+        </p:txBody>
+      </p:sp>
+      <p:sp>
+        <p:nvSpPr>
+          <p:cNvPr id="12" name="Freeform: Shape 11">
+            <a:extLst>
+              <a:ext uri="{FF2B5EF4-FFF2-40B4-BE49-F238E27FC236}">
+                <a16:creationId xmlns:a16="http://schemas.microsoft.com/office/drawing/2014/main" id="{479F5F2B-8B58-4140-AE6A-51F6C67B18D9}"/>
+              </a:ext>
+              <a:ext uri="{C183D7F6-B498-43B3-948B-1728B52AA6E4}">
+                <adec:decorative xmlns:adec="http://schemas.microsoft.com/office/drawing/2017/decorative" val="1"/>
+              </a:ext>
+            </a:extLst>
+          </p:cNvPr>
+          <p:cNvSpPr>
+            <a:spLocks noGrp="1" noRot="1" noChangeAspect="1" noMove="1" noResize="1" noEditPoints="1" noAdjustHandles="1" noChangeArrowheads="1" noChangeShapeType="1" noTextEdit="1"/>
+          </p:cNvSpPr>
+          <p:nvPr>
+            <p:extLst>
+              <p:ext uri="{386F3935-93C4-4BCD-93E2-E3B085C9AB24}">
+                <p16:designElem xmlns:p16="http://schemas.microsoft.com/office/powerpoint/2015/main" val="1"/>
+              </p:ext>
+            </p:extLst>
+          </p:nvPr>
+        </p:nvSpPr>
+        <p:spPr>
+          <a:xfrm>
+            <a:off x="0" y="1691641"/>
+            <a:ext cx="971654" cy="2096979"/>
+          </a:xfrm>
+          <a:custGeom>
+            <a:avLst/>
+            <a:gdLst>
+              <a:gd name="connsiteX0" fmla="*/ 0 w 971654"/>
+              <a:gd name="connsiteY0" fmla="*/ 0 h 2096979"/>
+              <a:gd name="connsiteX1" fmla="*/ 971654 w 971654"/>
+              <a:gd name="connsiteY1" fmla="*/ 0 h 2096979"/>
+              <a:gd name="connsiteX2" fmla="*/ 0 w 971654"/>
+              <a:gd name="connsiteY2" fmla="*/ 2096979 h 2096979"/>
+            </a:gdLst>
+            <a:ahLst/>
+            <a:cxnLst>
+              <a:cxn ang="0">
+                <a:pos x="connsiteX0" y="connsiteY0"/>
+              </a:cxn>
+              <a:cxn ang="0">
+                <a:pos x="connsiteX1" y="connsiteY1"/>
+              </a:cxn>
+              <a:cxn ang="0">
+                <a:pos x="connsiteX2" y="connsiteY2"/>
+              </a:cxn>
+            </a:cxnLst>
+            <a:rect l="l" t="t" r="r" b="b"/>
+            <a:pathLst>
+              <a:path w="971654" h="2096979">
+                <a:moveTo>
+                  <a:pt x="0" y="0"/>
+                </a:moveTo>
+                <a:lnTo>
+                  <a:pt x="971654" y="0"/>
+                </a:lnTo>
+                <a:lnTo>
+                  <a:pt x="0" y="2096979"/>
+                </a:lnTo>
+                <a:close/>
+              </a:path>
+            </a:pathLst>
+          </a:custGeom>
+          <a:solidFill>
+            <a:srgbClr val="404040"/>
+          </a:solidFill>
+          <a:ln>
+            <a:noFill/>
+          </a:ln>
+        </p:spPr>
+        <p:style>
+          <a:lnRef idx="2">
+            <a:schemeClr val="accent1">
+              <a:shade val="50000"/>
+            </a:schemeClr>
+          </a:lnRef>
+          <a:fillRef idx="1">
+            <a:schemeClr val="accent1"/>
+          </a:fillRef>
+          <a:effectRef idx="0">
+            <a:schemeClr val="accent1"/>
+          </a:effectRef>
+          <a:fontRef idx="minor">
+            <a:schemeClr val="lt1"/>
+          </a:fontRef>
+        </p:style>
+        <p:txBody>
+          <a:bodyPr wrap="square" rtlCol="0" anchor="ctr">
+            <a:noAutofit/>
+          </a:bodyPr>
+          <a:lstStyle/>
+          <a:p>
+            <a:pPr algn="ctr"/>
+            <a:endParaRPr lang="en-US"/>
           </a:p>
         </p:txBody>
       </p:sp>
@@ -4590,71 +7474,78 @@
             <p:ph idx="1"/>
           </p:nvPr>
         </p:nvSpPr>
-        <p:spPr/>
-        <p:txBody>
-          <a:bodyPr/>
-          <a:lstStyle/>
-          <a:p>
-            <a:r>
-              <a:rPr lang="en-US" dirty="0"/>
+        <p:spPr>
+          <a:xfrm>
+            <a:off x="1653363" y="2176272"/>
+            <a:ext cx="9367204" cy="4041648"/>
+          </a:xfrm>
+        </p:spPr>
+        <p:txBody>
+          <a:bodyPr anchor="t">
+            <a:normAutofit/>
+          </a:bodyPr>
+          <a:lstStyle/>
+          <a:p>
+            <a:r>
+              <a:rPr lang="en-US" sz="2400"/>
               <a:t>Sacramento County Datasets: </a:t>
             </a:r>
             <a:r>
-              <a:rPr lang="en-US" u="sng" dirty="0">
+              <a:rPr lang="en-US" sz="2400" u="sng">
                 <a:hlinkClick r:id="rId2"/>
               </a:rPr>
               <a:t>https://data.saccounty.net/datasets/9a7f2df25a584ff9b55db274704ad7c9_0/geoservice</a:t>
             </a:r>
             <a:r>
-              <a:rPr lang="en-US" dirty="0"/>
+              <a:rPr lang="en-US" sz="2400"/>
               <a:t>. </a:t>
             </a:r>
           </a:p>
           <a:p>
             <a:r>
-              <a:rPr lang="en-US" dirty="0"/>
+              <a:rPr lang="en-US" sz="2400"/>
               <a:t>Capitol Impact list of Sacramento County Zip Codes: </a:t>
             </a:r>
             <a:r>
-              <a:rPr lang="en-US" u="sng" dirty="0">
+              <a:rPr lang="en-US" sz="2400" u="sng">
                 <a:hlinkClick r:id="rId3"/>
               </a:rPr>
               <a:t>http://www.ciclt.net/sn/clt/capitolimpact/gw_ziplist.aspx?FIPS=06067</a:t>
             </a:r>
             <a:r>
-              <a:rPr lang="en-US" dirty="0"/>
+              <a:rPr lang="en-US" sz="2400"/>
               <a:t> </a:t>
             </a:r>
           </a:p>
           <a:p>
             <a:r>
-              <a:rPr lang="en-US" dirty="0"/>
+              <a:rPr lang="en-US" sz="2400"/>
               <a:t>Census API: </a:t>
             </a:r>
             <a:r>
-              <a:rPr lang="en-US" dirty="0">
+              <a:rPr lang="en-US" sz="2400">
                 <a:hlinkClick r:id="rId4"/>
               </a:rPr>
               <a:t>https://api.census.gov/data.html</a:t>
             </a:r>
             <a:r>
-              <a:rPr lang="en-US" dirty="0"/>
+              <a:rPr lang="en-US" sz="2400"/>
               <a:t> </a:t>
             </a:r>
           </a:p>
           <a:p>
             <a:r>
-              <a:rPr lang="en-US" dirty="0"/>
+              <a:rPr lang="en-US" sz="2400"/>
               <a:t>Google Maps API: </a:t>
             </a:r>
             <a:r>
-              <a:rPr lang="en-US" dirty="0">
+              <a:rPr lang="en-US" sz="2400">
                 <a:hlinkClick r:id="rId5"/>
               </a:rPr>
               <a:t>https://cloud.google.com/maps-platform</a:t>
             </a:r>
             <a:r>
-              <a:rPr lang="en-US" dirty="0"/>
+              <a:rPr lang="en-US" sz="2400"/>
               <a:t> </a:t>
             </a:r>
           </a:p>
@@ -4676,6 +7567,14 @@
 <file path=ppt/slides/slide3.xml><?xml version="1.0" encoding="utf-8"?>
 <p:sld xmlns:a="http://schemas.openxmlformats.org/drawingml/2006/main" xmlns:r="http://schemas.openxmlformats.org/officeDocument/2006/relationships" xmlns:p="http://schemas.openxmlformats.org/presentationml/2006/main">
   <p:cSld>
+    <p:bg>
+      <p:bgPr>
+        <a:solidFill>
+          <a:schemeClr val="bg1"/>
+        </a:solidFill>
+        <a:effectLst/>
+      </p:bgPr>
+    </p:bg>
     <p:spTree>
       <p:nvGrpSpPr>
         <p:cNvPr id="1" name=""/>
@@ -4706,16 +7605,493 @@
             <p:ph type="title"/>
           </p:nvPr>
         </p:nvSpPr>
-        <p:spPr/>
-        <p:txBody>
-          <a:bodyPr/>
-          <a:lstStyle/>
-          <a:p>
-            <a:pPr algn="ctr"/>
+        <p:spPr>
+          <a:xfrm>
+            <a:off x="1653363" y="365760"/>
+            <a:ext cx="9367203" cy="1188720"/>
+          </a:xfrm>
+        </p:spPr>
+        <p:txBody>
+          <a:bodyPr>
+            <a:normAutofit/>
+          </a:bodyPr>
+          <a:lstStyle/>
+          <a:p>
             <a:r>
               <a:rPr lang="en-US" dirty="0"/>
               <a:t>Data Cleaning</a:t>
             </a:r>
+            <a:endParaRPr lang="en-US"/>
+          </a:p>
+        </p:txBody>
+      </p:sp>
+      <p:sp>
+        <p:nvSpPr>
+          <p:cNvPr id="8" name="Freeform: Shape 7">
+            <a:extLst>
+              <a:ext uri="{FF2B5EF4-FFF2-40B4-BE49-F238E27FC236}">
+                <a16:creationId xmlns:a16="http://schemas.microsoft.com/office/drawing/2014/main" id="{7CB4857B-ED7C-444D-9F04-2F885114A1C2}"/>
+              </a:ext>
+              <a:ext uri="{C183D7F6-B498-43B3-948B-1728B52AA6E4}">
+                <adec:decorative xmlns:adec="http://schemas.microsoft.com/office/drawing/2017/decorative" val="1"/>
+              </a:ext>
+            </a:extLst>
+          </p:cNvPr>
+          <p:cNvSpPr>
+            <a:spLocks noGrp="1" noRot="1" noChangeAspect="1" noMove="1" noResize="1" noEditPoints="1" noAdjustHandles="1" noChangeArrowheads="1" noChangeShapeType="1" noTextEdit="1"/>
+          </p:cNvSpPr>
+          <p:nvPr>
+            <p:extLst>
+              <p:ext uri="{386F3935-93C4-4BCD-93E2-E3B085C9AB24}">
+                <p16:designElem xmlns:p16="http://schemas.microsoft.com/office/powerpoint/2015/main" val="1"/>
+              </p:ext>
+            </p:extLst>
+          </p:nvPr>
+        </p:nvSpPr>
+        <p:spPr>
+          <a:xfrm>
+            <a:off x="1" y="0"/>
+            <a:ext cx="1764099" cy="1558212"/>
+          </a:xfrm>
+          <a:custGeom>
+            <a:avLst/>
+            <a:gdLst>
+              <a:gd name="connsiteX0" fmla="*/ 0 w 1764099"/>
+              <a:gd name="connsiteY0" fmla="*/ 0 h 1558212"/>
+              <a:gd name="connsiteX1" fmla="*/ 1764099 w 1764099"/>
+              <a:gd name="connsiteY1" fmla="*/ 0 h 1558212"/>
+              <a:gd name="connsiteX2" fmla="*/ 1042087 w 1764099"/>
+              <a:gd name="connsiteY2" fmla="*/ 1558212 h 1558212"/>
+              <a:gd name="connsiteX3" fmla="*/ 0 w 1764099"/>
+              <a:gd name="connsiteY3" fmla="*/ 1558212 h 1558212"/>
+            </a:gdLst>
+            <a:ahLst/>
+            <a:cxnLst>
+              <a:cxn ang="0">
+                <a:pos x="connsiteX0" y="connsiteY0"/>
+              </a:cxn>
+              <a:cxn ang="0">
+                <a:pos x="connsiteX1" y="connsiteY1"/>
+              </a:cxn>
+              <a:cxn ang="0">
+                <a:pos x="connsiteX2" y="connsiteY2"/>
+              </a:cxn>
+              <a:cxn ang="0">
+                <a:pos x="connsiteX3" y="connsiteY3"/>
+              </a:cxn>
+            </a:cxnLst>
+            <a:rect l="l" t="t" r="r" b="b"/>
+            <a:pathLst>
+              <a:path w="1764099" h="1558212">
+                <a:moveTo>
+                  <a:pt x="0" y="0"/>
+                </a:moveTo>
+                <a:lnTo>
+                  <a:pt x="1764099" y="0"/>
+                </a:lnTo>
+                <a:lnTo>
+                  <a:pt x="1042087" y="1558212"/>
+                </a:lnTo>
+                <a:lnTo>
+                  <a:pt x="0" y="1558212"/>
+                </a:lnTo>
+                <a:close/>
+              </a:path>
+            </a:pathLst>
+          </a:custGeom>
+          <a:solidFill>
+            <a:schemeClr val="accent4"/>
+          </a:solidFill>
+          <a:ln>
+            <a:noFill/>
+          </a:ln>
+        </p:spPr>
+        <p:style>
+          <a:lnRef idx="2">
+            <a:schemeClr val="accent1">
+              <a:shade val="50000"/>
+            </a:schemeClr>
+          </a:lnRef>
+          <a:fillRef idx="1">
+            <a:schemeClr val="accent1"/>
+          </a:fillRef>
+          <a:effectRef idx="0">
+            <a:schemeClr val="accent1"/>
+          </a:effectRef>
+          <a:fontRef idx="minor">
+            <a:schemeClr val="lt1"/>
+          </a:fontRef>
+        </p:style>
+        <p:txBody>
+          <a:bodyPr wrap="square" rtlCol="0" anchor="ctr">
+            <a:noAutofit/>
+          </a:bodyPr>
+          <a:lstStyle/>
+          <a:p>
+            <a:pPr algn="ctr"/>
+            <a:endParaRPr lang="en-US"/>
+          </a:p>
+        </p:txBody>
+      </p:sp>
+      <p:sp>
+        <p:nvSpPr>
+          <p:cNvPr id="10" name="Freeform: Shape 9">
+            <a:extLst>
+              <a:ext uri="{FF2B5EF4-FFF2-40B4-BE49-F238E27FC236}">
+                <a16:creationId xmlns:a16="http://schemas.microsoft.com/office/drawing/2014/main" id="{D18046FB-44EA-4FD8-A585-EA09A319B2D0}"/>
+              </a:ext>
+              <a:ext uri="{C183D7F6-B498-43B3-948B-1728B52AA6E4}">
+                <adec:decorative xmlns:adec="http://schemas.microsoft.com/office/drawing/2017/decorative" val="1"/>
+              </a:ext>
+            </a:extLst>
+          </p:cNvPr>
+          <p:cNvSpPr>
+            <a:spLocks noGrp="1" noRot="1" noChangeAspect="1" noMove="1" noResize="1" noEditPoints="1" noAdjustHandles="1" noChangeArrowheads="1" noChangeShapeType="1" noTextEdit="1"/>
+          </p:cNvSpPr>
+          <p:nvPr>
+            <p:extLst>
+              <p:ext uri="{386F3935-93C4-4BCD-93E2-E3B085C9AB24}">
+                <p16:designElem xmlns:p16="http://schemas.microsoft.com/office/powerpoint/2015/main" val="1"/>
+              </p:ext>
+            </p:extLst>
+          </p:nvPr>
+        </p:nvSpPr>
+        <p:spPr>
+          <a:xfrm>
+            <a:off x="1" y="1691640"/>
+            <a:ext cx="12191999" cy="5166360"/>
+          </a:xfrm>
+          <a:custGeom>
+            <a:avLst/>
+            <a:gdLst>
+              <a:gd name="connsiteX0" fmla="*/ 0 w 12191999"/>
+              <a:gd name="connsiteY0" fmla="*/ 0 h 5166360"/>
+              <a:gd name="connsiteX1" fmla="*/ 1822388 w 12191999"/>
+              <a:gd name="connsiteY1" fmla="*/ 0 h 5166360"/>
+              <a:gd name="connsiteX2" fmla="*/ 6468290 w 12191999"/>
+              <a:gd name="connsiteY2" fmla="*/ 0 h 5166360"/>
+              <a:gd name="connsiteX3" fmla="*/ 7796394 w 12191999"/>
+              <a:gd name="connsiteY3" fmla="*/ 0 h 5166360"/>
+              <a:gd name="connsiteX4" fmla="*/ 8376834 w 12191999"/>
+              <a:gd name="connsiteY4" fmla="*/ 0 h 5166360"/>
+              <a:gd name="connsiteX5" fmla="*/ 9704938 w 12191999"/>
+              <a:gd name="connsiteY5" fmla="*/ 0 h 5166360"/>
+              <a:gd name="connsiteX6" fmla="*/ 9704938 w 12191999"/>
+              <a:gd name="connsiteY6" fmla="*/ 2 h 5166360"/>
+              <a:gd name="connsiteX7" fmla="*/ 10283456 w 12191999"/>
+              <a:gd name="connsiteY7" fmla="*/ 2 h 5166360"/>
+              <a:gd name="connsiteX8" fmla="*/ 10863897 w 12191999"/>
+              <a:gd name="connsiteY8" fmla="*/ 2 h 5166360"/>
+              <a:gd name="connsiteX9" fmla="*/ 12191999 w 12191999"/>
+              <a:gd name="connsiteY9" fmla="*/ 2 h 5166360"/>
+              <a:gd name="connsiteX10" fmla="*/ 12191999 w 12191999"/>
+              <a:gd name="connsiteY10" fmla="*/ 5166360 h 5166360"/>
+              <a:gd name="connsiteX11" fmla="*/ 0 w 12191999"/>
+              <a:gd name="connsiteY11" fmla="*/ 5166360 h 5166360"/>
+              <a:gd name="connsiteX12" fmla="*/ 0 w 12191999"/>
+              <a:gd name="connsiteY12" fmla="*/ 2604436 h 5166360"/>
+              <a:gd name="connsiteX13" fmla="*/ 862341 w 12191999"/>
+              <a:gd name="connsiteY13" fmla="*/ 743371 h 5166360"/>
+              <a:gd name="connsiteX14" fmla="*/ 0 w 12191999"/>
+              <a:gd name="connsiteY14" fmla="*/ 743371 h 5166360"/>
+              <a:gd name="connsiteX15" fmla="*/ 0 w 12191999"/>
+              <a:gd name="connsiteY15" fmla="*/ 742508 h 5166360"/>
+              <a:gd name="connsiteX16" fmla="*/ 92826 w 12191999"/>
+              <a:gd name="connsiteY16" fmla="*/ 742508 h 5166360"/>
+              <a:gd name="connsiteX17" fmla="*/ 406486 w 12191999"/>
+              <a:gd name="connsiteY17" fmla="*/ 742508 h 5166360"/>
+              <a:gd name="connsiteX18" fmla="*/ 406486 w 12191999"/>
+              <a:gd name="connsiteY18" fmla="*/ 742507 h 5166360"/>
+              <a:gd name="connsiteX19" fmla="*/ 862741 w 12191999"/>
+              <a:gd name="connsiteY19" fmla="*/ 742507 h 5166360"/>
+              <a:gd name="connsiteX20" fmla="*/ 1206388 w 12191999"/>
+              <a:gd name="connsiteY20" fmla="*/ 864 h 5166360"/>
+              <a:gd name="connsiteX21" fmla="*/ 748500 w 12191999"/>
+              <a:gd name="connsiteY21" fmla="*/ 864 h 5166360"/>
+              <a:gd name="connsiteX22" fmla="*/ 0 w 12191999"/>
+              <a:gd name="connsiteY22" fmla="*/ 864 h 5166360"/>
+            </a:gdLst>
+            <a:ahLst/>
+            <a:cxnLst>
+              <a:cxn ang="0">
+                <a:pos x="connsiteX0" y="connsiteY0"/>
+              </a:cxn>
+              <a:cxn ang="0">
+                <a:pos x="connsiteX1" y="connsiteY1"/>
+              </a:cxn>
+              <a:cxn ang="0">
+                <a:pos x="connsiteX2" y="connsiteY2"/>
+              </a:cxn>
+              <a:cxn ang="0">
+                <a:pos x="connsiteX3" y="connsiteY3"/>
+              </a:cxn>
+              <a:cxn ang="0">
+                <a:pos x="connsiteX4" y="connsiteY4"/>
+              </a:cxn>
+              <a:cxn ang="0">
+                <a:pos x="connsiteX5" y="connsiteY5"/>
+              </a:cxn>
+              <a:cxn ang="0">
+                <a:pos x="connsiteX6" y="connsiteY6"/>
+              </a:cxn>
+              <a:cxn ang="0">
+                <a:pos x="connsiteX7" y="connsiteY7"/>
+              </a:cxn>
+              <a:cxn ang="0">
+                <a:pos x="connsiteX8" y="connsiteY8"/>
+              </a:cxn>
+              <a:cxn ang="0">
+                <a:pos x="connsiteX9" y="connsiteY9"/>
+              </a:cxn>
+              <a:cxn ang="0">
+                <a:pos x="connsiteX10" y="connsiteY10"/>
+              </a:cxn>
+              <a:cxn ang="0">
+                <a:pos x="connsiteX11" y="connsiteY11"/>
+              </a:cxn>
+              <a:cxn ang="0">
+                <a:pos x="connsiteX12" y="connsiteY12"/>
+              </a:cxn>
+              <a:cxn ang="0">
+                <a:pos x="connsiteX13" y="connsiteY13"/>
+              </a:cxn>
+              <a:cxn ang="0">
+                <a:pos x="connsiteX14" y="connsiteY14"/>
+              </a:cxn>
+              <a:cxn ang="0">
+                <a:pos x="connsiteX15" y="connsiteY15"/>
+              </a:cxn>
+              <a:cxn ang="0">
+                <a:pos x="connsiteX16" y="connsiteY16"/>
+              </a:cxn>
+              <a:cxn ang="0">
+                <a:pos x="connsiteX17" y="connsiteY17"/>
+              </a:cxn>
+              <a:cxn ang="0">
+                <a:pos x="connsiteX18" y="connsiteY18"/>
+              </a:cxn>
+              <a:cxn ang="0">
+                <a:pos x="connsiteX19" y="connsiteY19"/>
+              </a:cxn>
+              <a:cxn ang="0">
+                <a:pos x="connsiteX20" y="connsiteY20"/>
+              </a:cxn>
+              <a:cxn ang="0">
+                <a:pos x="connsiteX21" y="connsiteY21"/>
+              </a:cxn>
+              <a:cxn ang="0">
+                <a:pos x="connsiteX22" y="connsiteY22"/>
+              </a:cxn>
+            </a:cxnLst>
+            <a:rect l="l" t="t" r="r" b="b"/>
+            <a:pathLst>
+              <a:path w="12191999" h="5166360">
+                <a:moveTo>
+                  <a:pt x="0" y="0"/>
+                </a:moveTo>
+                <a:lnTo>
+                  <a:pt x="1822388" y="0"/>
+                </a:lnTo>
+                <a:lnTo>
+                  <a:pt x="6468290" y="0"/>
+                </a:lnTo>
+                <a:lnTo>
+                  <a:pt x="7796394" y="0"/>
+                </a:lnTo>
+                <a:lnTo>
+                  <a:pt x="8376834" y="0"/>
+                </a:lnTo>
+                <a:lnTo>
+                  <a:pt x="9704938" y="0"/>
+                </a:lnTo>
+                <a:lnTo>
+                  <a:pt x="9704938" y="2"/>
+                </a:lnTo>
+                <a:lnTo>
+                  <a:pt x="10283456" y="2"/>
+                </a:lnTo>
+                <a:lnTo>
+                  <a:pt x="10863897" y="2"/>
+                </a:lnTo>
+                <a:lnTo>
+                  <a:pt x="12191999" y="2"/>
+                </a:lnTo>
+                <a:lnTo>
+                  <a:pt x="12191999" y="5166360"/>
+                </a:lnTo>
+                <a:lnTo>
+                  <a:pt x="0" y="5166360"/>
+                </a:lnTo>
+                <a:lnTo>
+                  <a:pt x="0" y="2604436"/>
+                </a:lnTo>
+                <a:lnTo>
+                  <a:pt x="862341" y="743371"/>
+                </a:lnTo>
+                <a:lnTo>
+                  <a:pt x="0" y="743371"/>
+                </a:lnTo>
+                <a:lnTo>
+                  <a:pt x="0" y="742508"/>
+                </a:lnTo>
+                <a:lnTo>
+                  <a:pt x="92826" y="742508"/>
+                </a:lnTo>
+                <a:lnTo>
+                  <a:pt x="406486" y="742508"/>
+                </a:lnTo>
+                <a:lnTo>
+                  <a:pt x="406486" y="742507"/>
+                </a:lnTo>
+                <a:lnTo>
+                  <a:pt x="862741" y="742507"/>
+                </a:lnTo>
+                <a:lnTo>
+                  <a:pt x="1206388" y="864"/>
+                </a:lnTo>
+                <a:lnTo>
+                  <a:pt x="748500" y="864"/>
+                </a:lnTo>
+                <a:lnTo>
+                  <a:pt x="0" y="864"/>
+                </a:lnTo>
+                <a:close/>
+              </a:path>
+            </a:pathLst>
+          </a:custGeom>
+          <a:solidFill>
+            <a:srgbClr val="A6A6A6">
+              <a:alpha val="49804"/>
+            </a:srgbClr>
+          </a:solidFill>
+          <a:ln>
+            <a:noFill/>
+          </a:ln>
+        </p:spPr>
+        <p:style>
+          <a:lnRef idx="2">
+            <a:schemeClr val="accent1">
+              <a:shade val="50000"/>
+            </a:schemeClr>
+          </a:lnRef>
+          <a:fillRef idx="1">
+            <a:schemeClr val="accent1"/>
+          </a:fillRef>
+          <a:effectRef idx="0">
+            <a:schemeClr val="accent1"/>
+          </a:effectRef>
+          <a:fontRef idx="minor">
+            <a:schemeClr val="lt1"/>
+          </a:fontRef>
+        </p:style>
+        <p:txBody>
+          <a:bodyPr wrap="square" rtlCol="0" anchor="ctr">
+            <a:noAutofit/>
+          </a:bodyPr>
+          <a:lstStyle/>
+          <a:p>
+            <a:pPr algn="ctr"/>
+            <a:endParaRPr lang="en-US"/>
+          </a:p>
+        </p:txBody>
+      </p:sp>
+      <p:sp>
+        <p:nvSpPr>
+          <p:cNvPr id="12" name="Freeform: Shape 11">
+            <a:extLst>
+              <a:ext uri="{FF2B5EF4-FFF2-40B4-BE49-F238E27FC236}">
+                <a16:creationId xmlns:a16="http://schemas.microsoft.com/office/drawing/2014/main" id="{479F5F2B-8B58-4140-AE6A-51F6C67B18D9}"/>
+              </a:ext>
+              <a:ext uri="{C183D7F6-B498-43B3-948B-1728B52AA6E4}">
+                <adec:decorative xmlns:adec="http://schemas.microsoft.com/office/drawing/2017/decorative" val="1"/>
+              </a:ext>
+            </a:extLst>
+          </p:cNvPr>
+          <p:cNvSpPr>
+            <a:spLocks noGrp="1" noRot="1" noChangeAspect="1" noMove="1" noResize="1" noEditPoints="1" noAdjustHandles="1" noChangeArrowheads="1" noChangeShapeType="1" noTextEdit="1"/>
+          </p:cNvSpPr>
+          <p:nvPr>
+            <p:extLst>
+              <p:ext uri="{386F3935-93C4-4BCD-93E2-E3B085C9AB24}">
+                <p16:designElem xmlns:p16="http://schemas.microsoft.com/office/powerpoint/2015/main" val="1"/>
+              </p:ext>
+            </p:extLst>
+          </p:nvPr>
+        </p:nvSpPr>
+        <p:spPr>
+          <a:xfrm>
+            <a:off x="0" y="1691641"/>
+            <a:ext cx="971654" cy="2096979"/>
+          </a:xfrm>
+          <a:custGeom>
+            <a:avLst/>
+            <a:gdLst>
+              <a:gd name="connsiteX0" fmla="*/ 0 w 971654"/>
+              <a:gd name="connsiteY0" fmla="*/ 0 h 2096979"/>
+              <a:gd name="connsiteX1" fmla="*/ 971654 w 971654"/>
+              <a:gd name="connsiteY1" fmla="*/ 0 h 2096979"/>
+              <a:gd name="connsiteX2" fmla="*/ 0 w 971654"/>
+              <a:gd name="connsiteY2" fmla="*/ 2096979 h 2096979"/>
+            </a:gdLst>
+            <a:ahLst/>
+            <a:cxnLst>
+              <a:cxn ang="0">
+                <a:pos x="connsiteX0" y="connsiteY0"/>
+              </a:cxn>
+              <a:cxn ang="0">
+                <a:pos x="connsiteX1" y="connsiteY1"/>
+              </a:cxn>
+              <a:cxn ang="0">
+                <a:pos x="connsiteX2" y="connsiteY2"/>
+              </a:cxn>
+            </a:cxnLst>
+            <a:rect l="l" t="t" r="r" b="b"/>
+            <a:pathLst>
+              <a:path w="971654" h="2096979">
+                <a:moveTo>
+                  <a:pt x="0" y="0"/>
+                </a:moveTo>
+                <a:lnTo>
+                  <a:pt x="971654" y="0"/>
+                </a:lnTo>
+                <a:lnTo>
+                  <a:pt x="0" y="2096979"/>
+                </a:lnTo>
+                <a:close/>
+              </a:path>
+            </a:pathLst>
+          </a:custGeom>
+          <a:solidFill>
+            <a:srgbClr val="404040"/>
+          </a:solidFill>
+          <a:ln>
+            <a:noFill/>
+          </a:ln>
+        </p:spPr>
+        <p:style>
+          <a:lnRef idx="2">
+            <a:schemeClr val="accent1">
+              <a:shade val="50000"/>
+            </a:schemeClr>
+          </a:lnRef>
+          <a:fillRef idx="1">
+            <a:schemeClr val="accent1"/>
+          </a:fillRef>
+          <a:effectRef idx="0">
+            <a:schemeClr val="accent1"/>
+          </a:effectRef>
+          <a:fontRef idx="minor">
+            <a:schemeClr val="lt1"/>
+          </a:fontRef>
+        </p:style>
+        <p:txBody>
+          <a:bodyPr wrap="square" rtlCol="0" anchor="ctr">
+            <a:noAutofit/>
+          </a:bodyPr>
+          <a:lstStyle/>
+          <a:p>
+            <a:pPr algn="ctr"/>
+            <a:endParaRPr lang="en-US"/>
           </a:p>
         </p:txBody>
       </p:sp>
@@ -4735,62 +8111,71 @@
             <p:ph idx="1"/>
           </p:nvPr>
         </p:nvSpPr>
-        <p:spPr/>
-        <p:txBody>
-          <a:bodyPr/>
-          <a:lstStyle/>
-          <a:p>
-            <a:r>
-              <a:rPr lang="en-US" dirty="0"/>
+        <p:spPr>
+          <a:xfrm>
+            <a:off x="1653363" y="2176272"/>
+            <a:ext cx="9367204" cy="4041648"/>
+          </a:xfrm>
+        </p:spPr>
+        <p:txBody>
+          <a:bodyPr anchor="t">
+            <a:normAutofit/>
+          </a:bodyPr>
+          <a:lstStyle/>
+          <a:p>
+            <a:r>
+              <a:rPr lang="en-US" sz="2400"/>
               <a:t>Cleaned the data obtained from Census, Sacramento County and Google Maps using the following methodology:</a:t>
             </a:r>
           </a:p>
           <a:p>
             <a:pPr lvl="2"/>
             <a:r>
-              <a:rPr lang="en-US" dirty="0"/>
+              <a:rPr lang="en-US" sz="2400"/>
               <a:t>Rename columns</a:t>
             </a:r>
           </a:p>
           <a:p>
             <a:pPr lvl="2"/>
             <a:r>
-              <a:rPr lang="en-US" dirty="0"/>
+              <a:rPr lang="en-US" sz="2400"/>
               <a:t>Add columns</a:t>
             </a:r>
           </a:p>
           <a:p>
             <a:pPr lvl="2"/>
             <a:r>
-              <a:rPr lang="en-US" dirty="0"/>
+              <a:rPr lang="en-US" sz="2400"/>
               <a:t>Drop null rows</a:t>
             </a:r>
           </a:p>
           <a:p>
             <a:pPr lvl="2"/>
             <a:r>
-              <a:rPr lang="en-US" dirty="0"/>
+              <a:rPr lang="en-US" sz="2400"/>
               <a:t>Drop incomplete data</a:t>
             </a:r>
           </a:p>
           <a:p>
             <a:pPr lvl="2"/>
             <a:r>
-              <a:rPr lang="en-US" dirty="0"/>
+              <a:rPr lang="en-US" sz="2400"/>
               <a:t>Filter out years to only include 2014-2018</a:t>
             </a:r>
           </a:p>
           <a:p>
             <a:pPr lvl="2"/>
             <a:r>
-              <a:rPr lang="en-US" dirty="0"/>
-              <a:t>Try/</a:t>
-            </a:r>
-            <a:r>
-              <a:rPr lang="en-US"/>
-              <a:t>Except blocks</a:t>
-            </a:r>
-            <a:endParaRPr lang="en-US" dirty="0"/>
+              <a:rPr lang="en-US" sz="2400"/>
+              <a:t>Parse year data from the timestamp</a:t>
+            </a:r>
+          </a:p>
+          <a:p>
+            <a:pPr lvl="2"/>
+            <a:r>
+              <a:rPr lang="en-US" sz="2400"/>
+              <a:t>Try/Except blocks</a:t>
+            </a:r>
           </a:p>
         </p:txBody>
       </p:sp>
@@ -4810,6 +8195,14 @@
 <file path=ppt/slides/slide4.xml><?xml version="1.0" encoding="utf-8"?>
 <p:sld xmlns:a="http://schemas.openxmlformats.org/drawingml/2006/main" xmlns:r="http://schemas.openxmlformats.org/officeDocument/2006/relationships" xmlns:p="http://schemas.openxmlformats.org/presentationml/2006/main">
   <p:cSld>
+    <p:bg>
+      <p:bgPr>
+        <a:solidFill>
+          <a:schemeClr val="bg1"/>
+        </a:solidFill>
+        <a:effectLst/>
+      </p:bgPr>
+    </p:bg>
     <p:spTree>
       <p:nvGrpSpPr>
         <p:cNvPr id="1" name=""/>
@@ -4840,9 +8233,16 @@
             <p:ph type="title"/>
           </p:nvPr>
         </p:nvSpPr>
-        <p:spPr/>
-        <p:txBody>
-          <a:bodyPr/>
+        <p:spPr>
+          <a:xfrm>
+            <a:off x="1653363" y="365760"/>
+            <a:ext cx="9367203" cy="1188720"/>
+          </a:xfrm>
+        </p:spPr>
+        <p:txBody>
+          <a:bodyPr>
+            <a:normAutofit/>
+          </a:bodyPr>
           <a:lstStyle/>
           <a:p>
             <a:r>
@@ -4854,6 +8254,476 @@
       </p:sp>
       <p:sp>
         <p:nvSpPr>
+          <p:cNvPr id="8" name="Freeform: Shape 7">
+            <a:extLst>
+              <a:ext uri="{FF2B5EF4-FFF2-40B4-BE49-F238E27FC236}">
+                <a16:creationId xmlns:a16="http://schemas.microsoft.com/office/drawing/2014/main" id="{7CB4857B-ED7C-444D-9F04-2F885114A1C2}"/>
+              </a:ext>
+              <a:ext uri="{C183D7F6-B498-43B3-948B-1728B52AA6E4}">
+                <adec:decorative xmlns:adec="http://schemas.microsoft.com/office/drawing/2017/decorative" val="1"/>
+              </a:ext>
+            </a:extLst>
+          </p:cNvPr>
+          <p:cNvSpPr>
+            <a:spLocks noGrp="1" noRot="1" noChangeAspect="1" noMove="1" noResize="1" noEditPoints="1" noAdjustHandles="1" noChangeArrowheads="1" noChangeShapeType="1" noTextEdit="1"/>
+          </p:cNvSpPr>
+          <p:nvPr>
+            <p:extLst>
+              <p:ext uri="{386F3935-93C4-4BCD-93E2-E3B085C9AB24}">
+                <p16:designElem xmlns:p16="http://schemas.microsoft.com/office/powerpoint/2015/main" val="1"/>
+              </p:ext>
+            </p:extLst>
+          </p:nvPr>
+        </p:nvSpPr>
+        <p:spPr>
+          <a:xfrm>
+            <a:off x="1" y="0"/>
+            <a:ext cx="1764099" cy="1558212"/>
+          </a:xfrm>
+          <a:custGeom>
+            <a:avLst/>
+            <a:gdLst>
+              <a:gd name="connsiteX0" fmla="*/ 0 w 1764099"/>
+              <a:gd name="connsiteY0" fmla="*/ 0 h 1558212"/>
+              <a:gd name="connsiteX1" fmla="*/ 1764099 w 1764099"/>
+              <a:gd name="connsiteY1" fmla="*/ 0 h 1558212"/>
+              <a:gd name="connsiteX2" fmla="*/ 1042087 w 1764099"/>
+              <a:gd name="connsiteY2" fmla="*/ 1558212 h 1558212"/>
+              <a:gd name="connsiteX3" fmla="*/ 0 w 1764099"/>
+              <a:gd name="connsiteY3" fmla="*/ 1558212 h 1558212"/>
+            </a:gdLst>
+            <a:ahLst/>
+            <a:cxnLst>
+              <a:cxn ang="0">
+                <a:pos x="connsiteX0" y="connsiteY0"/>
+              </a:cxn>
+              <a:cxn ang="0">
+                <a:pos x="connsiteX1" y="connsiteY1"/>
+              </a:cxn>
+              <a:cxn ang="0">
+                <a:pos x="connsiteX2" y="connsiteY2"/>
+              </a:cxn>
+              <a:cxn ang="0">
+                <a:pos x="connsiteX3" y="connsiteY3"/>
+              </a:cxn>
+            </a:cxnLst>
+            <a:rect l="l" t="t" r="r" b="b"/>
+            <a:pathLst>
+              <a:path w="1764099" h="1558212">
+                <a:moveTo>
+                  <a:pt x="0" y="0"/>
+                </a:moveTo>
+                <a:lnTo>
+                  <a:pt x="1764099" y="0"/>
+                </a:lnTo>
+                <a:lnTo>
+                  <a:pt x="1042087" y="1558212"/>
+                </a:lnTo>
+                <a:lnTo>
+                  <a:pt x="0" y="1558212"/>
+                </a:lnTo>
+                <a:close/>
+              </a:path>
+            </a:pathLst>
+          </a:custGeom>
+          <a:solidFill>
+            <a:schemeClr val="accent4"/>
+          </a:solidFill>
+          <a:ln>
+            <a:noFill/>
+          </a:ln>
+        </p:spPr>
+        <p:style>
+          <a:lnRef idx="2">
+            <a:schemeClr val="accent1">
+              <a:shade val="50000"/>
+            </a:schemeClr>
+          </a:lnRef>
+          <a:fillRef idx="1">
+            <a:schemeClr val="accent1"/>
+          </a:fillRef>
+          <a:effectRef idx="0">
+            <a:schemeClr val="accent1"/>
+          </a:effectRef>
+          <a:fontRef idx="minor">
+            <a:schemeClr val="lt1"/>
+          </a:fontRef>
+        </p:style>
+        <p:txBody>
+          <a:bodyPr wrap="square" rtlCol="0" anchor="ctr">
+            <a:noAutofit/>
+          </a:bodyPr>
+          <a:lstStyle/>
+          <a:p>
+            <a:pPr algn="ctr"/>
+            <a:endParaRPr lang="en-US"/>
+          </a:p>
+        </p:txBody>
+      </p:sp>
+      <p:sp>
+        <p:nvSpPr>
+          <p:cNvPr id="10" name="Freeform: Shape 9">
+            <a:extLst>
+              <a:ext uri="{FF2B5EF4-FFF2-40B4-BE49-F238E27FC236}">
+                <a16:creationId xmlns:a16="http://schemas.microsoft.com/office/drawing/2014/main" id="{D18046FB-44EA-4FD8-A585-EA09A319B2D0}"/>
+              </a:ext>
+              <a:ext uri="{C183D7F6-B498-43B3-948B-1728B52AA6E4}">
+                <adec:decorative xmlns:adec="http://schemas.microsoft.com/office/drawing/2017/decorative" val="1"/>
+              </a:ext>
+            </a:extLst>
+          </p:cNvPr>
+          <p:cNvSpPr>
+            <a:spLocks noGrp="1" noRot="1" noChangeAspect="1" noMove="1" noResize="1" noEditPoints="1" noAdjustHandles="1" noChangeArrowheads="1" noChangeShapeType="1" noTextEdit="1"/>
+          </p:cNvSpPr>
+          <p:nvPr>
+            <p:extLst>
+              <p:ext uri="{386F3935-93C4-4BCD-93E2-E3B085C9AB24}">
+                <p16:designElem xmlns:p16="http://schemas.microsoft.com/office/powerpoint/2015/main" val="1"/>
+              </p:ext>
+            </p:extLst>
+          </p:nvPr>
+        </p:nvSpPr>
+        <p:spPr>
+          <a:xfrm>
+            <a:off x="1" y="1691640"/>
+            <a:ext cx="12191999" cy="5166360"/>
+          </a:xfrm>
+          <a:custGeom>
+            <a:avLst/>
+            <a:gdLst>
+              <a:gd name="connsiteX0" fmla="*/ 0 w 12191999"/>
+              <a:gd name="connsiteY0" fmla="*/ 0 h 5166360"/>
+              <a:gd name="connsiteX1" fmla="*/ 1822388 w 12191999"/>
+              <a:gd name="connsiteY1" fmla="*/ 0 h 5166360"/>
+              <a:gd name="connsiteX2" fmla="*/ 6468290 w 12191999"/>
+              <a:gd name="connsiteY2" fmla="*/ 0 h 5166360"/>
+              <a:gd name="connsiteX3" fmla="*/ 7796394 w 12191999"/>
+              <a:gd name="connsiteY3" fmla="*/ 0 h 5166360"/>
+              <a:gd name="connsiteX4" fmla="*/ 8376834 w 12191999"/>
+              <a:gd name="connsiteY4" fmla="*/ 0 h 5166360"/>
+              <a:gd name="connsiteX5" fmla="*/ 9704938 w 12191999"/>
+              <a:gd name="connsiteY5" fmla="*/ 0 h 5166360"/>
+              <a:gd name="connsiteX6" fmla="*/ 9704938 w 12191999"/>
+              <a:gd name="connsiteY6" fmla="*/ 2 h 5166360"/>
+              <a:gd name="connsiteX7" fmla="*/ 10283456 w 12191999"/>
+              <a:gd name="connsiteY7" fmla="*/ 2 h 5166360"/>
+              <a:gd name="connsiteX8" fmla="*/ 10863897 w 12191999"/>
+              <a:gd name="connsiteY8" fmla="*/ 2 h 5166360"/>
+              <a:gd name="connsiteX9" fmla="*/ 12191999 w 12191999"/>
+              <a:gd name="connsiteY9" fmla="*/ 2 h 5166360"/>
+              <a:gd name="connsiteX10" fmla="*/ 12191999 w 12191999"/>
+              <a:gd name="connsiteY10" fmla="*/ 5166360 h 5166360"/>
+              <a:gd name="connsiteX11" fmla="*/ 0 w 12191999"/>
+              <a:gd name="connsiteY11" fmla="*/ 5166360 h 5166360"/>
+              <a:gd name="connsiteX12" fmla="*/ 0 w 12191999"/>
+              <a:gd name="connsiteY12" fmla="*/ 2604436 h 5166360"/>
+              <a:gd name="connsiteX13" fmla="*/ 862341 w 12191999"/>
+              <a:gd name="connsiteY13" fmla="*/ 743371 h 5166360"/>
+              <a:gd name="connsiteX14" fmla="*/ 0 w 12191999"/>
+              <a:gd name="connsiteY14" fmla="*/ 743371 h 5166360"/>
+              <a:gd name="connsiteX15" fmla="*/ 0 w 12191999"/>
+              <a:gd name="connsiteY15" fmla="*/ 742508 h 5166360"/>
+              <a:gd name="connsiteX16" fmla="*/ 92826 w 12191999"/>
+              <a:gd name="connsiteY16" fmla="*/ 742508 h 5166360"/>
+              <a:gd name="connsiteX17" fmla="*/ 406486 w 12191999"/>
+              <a:gd name="connsiteY17" fmla="*/ 742508 h 5166360"/>
+              <a:gd name="connsiteX18" fmla="*/ 406486 w 12191999"/>
+              <a:gd name="connsiteY18" fmla="*/ 742507 h 5166360"/>
+              <a:gd name="connsiteX19" fmla="*/ 862741 w 12191999"/>
+              <a:gd name="connsiteY19" fmla="*/ 742507 h 5166360"/>
+              <a:gd name="connsiteX20" fmla="*/ 1206388 w 12191999"/>
+              <a:gd name="connsiteY20" fmla="*/ 864 h 5166360"/>
+              <a:gd name="connsiteX21" fmla="*/ 748500 w 12191999"/>
+              <a:gd name="connsiteY21" fmla="*/ 864 h 5166360"/>
+              <a:gd name="connsiteX22" fmla="*/ 0 w 12191999"/>
+              <a:gd name="connsiteY22" fmla="*/ 864 h 5166360"/>
+            </a:gdLst>
+            <a:ahLst/>
+            <a:cxnLst>
+              <a:cxn ang="0">
+                <a:pos x="connsiteX0" y="connsiteY0"/>
+              </a:cxn>
+              <a:cxn ang="0">
+                <a:pos x="connsiteX1" y="connsiteY1"/>
+              </a:cxn>
+              <a:cxn ang="0">
+                <a:pos x="connsiteX2" y="connsiteY2"/>
+              </a:cxn>
+              <a:cxn ang="0">
+                <a:pos x="connsiteX3" y="connsiteY3"/>
+              </a:cxn>
+              <a:cxn ang="0">
+                <a:pos x="connsiteX4" y="connsiteY4"/>
+              </a:cxn>
+              <a:cxn ang="0">
+                <a:pos x="connsiteX5" y="connsiteY5"/>
+              </a:cxn>
+              <a:cxn ang="0">
+                <a:pos x="connsiteX6" y="connsiteY6"/>
+              </a:cxn>
+              <a:cxn ang="0">
+                <a:pos x="connsiteX7" y="connsiteY7"/>
+              </a:cxn>
+              <a:cxn ang="0">
+                <a:pos x="connsiteX8" y="connsiteY8"/>
+              </a:cxn>
+              <a:cxn ang="0">
+                <a:pos x="connsiteX9" y="connsiteY9"/>
+              </a:cxn>
+              <a:cxn ang="0">
+                <a:pos x="connsiteX10" y="connsiteY10"/>
+              </a:cxn>
+              <a:cxn ang="0">
+                <a:pos x="connsiteX11" y="connsiteY11"/>
+              </a:cxn>
+              <a:cxn ang="0">
+                <a:pos x="connsiteX12" y="connsiteY12"/>
+              </a:cxn>
+              <a:cxn ang="0">
+                <a:pos x="connsiteX13" y="connsiteY13"/>
+              </a:cxn>
+              <a:cxn ang="0">
+                <a:pos x="connsiteX14" y="connsiteY14"/>
+              </a:cxn>
+              <a:cxn ang="0">
+                <a:pos x="connsiteX15" y="connsiteY15"/>
+              </a:cxn>
+              <a:cxn ang="0">
+                <a:pos x="connsiteX16" y="connsiteY16"/>
+              </a:cxn>
+              <a:cxn ang="0">
+                <a:pos x="connsiteX17" y="connsiteY17"/>
+              </a:cxn>
+              <a:cxn ang="0">
+                <a:pos x="connsiteX18" y="connsiteY18"/>
+              </a:cxn>
+              <a:cxn ang="0">
+                <a:pos x="connsiteX19" y="connsiteY19"/>
+              </a:cxn>
+              <a:cxn ang="0">
+                <a:pos x="connsiteX20" y="connsiteY20"/>
+              </a:cxn>
+              <a:cxn ang="0">
+                <a:pos x="connsiteX21" y="connsiteY21"/>
+              </a:cxn>
+              <a:cxn ang="0">
+                <a:pos x="connsiteX22" y="connsiteY22"/>
+              </a:cxn>
+            </a:cxnLst>
+            <a:rect l="l" t="t" r="r" b="b"/>
+            <a:pathLst>
+              <a:path w="12191999" h="5166360">
+                <a:moveTo>
+                  <a:pt x="0" y="0"/>
+                </a:moveTo>
+                <a:lnTo>
+                  <a:pt x="1822388" y="0"/>
+                </a:lnTo>
+                <a:lnTo>
+                  <a:pt x="6468290" y="0"/>
+                </a:lnTo>
+                <a:lnTo>
+                  <a:pt x="7796394" y="0"/>
+                </a:lnTo>
+                <a:lnTo>
+                  <a:pt x="8376834" y="0"/>
+                </a:lnTo>
+                <a:lnTo>
+                  <a:pt x="9704938" y="0"/>
+                </a:lnTo>
+                <a:lnTo>
+                  <a:pt x="9704938" y="2"/>
+                </a:lnTo>
+                <a:lnTo>
+                  <a:pt x="10283456" y="2"/>
+                </a:lnTo>
+                <a:lnTo>
+                  <a:pt x="10863897" y="2"/>
+                </a:lnTo>
+                <a:lnTo>
+                  <a:pt x="12191999" y="2"/>
+                </a:lnTo>
+                <a:lnTo>
+                  <a:pt x="12191999" y="5166360"/>
+                </a:lnTo>
+                <a:lnTo>
+                  <a:pt x="0" y="5166360"/>
+                </a:lnTo>
+                <a:lnTo>
+                  <a:pt x="0" y="2604436"/>
+                </a:lnTo>
+                <a:lnTo>
+                  <a:pt x="862341" y="743371"/>
+                </a:lnTo>
+                <a:lnTo>
+                  <a:pt x="0" y="743371"/>
+                </a:lnTo>
+                <a:lnTo>
+                  <a:pt x="0" y="742508"/>
+                </a:lnTo>
+                <a:lnTo>
+                  <a:pt x="92826" y="742508"/>
+                </a:lnTo>
+                <a:lnTo>
+                  <a:pt x="406486" y="742508"/>
+                </a:lnTo>
+                <a:lnTo>
+                  <a:pt x="406486" y="742507"/>
+                </a:lnTo>
+                <a:lnTo>
+                  <a:pt x="862741" y="742507"/>
+                </a:lnTo>
+                <a:lnTo>
+                  <a:pt x="1206388" y="864"/>
+                </a:lnTo>
+                <a:lnTo>
+                  <a:pt x="748500" y="864"/>
+                </a:lnTo>
+                <a:lnTo>
+                  <a:pt x="0" y="864"/>
+                </a:lnTo>
+                <a:close/>
+              </a:path>
+            </a:pathLst>
+          </a:custGeom>
+          <a:solidFill>
+            <a:srgbClr val="A6A6A6">
+              <a:alpha val="49804"/>
+            </a:srgbClr>
+          </a:solidFill>
+          <a:ln>
+            <a:noFill/>
+          </a:ln>
+        </p:spPr>
+        <p:style>
+          <a:lnRef idx="2">
+            <a:schemeClr val="accent1">
+              <a:shade val="50000"/>
+            </a:schemeClr>
+          </a:lnRef>
+          <a:fillRef idx="1">
+            <a:schemeClr val="accent1"/>
+          </a:fillRef>
+          <a:effectRef idx="0">
+            <a:schemeClr val="accent1"/>
+          </a:effectRef>
+          <a:fontRef idx="minor">
+            <a:schemeClr val="lt1"/>
+          </a:fontRef>
+        </p:style>
+        <p:txBody>
+          <a:bodyPr wrap="square" rtlCol="0" anchor="ctr">
+            <a:noAutofit/>
+          </a:bodyPr>
+          <a:lstStyle/>
+          <a:p>
+            <a:pPr algn="ctr"/>
+            <a:endParaRPr lang="en-US"/>
+          </a:p>
+        </p:txBody>
+      </p:sp>
+      <p:sp>
+        <p:nvSpPr>
+          <p:cNvPr id="12" name="Freeform: Shape 11">
+            <a:extLst>
+              <a:ext uri="{FF2B5EF4-FFF2-40B4-BE49-F238E27FC236}">
+                <a16:creationId xmlns:a16="http://schemas.microsoft.com/office/drawing/2014/main" id="{479F5F2B-8B58-4140-AE6A-51F6C67B18D9}"/>
+              </a:ext>
+              <a:ext uri="{C183D7F6-B498-43B3-948B-1728B52AA6E4}">
+                <adec:decorative xmlns:adec="http://schemas.microsoft.com/office/drawing/2017/decorative" val="1"/>
+              </a:ext>
+            </a:extLst>
+          </p:cNvPr>
+          <p:cNvSpPr>
+            <a:spLocks noGrp="1" noRot="1" noChangeAspect="1" noMove="1" noResize="1" noEditPoints="1" noAdjustHandles="1" noChangeArrowheads="1" noChangeShapeType="1" noTextEdit="1"/>
+          </p:cNvSpPr>
+          <p:nvPr>
+            <p:extLst>
+              <p:ext uri="{386F3935-93C4-4BCD-93E2-E3B085C9AB24}">
+                <p16:designElem xmlns:p16="http://schemas.microsoft.com/office/powerpoint/2015/main" val="1"/>
+              </p:ext>
+            </p:extLst>
+          </p:nvPr>
+        </p:nvSpPr>
+        <p:spPr>
+          <a:xfrm>
+            <a:off x="0" y="1691641"/>
+            <a:ext cx="971654" cy="2096979"/>
+          </a:xfrm>
+          <a:custGeom>
+            <a:avLst/>
+            <a:gdLst>
+              <a:gd name="connsiteX0" fmla="*/ 0 w 971654"/>
+              <a:gd name="connsiteY0" fmla="*/ 0 h 2096979"/>
+              <a:gd name="connsiteX1" fmla="*/ 971654 w 971654"/>
+              <a:gd name="connsiteY1" fmla="*/ 0 h 2096979"/>
+              <a:gd name="connsiteX2" fmla="*/ 0 w 971654"/>
+              <a:gd name="connsiteY2" fmla="*/ 2096979 h 2096979"/>
+            </a:gdLst>
+            <a:ahLst/>
+            <a:cxnLst>
+              <a:cxn ang="0">
+                <a:pos x="connsiteX0" y="connsiteY0"/>
+              </a:cxn>
+              <a:cxn ang="0">
+                <a:pos x="connsiteX1" y="connsiteY1"/>
+              </a:cxn>
+              <a:cxn ang="0">
+                <a:pos x="connsiteX2" y="connsiteY2"/>
+              </a:cxn>
+            </a:cxnLst>
+            <a:rect l="l" t="t" r="r" b="b"/>
+            <a:pathLst>
+              <a:path w="971654" h="2096979">
+                <a:moveTo>
+                  <a:pt x="0" y="0"/>
+                </a:moveTo>
+                <a:lnTo>
+                  <a:pt x="971654" y="0"/>
+                </a:lnTo>
+                <a:lnTo>
+                  <a:pt x="0" y="2096979"/>
+                </a:lnTo>
+                <a:close/>
+              </a:path>
+            </a:pathLst>
+          </a:custGeom>
+          <a:solidFill>
+            <a:srgbClr val="404040"/>
+          </a:solidFill>
+          <a:ln>
+            <a:noFill/>
+          </a:ln>
+        </p:spPr>
+        <p:style>
+          <a:lnRef idx="2">
+            <a:schemeClr val="accent1">
+              <a:shade val="50000"/>
+            </a:schemeClr>
+          </a:lnRef>
+          <a:fillRef idx="1">
+            <a:schemeClr val="accent1"/>
+          </a:fillRef>
+          <a:effectRef idx="0">
+            <a:schemeClr val="accent1"/>
+          </a:effectRef>
+          <a:fontRef idx="minor">
+            <a:schemeClr val="lt1"/>
+          </a:fontRef>
+        </p:style>
+        <p:txBody>
+          <a:bodyPr wrap="square" rtlCol="0" anchor="ctr">
+            <a:noAutofit/>
+          </a:bodyPr>
+          <a:lstStyle/>
+          <a:p>
+            <a:pPr algn="ctr"/>
+            <a:endParaRPr lang="en-US"/>
+          </a:p>
+        </p:txBody>
+      </p:sp>
+      <p:sp>
+        <p:nvSpPr>
           <p:cNvPr id="3" name="Content Placeholder 2">
             <a:extLst>
               <a:ext uri="{FF2B5EF4-FFF2-40B4-BE49-F238E27FC236}">
@@ -4868,43 +8738,48 @@
             <p:ph idx="1"/>
           </p:nvPr>
         </p:nvSpPr>
-        <p:spPr/>
-        <p:txBody>
-          <a:bodyPr>
-            <a:normAutofit fontScale="92500" lnSpcReduction="10000"/>
+        <p:spPr>
+          <a:xfrm>
+            <a:off x="1653363" y="2176272"/>
+            <a:ext cx="9367204" cy="4041648"/>
+          </a:xfrm>
+        </p:spPr>
+        <p:txBody>
+          <a:bodyPr anchor="t">
+            <a:normAutofit/>
           </a:bodyPr>
           <a:lstStyle/>
           <a:p>
             <a:r>
-              <a:rPr lang="en-US" dirty="0"/>
-              <a:t>Oak Park has historically had high crime rates and poverty rates. Recently it has experienced rising median home prices due to gentrification. Simultaneously, the crime rates and poverty rates have decreased. Does the data reflect these trends? Does Oak Park follow the same trends found in Sacramento County?</a:t>
+              <a:rPr lang="en-US" sz="2200"/>
+              <a:t>Oak Park has had historically high crime rates and high poverty rates. Recently it has experienced rising median home prices due to gentrification. Simultaneously, the crime rates and poverty rates have decreased. Does the data reflect these trends? Does Oak Park follow the same trends found in rest of Sacramento County?</a:t>
             </a:r>
           </a:p>
           <a:p>
             <a:pPr lvl="0"/>
             <a:r>
-              <a:rPr lang="en-US" dirty="0"/>
+              <a:rPr lang="en-US" sz="2200"/>
               <a:t>A decrease in the poverty rate is correlated with a decrease in the crime rate.</a:t>
             </a:r>
           </a:p>
           <a:p>
             <a:pPr lvl="0"/>
             <a:r>
-              <a:rPr lang="en-US" dirty="0"/>
+              <a:rPr lang="en-US" sz="2200"/>
               <a:t>An increase in the median home price leads to a decrease in crime.</a:t>
             </a:r>
           </a:p>
           <a:p>
             <a:pPr lvl="0"/>
             <a:r>
-              <a:rPr lang="en-US" dirty="0"/>
+              <a:rPr lang="en-US" sz="2200"/>
               <a:t>Sacramento County and Oak Park both follow the same trends with respect to the relationships between poverty, crime, and median home values.</a:t>
             </a:r>
           </a:p>
           <a:p>
             <a:pPr lvl="0"/>
             <a:r>
-              <a:rPr lang="en-US" dirty="0"/>
+              <a:rPr lang="en-US" sz="2200"/>
               <a:t>Confidence level of 95%</a:t>
             </a:r>
           </a:p>
@@ -4926,6 +8801,14 @@
 <file path=ppt/slides/slide5.xml><?xml version="1.0" encoding="utf-8"?>
 <p:sld xmlns:a="http://schemas.openxmlformats.org/drawingml/2006/main" xmlns:r="http://schemas.openxmlformats.org/officeDocument/2006/relationships" xmlns:p="http://schemas.openxmlformats.org/presentationml/2006/main">
   <p:cSld>
+    <p:bg>
+      <p:bgPr>
+        <a:solidFill>
+          <a:schemeClr val="bg1"/>
+        </a:solidFill>
+        <a:effectLst/>
+      </p:bgPr>
+    </p:bg>
     <p:spTree>
       <p:nvGrpSpPr>
         <p:cNvPr id="1" name=""/>
@@ -4956,35 +8839,12 @@
             <p:ph type="title"/>
           </p:nvPr>
         </p:nvSpPr>
-        <p:spPr/>
-        <p:txBody>
-          <a:bodyPr/>
-          <a:lstStyle/>
-          <a:p>
-            <a:r>
-              <a:rPr lang="en-US" dirty="0"/>
-              <a:t>Definitions of Terms Used</a:t>
-            </a:r>
-          </a:p>
-        </p:txBody>
-      </p:sp>
-      <p:sp>
-        <p:nvSpPr>
-          <p:cNvPr id="3" name="Content Placeholder 2">
-            <a:extLst>
-              <a:ext uri="{FF2B5EF4-FFF2-40B4-BE49-F238E27FC236}">
-                <a16:creationId xmlns:a16="http://schemas.microsoft.com/office/drawing/2014/main" id="{15AEA719-D28A-A44E-B99F-4528774D6D11}"/>
-              </a:ext>
-            </a:extLst>
-          </p:cNvPr>
-          <p:cNvSpPr>
-            <a:spLocks noGrp="1"/>
-          </p:cNvSpPr>
-          <p:nvPr>
-            <p:ph idx="1"/>
-          </p:nvPr>
-        </p:nvSpPr>
-        <p:spPr/>
+        <p:spPr>
+          <a:xfrm>
+            <a:off x="1653363" y="365760"/>
+            <a:ext cx="9367203" cy="1188720"/>
+          </a:xfrm>
+        </p:spPr>
         <p:txBody>
           <a:bodyPr>
             <a:normAutofit/>
@@ -4993,33 +8853,538 @@
           <a:p>
             <a:r>
               <a:rPr lang="en-US" dirty="0"/>
+              <a:t>Definitions of Terms Used</a:t>
+            </a:r>
+          </a:p>
+        </p:txBody>
+      </p:sp>
+      <p:sp>
+        <p:nvSpPr>
+          <p:cNvPr id="8" name="Freeform: Shape 7">
+            <a:extLst>
+              <a:ext uri="{FF2B5EF4-FFF2-40B4-BE49-F238E27FC236}">
+                <a16:creationId xmlns:a16="http://schemas.microsoft.com/office/drawing/2014/main" id="{7CB4857B-ED7C-444D-9F04-2F885114A1C2}"/>
+              </a:ext>
+              <a:ext uri="{C183D7F6-B498-43B3-948B-1728B52AA6E4}">
+                <adec:decorative xmlns:adec="http://schemas.microsoft.com/office/drawing/2017/decorative" val="1"/>
+              </a:ext>
+            </a:extLst>
+          </p:cNvPr>
+          <p:cNvSpPr>
+            <a:spLocks noGrp="1" noRot="1" noChangeAspect="1" noMove="1" noResize="1" noEditPoints="1" noAdjustHandles="1" noChangeArrowheads="1" noChangeShapeType="1" noTextEdit="1"/>
+          </p:cNvSpPr>
+          <p:nvPr>
+            <p:extLst>
+              <p:ext uri="{386F3935-93C4-4BCD-93E2-E3B085C9AB24}">
+                <p16:designElem xmlns:p16="http://schemas.microsoft.com/office/powerpoint/2015/main" val="1"/>
+              </p:ext>
+            </p:extLst>
+          </p:nvPr>
+        </p:nvSpPr>
+        <p:spPr>
+          <a:xfrm>
+            <a:off x="1" y="0"/>
+            <a:ext cx="1764099" cy="1558212"/>
+          </a:xfrm>
+          <a:custGeom>
+            <a:avLst/>
+            <a:gdLst>
+              <a:gd name="connsiteX0" fmla="*/ 0 w 1764099"/>
+              <a:gd name="connsiteY0" fmla="*/ 0 h 1558212"/>
+              <a:gd name="connsiteX1" fmla="*/ 1764099 w 1764099"/>
+              <a:gd name="connsiteY1" fmla="*/ 0 h 1558212"/>
+              <a:gd name="connsiteX2" fmla="*/ 1042087 w 1764099"/>
+              <a:gd name="connsiteY2" fmla="*/ 1558212 h 1558212"/>
+              <a:gd name="connsiteX3" fmla="*/ 0 w 1764099"/>
+              <a:gd name="connsiteY3" fmla="*/ 1558212 h 1558212"/>
+            </a:gdLst>
+            <a:ahLst/>
+            <a:cxnLst>
+              <a:cxn ang="0">
+                <a:pos x="connsiteX0" y="connsiteY0"/>
+              </a:cxn>
+              <a:cxn ang="0">
+                <a:pos x="connsiteX1" y="connsiteY1"/>
+              </a:cxn>
+              <a:cxn ang="0">
+                <a:pos x="connsiteX2" y="connsiteY2"/>
+              </a:cxn>
+              <a:cxn ang="0">
+                <a:pos x="connsiteX3" y="connsiteY3"/>
+              </a:cxn>
+            </a:cxnLst>
+            <a:rect l="l" t="t" r="r" b="b"/>
+            <a:pathLst>
+              <a:path w="1764099" h="1558212">
+                <a:moveTo>
+                  <a:pt x="0" y="0"/>
+                </a:moveTo>
+                <a:lnTo>
+                  <a:pt x="1764099" y="0"/>
+                </a:lnTo>
+                <a:lnTo>
+                  <a:pt x="1042087" y="1558212"/>
+                </a:lnTo>
+                <a:lnTo>
+                  <a:pt x="0" y="1558212"/>
+                </a:lnTo>
+                <a:close/>
+              </a:path>
+            </a:pathLst>
+          </a:custGeom>
+          <a:solidFill>
+            <a:schemeClr val="accent4"/>
+          </a:solidFill>
+          <a:ln>
+            <a:noFill/>
+          </a:ln>
+        </p:spPr>
+        <p:style>
+          <a:lnRef idx="2">
+            <a:schemeClr val="accent1">
+              <a:shade val="50000"/>
+            </a:schemeClr>
+          </a:lnRef>
+          <a:fillRef idx="1">
+            <a:schemeClr val="accent1"/>
+          </a:fillRef>
+          <a:effectRef idx="0">
+            <a:schemeClr val="accent1"/>
+          </a:effectRef>
+          <a:fontRef idx="minor">
+            <a:schemeClr val="lt1"/>
+          </a:fontRef>
+        </p:style>
+        <p:txBody>
+          <a:bodyPr wrap="square" rtlCol="0" anchor="ctr">
+            <a:noAutofit/>
+          </a:bodyPr>
+          <a:lstStyle/>
+          <a:p>
+            <a:pPr algn="ctr"/>
+            <a:endParaRPr lang="en-US"/>
+          </a:p>
+        </p:txBody>
+      </p:sp>
+      <p:sp>
+        <p:nvSpPr>
+          <p:cNvPr id="10" name="Freeform: Shape 9">
+            <a:extLst>
+              <a:ext uri="{FF2B5EF4-FFF2-40B4-BE49-F238E27FC236}">
+                <a16:creationId xmlns:a16="http://schemas.microsoft.com/office/drawing/2014/main" id="{D18046FB-44EA-4FD8-A585-EA09A319B2D0}"/>
+              </a:ext>
+              <a:ext uri="{C183D7F6-B498-43B3-948B-1728B52AA6E4}">
+                <adec:decorative xmlns:adec="http://schemas.microsoft.com/office/drawing/2017/decorative" val="1"/>
+              </a:ext>
+            </a:extLst>
+          </p:cNvPr>
+          <p:cNvSpPr>
+            <a:spLocks noGrp="1" noRot="1" noChangeAspect="1" noMove="1" noResize="1" noEditPoints="1" noAdjustHandles="1" noChangeArrowheads="1" noChangeShapeType="1" noTextEdit="1"/>
+          </p:cNvSpPr>
+          <p:nvPr>
+            <p:extLst>
+              <p:ext uri="{386F3935-93C4-4BCD-93E2-E3B085C9AB24}">
+                <p16:designElem xmlns:p16="http://schemas.microsoft.com/office/powerpoint/2015/main" val="1"/>
+              </p:ext>
+            </p:extLst>
+          </p:nvPr>
+        </p:nvSpPr>
+        <p:spPr>
+          <a:xfrm>
+            <a:off x="1" y="1691640"/>
+            <a:ext cx="12191999" cy="5166360"/>
+          </a:xfrm>
+          <a:custGeom>
+            <a:avLst/>
+            <a:gdLst>
+              <a:gd name="connsiteX0" fmla="*/ 0 w 12191999"/>
+              <a:gd name="connsiteY0" fmla="*/ 0 h 5166360"/>
+              <a:gd name="connsiteX1" fmla="*/ 1822388 w 12191999"/>
+              <a:gd name="connsiteY1" fmla="*/ 0 h 5166360"/>
+              <a:gd name="connsiteX2" fmla="*/ 6468290 w 12191999"/>
+              <a:gd name="connsiteY2" fmla="*/ 0 h 5166360"/>
+              <a:gd name="connsiteX3" fmla="*/ 7796394 w 12191999"/>
+              <a:gd name="connsiteY3" fmla="*/ 0 h 5166360"/>
+              <a:gd name="connsiteX4" fmla="*/ 8376834 w 12191999"/>
+              <a:gd name="connsiteY4" fmla="*/ 0 h 5166360"/>
+              <a:gd name="connsiteX5" fmla="*/ 9704938 w 12191999"/>
+              <a:gd name="connsiteY5" fmla="*/ 0 h 5166360"/>
+              <a:gd name="connsiteX6" fmla="*/ 9704938 w 12191999"/>
+              <a:gd name="connsiteY6" fmla="*/ 2 h 5166360"/>
+              <a:gd name="connsiteX7" fmla="*/ 10283456 w 12191999"/>
+              <a:gd name="connsiteY7" fmla="*/ 2 h 5166360"/>
+              <a:gd name="connsiteX8" fmla="*/ 10863897 w 12191999"/>
+              <a:gd name="connsiteY8" fmla="*/ 2 h 5166360"/>
+              <a:gd name="connsiteX9" fmla="*/ 12191999 w 12191999"/>
+              <a:gd name="connsiteY9" fmla="*/ 2 h 5166360"/>
+              <a:gd name="connsiteX10" fmla="*/ 12191999 w 12191999"/>
+              <a:gd name="connsiteY10" fmla="*/ 5166360 h 5166360"/>
+              <a:gd name="connsiteX11" fmla="*/ 0 w 12191999"/>
+              <a:gd name="connsiteY11" fmla="*/ 5166360 h 5166360"/>
+              <a:gd name="connsiteX12" fmla="*/ 0 w 12191999"/>
+              <a:gd name="connsiteY12" fmla="*/ 2604436 h 5166360"/>
+              <a:gd name="connsiteX13" fmla="*/ 862341 w 12191999"/>
+              <a:gd name="connsiteY13" fmla="*/ 743371 h 5166360"/>
+              <a:gd name="connsiteX14" fmla="*/ 0 w 12191999"/>
+              <a:gd name="connsiteY14" fmla="*/ 743371 h 5166360"/>
+              <a:gd name="connsiteX15" fmla="*/ 0 w 12191999"/>
+              <a:gd name="connsiteY15" fmla="*/ 742508 h 5166360"/>
+              <a:gd name="connsiteX16" fmla="*/ 92826 w 12191999"/>
+              <a:gd name="connsiteY16" fmla="*/ 742508 h 5166360"/>
+              <a:gd name="connsiteX17" fmla="*/ 406486 w 12191999"/>
+              <a:gd name="connsiteY17" fmla="*/ 742508 h 5166360"/>
+              <a:gd name="connsiteX18" fmla="*/ 406486 w 12191999"/>
+              <a:gd name="connsiteY18" fmla="*/ 742507 h 5166360"/>
+              <a:gd name="connsiteX19" fmla="*/ 862741 w 12191999"/>
+              <a:gd name="connsiteY19" fmla="*/ 742507 h 5166360"/>
+              <a:gd name="connsiteX20" fmla="*/ 1206388 w 12191999"/>
+              <a:gd name="connsiteY20" fmla="*/ 864 h 5166360"/>
+              <a:gd name="connsiteX21" fmla="*/ 748500 w 12191999"/>
+              <a:gd name="connsiteY21" fmla="*/ 864 h 5166360"/>
+              <a:gd name="connsiteX22" fmla="*/ 0 w 12191999"/>
+              <a:gd name="connsiteY22" fmla="*/ 864 h 5166360"/>
+            </a:gdLst>
+            <a:ahLst/>
+            <a:cxnLst>
+              <a:cxn ang="0">
+                <a:pos x="connsiteX0" y="connsiteY0"/>
+              </a:cxn>
+              <a:cxn ang="0">
+                <a:pos x="connsiteX1" y="connsiteY1"/>
+              </a:cxn>
+              <a:cxn ang="0">
+                <a:pos x="connsiteX2" y="connsiteY2"/>
+              </a:cxn>
+              <a:cxn ang="0">
+                <a:pos x="connsiteX3" y="connsiteY3"/>
+              </a:cxn>
+              <a:cxn ang="0">
+                <a:pos x="connsiteX4" y="connsiteY4"/>
+              </a:cxn>
+              <a:cxn ang="0">
+                <a:pos x="connsiteX5" y="connsiteY5"/>
+              </a:cxn>
+              <a:cxn ang="0">
+                <a:pos x="connsiteX6" y="connsiteY6"/>
+              </a:cxn>
+              <a:cxn ang="0">
+                <a:pos x="connsiteX7" y="connsiteY7"/>
+              </a:cxn>
+              <a:cxn ang="0">
+                <a:pos x="connsiteX8" y="connsiteY8"/>
+              </a:cxn>
+              <a:cxn ang="0">
+                <a:pos x="connsiteX9" y="connsiteY9"/>
+              </a:cxn>
+              <a:cxn ang="0">
+                <a:pos x="connsiteX10" y="connsiteY10"/>
+              </a:cxn>
+              <a:cxn ang="0">
+                <a:pos x="connsiteX11" y="connsiteY11"/>
+              </a:cxn>
+              <a:cxn ang="0">
+                <a:pos x="connsiteX12" y="connsiteY12"/>
+              </a:cxn>
+              <a:cxn ang="0">
+                <a:pos x="connsiteX13" y="connsiteY13"/>
+              </a:cxn>
+              <a:cxn ang="0">
+                <a:pos x="connsiteX14" y="connsiteY14"/>
+              </a:cxn>
+              <a:cxn ang="0">
+                <a:pos x="connsiteX15" y="connsiteY15"/>
+              </a:cxn>
+              <a:cxn ang="0">
+                <a:pos x="connsiteX16" y="connsiteY16"/>
+              </a:cxn>
+              <a:cxn ang="0">
+                <a:pos x="connsiteX17" y="connsiteY17"/>
+              </a:cxn>
+              <a:cxn ang="0">
+                <a:pos x="connsiteX18" y="connsiteY18"/>
+              </a:cxn>
+              <a:cxn ang="0">
+                <a:pos x="connsiteX19" y="connsiteY19"/>
+              </a:cxn>
+              <a:cxn ang="0">
+                <a:pos x="connsiteX20" y="connsiteY20"/>
+              </a:cxn>
+              <a:cxn ang="0">
+                <a:pos x="connsiteX21" y="connsiteY21"/>
+              </a:cxn>
+              <a:cxn ang="0">
+                <a:pos x="connsiteX22" y="connsiteY22"/>
+              </a:cxn>
+            </a:cxnLst>
+            <a:rect l="l" t="t" r="r" b="b"/>
+            <a:pathLst>
+              <a:path w="12191999" h="5166360">
+                <a:moveTo>
+                  <a:pt x="0" y="0"/>
+                </a:moveTo>
+                <a:lnTo>
+                  <a:pt x="1822388" y="0"/>
+                </a:lnTo>
+                <a:lnTo>
+                  <a:pt x="6468290" y="0"/>
+                </a:lnTo>
+                <a:lnTo>
+                  <a:pt x="7796394" y="0"/>
+                </a:lnTo>
+                <a:lnTo>
+                  <a:pt x="8376834" y="0"/>
+                </a:lnTo>
+                <a:lnTo>
+                  <a:pt x="9704938" y="0"/>
+                </a:lnTo>
+                <a:lnTo>
+                  <a:pt x="9704938" y="2"/>
+                </a:lnTo>
+                <a:lnTo>
+                  <a:pt x="10283456" y="2"/>
+                </a:lnTo>
+                <a:lnTo>
+                  <a:pt x="10863897" y="2"/>
+                </a:lnTo>
+                <a:lnTo>
+                  <a:pt x="12191999" y="2"/>
+                </a:lnTo>
+                <a:lnTo>
+                  <a:pt x="12191999" y="5166360"/>
+                </a:lnTo>
+                <a:lnTo>
+                  <a:pt x="0" y="5166360"/>
+                </a:lnTo>
+                <a:lnTo>
+                  <a:pt x="0" y="2604436"/>
+                </a:lnTo>
+                <a:lnTo>
+                  <a:pt x="862341" y="743371"/>
+                </a:lnTo>
+                <a:lnTo>
+                  <a:pt x="0" y="743371"/>
+                </a:lnTo>
+                <a:lnTo>
+                  <a:pt x="0" y="742508"/>
+                </a:lnTo>
+                <a:lnTo>
+                  <a:pt x="92826" y="742508"/>
+                </a:lnTo>
+                <a:lnTo>
+                  <a:pt x="406486" y="742508"/>
+                </a:lnTo>
+                <a:lnTo>
+                  <a:pt x="406486" y="742507"/>
+                </a:lnTo>
+                <a:lnTo>
+                  <a:pt x="862741" y="742507"/>
+                </a:lnTo>
+                <a:lnTo>
+                  <a:pt x="1206388" y="864"/>
+                </a:lnTo>
+                <a:lnTo>
+                  <a:pt x="748500" y="864"/>
+                </a:lnTo>
+                <a:lnTo>
+                  <a:pt x="0" y="864"/>
+                </a:lnTo>
+                <a:close/>
+              </a:path>
+            </a:pathLst>
+          </a:custGeom>
+          <a:solidFill>
+            <a:srgbClr val="A6A6A6">
+              <a:alpha val="49804"/>
+            </a:srgbClr>
+          </a:solidFill>
+          <a:ln>
+            <a:noFill/>
+          </a:ln>
+        </p:spPr>
+        <p:style>
+          <a:lnRef idx="2">
+            <a:schemeClr val="accent1">
+              <a:shade val="50000"/>
+            </a:schemeClr>
+          </a:lnRef>
+          <a:fillRef idx="1">
+            <a:schemeClr val="accent1"/>
+          </a:fillRef>
+          <a:effectRef idx="0">
+            <a:schemeClr val="accent1"/>
+          </a:effectRef>
+          <a:fontRef idx="minor">
+            <a:schemeClr val="lt1"/>
+          </a:fontRef>
+        </p:style>
+        <p:txBody>
+          <a:bodyPr wrap="square" rtlCol="0" anchor="ctr">
+            <a:noAutofit/>
+          </a:bodyPr>
+          <a:lstStyle/>
+          <a:p>
+            <a:pPr algn="ctr"/>
+            <a:endParaRPr lang="en-US"/>
+          </a:p>
+        </p:txBody>
+      </p:sp>
+      <p:sp>
+        <p:nvSpPr>
+          <p:cNvPr id="12" name="Freeform: Shape 11">
+            <a:extLst>
+              <a:ext uri="{FF2B5EF4-FFF2-40B4-BE49-F238E27FC236}">
+                <a16:creationId xmlns:a16="http://schemas.microsoft.com/office/drawing/2014/main" id="{479F5F2B-8B58-4140-AE6A-51F6C67B18D9}"/>
+              </a:ext>
+              <a:ext uri="{C183D7F6-B498-43B3-948B-1728B52AA6E4}">
+                <adec:decorative xmlns:adec="http://schemas.microsoft.com/office/drawing/2017/decorative" val="1"/>
+              </a:ext>
+            </a:extLst>
+          </p:cNvPr>
+          <p:cNvSpPr>
+            <a:spLocks noGrp="1" noRot="1" noChangeAspect="1" noMove="1" noResize="1" noEditPoints="1" noAdjustHandles="1" noChangeArrowheads="1" noChangeShapeType="1" noTextEdit="1"/>
+          </p:cNvSpPr>
+          <p:nvPr>
+            <p:extLst>
+              <p:ext uri="{386F3935-93C4-4BCD-93E2-E3B085C9AB24}">
+                <p16:designElem xmlns:p16="http://schemas.microsoft.com/office/powerpoint/2015/main" val="1"/>
+              </p:ext>
+            </p:extLst>
+          </p:nvPr>
+        </p:nvSpPr>
+        <p:spPr>
+          <a:xfrm>
+            <a:off x="0" y="1691641"/>
+            <a:ext cx="971654" cy="2096979"/>
+          </a:xfrm>
+          <a:custGeom>
+            <a:avLst/>
+            <a:gdLst>
+              <a:gd name="connsiteX0" fmla="*/ 0 w 971654"/>
+              <a:gd name="connsiteY0" fmla="*/ 0 h 2096979"/>
+              <a:gd name="connsiteX1" fmla="*/ 971654 w 971654"/>
+              <a:gd name="connsiteY1" fmla="*/ 0 h 2096979"/>
+              <a:gd name="connsiteX2" fmla="*/ 0 w 971654"/>
+              <a:gd name="connsiteY2" fmla="*/ 2096979 h 2096979"/>
+            </a:gdLst>
+            <a:ahLst/>
+            <a:cxnLst>
+              <a:cxn ang="0">
+                <a:pos x="connsiteX0" y="connsiteY0"/>
+              </a:cxn>
+              <a:cxn ang="0">
+                <a:pos x="connsiteX1" y="connsiteY1"/>
+              </a:cxn>
+              <a:cxn ang="0">
+                <a:pos x="connsiteX2" y="connsiteY2"/>
+              </a:cxn>
+            </a:cxnLst>
+            <a:rect l="l" t="t" r="r" b="b"/>
+            <a:pathLst>
+              <a:path w="971654" h="2096979">
+                <a:moveTo>
+                  <a:pt x="0" y="0"/>
+                </a:moveTo>
+                <a:lnTo>
+                  <a:pt x="971654" y="0"/>
+                </a:lnTo>
+                <a:lnTo>
+                  <a:pt x="0" y="2096979"/>
+                </a:lnTo>
+                <a:close/>
+              </a:path>
+            </a:pathLst>
+          </a:custGeom>
+          <a:solidFill>
+            <a:srgbClr val="404040"/>
+          </a:solidFill>
+          <a:ln>
+            <a:noFill/>
+          </a:ln>
+        </p:spPr>
+        <p:style>
+          <a:lnRef idx="2">
+            <a:schemeClr val="accent1">
+              <a:shade val="50000"/>
+            </a:schemeClr>
+          </a:lnRef>
+          <a:fillRef idx="1">
+            <a:schemeClr val="accent1"/>
+          </a:fillRef>
+          <a:effectRef idx="0">
+            <a:schemeClr val="accent1"/>
+          </a:effectRef>
+          <a:fontRef idx="minor">
+            <a:schemeClr val="lt1"/>
+          </a:fontRef>
+        </p:style>
+        <p:txBody>
+          <a:bodyPr wrap="square" rtlCol="0" anchor="ctr">
+            <a:noAutofit/>
+          </a:bodyPr>
+          <a:lstStyle/>
+          <a:p>
+            <a:pPr algn="ctr"/>
+            <a:endParaRPr lang="en-US"/>
+          </a:p>
+        </p:txBody>
+      </p:sp>
+      <p:sp>
+        <p:nvSpPr>
+          <p:cNvPr id="3" name="Content Placeholder 2">
+            <a:extLst>
+              <a:ext uri="{FF2B5EF4-FFF2-40B4-BE49-F238E27FC236}">
+                <a16:creationId xmlns:a16="http://schemas.microsoft.com/office/drawing/2014/main" id="{15AEA719-D28A-A44E-B99F-4528774D6D11}"/>
+              </a:ext>
+            </a:extLst>
+          </p:cNvPr>
+          <p:cNvSpPr>
+            <a:spLocks noGrp="1"/>
+          </p:cNvSpPr>
+          <p:nvPr>
+            <p:ph idx="1"/>
+          </p:nvPr>
+        </p:nvSpPr>
+        <p:spPr>
+          <a:xfrm>
+            <a:off x="1653363" y="2176272"/>
+            <a:ext cx="9367204" cy="4041648"/>
+          </a:xfrm>
+        </p:spPr>
+        <p:txBody>
+          <a:bodyPr anchor="t">
+            <a:normAutofit/>
+          </a:bodyPr>
+          <a:lstStyle/>
+          <a:p>
+            <a:r>
+              <a:rPr lang="en-US" sz="2400" dirty="0"/>
               <a:t>“PC Personal”: refers to California Penal Code Crimes Against the Person which include Homicide, Mayhem, Kidnapping, Hostages, Robbery, Attempts to Kill, Assaults, False Imprisonment and Human Trafficking, and Assault and Battery.</a:t>
             </a:r>
           </a:p>
           <a:p>
             <a:r>
-              <a:rPr lang="en-US" dirty="0"/>
-              <a:t>“PC All”: refers to California Penal Code of all the types of crime including crimes against property, crimes against public justice, crimes against the person involving sexual assault, criminal threats, and miscellaneous crimes. </a:t>
-            </a:r>
-          </a:p>
-          <a:p>
-            <a:r>
-              <a:rPr lang="en-US" dirty="0"/>
+              <a:rPr lang="en-US" sz="2400" dirty="0"/>
+              <a:t>“PC All”: refers to the California Penal Code definition of all the types of crime including crimes against property, crimes against public justice, crimes against the person, criminal threats, and miscellaneous crimes. </a:t>
+            </a:r>
+          </a:p>
+          <a:p>
+            <a:r>
+              <a:rPr lang="en-US" sz="2400" dirty="0"/>
               <a:t>Additional information can be found here: </a:t>
             </a:r>
             <a:r>
-              <a:rPr lang="en-US" dirty="0">
+              <a:rPr lang="en-US" sz="2400" dirty="0">
                 <a:hlinkClick r:id="rId2"/>
               </a:rPr>
               <a:t>https://leginfo.legislature.ca.gov/</a:t>
             </a:r>
             <a:r>
-              <a:rPr lang="en-US" dirty="0"/>
+              <a:rPr lang="en-US" sz="2400" dirty="0"/>
               <a:t> </a:t>
             </a:r>
           </a:p>
           <a:p>
-            <a:endParaRPr lang="en-US" dirty="0"/>
+            <a:endParaRPr lang="en-US" sz="2400" dirty="0"/>
           </a:p>
         </p:txBody>
       </p:sp>
@@ -5061,12 +9426,12 @@
           <a:chExt cx="0" cy="0"/>
         </a:xfrm>
       </p:grpSpPr>
-      <p:sp useBgFill="1">
-        <p:nvSpPr>
-          <p:cNvPr id="20" name="Rectangle 11">
-            <a:extLst>
-              <a:ext uri="{FF2B5EF4-FFF2-40B4-BE49-F238E27FC236}">
-                <a16:creationId xmlns:a16="http://schemas.microsoft.com/office/drawing/2014/main" id="{6E47FE40-F70B-4BF4-9CEA-F14800A6A3CC}"/>
+      <p:sp>
+        <p:nvSpPr>
+          <p:cNvPr id="10" name="Down Arrow 7">
+            <a:extLst>
+              <a:ext uri="{FF2B5EF4-FFF2-40B4-BE49-F238E27FC236}">
+                <a16:creationId xmlns:a16="http://schemas.microsoft.com/office/drawing/2014/main" id="{D4771268-CB57-404A-9271-370EB28F6090}"/>
               </a:ext>
               <a:ext uri="{C183D7F6-B498-43B3-948B-1728B52AA6E4}">
                 <adec:decorative xmlns:adec="http://schemas.microsoft.com/office/drawing/2017/decorative" val="1"/>
@@ -5085,32 +9450,22 @@
           </p:nvPr>
         </p:nvSpPr>
         <p:spPr>
-          <a:xfrm>
-            <a:off x="0" y="0"/>
-            <a:ext cx="12192000" cy="6858000"/>
+          <a:xfrm rot="16200000">
+            <a:off x="800100" y="1491343"/>
+            <a:ext cx="3333749" cy="3499103"/>
           </a:xfrm>
-          <a:prstGeom prst="rect">
-            <a:avLst/>
+          <a:prstGeom prst="downArrow">
+            <a:avLst>
+              <a:gd name="adj1" fmla="val 100000"/>
+              <a:gd name="adj2" fmla="val 15788"/>
+            </a:avLst>
           </a:prstGeom>
-          <a:ln w="12700" cap="flat" cmpd="sng" algn="ctr">
+          <a:solidFill>
+            <a:srgbClr val="404040"/>
+          </a:solidFill>
+          <a:ln w="53975">
             <a:noFill/>
-            <a:prstDash val="solid"/>
-            <a:miter lim="800000"/>
           </a:ln>
-          <a:effectLst/>
-          <a:extLst>
-            <a:ext uri="{91240B29-F687-4F45-9708-019B960494DF}">
-              <a14:hiddenLine xmlns:a14="http://schemas.microsoft.com/office/drawing/2010/main" w="12700" cap="flat" cmpd="sng" algn="ctr">
-                <a:solidFill>
-                  <a:schemeClr val="accent1">
-                    <a:shade val="50000"/>
-                  </a:schemeClr>
-                </a:solidFill>
-                <a:prstDash val="solid"/>
-                <a:miter lim="800000"/>
-              </a14:hiddenLine>
-            </a:ext>
-          </a:extLst>
         </p:spPr>
         <p:style>
           <a:lnRef idx="2">
@@ -5139,10 +9494,165 @@
       </p:sp>
       <p:sp>
         <p:nvSpPr>
-          <p:cNvPr id="21" name="Rectangle 13">
-            <a:extLst>
-              <a:ext uri="{FF2B5EF4-FFF2-40B4-BE49-F238E27FC236}">
-                <a16:creationId xmlns:a16="http://schemas.microsoft.com/office/drawing/2014/main" id="{78826778-2F54-4F8E-BA27-C95E488D3305}"/>
+          <p:cNvPr id="2" name="Title 1">
+            <a:extLst>
+              <a:ext uri="{FF2B5EF4-FFF2-40B4-BE49-F238E27FC236}">
+                <a16:creationId xmlns:a16="http://schemas.microsoft.com/office/drawing/2014/main" id="{9D75DD51-AA2D-864A-B345-D21FA4FF0D27}"/>
+              </a:ext>
+            </a:extLst>
+          </p:cNvPr>
+          <p:cNvSpPr>
+            <a:spLocks noGrp="1"/>
+          </p:cNvSpPr>
+          <p:nvPr>
+            <p:ph type="title"/>
+          </p:nvPr>
+        </p:nvSpPr>
+        <p:spPr>
+          <a:xfrm>
+            <a:off x="1028700" y="1967266"/>
+            <a:ext cx="2628900" cy="2547257"/>
+          </a:xfrm>
+          <a:noFill/>
+        </p:spPr>
+        <p:txBody>
+          <a:bodyPr vert="horz" lIns="91440" tIns="45720" rIns="91440" bIns="45720" rtlCol="0" anchor="ctr">
+            <a:normAutofit/>
+          </a:bodyPr>
+          <a:lstStyle/>
+          <a:p>
+            <a:pPr algn="ctr"/>
+            <a:r>
+              <a:rPr lang="en-US" sz="3600" kern="1200">
+                <a:solidFill>
+                  <a:srgbClr val="FFFFFF"/>
+                </a:solidFill>
+                <a:latin typeface="+mj-lt"/>
+                <a:ea typeface="+mj-ea"/>
+                <a:cs typeface="+mj-cs"/>
+              </a:rPr>
+              <a:t>Sacramento County, California</a:t>
+            </a:r>
+          </a:p>
+        </p:txBody>
+      </p:sp>
+      <p:pic>
+        <p:nvPicPr>
+          <p:cNvPr id="5" name="Content Placeholder 4">
+            <a:extLst>
+              <a:ext uri="{FF2B5EF4-FFF2-40B4-BE49-F238E27FC236}">
+                <a16:creationId xmlns:a16="http://schemas.microsoft.com/office/drawing/2014/main" id="{FE698232-F2D7-1D4A-8BE5-DB15E29587AE}"/>
+              </a:ext>
+            </a:extLst>
+          </p:cNvPr>
+          <p:cNvPicPr>
+            <a:picLocks noGrp="1" noChangeAspect="1"/>
+          </p:cNvPicPr>
+          <p:nvPr>
+            <p:ph idx="1"/>
+          </p:nvPr>
+        </p:nvPicPr>
+        <p:blipFill>
+          <a:blip r:embed="rId2">
+            <a:extLst>
+              <a:ext uri="{96DAC541-7B7A-43D3-8B79-37D633B846F1}">
+                <asvg:svgBlip xmlns:asvg="http://schemas.microsoft.com/office/drawing/2016/SVG/main" r:embed="rId3"/>
+              </a:ext>
+            </a:extLst>
+          </a:blip>
+          <a:stretch>
+            <a:fillRect/>
+          </a:stretch>
+        </p:blipFill>
+        <p:spPr>
+          <a:xfrm>
+            <a:off x="5005328" y="643466"/>
+            <a:ext cx="6324676" cy="5568739"/>
+          </a:xfrm>
+          <a:prstGeom prst="rect">
+            <a:avLst/>
+          </a:prstGeom>
+        </p:spPr>
+      </p:pic>
+    </p:spTree>
+    <p:extLst>
+      <p:ext uri="{BB962C8B-B14F-4D97-AF65-F5344CB8AC3E}">
+        <p14:creationId xmlns:p14="http://schemas.microsoft.com/office/powerpoint/2010/main" val="88982112"/>
+      </p:ext>
+    </p:extLst>
+  </p:cSld>
+  <p:clrMapOvr>
+    <a:masterClrMapping/>
+  </p:clrMapOvr>
+</p:sld>
+</file>
+
+<file path=ppt/slides/slide7.xml><?xml version="1.0" encoding="utf-8"?>
+<p:sld xmlns:a="http://schemas.openxmlformats.org/drawingml/2006/main" xmlns:r="http://schemas.openxmlformats.org/officeDocument/2006/relationships" xmlns:p="http://schemas.openxmlformats.org/presentationml/2006/main">
+  <p:cSld>
+    <p:bg>
+      <p:bgPr>
+        <a:solidFill>
+          <a:schemeClr val="bg1"/>
+        </a:solidFill>
+        <a:effectLst/>
+      </p:bgPr>
+    </p:bg>
+    <p:spTree>
+      <p:nvGrpSpPr>
+        <p:cNvPr id="1" name=""/>
+        <p:cNvGrpSpPr/>
+        <p:nvPr/>
+      </p:nvGrpSpPr>
+      <p:grpSpPr>
+        <a:xfrm>
+          <a:off x="0" y="0"/>
+          <a:ext cx="0" cy="0"/>
+          <a:chOff x="0" y="0"/>
+          <a:chExt cx="0" cy="0"/>
+        </a:xfrm>
+      </p:grpSpPr>
+      <p:sp>
+        <p:nvSpPr>
+          <p:cNvPr id="2" name="Title 1">
+            <a:extLst>
+              <a:ext uri="{FF2B5EF4-FFF2-40B4-BE49-F238E27FC236}">
+                <a16:creationId xmlns:a16="http://schemas.microsoft.com/office/drawing/2014/main" id="{E4B28D0C-81B2-C14D-B68B-B2195C4C0AFE}"/>
+              </a:ext>
+            </a:extLst>
+          </p:cNvPr>
+          <p:cNvSpPr>
+            <a:spLocks noGrp="1"/>
+          </p:cNvSpPr>
+          <p:nvPr>
+            <p:ph type="title"/>
+          </p:nvPr>
+        </p:nvSpPr>
+        <p:spPr>
+          <a:xfrm>
+            <a:off x="1653363" y="365760"/>
+            <a:ext cx="9367203" cy="1188720"/>
+          </a:xfrm>
+        </p:spPr>
+        <p:txBody>
+          <a:bodyPr>
+            <a:normAutofit/>
+          </a:bodyPr>
+          <a:lstStyle/>
+          <a:p>
+            <a:r>
+              <a:rPr lang="en-US" dirty="0"/>
+              <a:t>Questions</a:t>
+            </a:r>
+          </a:p>
+        </p:txBody>
+      </p:sp>
+      <p:sp>
+        <p:nvSpPr>
+          <p:cNvPr id="8" name="Freeform: Shape 7">
+            <a:extLst>
+              <a:ext uri="{FF2B5EF4-FFF2-40B4-BE49-F238E27FC236}">
+                <a16:creationId xmlns:a16="http://schemas.microsoft.com/office/drawing/2014/main" id="{7CB4857B-ED7C-444D-9F04-2F885114A1C2}"/>
               </a:ext>
               <a:ext uri="{C183D7F6-B498-43B3-948B-1728B52AA6E4}">
                 <adec:decorative xmlns:adec="http://schemas.microsoft.com/office/drawing/2017/decorative" val="1"/>
@@ -5162,17 +9672,57 @@
         </p:nvSpPr>
         <p:spPr>
           <a:xfrm>
-            <a:off x="0" y="0"/>
-            <a:ext cx="5448300" cy="6858000"/>
+            <a:off x="1" y="0"/>
+            <a:ext cx="1764099" cy="1558212"/>
           </a:xfrm>
-          <a:prstGeom prst="rect">
+          <a:custGeom>
             <a:avLst/>
-          </a:prstGeom>
+            <a:gdLst>
+              <a:gd name="connsiteX0" fmla="*/ 0 w 1764099"/>
+              <a:gd name="connsiteY0" fmla="*/ 0 h 1558212"/>
+              <a:gd name="connsiteX1" fmla="*/ 1764099 w 1764099"/>
+              <a:gd name="connsiteY1" fmla="*/ 0 h 1558212"/>
+              <a:gd name="connsiteX2" fmla="*/ 1042087 w 1764099"/>
+              <a:gd name="connsiteY2" fmla="*/ 1558212 h 1558212"/>
+              <a:gd name="connsiteX3" fmla="*/ 0 w 1764099"/>
+              <a:gd name="connsiteY3" fmla="*/ 1558212 h 1558212"/>
+            </a:gdLst>
+            <a:ahLst/>
+            <a:cxnLst>
+              <a:cxn ang="0">
+                <a:pos x="connsiteX0" y="connsiteY0"/>
+              </a:cxn>
+              <a:cxn ang="0">
+                <a:pos x="connsiteX1" y="connsiteY1"/>
+              </a:cxn>
+              <a:cxn ang="0">
+                <a:pos x="connsiteX2" y="connsiteY2"/>
+              </a:cxn>
+              <a:cxn ang="0">
+                <a:pos x="connsiteX3" y="connsiteY3"/>
+              </a:cxn>
+            </a:cxnLst>
+            <a:rect l="l" t="t" r="r" b="b"/>
+            <a:pathLst>
+              <a:path w="1764099" h="1558212">
+                <a:moveTo>
+                  <a:pt x="0" y="0"/>
+                </a:moveTo>
+                <a:lnTo>
+                  <a:pt x="1764099" y="0"/>
+                </a:lnTo>
+                <a:lnTo>
+                  <a:pt x="1042087" y="1558212"/>
+                </a:lnTo>
+                <a:lnTo>
+                  <a:pt x="0" y="1558212"/>
+                </a:lnTo>
+                <a:close/>
+              </a:path>
+            </a:pathLst>
+          </a:custGeom>
           <a:solidFill>
-            <a:schemeClr val="accent2">
-              <a:lumMod val="20000"/>
-              <a:lumOff val="80000"/>
-            </a:schemeClr>
+            <a:schemeClr val="accent4"/>
           </a:solidFill>
           <a:ln>
             <a:noFill/>
@@ -5195,7 +9745,9 @@
           </a:fontRef>
         </p:style>
         <p:txBody>
-          <a:bodyPr rtlCol="0" anchor="ctr"/>
+          <a:bodyPr wrap="square" rtlCol="0" anchor="ctr">
+            <a:noAutofit/>
+          </a:bodyPr>
           <a:lstStyle/>
           <a:p>
             <a:pPr algn="ctr"/>
@@ -5205,198 +9757,432 @@
       </p:sp>
       <p:sp>
         <p:nvSpPr>
-          <p:cNvPr id="2" name="Title 1">
-            <a:extLst>
-              <a:ext uri="{FF2B5EF4-FFF2-40B4-BE49-F238E27FC236}">
-                <a16:creationId xmlns:a16="http://schemas.microsoft.com/office/drawing/2014/main" id="{965BE19F-7A99-ED47-AE18-076D3DB49216}"/>
-              </a:ext>
-            </a:extLst>
-          </p:cNvPr>
-          <p:cNvSpPr>
-            <a:spLocks noGrp="1"/>
-          </p:cNvSpPr>
-          <p:nvPr>
-            <p:ph type="title"/>
+          <p:cNvPr id="10" name="Freeform: Shape 9">
+            <a:extLst>
+              <a:ext uri="{FF2B5EF4-FFF2-40B4-BE49-F238E27FC236}">
+                <a16:creationId xmlns:a16="http://schemas.microsoft.com/office/drawing/2014/main" id="{D18046FB-44EA-4FD8-A585-EA09A319B2D0}"/>
+              </a:ext>
+              <a:ext uri="{C183D7F6-B498-43B3-948B-1728B52AA6E4}">
+                <adec:decorative xmlns:adec="http://schemas.microsoft.com/office/drawing/2017/decorative" val="1"/>
+              </a:ext>
+            </a:extLst>
+          </p:cNvPr>
+          <p:cNvSpPr>
+            <a:spLocks noGrp="1" noRot="1" noChangeAspect="1" noMove="1" noResize="1" noEditPoints="1" noAdjustHandles="1" noChangeArrowheads="1" noChangeShapeType="1" noTextEdit="1"/>
+          </p:cNvSpPr>
+          <p:nvPr>
+            <p:extLst>
+              <p:ext uri="{386F3935-93C4-4BCD-93E2-E3B085C9AB24}">
+                <p16:designElem xmlns:p16="http://schemas.microsoft.com/office/powerpoint/2015/main" val="1"/>
+              </p:ext>
+            </p:extLst>
           </p:nvPr>
         </p:nvSpPr>
         <p:spPr>
           <a:xfrm>
-            <a:off x="1001676" y="1259958"/>
-            <a:ext cx="3444948" cy="2481729"/>
+            <a:off x="1" y="1691640"/>
+            <a:ext cx="12191999" cy="5166360"/>
+          </a:xfrm>
+          <a:custGeom>
+            <a:avLst/>
+            <a:gdLst>
+              <a:gd name="connsiteX0" fmla="*/ 0 w 12191999"/>
+              <a:gd name="connsiteY0" fmla="*/ 0 h 5166360"/>
+              <a:gd name="connsiteX1" fmla="*/ 1822388 w 12191999"/>
+              <a:gd name="connsiteY1" fmla="*/ 0 h 5166360"/>
+              <a:gd name="connsiteX2" fmla="*/ 6468290 w 12191999"/>
+              <a:gd name="connsiteY2" fmla="*/ 0 h 5166360"/>
+              <a:gd name="connsiteX3" fmla="*/ 7796394 w 12191999"/>
+              <a:gd name="connsiteY3" fmla="*/ 0 h 5166360"/>
+              <a:gd name="connsiteX4" fmla="*/ 8376834 w 12191999"/>
+              <a:gd name="connsiteY4" fmla="*/ 0 h 5166360"/>
+              <a:gd name="connsiteX5" fmla="*/ 9704938 w 12191999"/>
+              <a:gd name="connsiteY5" fmla="*/ 0 h 5166360"/>
+              <a:gd name="connsiteX6" fmla="*/ 9704938 w 12191999"/>
+              <a:gd name="connsiteY6" fmla="*/ 2 h 5166360"/>
+              <a:gd name="connsiteX7" fmla="*/ 10283456 w 12191999"/>
+              <a:gd name="connsiteY7" fmla="*/ 2 h 5166360"/>
+              <a:gd name="connsiteX8" fmla="*/ 10863897 w 12191999"/>
+              <a:gd name="connsiteY8" fmla="*/ 2 h 5166360"/>
+              <a:gd name="connsiteX9" fmla="*/ 12191999 w 12191999"/>
+              <a:gd name="connsiteY9" fmla="*/ 2 h 5166360"/>
+              <a:gd name="connsiteX10" fmla="*/ 12191999 w 12191999"/>
+              <a:gd name="connsiteY10" fmla="*/ 5166360 h 5166360"/>
+              <a:gd name="connsiteX11" fmla="*/ 0 w 12191999"/>
+              <a:gd name="connsiteY11" fmla="*/ 5166360 h 5166360"/>
+              <a:gd name="connsiteX12" fmla="*/ 0 w 12191999"/>
+              <a:gd name="connsiteY12" fmla="*/ 2604436 h 5166360"/>
+              <a:gd name="connsiteX13" fmla="*/ 862341 w 12191999"/>
+              <a:gd name="connsiteY13" fmla="*/ 743371 h 5166360"/>
+              <a:gd name="connsiteX14" fmla="*/ 0 w 12191999"/>
+              <a:gd name="connsiteY14" fmla="*/ 743371 h 5166360"/>
+              <a:gd name="connsiteX15" fmla="*/ 0 w 12191999"/>
+              <a:gd name="connsiteY15" fmla="*/ 742508 h 5166360"/>
+              <a:gd name="connsiteX16" fmla="*/ 92826 w 12191999"/>
+              <a:gd name="connsiteY16" fmla="*/ 742508 h 5166360"/>
+              <a:gd name="connsiteX17" fmla="*/ 406486 w 12191999"/>
+              <a:gd name="connsiteY17" fmla="*/ 742508 h 5166360"/>
+              <a:gd name="connsiteX18" fmla="*/ 406486 w 12191999"/>
+              <a:gd name="connsiteY18" fmla="*/ 742507 h 5166360"/>
+              <a:gd name="connsiteX19" fmla="*/ 862741 w 12191999"/>
+              <a:gd name="connsiteY19" fmla="*/ 742507 h 5166360"/>
+              <a:gd name="connsiteX20" fmla="*/ 1206388 w 12191999"/>
+              <a:gd name="connsiteY20" fmla="*/ 864 h 5166360"/>
+              <a:gd name="connsiteX21" fmla="*/ 748500 w 12191999"/>
+              <a:gd name="connsiteY21" fmla="*/ 864 h 5166360"/>
+              <a:gd name="connsiteX22" fmla="*/ 0 w 12191999"/>
+              <a:gd name="connsiteY22" fmla="*/ 864 h 5166360"/>
+            </a:gdLst>
+            <a:ahLst/>
+            <a:cxnLst>
+              <a:cxn ang="0">
+                <a:pos x="connsiteX0" y="connsiteY0"/>
+              </a:cxn>
+              <a:cxn ang="0">
+                <a:pos x="connsiteX1" y="connsiteY1"/>
+              </a:cxn>
+              <a:cxn ang="0">
+                <a:pos x="connsiteX2" y="connsiteY2"/>
+              </a:cxn>
+              <a:cxn ang="0">
+                <a:pos x="connsiteX3" y="connsiteY3"/>
+              </a:cxn>
+              <a:cxn ang="0">
+                <a:pos x="connsiteX4" y="connsiteY4"/>
+              </a:cxn>
+              <a:cxn ang="0">
+                <a:pos x="connsiteX5" y="connsiteY5"/>
+              </a:cxn>
+              <a:cxn ang="0">
+                <a:pos x="connsiteX6" y="connsiteY6"/>
+              </a:cxn>
+              <a:cxn ang="0">
+                <a:pos x="connsiteX7" y="connsiteY7"/>
+              </a:cxn>
+              <a:cxn ang="0">
+                <a:pos x="connsiteX8" y="connsiteY8"/>
+              </a:cxn>
+              <a:cxn ang="0">
+                <a:pos x="connsiteX9" y="connsiteY9"/>
+              </a:cxn>
+              <a:cxn ang="0">
+                <a:pos x="connsiteX10" y="connsiteY10"/>
+              </a:cxn>
+              <a:cxn ang="0">
+                <a:pos x="connsiteX11" y="connsiteY11"/>
+              </a:cxn>
+              <a:cxn ang="0">
+                <a:pos x="connsiteX12" y="connsiteY12"/>
+              </a:cxn>
+              <a:cxn ang="0">
+                <a:pos x="connsiteX13" y="connsiteY13"/>
+              </a:cxn>
+              <a:cxn ang="0">
+                <a:pos x="connsiteX14" y="connsiteY14"/>
+              </a:cxn>
+              <a:cxn ang="0">
+                <a:pos x="connsiteX15" y="connsiteY15"/>
+              </a:cxn>
+              <a:cxn ang="0">
+                <a:pos x="connsiteX16" y="connsiteY16"/>
+              </a:cxn>
+              <a:cxn ang="0">
+                <a:pos x="connsiteX17" y="connsiteY17"/>
+              </a:cxn>
+              <a:cxn ang="0">
+                <a:pos x="connsiteX18" y="connsiteY18"/>
+              </a:cxn>
+              <a:cxn ang="0">
+                <a:pos x="connsiteX19" y="connsiteY19"/>
+              </a:cxn>
+              <a:cxn ang="0">
+                <a:pos x="connsiteX20" y="connsiteY20"/>
+              </a:cxn>
+              <a:cxn ang="0">
+                <a:pos x="connsiteX21" y="connsiteY21"/>
+              </a:cxn>
+              <a:cxn ang="0">
+                <a:pos x="connsiteX22" y="connsiteY22"/>
+              </a:cxn>
+            </a:cxnLst>
+            <a:rect l="l" t="t" r="r" b="b"/>
+            <a:pathLst>
+              <a:path w="12191999" h="5166360">
+                <a:moveTo>
+                  <a:pt x="0" y="0"/>
+                </a:moveTo>
+                <a:lnTo>
+                  <a:pt x="1822388" y="0"/>
+                </a:lnTo>
+                <a:lnTo>
+                  <a:pt x="6468290" y="0"/>
+                </a:lnTo>
+                <a:lnTo>
+                  <a:pt x="7796394" y="0"/>
+                </a:lnTo>
+                <a:lnTo>
+                  <a:pt x="8376834" y="0"/>
+                </a:lnTo>
+                <a:lnTo>
+                  <a:pt x="9704938" y="0"/>
+                </a:lnTo>
+                <a:lnTo>
+                  <a:pt x="9704938" y="2"/>
+                </a:lnTo>
+                <a:lnTo>
+                  <a:pt x="10283456" y="2"/>
+                </a:lnTo>
+                <a:lnTo>
+                  <a:pt x="10863897" y="2"/>
+                </a:lnTo>
+                <a:lnTo>
+                  <a:pt x="12191999" y="2"/>
+                </a:lnTo>
+                <a:lnTo>
+                  <a:pt x="12191999" y="5166360"/>
+                </a:lnTo>
+                <a:lnTo>
+                  <a:pt x="0" y="5166360"/>
+                </a:lnTo>
+                <a:lnTo>
+                  <a:pt x="0" y="2604436"/>
+                </a:lnTo>
+                <a:lnTo>
+                  <a:pt x="862341" y="743371"/>
+                </a:lnTo>
+                <a:lnTo>
+                  <a:pt x="0" y="743371"/>
+                </a:lnTo>
+                <a:lnTo>
+                  <a:pt x="0" y="742508"/>
+                </a:lnTo>
+                <a:lnTo>
+                  <a:pt x="92826" y="742508"/>
+                </a:lnTo>
+                <a:lnTo>
+                  <a:pt x="406486" y="742508"/>
+                </a:lnTo>
+                <a:lnTo>
+                  <a:pt x="406486" y="742507"/>
+                </a:lnTo>
+                <a:lnTo>
+                  <a:pt x="862741" y="742507"/>
+                </a:lnTo>
+                <a:lnTo>
+                  <a:pt x="1206388" y="864"/>
+                </a:lnTo>
+                <a:lnTo>
+                  <a:pt x="748500" y="864"/>
+                </a:lnTo>
+                <a:lnTo>
+                  <a:pt x="0" y="864"/>
+                </a:lnTo>
+                <a:close/>
+              </a:path>
+            </a:pathLst>
+          </a:custGeom>
+          <a:solidFill>
+            <a:srgbClr val="A6A6A6">
+              <a:alpha val="49804"/>
+            </a:srgbClr>
+          </a:solidFill>
+          <a:ln>
+            <a:noFill/>
+          </a:ln>
+        </p:spPr>
+        <p:style>
+          <a:lnRef idx="2">
+            <a:schemeClr val="accent1">
+              <a:shade val="50000"/>
+            </a:schemeClr>
+          </a:lnRef>
+          <a:fillRef idx="1">
+            <a:schemeClr val="accent1"/>
+          </a:fillRef>
+          <a:effectRef idx="0">
+            <a:schemeClr val="accent1"/>
+          </a:effectRef>
+          <a:fontRef idx="minor">
+            <a:schemeClr val="lt1"/>
+          </a:fontRef>
+        </p:style>
+        <p:txBody>
+          <a:bodyPr wrap="square" rtlCol="0" anchor="ctr">
+            <a:noAutofit/>
+          </a:bodyPr>
+          <a:lstStyle/>
+          <a:p>
+            <a:pPr algn="ctr"/>
+            <a:endParaRPr lang="en-US"/>
+          </a:p>
+        </p:txBody>
+      </p:sp>
+      <p:sp>
+        <p:nvSpPr>
+          <p:cNvPr id="12" name="Freeform: Shape 11">
+            <a:extLst>
+              <a:ext uri="{FF2B5EF4-FFF2-40B4-BE49-F238E27FC236}">
+                <a16:creationId xmlns:a16="http://schemas.microsoft.com/office/drawing/2014/main" id="{479F5F2B-8B58-4140-AE6A-51F6C67B18D9}"/>
+              </a:ext>
+              <a:ext uri="{C183D7F6-B498-43B3-948B-1728B52AA6E4}">
+                <adec:decorative xmlns:adec="http://schemas.microsoft.com/office/drawing/2017/decorative" val="1"/>
+              </a:ext>
+            </a:extLst>
+          </p:cNvPr>
+          <p:cNvSpPr>
+            <a:spLocks noGrp="1" noRot="1" noChangeAspect="1" noMove="1" noResize="1" noEditPoints="1" noAdjustHandles="1" noChangeArrowheads="1" noChangeShapeType="1" noTextEdit="1"/>
+          </p:cNvSpPr>
+          <p:nvPr>
+            <p:extLst>
+              <p:ext uri="{386F3935-93C4-4BCD-93E2-E3B085C9AB24}">
+                <p16:designElem xmlns:p16="http://schemas.microsoft.com/office/powerpoint/2015/main" val="1"/>
+              </p:ext>
+            </p:extLst>
+          </p:nvPr>
+        </p:nvSpPr>
+        <p:spPr>
+          <a:xfrm>
+            <a:off x="0" y="1691641"/>
+            <a:ext cx="971654" cy="2096979"/>
+          </a:xfrm>
+          <a:custGeom>
+            <a:avLst/>
+            <a:gdLst>
+              <a:gd name="connsiteX0" fmla="*/ 0 w 971654"/>
+              <a:gd name="connsiteY0" fmla="*/ 0 h 2096979"/>
+              <a:gd name="connsiteX1" fmla="*/ 971654 w 971654"/>
+              <a:gd name="connsiteY1" fmla="*/ 0 h 2096979"/>
+              <a:gd name="connsiteX2" fmla="*/ 0 w 971654"/>
+              <a:gd name="connsiteY2" fmla="*/ 2096979 h 2096979"/>
+            </a:gdLst>
+            <a:ahLst/>
+            <a:cxnLst>
+              <a:cxn ang="0">
+                <a:pos x="connsiteX0" y="connsiteY0"/>
+              </a:cxn>
+              <a:cxn ang="0">
+                <a:pos x="connsiteX1" y="connsiteY1"/>
+              </a:cxn>
+              <a:cxn ang="0">
+                <a:pos x="connsiteX2" y="connsiteY2"/>
+              </a:cxn>
+            </a:cxnLst>
+            <a:rect l="l" t="t" r="r" b="b"/>
+            <a:pathLst>
+              <a:path w="971654" h="2096979">
+                <a:moveTo>
+                  <a:pt x="0" y="0"/>
+                </a:moveTo>
+                <a:lnTo>
+                  <a:pt x="971654" y="0"/>
+                </a:lnTo>
+                <a:lnTo>
+                  <a:pt x="0" y="2096979"/>
+                </a:lnTo>
+                <a:close/>
+              </a:path>
+            </a:pathLst>
+          </a:custGeom>
+          <a:solidFill>
+            <a:srgbClr val="404040"/>
+          </a:solidFill>
+          <a:ln>
+            <a:noFill/>
+          </a:ln>
+        </p:spPr>
+        <p:style>
+          <a:lnRef idx="2">
+            <a:schemeClr val="accent1">
+              <a:shade val="50000"/>
+            </a:schemeClr>
+          </a:lnRef>
+          <a:fillRef idx="1">
+            <a:schemeClr val="accent1"/>
+          </a:fillRef>
+          <a:effectRef idx="0">
+            <a:schemeClr val="accent1"/>
+          </a:effectRef>
+          <a:fontRef idx="minor">
+            <a:schemeClr val="lt1"/>
+          </a:fontRef>
+        </p:style>
+        <p:txBody>
+          <a:bodyPr wrap="square" rtlCol="0" anchor="ctr">
+            <a:noAutofit/>
+          </a:bodyPr>
+          <a:lstStyle/>
+          <a:p>
+            <a:pPr algn="ctr"/>
+            <a:endParaRPr lang="en-US"/>
+          </a:p>
+        </p:txBody>
+      </p:sp>
+      <p:sp>
+        <p:nvSpPr>
+          <p:cNvPr id="3" name="Content Placeholder 2">
+            <a:extLst>
+              <a:ext uri="{FF2B5EF4-FFF2-40B4-BE49-F238E27FC236}">
+                <a16:creationId xmlns:a16="http://schemas.microsoft.com/office/drawing/2014/main" id="{20915F77-71B6-6049-826B-9DE3D942E07F}"/>
+              </a:ext>
+            </a:extLst>
+          </p:cNvPr>
+          <p:cNvSpPr>
+            <a:spLocks noGrp="1"/>
+          </p:cNvSpPr>
+          <p:nvPr>
+            <p:ph idx="1"/>
+          </p:nvPr>
+        </p:nvSpPr>
+        <p:spPr>
+          <a:xfrm>
+            <a:off x="1653363" y="2176272"/>
+            <a:ext cx="9367204" cy="4041648"/>
           </a:xfrm>
         </p:spPr>
         <p:txBody>
-          <a:bodyPr vert="horz" lIns="91440" tIns="45720" rIns="91440" bIns="45720" rtlCol="0" anchor="b">
+          <a:bodyPr anchor="t">
             <a:normAutofit/>
           </a:bodyPr>
           <a:lstStyle/>
           <a:p>
-            <a:pPr algn="ctr"/>
-            <a:r>
-              <a:rPr lang="en-US" sz="3200" kern="1200" dirty="0">
-                <a:solidFill>
-                  <a:srgbClr val="595959"/>
-                </a:solidFill>
-                <a:latin typeface="+mj-lt"/>
-                <a:ea typeface="+mj-ea"/>
-                <a:cs typeface="+mj-cs"/>
-              </a:rPr>
-              <a:t>Sacramento County with Postal Zip Codes</a:t>
-            </a:r>
-          </a:p>
-        </p:txBody>
-      </p:sp>
-      <p:pic>
-        <p:nvPicPr>
-          <p:cNvPr id="7" name="Content Placeholder 6">
-            <a:extLst>
-              <a:ext uri="{FF2B5EF4-FFF2-40B4-BE49-F238E27FC236}">
-                <a16:creationId xmlns:a16="http://schemas.microsoft.com/office/drawing/2014/main" id="{33C7DE33-1307-9B4E-916B-60E04DA4506B}"/>
-              </a:ext>
-            </a:extLst>
-          </p:cNvPr>
-          <p:cNvPicPr>
-            <a:picLocks noGrp="1" noChangeAspect="1"/>
-          </p:cNvPicPr>
-          <p:nvPr>
-            <p:ph idx="1"/>
-          </p:nvPr>
-        </p:nvPicPr>
-        <p:blipFill>
-          <a:blip r:embed="rId2"/>
-          <a:stretch>
-            <a:fillRect/>
-          </a:stretch>
-        </p:blipFill>
-        <p:spPr>
-          <a:xfrm>
-            <a:off x="7237268" y="1380565"/>
-            <a:ext cx="3165763" cy="4096870"/>
-          </a:xfrm>
-          <a:prstGeom prst="rect">
-            <a:avLst/>
-          </a:prstGeom>
-        </p:spPr>
-      </p:pic>
-    </p:spTree>
-    <p:extLst>
-      <p:ext uri="{BB962C8B-B14F-4D97-AF65-F5344CB8AC3E}">
-        <p14:creationId xmlns:p14="http://schemas.microsoft.com/office/powerpoint/2010/main" val="3361318091"/>
-      </p:ext>
-    </p:extLst>
-  </p:cSld>
-  <p:clrMapOvr>
-    <a:masterClrMapping/>
-  </p:clrMapOvr>
-</p:sld>
-</file>
-
-<file path=ppt/slides/slide7.xml><?xml version="1.0" encoding="utf-8"?>
-<p:sld xmlns:a="http://schemas.openxmlformats.org/drawingml/2006/main" xmlns:r="http://schemas.openxmlformats.org/officeDocument/2006/relationships" xmlns:p="http://schemas.openxmlformats.org/presentationml/2006/main">
-  <p:cSld>
-    <p:spTree>
-      <p:nvGrpSpPr>
-        <p:cNvPr id="1" name=""/>
-        <p:cNvGrpSpPr/>
-        <p:nvPr/>
-      </p:nvGrpSpPr>
-      <p:grpSpPr>
-        <a:xfrm>
-          <a:off x="0" y="0"/>
-          <a:ext cx="0" cy="0"/>
-          <a:chOff x="0" y="0"/>
-          <a:chExt cx="0" cy="0"/>
-        </a:xfrm>
-      </p:grpSpPr>
-      <p:sp>
-        <p:nvSpPr>
-          <p:cNvPr id="2" name="Title 1">
-            <a:extLst>
-              <a:ext uri="{FF2B5EF4-FFF2-40B4-BE49-F238E27FC236}">
-                <a16:creationId xmlns:a16="http://schemas.microsoft.com/office/drawing/2014/main" id="{E4B28D0C-81B2-C14D-B68B-B2195C4C0AFE}"/>
-              </a:ext>
-            </a:extLst>
-          </p:cNvPr>
-          <p:cNvSpPr>
-            <a:spLocks noGrp="1"/>
-          </p:cNvSpPr>
-          <p:nvPr>
-            <p:ph type="title"/>
-          </p:nvPr>
-        </p:nvSpPr>
-        <p:spPr/>
-        <p:txBody>
-          <a:bodyPr/>
-          <a:lstStyle/>
-          <a:p>
-            <a:r>
-              <a:rPr lang="en-US" dirty="0"/>
-              <a:t>Questions</a:t>
-            </a:r>
-          </a:p>
-        </p:txBody>
-      </p:sp>
-      <p:sp>
-        <p:nvSpPr>
-          <p:cNvPr id="3" name="Content Placeholder 2">
-            <a:extLst>
-              <a:ext uri="{FF2B5EF4-FFF2-40B4-BE49-F238E27FC236}">
-                <a16:creationId xmlns:a16="http://schemas.microsoft.com/office/drawing/2014/main" id="{20915F77-71B6-6049-826B-9DE3D942E07F}"/>
-              </a:ext>
-            </a:extLst>
-          </p:cNvPr>
-          <p:cNvSpPr>
-            <a:spLocks noGrp="1"/>
-          </p:cNvSpPr>
-          <p:nvPr>
-            <p:ph idx="1"/>
-          </p:nvPr>
-        </p:nvSpPr>
-        <p:spPr/>
-        <p:txBody>
-          <a:bodyPr>
-            <a:normAutofit fontScale="92500" lnSpcReduction="10000"/>
-          </a:bodyPr>
-          <a:lstStyle/>
-          <a:p>
-            <a:r>
-              <a:rPr lang="en-US" dirty="0"/>
+            <a:r>
+              <a:rPr lang="en-US" sz="2000"/>
               <a:t>What are the overall crime rate trends in Sacramento County and Oak Park in particular?</a:t>
             </a:r>
           </a:p>
           <a:p>
             <a:r>
-              <a:rPr lang="en-US" dirty="0"/>
+              <a:rPr lang="en-US" sz="2000"/>
               <a:t>What are the crime rates for Oak Park for 2014-2018?</a:t>
             </a:r>
           </a:p>
           <a:p>
             <a:r>
-              <a:rPr lang="en-US" dirty="0"/>
+              <a:rPr lang="en-US" sz="2000"/>
               <a:t>How would a heat map of the crime rate for each zip code in Sacramento County appear?</a:t>
             </a:r>
           </a:p>
           <a:p>
             <a:r>
-              <a:rPr lang="en-US" dirty="0"/>
+              <a:rPr lang="en-US" sz="2000"/>
               <a:t>How would a heat map of the poverty rate for each zip code in Sacramento County appear?</a:t>
             </a:r>
           </a:p>
           <a:p>
             <a:r>
-              <a:rPr lang="en-US" dirty="0"/>
+              <a:rPr lang="en-US" sz="2000"/>
               <a:t>What is  the crime rate versus the poverty rate for Sacramento County for 2014-2018?</a:t>
             </a:r>
           </a:p>
           <a:p>
             <a:r>
-              <a:rPr lang="en-US" dirty="0"/>
+              <a:rPr lang="en-US" sz="2000"/>
               <a:t>Is there a correlation between the poverty rate and the crime rate?</a:t>
             </a:r>
           </a:p>
           <a:p>
             <a:r>
-              <a:rPr lang="en-US" dirty="0"/>
+              <a:rPr lang="en-US" sz="2000"/>
               <a:t>Is there a correlation between median home prices and the crime rate?</a:t>
             </a:r>
           </a:p>
@@ -5456,7 +10242,7 @@
             <a:pPr algn="ctr"/>
             <a:r>
               <a:rPr lang="en-US" dirty="0"/>
-              <a:t>Overall Poverty Rate was flat</a:t>
+              <a:t>Overall poverty rate was flat</a:t>
             </a:r>
           </a:p>
         </p:txBody>
@@ -5549,9 +10335,10 @@
           <a:p>
             <a:pPr algn="ctr"/>
             <a:r>
-              <a:rPr lang="en-US" dirty="0"/>
+              <a:rPr lang="en-US"/>
               <a:t>2014</a:t>
             </a:r>
+            <a:endParaRPr lang="en-US" dirty="0"/>
           </a:p>
         </p:txBody>
       </p:sp>
@@ -5584,9 +10371,10 @@
           <a:lstStyle/>
           <a:p>
             <a:r>
-              <a:rPr lang="en-US" dirty="0"/>
+              <a:rPr lang="en-US"/>
               <a:t>2018</a:t>
             </a:r>
+            <a:endParaRPr lang="en-US" dirty="0"/>
           </a:p>
         </p:txBody>
       </p:sp>

--- a/Project_1_Presentation.pptx
+++ b/Project_1_Presentation.pptx
@@ -6,22 +6,23 @@
   </p:sldMasterIdLst>
   <p:sldIdLst>
     <p:sldId id="256" r:id="rId2"/>
-    <p:sldId id="274" r:id="rId3"/>
-    <p:sldId id="275" r:id="rId4"/>
+    <p:sldId id="277" r:id="rId3"/>
+    <p:sldId id="261" r:id="rId4"/>
     <p:sldId id="258" r:id="rId5"/>
-    <p:sldId id="259" r:id="rId6"/>
-    <p:sldId id="276" r:id="rId7"/>
-    <p:sldId id="261" r:id="rId8"/>
-    <p:sldId id="263" r:id="rId9"/>
-    <p:sldId id="262" r:id="rId10"/>
-    <p:sldId id="264" r:id="rId11"/>
-    <p:sldId id="266" r:id="rId12"/>
-    <p:sldId id="269" r:id="rId13"/>
-    <p:sldId id="267" r:id="rId14"/>
-    <p:sldId id="270" r:id="rId15"/>
-    <p:sldId id="271" r:id="rId16"/>
-    <p:sldId id="272" r:id="rId17"/>
-    <p:sldId id="273" r:id="rId18"/>
+    <p:sldId id="274" r:id="rId6"/>
+    <p:sldId id="275" r:id="rId7"/>
+    <p:sldId id="259" r:id="rId8"/>
+    <p:sldId id="276" r:id="rId9"/>
+    <p:sldId id="263" r:id="rId10"/>
+    <p:sldId id="262" r:id="rId11"/>
+    <p:sldId id="264" r:id="rId12"/>
+    <p:sldId id="266" r:id="rId13"/>
+    <p:sldId id="269" r:id="rId14"/>
+    <p:sldId id="267" r:id="rId15"/>
+    <p:sldId id="270" r:id="rId16"/>
+    <p:sldId id="271" r:id="rId17"/>
+    <p:sldId id="272" r:id="rId18"/>
+    <p:sldId id="273" r:id="rId19"/>
   </p:sldIdLst>
   <p:sldSz cx="12192000" cy="6858000"/>
   <p:notesSz cx="6858000" cy="9144000"/>
@@ -3605,22 +3606,22 @@
           <a:p>
             <a:pPr algn="l"/>
             <a:r>
-              <a:rPr lang="en-US" sz="1900"/>
+              <a:rPr lang="en-US" sz="1900" dirty="0"/>
               <a:t>Project 1</a:t>
             </a:r>
           </a:p>
           <a:p>
             <a:pPr algn="l"/>
             <a:r>
-              <a:rPr lang="en-US" sz="1900"/>
+              <a:rPr lang="en-US" sz="1900" dirty="0"/>
               <a:t>November 21, 2020</a:t>
             </a:r>
           </a:p>
           <a:p>
             <a:pPr algn="l"/>
             <a:r>
-              <a:rPr lang="en-US" sz="1900"/>
-              <a:t>Presenters: Sean Galloway, Peter Vlahos, Elliot Chen, Cora Micsunescu</a:t>
+              <a:rPr lang="en-US" sz="1900" dirty="0"/>
+              <a:t>Presenters: Sean Galloway, Peter Vlahos, Eliot Chen, Cora Micsunescu</a:t>
             </a:r>
           </a:p>
         </p:txBody>
@@ -3660,7 +3661,7 @@
           <p:cNvPr id="2" name="Title 1">
             <a:extLst>
               <a:ext uri="{FF2B5EF4-FFF2-40B4-BE49-F238E27FC236}">
-                <a16:creationId xmlns:a16="http://schemas.microsoft.com/office/drawing/2014/main" id="{8F4344C0-0B3B-B244-82D4-A5BA890AA477}"/>
+                <a16:creationId xmlns:a16="http://schemas.microsoft.com/office/drawing/2014/main" id="{8E9CDD85-B6A4-624A-B06F-2F4A29CAE38B}"/>
               </a:ext>
             </a:extLst>
           </p:cNvPr>
@@ -3679,17 +3680,17 @@
             <a:pPr algn="ctr"/>
             <a:r>
               <a:rPr lang="en-US" dirty="0"/>
-              <a:t>A heat map of the crime rates reflects the same trend</a:t>
+              <a:t>Overall crime rate was flat</a:t>
             </a:r>
           </a:p>
         </p:txBody>
       </p:sp>
       <p:pic>
         <p:nvPicPr>
-          <p:cNvPr id="6" name="Content Placeholder 5" descr="Map&#10;&#10;Description automatically generated">
-            <a:extLst>
-              <a:ext uri="{FF2B5EF4-FFF2-40B4-BE49-F238E27FC236}">
-                <a16:creationId xmlns:a16="http://schemas.microsoft.com/office/drawing/2014/main" id="{13804F86-FB8E-794B-85F9-8F8135423EBD}"/>
+          <p:cNvPr id="7" name="Content Placeholder 6" descr="Chart, bar chart&#10;&#10;Description automatically generated">
+            <a:extLst>
+              <a:ext uri="{FF2B5EF4-FFF2-40B4-BE49-F238E27FC236}">
+                <a16:creationId xmlns:a16="http://schemas.microsoft.com/office/drawing/2014/main" id="{F15B66A2-1757-EE4F-A070-143998284D15}"/>
               </a:ext>
             </a:extLst>
           </p:cNvPr>
@@ -3708,17 +3709,17 @@
         </p:blipFill>
         <p:spPr>
           <a:xfrm>
-            <a:off x="1670050" y="2534444"/>
-            <a:ext cx="3517900" cy="2933700"/>
+            <a:off x="838200" y="2274094"/>
+            <a:ext cx="5181600" cy="3454400"/>
           </a:xfrm>
         </p:spPr>
       </p:pic>
       <p:pic>
         <p:nvPicPr>
-          <p:cNvPr id="8" name="Content Placeholder 7" descr="Map&#10;&#10;Description automatically generated">
-            <a:extLst>
-              <a:ext uri="{FF2B5EF4-FFF2-40B4-BE49-F238E27FC236}">
-                <a16:creationId xmlns:a16="http://schemas.microsoft.com/office/drawing/2014/main" id="{FA8C7C05-E969-4347-BB79-BBF36C2C7E37}"/>
+          <p:cNvPr id="4" name="Content Placeholder 3" descr="Chart, bar chart&#10;&#10;Description automatically generated">
+            <a:extLst>
+              <a:ext uri="{FF2B5EF4-FFF2-40B4-BE49-F238E27FC236}">
+                <a16:creationId xmlns:a16="http://schemas.microsoft.com/office/drawing/2014/main" id="{1AE8F124-5291-CE42-A266-ED3CBD17261C}"/>
               </a:ext>
             </a:extLst>
           </p:cNvPr>
@@ -3737,85 +3738,15 @@
         </p:blipFill>
         <p:spPr>
           <a:xfrm>
-            <a:off x="6908800" y="2528094"/>
-            <a:ext cx="3708400" cy="2946400"/>
+            <a:off x="6172200" y="2274094"/>
+            <a:ext cx="5181600" cy="3454400"/>
           </a:xfrm>
         </p:spPr>
       </p:pic>
-      <p:sp>
-        <p:nvSpPr>
-          <p:cNvPr id="9" name="TextBox 8">
-            <a:extLst>
-              <a:ext uri="{FF2B5EF4-FFF2-40B4-BE49-F238E27FC236}">
-                <a16:creationId xmlns:a16="http://schemas.microsoft.com/office/drawing/2014/main" id="{A7C4F9BA-2BEF-ED44-ADC2-4D6B05EA71EE}"/>
-              </a:ext>
-            </a:extLst>
-          </p:cNvPr>
-          <p:cNvSpPr txBox="1"/>
-          <p:nvPr/>
-        </p:nvSpPr>
-        <p:spPr>
-          <a:xfrm>
-            <a:off x="2900856" y="2175641"/>
-            <a:ext cx="710248" cy="369332"/>
-          </a:xfrm>
-          <a:prstGeom prst="rect">
-            <a:avLst/>
-          </a:prstGeom>
-          <a:noFill/>
-        </p:spPr>
-        <p:txBody>
-          <a:bodyPr wrap="square" rtlCol="0">
-            <a:spAutoFit/>
-          </a:bodyPr>
-          <a:lstStyle/>
-          <a:p>
-            <a:r>
-              <a:rPr lang="en-US" dirty="0"/>
-              <a:t>2014</a:t>
-            </a:r>
-          </a:p>
-        </p:txBody>
-      </p:sp>
-      <p:sp>
-        <p:nvSpPr>
-          <p:cNvPr id="10" name="TextBox 9">
-            <a:extLst>
-              <a:ext uri="{FF2B5EF4-FFF2-40B4-BE49-F238E27FC236}">
-                <a16:creationId xmlns:a16="http://schemas.microsoft.com/office/drawing/2014/main" id="{96CC2537-573E-B943-8BC9-AEC11C2DF258}"/>
-              </a:ext>
-            </a:extLst>
-          </p:cNvPr>
-          <p:cNvSpPr txBox="1"/>
-          <p:nvPr/>
-        </p:nvSpPr>
-        <p:spPr>
-          <a:xfrm>
-            <a:off x="8485646" y="2158762"/>
-            <a:ext cx="805498" cy="369332"/>
-          </a:xfrm>
-          <a:prstGeom prst="rect">
-            <a:avLst/>
-          </a:prstGeom>
-          <a:noFill/>
-        </p:spPr>
-        <p:txBody>
-          <a:bodyPr wrap="square" rtlCol="0">
-            <a:spAutoFit/>
-          </a:bodyPr>
-          <a:lstStyle/>
-          <a:p>
-            <a:r>
-              <a:rPr lang="en-US" dirty="0"/>
-              <a:t>2018</a:t>
-            </a:r>
-          </a:p>
-        </p:txBody>
-      </p:sp>
     </p:spTree>
     <p:extLst>
       <p:ext uri="{BB962C8B-B14F-4D97-AF65-F5344CB8AC3E}">
-        <p14:creationId xmlns:p14="http://schemas.microsoft.com/office/powerpoint/2010/main" val="1175564477"/>
+        <p14:creationId xmlns:p14="http://schemas.microsoft.com/office/powerpoint/2010/main" val="2278268001"/>
       </p:ext>
     </p:extLst>
   </p:cSld>
@@ -3847,6 +3778,193 @@
           <p:cNvPr id="2" name="Title 1">
             <a:extLst>
               <a:ext uri="{FF2B5EF4-FFF2-40B4-BE49-F238E27FC236}">
+                <a16:creationId xmlns:a16="http://schemas.microsoft.com/office/drawing/2014/main" id="{8F4344C0-0B3B-B244-82D4-A5BA890AA477}"/>
+              </a:ext>
+            </a:extLst>
+          </p:cNvPr>
+          <p:cNvSpPr>
+            <a:spLocks noGrp="1"/>
+          </p:cNvSpPr>
+          <p:nvPr>
+            <p:ph type="title"/>
+          </p:nvPr>
+        </p:nvSpPr>
+        <p:spPr/>
+        <p:txBody>
+          <a:bodyPr/>
+          <a:lstStyle/>
+          <a:p>
+            <a:pPr algn="ctr"/>
+            <a:r>
+              <a:rPr lang="en-US" dirty="0"/>
+              <a:t>A heat map of the crime rates reflects the same trend</a:t>
+            </a:r>
+          </a:p>
+        </p:txBody>
+      </p:sp>
+      <p:pic>
+        <p:nvPicPr>
+          <p:cNvPr id="6" name="Content Placeholder 5" descr="Map&#10;&#10;Description automatically generated">
+            <a:extLst>
+              <a:ext uri="{FF2B5EF4-FFF2-40B4-BE49-F238E27FC236}">
+                <a16:creationId xmlns:a16="http://schemas.microsoft.com/office/drawing/2014/main" id="{13804F86-FB8E-794B-85F9-8F8135423EBD}"/>
+              </a:ext>
+            </a:extLst>
+          </p:cNvPr>
+          <p:cNvPicPr>
+            <a:picLocks noGrp="1" noChangeAspect="1"/>
+          </p:cNvPicPr>
+          <p:nvPr>
+            <p:ph sz="half" idx="1"/>
+          </p:nvPr>
+        </p:nvPicPr>
+        <p:blipFill>
+          <a:blip r:embed="rId2"/>
+          <a:stretch>
+            <a:fillRect/>
+          </a:stretch>
+        </p:blipFill>
+        <p:spPr>
+          <a:xfrm>
+            <a:off x="1670050" y="2534444"/>
+            <a:ext cx="3517900" cy="2933700"/>
+          </a:xfrm>
+        </p:spPr>
+      </p:pic>
+      <p:pic>
+        <p:nvPicPr>
+          <p:cNvPr id="8" name="Content Placeholder 7" descr="Map&#10;&#10;Description automatically generated">
+            <a:extLst>
+              <a:ext uri="{FF2B5EF4-FFF2-40B4-BE49-F238E27FC236}">
+                <a16:creationId xmlns:a16="http://schemas.microsoft.com/office/drawing/2014/main" id="{FA8C7C05-E969-4347-BB79-BBF36C2C7E37}"/>
+              </a:ext>
+            </a:extLst>
+          </p:cNvPr>
+          <p:cNvPicPr>
+            <a:picLocks noGrp="1" noChangeAspect="1"/>
+          </p:cNvPicPr>
+          <p:nvPr>
+            <p:ph sz="half" idx="2"/>
+          </p:nvPr>
+        </p:nvPicPr>
+        <p:blipFill>
+          <a:blip r:embed="rId3"/>
+          <a:stretch>
+            <a:fillRect/>
+          </a:stretch>
+        </p:blipFill>
+        <p:spPr>
+          <a:xfrm>
+            <a:off x="6908800" y="2528094"/>
+            <a:ext cx="3708400" cy="2946400"/>
+          </a:xfrm>
+        </p:spPr>
+      </p:pic>
+      <p:sp>
+        <p:nvSpPr>
+          <p:cNvPr id="9" name="TextBox 8">
+            <a:extLst>
+              <a:ext uri="{FF2B5EF4-FFF2-40B4-BE49-F238E27FC236}">
+                <a16:creationId xmlns:a16="http://schemas.microsoft.com/office/drawing/2014/main" id="{A7C4F9BA-2BEF-ED44-ADC2-4D6B05EA71EE}"/>
+              </a:ext>
+            </a:extLst>
+          </p:cNvPr>
+          <p:cNvSpPr txBox="1"/>
+          <p:nvPr/>
+        </p:nvSpPr>
+        <p:spPr>
+          <a:xfrm>
+            <a:off x="2900856" y="2175641"/>
+            <a:ext cx="710248" cy="369332"/>
+          </a:xfrm>
+          <a:prstGeom prst="rect">
+            <a:avLst/>
+          </a:prstGeom>
+          <a:noFill/>
+        </p:spPr>
+        <p:txBody>
+          <a:bodyPr wrap="square" rtlCol="0">
+            <a:spAutoFit/>
+          </a:bodyPr>
+          <a:lstStyle/>
+          <a:p>
+            <a:r>
+              <a:rPr lang="en-US" dirty="0"/>
+              <a:t>2014</a:t>
+            </a:r>
+          </a:p>
+        </p:txBody>
+      </p:sp>
+      <p:sp>
+        <p:nvSpPr>
+          <p:cNvPr id="10" name="TextBox 9">
+            <a:extLst>
+              <a:ext uri="{FF2B5EF4-FFF2-40B4-BE49-F238E27FC236}">
+                <a16:creationId xmlns:a16="http://schemas.microsoft.com/office/drawing/2014/main" id="{96CC2537-573E-B943-8BC9-AEC11C2DF258}"/>
+              </a:ext>
+            </a:extLst>
+          </p:cNvPr>
+          <p:cNvSpPr txBox="1"/>
+          <p:nvPr/>
+        </p:nvSpPr>
+        <p:spPr>
+          <a:xfrm>
+            <a:off x="8485646" y="2158762"/>
+            <a:ext cx="805498" cy="369332"/>
+          </a:xfrm>
+          <a:prstGeom prst="rect">
+            <a:avLst/>
+          </a:prstGeom>
+          <a:noFill/>
+        </p:spPr>
+        <p:txBody>
+          <a:bodyPr wrap="square" rtlCol="0">
+            <a:spAutoFit/>
+          </a:bodyPr>
+          <a:lstStyle/>
+          <a:p>
+            <a:r>
+              <a:rPr lang="en-US" dirty="0"/>
+              <a:t>2018</a:t>
+            </a:r>
+          </a:p>
+        </p:txBody>
+      </p:sp>
+    </p:spTree>
+    <p:extLst>
+      <p:ext uri="{BB962C8B-B14F-4D97-AF65-F5344CB8AC3E}">
+        <p14:creationId xmlns:p14="http://schemas.microsoft.com/office/powerpoint/2010/main" val="1175564477"/>
+      </p:ext>
+    </p:extLst>
+  </p:cSld>
+  <p:clrMapOvr>
+    <a:masterClrMapping/>
+  </p:clrMapOvr>
+</p:sld>
+</file>
+
+<file path=ppt/slides/slide12.xml><?xml version="1.0" encoding="utf-8"?>
+<p:sld xmlns:a="http://schemas.openxmlformats.org/drawingml/2006/main" xmlns:r="http://schemas.openxmlformats.org/officeDocument/2006/relationships" xmlns:p="http://schemas.openxmlformats.org/presentationml/2006/main">
+  <p:cSld>
+    <p:spTree>
+      <p:nvGrpSpPr>
+        <p:cNvPr id="1" name=""/>
+        <p:cNvGrpSpPr/>
+        <p:nvPr/>
+      </p:nvGrpSpPr>
+      <p:grpSpPr>
+        <a:xfrm>
+          <a:off x="0" y="0"/>
+          <a:ext cx="0" cy="0"/>
+          <a:chOff x="0" y="0"/>
+          <a:chExt cx="0" cy="0"/>
+        </a:xfrm>
+      </p:grpSpPr>
+      <p:sp>
+        <p:nvSpPr>
+          <p:cNvPr id="2" name="Title 1">
+            <a:extLst>
+              <a:ext uri="{FF2B5EF4-FFF2-40B4-BE49-F238E27FC236}">
                 <a16:creationId xmlns:a16="http://schemas.microsoft.com/office/drawing/2014/main" id="{01C8E1F2-0055-FD49-804A-DD484BE3E1C0}"/>
               </a:ext>
             </a:extLst>
@@ -3978,7 +4096,7 @@
 </p:sld>
 </file>
 
-<file path=ppt/slides/slide12.xml><?xml version="1.0" encoding="utf-8"?>
+<file path=ppt/slides/slide13.xml><?xml version="1.0" encoding="utf-8"?>
 <p:sld xmlns:a="http://schemas.openxmlformats.org/drawingml/2006/main" xmlns:r="http://schemas.openxmlformats.org/officeDocument/2006/relationships" xmlns:p="http://schemas.openxmlformats.org/presentationml/2006/main">
   <p:cSld>
     <p:bg>
@@ -4696,7 +4814,7 @@
 </p:sld>
 </file>
 
-<file path=ppt/slides/slide13.xml><?xml version="1.0" encoding="utf-8"?>
+<file path=ppt/slides/slide14.xml><?xml version="1.0" encoding="utf-8"?>
 <p:sld xmlns:a="http://schemas.openxmlformats.org/drawingml/2006/main" xmlns:r="http://schemas.openxmlformats.org/officeDocument/2006/relationships" xmlns:p="http://schemas.openxmlformats.org/presentationml/2006/main">
   <p:cSld>
     <p:bg>
@@ -5210,7 +5328,7 @@
 </p:sld>
 </file>
 
-<file path=ppt/slides/slide14.xml><?xml version="1.0" encoding="utf-8"?>
+<file path=ppt/slides/slide15.xml><?xml version="1.0" encoding="utf-8"?>
 <p:sld xmlns:a="http://schemas.openxmlformats.org/drawingml/2006/main" xmlns:r="http://schemas.openxmlformats.org/officeDocument/2006/relationships" xmlns:p="http://schemas.openxmlformats.org/presentationml/2006/main">
   <p:cSld>
     <p:bg>
@@ -5691,7 +5809,7 @@
 </p:sld>
 </file>
 
-<file path=ppt/slides/slide15.xml><?xml version="1.0" encoding="utf-8"?>
+<file path=ppt/slides/slide16.xml><?xml version="1.0" encoding="utf-8"?>
 <p:sld xmlns:a="http://schemas.openxmlformats.org/drawingml/2006/main" xmlns:r="http://schemas.openxmlformats.org/officeDocument/2006/relationships" xmlns:p="http://schemas.openxmlformats.org/presentationml/2006/main">
   <p:cSld>
     <p:bg>
@@ -6112,7 +6230,6 @@
               <a:rPr lang="en-US" dirty="0"/>
               <a:t>The average p-value is 0.01 and the average r-square value is 0.15. Given these values and the diagrams’ appearance, our hypothesis, which is that as median home values increase the crime rate decreases, is confirmed.</a:t>
             </a:r>
-            <a:endParaRPr lang="en-US"/>
           </a:p>
         </p:txBody>
       </p:sp>
@@ -6140,7 +6257,7 @@
         </p:blipFill>
         <p:spPr>
           <a:xfrm>
-            <a:off x="685639" y="2729397"/>
+            <a:off x="6287786" y="2750766"/>
             <a:ext cx="5225796" cy="3483864"/>
           </a:xfrm>
           <a:prstGeom prst="rect">
@@ -6172,7 +6289,7 @@
         </p:blipFill>
         <p:spPr>
           <a:xfrm>
-            <a:off x="6347424" y="2729397"/>
+            <a:off x="530995" y="2750766"/>
             <a:ext cx="5225796" cy="3483864"/>
           </a:xfrm>
           <a:prstGeom prst="rect">
@@ -6193,7 +6310,7 @@
 </p:sld>
 </file>
 
-<file path=ppt/slides/slide16.xml><?xml version="1.0" encoding="utf-8"?>
+<file path=ppt/slides/slide17.xml><?xml version="1.0" encoding="utf-8"?>
 <p:sld xmlns:a="http://schemas.openxmlformats.org/drawingml/2006/main" xmlns:r="http://schemas.openxmlformats.org/officeDocument/2006/relationships" xmlns:p="http://schemas.openxmlformats.org/presentationml/2006/main">
   <p:cSld>
     <p:spTree>
@@ -6298,10 +6415,9 @@
           <a:lstStyle/>
           <a:p>
             <a:r>
-              <a:rPr lang="en-US"/>
-              <a:t>The p-value is 0.03 and the r-square value is 0.46. The chart demonstrates that Oak Park follows the same trend as Sacramento County.</a:t>
-            </a:r>
-            <a:endParaRPr lang="en-US" dirty="0"/>
+              <a:rPr lang="en-US" dirty="0"/>
+              <a:t>The p-value is 0.03 and the r-square value is 0.46. The chart demonstrates that Oak Park mirrors the same trend as Sacramento County.</a:t>
+            </a:r>
           </a:p>
         </p:txBody>
       </p:sp>
@@ -6318,7 +6434,7 @@
 </p:sld>
 </file>
 
-<file path=ppt/slides/slide17.xml><?xml version="1.0" encoding="utf-8"?>
+<file path=ppt/slides/slide18.xml><?xml version="1.0" encoding="utf-8"?>
 <p:sld xmlns:a="http://schemas.openxmlformats.org/drawingml/2006/main" xmlns:r="http://schemas.openxmlformats.org/officeDocument/2006/relationships" xmlns:p="http://schemas.openxmlformats.org/presentationml/2006/main">
   <p:cSld>
     <p:bg>
@@ -6957,7 +7073,7 @@
           <p:cNvPr id="2" name="Title 1">
             <a:extLst>
               <a:ext uri="{FF2B5EF4-FFF2-40B4-BE49-F238E27FC236}">
-                <a16:creationId xmlns:a16="http://schemas.microsoft.com/office/drawing/2014/main" id="{EFB12233-A6ED-6B42-A050-CBA705B65BA3}"/>
+                <a16:creationId xmlns:a16="http://schemas.microsoft.com/office/drawing/2014/main" id="{D59D60B9-B448-F24B-A665-123D0E38C13B}"/>
               </a:ext>
             </a:extLst>
           </p:cNvPr>
@@ -6982,9 +7098,8 @@
           <a:p>
             <a:r>
               <a:rPr lang="en-US" dirty="0"/>
-              <a:t>Data Sources</a:t>
-            </a:r>
-            <a:endParaRPr lang="en-US"/>
+              <a:t>Explanation of topic</a:t>
+            </a:r>
           </a:p>
         </p:txBody>
       </p:sp>
@@ -7463,7 +7578,7 @@
           <p:cNvPr id="3" name="Content Placeholder 2">
             <a:extLst>
               <a:ext uri="{FF2B5EF4-FFF2-40B4-BE49-F238E27FC236}">
-                <a16:creationId xmlns:a16="http://schemas.microsoft.com/office/drawing/2014/main" id="{FCB744C6-7571-E74E-A95E-B33FC0DDE21C}"/>
+                <a16:creationId xmlns:a16="http://schemas.microsoft.com/office/drawing/2014/main" id="{75D9613D-1AE3-3847-9158-E5D7D9D58ED0}"/>
               </a:ext>
             </a:extLst>
           </p:cNvPr>
@@ -7487,66 +7602,14 @@
           <a:lstStyle/>
           <a:p>
             <a:r>
-              <a:rPr lang="en-US" sz="2400"/>
-              <a:t>Sacramento County Datasets: </a:t>
-            </a:r>
-            <a:r>
-              <a:rPr lang="en-US" sz="2400" u="sng">
-                <a:hlinkClick r:id="rId2"/>
-              </a:rPr>
-              <a:t>https://data.saccounty.net/datasets/9a7f2df25a584ff9b55db274704ad7c9_0/geoservice</a:t>
-            </a:r>
-            <a:r>
-              <a:rPr lang="en-US" sz="2400"/>
-              <a:t>. </a:t>
-            </a:r>
-          </a:p>
-          <a:p>
-            <a:r>
-              <a:rPr lang="en-US" sz="2400"/>
-              <a:t>Capitol Impact list of Sacramento County Zip Codes: </a:t>
-            </a:r>
-            <a:r>
-              <a:rPr lang="en-US" sz="2400" u="sng">
-                <a:hlinkClick r:id="rId3"/>
-              </a:rPr>
-              <a:t>http://www.ciclt.net/sn/clt/capitolimpact/gw_ziplist.aspx?FIPS=06067</a:t>
-            </a:r>
-            <a:r>
-              <a:rPr lang="en-US" sz="2400"/>
-              <a:t> </a:t>
-            </a:r>
-          </a:p>
-          <a:p>
-            <a:r>
-              <a:rPr lang="en-US" sz="2400"/>
-              <a:t>Census API: </a:t>
-            </a:r>
-            <a:r>
-              <a:rPr lang="en-US" sz="2400">
-                <a:hlinkClick r:id="rId4"/>
-              </a:rPr>
-              <a:t>https://api.census.gov/data.html</a:t>
-            </a:r>
-            <a:r>
-              <a:rPr lang="en-US" sz="2400"/>
-              <a:t> </a:t>
-            </a:r>
-          </a:p>
-          <a:p>
-            <a:r>
-              <a:rPr lang="en-US" sz="2400"/>
-              <a:t>Google Maps API: </a:t>
-            </a:r>
-            <a:r>
-              <a:rPr lang="en-US" sz="2400">
-                <a:hlinkClick r:id="rId5"/>
-              </a:rPr>
-              <a:t>https://cloud.google.com/maps-platform</a:t>
-            </a:r>
-            <a:r>
-              <a:rPr lang="en-US" sz="2400"/>
-              <a:t> </a:t>
+              <a:rPr lang="en-US" sz="2400" dirty="0"/>
+              <a:t>It is an overall goal in society to reduce poverty and crime. We set out to look at this in Sacramento County as we all live here and care about the welfare of our community.</a:t>
+            </a:r>
+          </a:p>
+          <a:p>
+            <a:r>
+              <a:rPr lang="en-US" sz="2400" dirty="0"/>
+              <a:t>This analysis matters as it can inform policy makers and political leaders in how to best allocate resources towards reducing crime and poverty.</a:t>
             </a:r>
           </a:p>
         </p:txBody>
@@ -7554,7 +7617,7 @@
     </p:spTree>
     <p:extLst>
       <p:ext uri="{BB962C8B-B14F-4D97-AF65-F5344CB8AC3E}">
-        <p14:creationId xmlns:p14="http://schemas.microsoft.com/office/powerpoint/2010/main" val="2208772676"/>
+        <p14:creationId xmlns:p14="http://schemas.microsoft.com/office/powerpoint/2010/main" val="2183148855"/>
       </p:ext>
     </p:extLst>
   </p:cSld>
@@ -7594,7 +7657,7 @@
           <p:cNvPr id="2" name="Title 1">
             <a:extLst>
               <a:ext uri="{FF2B5EF4-FFF2-40B4-BE49-F238E27FC236}">
-                <a16:creationId xmlns:a16="http://schemas.microsoft.com/office/drawing/2014/main" id="{3E5534ED-35EA-A149-BEC2-E0076B965B2C}"/>
+                <a16:creationId xmlns:a16="http://schemas.microsoft.com/office/drawing/2014/main" id="{E4B28D0C-81B2-C14D-B68B-B2195C4C0AFE}"/>
               </a:ext>
             </a:extLst>
           </p:cNvPr>
@@ -7613,15 +7676,14 @@
         </p:spPr>
         <p:txBody>
           <a:bodyPr>
-            <a:normAutofit/>
+            <a:normAutofit fontScale="90000"/>
           </a:bodyPr>
           <a:lstStyle/>
           <a:p>
             <a:r>
               <a:rPr lang="en-US" dirty="0"/>
-              <a:t>Data Cleaning</a:t>
-            </a:r>
-            <a:endParaRPr lang="en-US"/>
+              <a:t>Initial Questions used to formulate null hypothesis</a:t>
+            </a:r>
           </a:p>
         </p:txBody>
       </p:sp>
@@ -8100,7 +8162,7 @@
           <p:cNvPr id="3" name="Content Placeholder 2">
             <a:extLst>
               <a:ext uri="{FF2B5EF4-FFF2-40B4-BE49-F238E27FC236}">
-                <a16:creationId xmlns:a16="http://schemas.microsoft.com/office/drawing/2014/main" id="{9C6CB3F0-ED25-D842-9052-96A683255F78}"/>
+                <a16:creationId xmlns:a16="http://schemas.microsoft.com/office/drawing/2014/main" id="{20915F77-71B6-6049-826B-9DE3D942E07F}"/>
               </a:ext>
             </a:extLst>
           </p:cNvPr>
@@ -8124,57 +8186,44 @@
           <a:lstStyle/>
           <a:p>
             <a:r>
-              <a:rPr lang="en-US" sz="2400"/>
-              <a:t>Cleaned the data obtained from Census, Sacramento County and Google Maps using the following methodology:</a:t>
-            </a:r>
-          </a:p>
-          <a:p>
-            <a:pPr lvl="2"/>
-            <a:r>
-              <a:rPr lang="en-US" sz="2400"/>
-              <a:t>Rename columns</a:t>
-            </a:r>
-          </a:p>
-          <a:p>
-            <a:pPr lvl="2"/>
-            <a:r>
-              <a:rPr lang="en-US" sz="2400"/>
-              <a:t>Add columns</a:t>
-            </a:r>
-          </a:p>
-          <a:p>
-            <a:pPr lvl="2"/>
-            <a:r>
-              <a:rPr lang="en-US" sz="2400"/>
-              <a:t>Drop null rows</a:t>
-            </a:r>
-          </a:p>
-          <a:p>
-            <a:pPr lvl="2"/>
-            <a:r>
-              <a:rPr lang="en-US" sz="2400"/>
-              <a:t>Drop incomplete data</a:t>
-            </a:r>
-          </a:p>
-          <a:p>
-            <a:pPr lvl="2"/>
-            <a:r>
-              <a:rPr lang="en-US" sz="2400"/>
-              <a:t>Filter out years to only include 2014-2018</a:t>
-            </a:r>
-          </a:p>
-          <a:p>
-            <a:pPr lvl="2"/>
-            <a:r>
-              <a:rPr lang="en-US" sz="2400"/>
-              <a:t>Parse year data from the timestamp</a:t>
-            </a:r>
-          </a:p>
-          <a:p>
-            <a:pPr lvl="2"/>
-            <a:r>
-              <a:rPr lang="en-US" sz="2400"/>
-              <a:t>Try/Except blocks</a:t>
+              <a:rPr lang="en-US" sz="2000" dirty="0"/>
+              <a:t>What are the overall crime rate trends in Sacramento County and Oak Park in particular?</a:t>
+            </a:r>
+          </a:p>
+          <a:p>
+            <a:r>
+              <a:rPr lang="en-US" sz="2000" dirty="0"/>
+              <a:t>What are the crime rates for Oak Park for 2014-2018?</a:t>
+            </a:r>
+          </a:p>
+          <a:p>
+            <a:r>
+              <a:rPr lang="en-US" sz="2000" dirty="0"/>
+              <a:t>How would a heat map of the crime rate for each zip code in Sacramento County appear?</a:t>
+            </a:r>
+          </a:p>
+          <a:p>
+            <a:r>
+              <a:rPr lang="en-US" sz="2000" dirty="0"/>
+              <a:t>How would a heat map of the poverty rate for each zip code in Sacramento County appear?</a:t>
+            </a:r>
+          </a:p>
+          <a:p>
+            <a:r>
+              <a:rPr lang="en-US" sz="2000" dirty="0"/>
+              <a:t>What is  the crime rate versus the poverty rate for Sacramento County for 2014-2018?</a:t>
+            </a:r>
+          </a:p>
+          <a:p>
+            <a:r>
+              <a:rPr lang="en-US" sz="2000" dirty="0"/>
+              <a:t>Is there a correlation between the poverty rate and the crime rate?</a:t>
+            </a:r>
+          </a:p>
+          <a:p>
+            <a:r>
+              <a:rPr lang="en-US" sz="2000" dirty="0"/>
+              <a:t>Is there a correlation between median home prices and the crime rate?</a:t>
             </a:r>
           </a:p>
         </p:txBody>
@@ -8182,7 +8231,7 @@
     </p:spTree>
     <p:extLst>
       <p:ext uri="{BB962C8B-B14F-4D97-AF65-F5344CB8AC3E}">
-        <p14:creationId xmlns:p14="http://schemas.microsoft.com/office/powerpoint/2010/main" val="2946427430"/>
+        <p14:creationId xmlns:p14="http://schemas.microsoft.com/office/powerpoint/2010/main" val="342459698"/>
       </p:ext>
     </p:extLst>
   </p:cSld>
@@ -8751,35 +8800,35 @@
           <a:lstStyle/>
           <a:p>
             <a:r>
-              <a:rPr lang="en-US" sz="2200"/>
-              <a:t>Oak Park has had historically high crime rates and high poverty rates. Recently it has experienced rising median home prices due to gentrification. Simultaneously, the crime rates and poverty rates have decreased. Does the data reflect these trends? Does Oak Park follow the same trends found in rest of Sacramento County?</a:t>
+              <a:rPr lang="en-US" sz="2200" dirty="0"/>
+              <a:t>For many years Oak Park has been notorious for high crime rates and high poverty rates. Recently it has experienced rising median home prices due to gentrification. Simultaneously, it has been observed that crime rates and poverty rates have decreased. Does the data reflect these observations? Does Oak Park follow the same trends found in rest of Sacramento County?</a:t>
             </a:r>
           </a:p>
           <a:p>
             <a:pPr lvl="0"/>
             <a:r>
-              <a:rPr lang="en-US" sz="2200"/>
+              <a:rPr lang="en-US" sz="2200" dirty="0"/>
               <a:t>A decrease in the poverty rate is correlated with a decrease in the crime rate.</a:t>
             </a:r>
           </a:p>
           <a:p>
             <a:pPr lvl="0"/>
             <a:r>
-              <a:rPr lang="en-US" sz="2200"/>
+              <a:rPr lang="en-US" sz="2200" dirty="0"/>
               <a:t>An increase in the median home price leads to a decrease in crime.</a:t>
             </a:r>
           </a:p>
           <a:p>
             <a:pPr lvl="0"/>
             <a:r>
-              <a:rPr lang="en-US" sz="2200"/>
+              <a:rPr lang="en-US" sz="2200" dirty="0"/>
               <a:t>Sacramento County and Oak Park both follow the same trends with respect to the relationships between poverty, crime, and median home values.</a:t>
             </a:r>
           </a:p>
           <a:p>
             <a:pPr lvl="0"/>
             <a:r>
-              <a:rPr lang="en-US" sz="2200"/>
+              <a:rPr lang="en-US" sz="2200" dirty="0"/>
               <a:t>Confidence level of 95%</a:t>
             </a:r>
           </a:p>
@@ -8828,7 +8877,7 @@
           <p:cNvPr id="2" name="Title 1">
             <a:extLst>
               <a:ext uri="{FF2B5EF4-FFF2-40B4-BE49-F238E27FC236}">
-                <a16:creationId xmlns:a16="http://schemas.microsoft.com/office/drawing/2014/main" id="{7A2CF5BA-5CD8-EA4E-AE25-F48196B39B37}"/>
+                <a16:creationId xmlns:a16="http://schemas.microsoft.com/office/drawing/2014/main" id="{EFB12233-A6ED-6B42-A050-CBA705B65BA3}"/>
               </a:ext>
             </a:extLst>
           </p:cNvPr>
@@ -8853,8 +8902,9 @@
           <a:p>
             <a:r>
               <a:rPr lang="en-US" dirty="0"/>
-              <a:t>Definitions of Terms Used</a:t>
-            </a:r>
+              <a:t>Data Sources</a:t>
+            </a:r>
+            <a:endParaRPr lang="en-US"/>
           </a:p>
         </p:txBody>
       </p:sp>
@@ -9333,7 +9383,7 @@
           <p:cNvPr id="3" name="Content Placeholder 2">
             <a:extLst>
               <a:ext uri="{FF2B5EF4-FFF2-40B4-BE49-F238E27FC236}">
-                <a16:creationId xmlns:a16="http://schemas.microsoft.com/office/drawing/2014/main" id="{15AEA719-D28A-A44E-B99F-4528774D6D11}"/>
+                <a16:creationId xmlns:a16="http://schemas.microsoft.com/office/drawing/2014/main" id="{FCB744C6-7571-E74E-A95E-B33FC0DDE21C}"/>
               </a:ext>
             </a:extLst>
           </p:cNvPr>
@@ -9357,41 +9407,74 @@
           <a:lstStyle/>
           <a:p>
             <a:r>
-              <a:rPr lang="en-US" sz="2400" dirty="0"/>
-              <a:t>“PC Personal”: refers to California Penal Code Crimes Against the Person which include Homicide, Mayhem, Kidnapping, Hostages, Robbery, Attempts to Kill, Assaults, False Imprisonment and Human Trafficking, and Assault and Battery.</a:t>
-            </a:r>
-          </a:p>
-          <a:p>
-            <a:r>
-              <a:rPr lang="en-US" sz="2400" dirty="0"/>
-              <a:t>“PC All”: refers to the California Penal Code definition of all the types of crime including crimes against property, crimes against public justice, crimes against the person, criminal threats, and miscellaneous crimes. </a:t>
-            </a:r>
-          </a:p>
-          <a:p>
-            <a:r>
-              <a:rPr lang="en-US" sz="2400" dirty="0"/>
-              <a:t>Additional information can be found here: </a:t>
-            </a:r>
-            <a:r>
-              <a:rPr lang="en-US" sz="2400" dirty="0">
+              <a:rPr lang="en-US" sz="2400"/>
+              <a:t>Sacramento County Datasets: </a:t>
+            </a:r>
+            <a:r>
+              <a:rPr lang="en-US" sz="2400" u="sng">
                 <a:hlinkClick r:id="rId2"/>
               </a:rPr>
-              <a:t>https://leginfo.legislature.ca.gov/</a:t>
-            </a:r>
-            <a:r>
-              <a:rPr lang="en-US" sz="2400" dirty="0"/>
+              <a:t>https://data.saccounty.net/datasets/9a7f2df25a584ff9b55db274704ad7c9_0/geoservice</a:t>
+            </a:r>
+            <a:r>
+              <a:rPr lang="en-US" sz="2400"/>
+              <a:t>. </a:t>
+            </a:r>
+          </a:p>
+          <a:p>
+            <a:r>
+              <a:rPr lang="en-US" sz="2400"/>
+              <a:t>Capitol Impact list of Sacramento County Zip Codes: </a:t>
+            </a:r>
+            <a:r>
+              <a:rPr lang="en-US" sz="2400" u="sng">
+                <a:hlinkClick r:id="rId3"/>
+              </a:rPr>
+              <a:t>http://www.ciclt.net/sn/clt/capitolimpact/gw_ziplist.aspx?FIPS=06067</a:t>
+            </a:r>
+            <a:r>
+              <a:rPr lang="en-US" sz="2400"/>
               <a:t> </a:t>
             </a:r>
           </a:p>
           <a:p>
-            <a:endParaRPr lang="en-US" sz="2400" dirty="0"/>
+            <a:r>
+              <a:rPr lang="en-US" sz="2400"/>
+              <a:t>Census API: </a:t>
+            </a:r>
+            <a:r>
+              <a:rPr lang="en-US" sz="2400">
+                <a:hlinkClick r:id="rId4"/>
+              </a:rPr>
+              <a:t>https://api.census.gov/data.html</a:t>
+            </a:r>
+            <a:r>
+              <a:rPr lang="en-US" sz="2400"/>
+              <a:t> </a:t>
+            </a:r>
+          </a:p>
+          <a:p>
+            <a:r>
+              <a:rPr lang="en-US" sz="2400"/>
+              <a:t>Google Maps API: </a:t>
+            </a:r>
+            <a:r>
+              <a:rPr lang="en-US" sz="2400">
+                <a:hlinkClick r:id="rId5"/>
+              </a:rPr>
+              <a:t>https://cloud.google.com/maps-platform</a:t>
+            </a:r>
+            <a:r>
+              <a:rPr lang="en-US" sz="2400"/>
+              <a:t> </a:t>
+            </a:r>
           </a:p>
         </p:txBody>
       </p:sp>
     </p:spTree>
     <p:extLst>
       <p:ext uri="{BB962C8B-B14F-4D97-AF65-F5344CB8AC3E}">
-        <p14:creationId xmlns:p14="http://schemas.microsoft.com/office/powerpoint/2010/main" val="1897650247"/>
+        <p14:creationId xmlns:p14="http://schemas.microsoft.com/office/powerpoint/2010/main" val="2208772676"/>
       </p:ext>
     </p:extLst>
   </p:cSld>
@@ -9428,196 +9511,10 @@
       </p:grpSpPr>
       <p:sp>
         <p:nvSpPr>
-          <p:cNvPr id="10" name="Down Arrow 7">
-            <a:extLst>
-              <a:ext uri="{FF2B5EF4-FFF2-40B4-BE49-F238E27FC236}">
-                <a16:creationId xmlns:a16="http://schemas.microsoft.com/office/drawing/2014/main" id="{D4771268-CB57-404A-9271-370EB28F6090}"/>
-              </a:ext>
-              <a:ext uri="{C183D7F6-B498-43B3-948B-1728B52AA6E4}">
-                <adec:decorative xmlns:adec="http://schemas.microsoft.com/office/drawing/2017/decorative" val="1"/>
-              </a:ext>
-            </a:extLst>
-          </p:cNvPr>
-          <p:cNvSpPr>
-            <a:spLocks noGrp="1" noRot="1" noChangeAspect="1" noMove="1" noResize="1" noEditPoints="1" noAdjustHandles="1" noChangeArrowheads="1" noChangeShapeType="1" noTextEdit="1"/>
-          </p:cNvSpPr>
-          <p:nvPr>
-            <p:extLst>
-              <p:ext uri="{386F3935-93C4-4BCD-93E2-E3B085C9AB24}">
-                <p16:designElem xmlns:p16="http://schemas.microsoft.com/office/powerpoint/2015/main" val="1"/>
-              </p:ext>
-            </p:extLst>
-          </p:nvPr>
-        </p:nvSpPr>
-        <p:spPr>
-          <a:xfrm rot="16200000">
-            <a:off x="800100" y="1491343"/>
-            <a:ext cx="3333749" cy="3499103"/>
-          </a:xfrm>
-          <a:prstGeom prst="downArrow">
-            <a:avLst>
-              <a:gd name="adj1" fmla="val 100000"/>
-              <a:gd name="adj2" fmla="val 15788"/>
-            </a:avLst>
-          </a:prstGeom>
-          <a:solidFill>
-            <a:srgbClr val="404040"/>
-          </a:solidFill>
-          <a:ln w="53975">
-            <a:noFill/>
-          </a:ln>
-        </p:spPr>
-        <p:style>
-          <a:lnRef idx="2">
-            <a:schemeClr val="accent1">
-              <a:shade val="50000"/>
-            </a:schemeClr>
-          </a:lnRef>
-          <a:fillRef idx="1">
-            <a:schemeClr val="accent1"/>
-          </a:fillRef>
-          <a:effectRef idx="0">
-            <a:schemeClr val="accent1"/>
-          </a:effectRef>
-          <a:fontRef idx="minor">
-            <a:schemeClr val="lt1"/>
-          </a:fontRef>
-        </p:style>
-        <p:txBody>
-          <a:bodyPr rtlCol="0" anchor="ctr"/>
-          <a:lstStyle/>
-          <a:p>
-            <a:pPr algn="ctr"/>
-            <a:endParaRPr lang="en-US"/>
-          </a:p>
-        </p:txBody>
-      </p:sp>
-      <p:sp>
-        <p:nvSpPr>
           <p:cNvPr id="2" name="Title 1">
             <a:extLst>
               <a:ext uri="{FF2B5EF4-FFF2-40B4-BE49-F238E27FC236}">
-                <a16:creationId xmlns:a16="http://schemas.microsoft.com/office/drawing/2014/main" id="{9D75DD51-AA2D-864A-B345-D21FA4FF0D27}"/>
-              </a:ext>
-            </a:extLst>
-          </p:cNvPr>
-          <p:cNvSpPr>
-            <a:spLocks noGrp="1"/>
-          </p:cNvSpPr>
-          <p:nvPr>
-            <p:ph type="title"/>
-          </p:nvPr>
-        </p:nvSpPr>
-        <p:spPr>
-          <a:xfrm>
-            <a:off x="1028700" y="1967266"/>
-            <a:ext cx="2628900" cy="2547257"/>
-          </a:xfrm>
-          <a:noFill/>
-        </p:spPr>
-        <p:txBody>
-          <a:bodyPr vert="horz" lIns="91440" tIns="45720" rIns="91440" bIns="45720" rtlCol="0" anchor="ctr">
-            <a:normAutofit/>
-          </a:bodyPr>
-          <a:lstStyle/>
-          <a:p>
-            <a:pPr algn="ctr"/>
-            <a:r>
-              <a:rPr lang="en-US" sz="3600" kern="1200">
-                <a:solidFill>
-                  <a:srgbClr val="FFFFFF"/>
-                </a:solidFill>
-                <a:latin typeface="+mj-lt"/>
-                <a:ea typeface="+mj-ea"/>
-                <a:cs typeface="+mj-cs"/>
-              </a:rPr>
-              <a:t>Sacramento County, California</a:t>
-            </a:r>
-          </a:p>
-        </p:txBody>
-      </p:sp>
-      <p:pic>
-        <p:nvPicPr>
-          <p:cNvPr id="5" name="Content Placeholder 4">
-            <a:extLst>
-              <a:ext uri="{FF2B5EF4-FFF2-40B4-BE49-F238E27FC236}">
-                <a16:creationId xmlns:a16="http://schemas.microsoft.com/office/drawing/2014/main" id="{FE698232-F2D7-1D4A-8BE5-DB15E29587AE}"/>
-              </a:ext>
-            </a:extLst>
-          </p:cNvPr>
-          <p:cNvPicPr>
-            <a:picLocks noGrp="1" noChangeAspect="1"/>
-          </p:cNvPicPr>
-          <p:nvPr>
-            <p:ph idx="1"/>
-          </p:nvPr>
-        </p:nvPicPr>
-        <p:blipFill>
-          <a:blip r:embed="rId2">
-            <a:extLst>
-              <a:ext uri="{96DAC541-7B7A-43D3-8B79-37D633B846F1}">
-                <asvg:svgBlip xmlns:asvg="http://schemas.microsoft.com/office/drawing/2016/SVG/main" r:embed="rId3"/>
-              </a:ext>
-            </a:extLst>
-          </a:blip>
-          <a:stretch>
-            <a:fillRect/>
-          </a:stretch>
-        </p:blipFill>
-        <p:spPr>
-          <a:xfrm>
-            <a:off x="5005328" y="643466"/>
-            <a:ext cx="6324676" cy="5568739"/>
-          </a:xfrm>
-          <a:prstGeom prst="rect">
-            <a:avLst/>
-          </a:prstGeom>
-        </p:spPr>
-      </p:pic>
-    </p:spTree>
-    <p:extLst>
-      <p:ext uri="{BB962C8B-B14F-4D97-AF65-F5344CB8AC3E}">
-        <p14:creationId xmlns:p14="http://schemas.microsoft.com/office/powerpoint/2010/main" val="88982112"/>
-      </p:ext>
-    </p:extLst>
-  </p:cSld>
-  <p:clrMapOvr>
-    <a:masterClrMapping/>
-  </p:clrMapOvr>
-</p:sld>
-</file>
-
-<file path=ppt/slides/slide7.xml><?xml version="1.0" encoding="utf-8"?>
-<p:sld xmlns:a="http://schemas.openxmlformats.org/drawingml/2006/main" xmlns:r="http://schemas.openxmlformats.org/officeDocument/2006/relationships" xmlns:p="http://schemas.openxmlformats.org/presentationml/2006/main">
-  <p:cSld>
-    <p:bg>
-      <p:bgPr>
-        <a:solidFill>
-          <a:schemeClr val="bg1"/>
-        </a:solidFill>
-        <a:effectLst/>
-      </p:bgPr>
-    </p:bg>
-    <p:spTree>
-      <p:nvGrpSpPr>
-        <p:cNvPr id="1" name=""/>
-        <p:cNvGrpSpPr/>
-        <p:nvPr/>
-      </p:nvGrpSpPr>
-      <p:grpSpPr>
-        <a:xfrm>
-          <a:off x="0" y="0"/>
-          <a:ext cx="0" cy="0"/>
-          <a:chOff x="0" y="0"/>
-          <a:chExt cx="0" cy="0"/>
-        </a:xfrm>
-      </p:grpSpPr>
-      <p:sp>
-        <p:nvSpPr>
-          <p:cNvPr id="2" name="Title 1">
-            <a:extLst>
-              <a:ext uri="{FF2B5EF4-FFF2-40B4-BE49-F238E27FC236}">
-                <a16:creationId xmlns:a16="http://schemas.microsoft.com/office/drawing/2014/main" id="{E4B28D0C-81B2-C14D-B68B-B2195C4C0AFE}"/>
+                <a16:creationId xmlns:a16="http://schemas.microsoft.com/office/drawing/2014/main" id="{3E5534ED-35EA-A149-BEC2-E0076B965B2C}"/>
               </a:ext>
             </a:extLst>
           </p:cNvPr>
@@ -9642,7 +9539,7 @@
           <a:p>
             <a:r>
               <a:rPr lang="en-US" dirty="0"/>
-              <a:t>Questions</a:t>
+              <a:t>Data Cleaning &amp; EDA</a:t>
             </a:r>
           </a:p>
         </p:txBody>
@@ -10122,7 +10019,7 @@
           <p:cNvPr id="3" name="Content Placeholder 2">
             <a:extLst>
               <a:ext uri="{FF2B5EF4-FFF2-40B4-BE49-F238E27FC236}">
-                <a16:creationId xmlns:a16="http://schemas.microsoft.com/office/drawing/2014/main" id="{20915F77-71B6-6049-826B-9DE3D942E07F}"/>
+                <a16:creationId xmlns:a16="http://schemas.microsoft.com/office/drawing/2014/main" id="{9C6CB3F0-ED25-D842-9052-96A683255F78}"/>
               </a:ext>
             </a:extLst>
           </p:cNvPr>
@@ -10141,49 +10038,81 @@
         </p:spPr>
         <p:txBody>
           <a:bodyPr anchor="t">
-            <a:normAutofit/>
+            <a:normAutofit fontScale="85000" lnSpcReduction="20000"/>
           </a:bodyPr>
           <a:lstStyle/>
           <a:p>
             <a:r>
-              <a:rPr lang="en-US" sz="2000"/>
-              <a:t>What are the overall crime rate trends in Sacramento County and Oak Park in particular?</a:t>
-            </a:r>
-          </a:p>
-          <a:p>
-            <a:r>
-              <a:rPr lang="en-US" sz="2000"/>
-              <a:t>What are the crime rates for Oak Park for 2014-2018?</a:t>
-            </a:r>
-          </a:p>
-          <a:p>
-            <a:r>
-              <a:rPr lang="en-US" sz="2000"/>
-              <a:t>How would a heat map of the crime rate for each zip code in Sacramento County appear?</a:t>
-            </a:r>
-          </a:p>
-          <a:p>
-            <a:r>
-              <a:rPr lang="en-US" sz="2000"/>
-              <a:t>How would a heat map of the poverty rate for each zip code in Sacramento County appear?</a:t>
-            </a:r>
-          </a:p>
-          <a:p>
-            <a:r>
-              <a:rPr lang="en-US" sz="2000"/>
-              <a:t>What is  the crime rate versus the poverty rate for Sacramento County for 2014-2018?</a:t>
-            </a:r>
-          </a:p>
-          <a:p>
-            <a:r>
-              <a:rPr lang="en-US" sz="2000"/>
-              <a:t>Is there a correlation between the poverty rate and the crime rate?</a:t>
-            </a:r>
-          </a:p>
-          <a:p>
-            <a:r>
-              <a:rPr lang="en-US" sz="2000"/>
-              <a:t>Is there a correlation between median home prices and the crime rate?</a:t>
+              <a:rPr lang="en-US" sz="2400" dirty="0"/>
+              <a:t>Census data was problematic and required two types of API calls, the census.acs5 path and get requests/JSON as we could not get all the years in our data set.</a:t>
+            </a:r>
+          </a:p>
+          <a:p>
+            <a:pPr lvl="1"/>
+            <a:r>
+              <a:rPr lang="en-US" sz="2000" dirty="0"/>
+              <a:t>ACS5 only went up to 2018 as that is the latest year with available data.</a:t>
+            </a:r>
+          </a:p>
+          <a:p>
+            <a:pPr lvl="1"/>
+            <a:r>
+              <a:rPr lang="en-US" sz="2000" dirty="0"/>
+              <a:t>Census data needed extensive clean-up due to incomplete data and highly irregular data on the housing prices, i.e. negative home values.</a:t>
+            </a:r>
+          </a:p>
+          <a:p>
+            <a:pPr lvl="1"/>
+            <a:r>
+              <a:rPr lang="en-US" sz="2000" dirty="0"/>
+              <a:t>Had to build a flat file from the data dump from Census.</a:t>
+            </a:r>
+          </a:p>
+          <a:p>
+            <a:pPr lvl="1"/>
+            <a:r>
+              <a:rPr lang="en-US" sz="2000" dirty="0"/>
+              <a:t>Used this dataset for our poverty rate and median home values</a:t>
+            </a:r>
+          </a:p>
+          <a:p>
+            <a:r>
+              <a:rPr lang="en-US" sz="2400" dirty="0"/>
+              <a:t>The dataset from Sacramento County provided the crime rate statistics and came in a flat file format.</a:t>
+            </a:r>
+          </a:p>
+          <a:p>
+            <a:pPr lvl="1"/>
+            <a:r>
+              <a:rPr lang="en-US" sz="2000" dirty="0"/>
+              <a:t>Removed all rows with no data on zip codes or where the zip codes were incomplete.</a:t>
+            </a:r>
+          </a:p>
+          <a:p>
+            <a:pPr lvl="1"/>
+            <a:r>
+              <a:rPr lang="en-US" sz="2000" dirty="0"/>
+              <a:t>Renamed columns and added new columns to include the Penal Code Violation as a float.</a:t>
+            </a:r>
+          </a:p>
+          <a:p>
+            <a:pPr lvl="1"/>
+            <a:r>
+              <a:rPr lang="en-US" sz="2000" dirty="0"/>
+              <a:t>Filtered out data to only include the years 2014-2018, which was the latest five-year period of data available.</a:t>
+            </a:r>
+          </a:p>
+          <a:p>
+            <a:r>
+              <a:rPr lang="en-US" sz="2400" dirty="0"/>
+              <a:t>Google Maps used in the creation of the heat maps. </a:t>
+            </a:r>
+          </a:p>
+          <a:p>
+            <a:pPr lvl="1"/>
+            <a:r>
+              <a:rPr lang="en-US" sz="2000" dirty="0"/>
+              <a:t>It required try/except blocks to weed out bad or incomplete information. </a:t>
             </a:r>
           </a:p>
         </p:txBody>
@@ -10191,7 +10120,7 @@
     </p:spTree>
     <p:extLst>
       <p:ext uri="{BB962C8B-B14F-4D97-AF65-F5344CB8AC3E}">
-        <p14:creationId xmlns:p14="http://schemas.microsoft.com/office/powerpoint/2010/main" val="342459698"/>
+        <p14:creationId xmlns:p14="http://schemas.microsoft.com/office/powerpoint/2010/main" val="2946427430"/>
       </p:ext>
     </p:extLst>
   </p:cSld>
@@ -10201,9 +10130,17 @@
 </p:sld>
 </file>
 
-<file path=ppt/slides/slide8.xml><?xml version="1.0" encoding="utf-8"?>
+<file path=ppt/slides/slide7.xml><?xml version="1.0" encoding="utf-8"?>
 <p:sld xmlns:a="http://schemas.openxmlformats.org/drawingml/2006/main" xmlns:r="http://schemas.openxmlformats.org/officeDocument/2006/relationships" xmlns:p="http://schemas.openxmlformats.org/presentationml/2006/main">
   <p:cSld>
+    <p:bg>
+      <p:bgPr>
+        <a:solidFill>
+          <a:schemeClr val="bg1"/>
+        </a:solidFill>
+        <a:effectLst/>
+      </p:bgPr>
+    </p:bg>
     <p:spTree>
       <p:nvGrpSpPr>
         <p:cNvPr id="1" name=""/>
@@ -10223,7 +10160,7 @@
           <p:cNvPr id="2" name="Title 1">
             <a:extLst>
               <a:ext uri="{FF2B5EF4-FFF2-40B4-BE49-F238E27FC236}">
-                <a16:creationId xmlns:a16="http://schemas.microsoft.com/office/drawing/2014/main" id="{6434A0BD-B447-874F-840E-9393F0A760BA}"/>
+                <a16:creationId xmlns:a16="http://schemas.microsoft.com/office/drawing/2014/main" id="{7A2CF5BA-5CD8-EA4E-AE25-F48196B39B37}"/>
               </a:ext>
             </a:extLst>
           </p:cNvPr>
@@ -10234,25 +10171,709 @@
             <p:ph type="title"/>
           </p:nvPr>
         </p:nvSpPr>
-        <p:spPr/>
-        <p:txBody>
-          <a:bodyPr/>
+        <p:spPr>
+          <a:xfrm>
+            <a:off x="1653363" y="365760"/>
+            <a:ext cx="9367203" cy="1188720"/>
+          </a:xfrm>
+        </p:spPr>
+        <p:txBody>
+          <a:bodyPr>
+            <a:normAutofit/>
+          </a:bodyPr>
+          <a:lstStyle/>
+          <a:p>
+            <a:r>
+              <a:rPr lang="en-US" dirty="0"/>
+              <a:t>Definitions of Terms Used</a:t>
+            </a:r>
+          </a:p>
+        </p:txBody>
+      </p:sp>
+      <p:sp>
+        <p:nvSpPr>
+          <p:cNvPr id="8" name="Freeform: Shape 7">
+            <a:extLst>
+              <a:ext uri="{FF2B5EF4-FFF2-40B4-BE49-F238E27FC236}">
+                <a16:creationId xmlns:a16="http://schemas.microsoft.com/office/drawing/2014/main" id="{7CB4857B-ED7C-444D-9F04-2F885114A1C2}"/>
+              </a:ext>
+              <a:ext uri="{C183D7F6-B498-43B3-948B-1728B52AA6E4}">
+                <adec:decorative xmlns:adec="http://schemas.microsoft.com/office/drawing/2017/decorative" val="1"/>
+              </a:ext>
+            </a:extLst>
+          </p:cNvPr>
+          <p:cNvSpPr>
+            <a:spLocks noGrp="1" noRot="1" noChangeAspect="1" noMove="1" noResize="1" noEditPoints="1" noAdjustHandles="1" noChangeArrowheads="1" noChangeShapeType="1" noTextEdit="1"/>
+          </p:cNvSpPr>
+          <p:nvPr>
+            <p:extLst>
+              <p:ext uri="{386F3935-93C4-4BCD-93E2-E3B085C9AB24}">
+                <p16:designElem xmlns:p16="http://schemas.microsoft.com/office/powerpoint/2015/main" val="1"/>
+              </p:ext>
+            </p:extLst>
+          </p:nvPr>
+        </p:nvSpPr>
+        <p:spPr>
+          <a:xfrm>
+            <a:off x="1" y="0"/>
+            <a:ext cx="1764099" cy="1558212"/>
+          </a:xfrm>
+          <a:custGeom>
+            <a:avLst/>
+            <a:gdLst>
+              <a:gd name="connsiteX0" fmla="*/ 0 w 1764099"/>
+              <a:gd name="connsiteY0" fmla="*/ 0 h 1558212"/>
+              <a:gd name="connsiteX1" fmla="*/ 1764099 w 1764099"/>
+              <a:gd name="connsiteY1" fmla="*/ 0 h 1558212"/>
+              <a:gd name="connsiteX2" fmla="*/ 1042087 w 1764099"/>
+              <a:gd name="connsiteY2" fmla="*/ 1558212 h 1558212"/>
+              <a:gd name="connsiteX3" fmla="*/ 0 w 1764099"/>
+              <a:gd name="connsiteY3" fmla="*/ 1558212 h 1558212"/>
+            </a:gdLst>
+            <a:ahLst/>
+            <a:cxnLst>
+              <a:cxn ang="0">
+                <a:pos x="connsiteX0" y="connsiteY0"/>
+              </a:cxn>
+              <a:cxn ang="0">
+                <a:pos x="connsiteX1" y="connsiteY1"/>
+              </a:cxn>
+              <a:cxn ang="0">
+                <a:pos x="connsiteX2" y="connsiteY2"/>
+              </a:cxn>
+              <a:cxn ang="0">
+                <a:pos x="connsiteX3" y="connsiteY3"/>
+              </a:cxn>
+            </a:cxnLst>
+            <a:rect l="l" t="t" r="r" b="b"/>
+            <a:pathLst>
+              <a:path w="1764099" h="1558212">
+                <a:moveTo>
+                  <a:pt x="0" y="0"/>
+                </a:moveTo>
+                <a:lnTo>
+                  <a:pt x="1764099" y="0"/>
+                </a:lnTo>
+                <a:lnTo>
+                  <a:pt x="1042087" y="1558212"/>
+                </a:lnTo>
+                <a:lnTo>
+                  <a:pt x="0" y="1558212"/>
+                </a:lnTo>
+                <a:close/>
+              </a:path>
+            </a:pathLst>
+          </a:custGeom>
+          <a:solidFill>
+            <a:schemeClr val="accent4"/>
+          </a:solidFill>
+          <a:ln>
+            <a:noFill/>
+          </a:ln>
+        </p:spPr>
+        <p:style>
+          <a:lnRef idx="2">
+            <a:schemeClr val="accent1">
+              <a:shade val="50000"/>
+            </a:schemeClr>
+          </a:lnRef>
+          <a:fillRef idx="1">
+            <a:schemeClr val="accent1"/>
+          </a:fillRef>
+          <a:effectRef idx="0">
+            <a:schemeClr val="accent1"/>
+          </a:effectRef>
+          <a:fontRef idx="minor">
+            <a:schemeClr val="lt1"/>
+          </a:fontRef>
+        </p:style>
+        <p:txBody>
+          <a:bodyPr wrap="square" rtlCol="0" anchor="ctr">
+            <a:noAutofit/>
+          </a:bodyPr>
           <a:lstStyle/>
           <a:p>
             <a:pPr algn="ctr"/>
-            <a:r>
-              <a:rPr lang="en-US" dirty="0"/>
-              <a:t>Overall poverty rate was flat</a:t>
+            <a:endParaRPr lang="en-US"/>
+          </a:p>
+        </p:txBody>
+      </p:sp>
+      <p:sp>
+        <p:nvSpPr>
+          <p:cNvPr id="10" name="Freeform: Shape 9">
+            <a:extLst>
+              <a:ext uri="{FF2B5EF4-FFF2-40B4-BE49-F238E27FC236}">
+                <a16:creationId xmlns:a16="http://schemas.microsoft.com/office/drawing/2014/main" id="{D18046FB-44EA-4FD8-A585-EA09A319B2D0}"/>
+              </a:ext>
+              <a:ext uri="{C183D7F6-B498-43B3-948B-1728B52AA6E4}">
+                <adec:decorative xmlns:adec="http://schemas.microsoft.com/office/drawing/2017/decorative" val="1"/>
+              </a:ext>
+            </a:extLst>
+          </p:cNvPr>
+          <p:cNvSpPr>
+            <a:spLocks noGrp="1" noRot="1" noChangeAspect="1" noMove="1" noResize="1" noEditPoints="1" noAdjustHandles="1" noChangeArrowheads="1" noChangeShapeType="1" noTextEdit="1"/>
+          </p:cNvSpPr>
+          <p:nvPr>
+            <p:extLst>
+              <p:ext uri="{386F3935-93C4-4BCD-93E2-E3B085C9AB24}">
+                <p16:designElem xmlns:p16="http://schemas.microsoft.com/office/powerpoint/2015/main" val="1"/>
+              </p:ext>
+            </p:extLst>
+          </p:nvPr>
+        </p:nvSpPr>
+        <p:spPr>
+          <a:xfrm>
+            <a:off x="1" y="1691640"/>
+            <a:ext cx="12191999" cy="5166360"/>
+          </a:xfrm>
+          <a:custGeom>
+            <a:avLst/>
+            <a:gdLst>
+              <a:gd name="connsiteX0" fmla="*/ 0 w 12191999"/>
+              <a:gd name="connsiteY0" fmla="*/ 0 h 5166360"/>
+              <a:gd name="connsiteX1" fmla="*/ 1822388 w 12191999"/>
+              <a:gd name="connsiteY1" fmla="*/ 0 h 5166360"/>
+              <a:gd name="connsiteX2" fmla="*/ 6468290 w 12191999"/>
+              <a:gd name="connsiteY2" fmla="*/ 0 h 5166360"/>
+              <a:gd name="connsiteX3" fmla="*/ 7796394 w 12191999"/>
+              <a:gd name="connsiteY3" fmla="*/ 0 h 5166360"/>
+              <a:gd name="connsiteX4" fmla="*/ 8376834 w 12191999"/>
+              <a:gd name="connsiteY4" fmla="*/ 0 h 5166360"/>
+              <a:gd name="connsiteX5" fmla="*/ 9704938 w 12191999"/>
+              <a:gd name="connsiteY5" fmla="*/ 0 h 5166360"/>
+              <a:gd name="connsiteX6" fmla="*/ 9704938 w 12191999"/>
+              <a:gd name="connsiteY6" fmla="*/ 2 h 5166360"/>
+              <a:gd name="connsiteX7" fmla="*/ 10283456 w 12191999"/>
+              <a:gd name="connsiteY7" fmla="*/ 2 h 5166360"/>
+              <a:gd name="connsiteX8" fmla="*/ 10863897 w 12191999"/>
+              <a:gd name="connsiteY8" fmla="*/ 2 h 5166360"/>
+              <a:gd name="connsiteX9" fmla="*/ 12191999 w 12191999"/>
+              <a:gd name="connsiteY9" fmla="*/ 2 h 5166360"/>
+              <a:gd name="connsiteX10" fmla="*/ 12191999 w 12191999"/>
+              <a:gd name="connsiteY10" fmla="*/ 5166360 h 5166360"/>
+              <a:gd name="connsiteX11" fmla="*/ 0 w 12191999"/>
+              <a:gd name="connsiteY11" fmla="*/ 5166360 h 5166360"/>
+              <a:gd name="connsiteX12" fmla="*/ 0 w 12191999"/>
+              <a:gd name="connsiteY12" fmla="*/ 2604436 h 5166360"/>
+              <a:gd name="connsiteX13" fmla="*/ 862341 w 12191999"/>
+              <a:gd name="connsiteY13" fmla="*/ 743371 h 5166360"/>
+              <a:gd name="connsiteX14" fmla="*/ 0 w 12191999"/>
+              <a:gd name="connsiteY14" fmla="*/ 743371 h 5166360"/>
+              <a:gd name="connsiteX15" fmla="*/ 0 w 12191999"/>
+              <a:gd name="connsiteY15" fmla="*/ 742508 h 5166360"/>
+              <a:gd name="connsiteX16" fmla="*/ 92826 w 12191999"/>
+              <a:gd name="connsiteY16" fmla="*/ 742508 h 5166360"/>
+              <a:gd name="connsiteX17" fmla="*/ 406486 w 12191999"/>
+              <a:gd name="connsiteY17" fmla="*/ 742508 h 5166360"/>
+              <a:gd name="connsiteX18" fmla="*/ 406486 w 12191999"/>
+              <a:gd name="connsiteY18" fmla="*/ 742507 h 5166360"/>
+              <a:gd name="connsiteX19" fmla="*/ 862741 w 12191999"/>
+              <a:gd name="connsiteY19" fmla="*/ 742507 h 5166360"/>
+              <a:gd name="connsiteX20" fmla="*/ 1206388 w 12191999"/>
+              <a:gd name="connsiteY20" fmla="*/ 864 h 5166360"/>
+              <a:gd name="connsiteX21" fmla="*/ 748500 w 12191999"/>
+              <a:gd name="connsiteY21" fmla="*/ 864 h 5166360"/>
+              <a:gd name="connsiteX22" fmla="*/ 0 w 12191999"/>
+              <a:gd name="connsiteY22" fmla="*/ 864 h 5166360"/>
+            </a:gdLst>
+            <a:ahLst/>
+            <a:cxnLst>
+              <a:cxn ang="0">
+                <a:pos x="connsiteX0" y="connsiteY0"/>
+              </a:cxn>
+              <a:cxn ang="0">
+                <a:pos x="connsiteX1" y="connsiteY1"/>
+              </a:cxn>
+              <a:cxn ang="0">
+                <a:pos x="connsiteX2" y="connsiteY2"/>
+              </a:cxn>
+              <a:cxn ang="0">
+                <a:pos x="connsiteX3" y="connsiteY3"/>
+              </a:cxn>
+              <a:cxn ang="0">
+                <a:pos x="connsiteX4" y="connsiteY4"/>
+              </a:cxn>
+              <a:cxn ang="0">
+                <a:pos x="connsiteX5" y="connsiteY5"/>
+              </a:cxn>
+              <a:cxn ang="0">
+                <a:pos x="connsiteX6" y="connsiteY6"/>
+              </a:cxn>
+              <a:cxn ang="0">
+                <a:pos x="connsiteX7" y="connsiteY7"/>
+              </a:cxn>
+              <a:cxn ang="0">
+                <a:pos x="connsiteX8" y="connsiteY8"/>
+              </a:cxn>
+              <a:cxn ang="0">
+                <a:pos x="connsiteX9" y="connsiteY9"/>
+              </a:cxn>
+              <a:cxn ang="0">
+                <a:pos x="connsiteX10" y="connsiteY10"/>
+              </a:cxn>
+              <a:cxn ang="0">
+                <a:pos x="connsiteX11" y="connsiteY11"/>
+              </a:cxn>
+              <a:cxn ang="0">
+                <a:pos x="connsiteX12" y="connsiteY12"/>
+              </a:cxn>
+              <a:cxn ang="0">
+                <a:pos x="connsiteX13" y="connsiteY13"/>
+              </a:cxn>
+              <a:cxn ang="0">
+                <a:pos x="connsiteX14" y="connsiteY14"/>
+              </a:cxn>
+              <a:cxn ang="0">
+                <a:pos x="connsiteX15" y="connsiteY15"/>
+              </a:cxn>
+              <a:cxn ang="0">
+                <a:pos x="connsiteX16" y="connsiteY16"/>
+              </a:cxn>
+              <a:cxn ang="0">
+                <a:pos x="connsiteX17" y="connsiteY17"/>
+              </a:cxn>
+              <a:cxn ang="0">
+                <a:pos x="connsiteX18" y="connsiteY18"/>
+              </a:cxn>
+              <a:cxn ang="0">
+                <a:pos x="connsiteX19" y="connsiteY19"/>
+              </a:cxn>
+              <a:cxn ang="0">
+                <a:pos x="connsiteX20" y="connsiteY20"/>
+              </a:cxn>
+              <a:cxn ang="0">
+                <a:pos x="connsiteX21" y="connsiteY21"/>
+              </a:cxn>
+              <a:cxn ang="0">
+                <a:pos x="connsiteX22" y="connsiteY22"/>
+              </a:cxn>
+            </a:cxnLst>
+            <a:rect l="l" t="t" r="r" b="b"/>
+            <a:pathLst>
+              <a:path w="12191999" h="5166360">
+                <a:moveTo>
+                  <a:pt x="0" y="0"/>
+                </a:moveTo>
+                <a:lnTo>
+                  <a:pt x="1822388" y="0"/>
+                </a:lnTo>
+                <a:lnTo>
+                  <a:pt x="6468290" y="0"/>
+                </a:lnTo>
+                <a:lnTo>
+                  <a:pt x="7796394" y="0"/>
+                </a:lnTo>
+                <a:lnTo>
+                  <a:pt x="8376834" y="0"/>
+                </a:lnTo>
+                <a:lnTo>
+                  <a:pt x="9704938" y="0"/>
+                </a:lnTo>
+                <a:lnTo>
+                  <a:pt x="9704938" y="2"/>
+                </a:lnTo>
+                <a:lnTo>
+                  <a:pt x="10283456" y="2"/>
+                </a:lnTo>
+                <a:lnTo>
+                  <a:pt x="10863897" y="2"/>
+                </a:lnTo>
+                <a:lnTo>
+                  <a:pt x="12191999" y="2"/>
+                </a:lnTo>
+                <a:lnTo>
+                  <a:pt x="12191999" y="5166360"/>
+                </a:lnTo>
+                <a:lnTo>
+                  <a:pt x="0" y="5166360"/>
+                </a:lnTo>
+                <a:lnTo>
+                  <a:pt x="0" y="2604436"/>
+                </a:lnTo>
+                <a:lnTo>
+                  <a:pt x="862341" y="743371"/>
+                </a:lnTo>
+                <a:lnTo>
+                  <a:pt x="0" y="743371"/>
+                </a:lnTo>
+                <a:lnTo>
+                  <a:pt x="0" y="742508"/>
+                </a:lnTo>
+                <a:lnTo>
+                  <a:pt x="92826" y="742508"/>
+                </a:lnTo>
+                <a:lnTo>
+                  <a:pt x="406486" y="742508"/>
+                </a:lnTo>
+                <a:lnTo>
+                  <a:pt x="406486" y="742507"/>
+                </a:lnTo>
+                <a:lnTo>
+                  <a:pt x="862741" y="742507"/>
+                </a:lnTo>
+                <a:lnTo>
+                  <a:pt x="1206388" y="864"/>
+                </a:lnTo>
+                <a:lnTo>
+                  <a:pt x="748500" y="864"/>
+                </a:lnTo>
+                <a:lnTo>
+                  <a:pt x="0" y="864"/>
+                </a:lnTo>
+                <a:close/>
+              </a:path>
+            </a:pathLst>
+          </a:custGeom>
+          <a:solidFill>
+            <a:srgbClr val="A6A6A6">
+              <a:alpha val="49804"/>
+            </a:srgbClr>
+          </a:solidFill>
+          <a:ln>
+            <a:noFill/>
+          </a:ln>
+        </p:spPr>
+        <p:style>
+          <a:lnRef idx="2">
+            <a:schemeClr val="accent1">
+              <a:shade val="50000"/>
+            </a:schemeClr>
+          </a:lnRef>
+          <a:fillRef idx="1">
+            <a:schemeClr val="accent1"/>
+          </a:fillRef>
+          <a:effectRef idx="0">
+            <a:schemeClr val="accent1"/>
+          </a:effectRef>
+          <a:fontRef idx="minor">
+            <a:schemeClr val="lt1"/>
+          </a:fontRef>
+        </p:style>
+        <p:txBody>
+          <a:bodyPr wrap="square" rtlCol="0" anchor="ctr">
+            <a:noAutofit/>
+          </a:bodyPr>
+          <a:lstStyle/>
+          <a:p>
+            <a:pPr algn="ctr"/>
+            <a:endParaRPr lang="en-US"/>
+          </a:p>
+        </p:txBody>
+      </p:sp>
+      <p:sp>
+        <p:nvSpPr>
+          <p:cNvPr id="12" name="Freeform: Shape 11">
+            <a:extLst>
+              <a:ext uri="{FF2B5EF4-FFF2-40B4-BE49-F238E27FC236}">
+                <a16:creationId xmlns:a16="http://schemas.microsoft.com/office/drawing/2014/main" id="{479F5F2B-8B58-4140-AE6A-51F6C67B18D9}"/>
+              </a:ext>
+              <a:ext uri="{C183D7F6-B498-43B3-948B-1728B52AA6E4}">
+                <adec:decorative xmlns:adec="http://schemas.microsoft.com/office/drawing/2017/decorative" val="1"/>
+              </a:ext>
+            </a:extLst>
+          </p:cNvPr>
+          <p:cNvSpPr>
+            <a:spLocks noGrp="1" noRot="1" noChangeAspect="1" noMove="1" noResize="1" noEditPoints="1" noAdjustHandles="1" noChangeArrowheads="1" noChangeShapeType="1" noTextEdit="1"/>
+          </p:cNvSpPr>
+          <p:nvPr>
+            <p:extLst>
+              <p:ext uri="{386F3935-93C4-4BCD-93E2-E3B085C9AB24}">
+                <p16:designElem xmlns:p16="http://schemas.microsoft.com/office/powerpoint/2015/main" val="1"/>
+              </p:ext>
+            </p:extLst>
+          </p:nvPr>
+        </p:nvSpPr>
+        <p:spPr>
+          <a:xfrm>
+            <a:off x="0" y="1691641"/>
+            <a:ext cx="971654" cy="2096979"/>
+          </a:xfrm>
+          <a:custGeom>
+            <a:avLst/>
+            <a:gdLst>
+              <a:gd name="connsiteX0" fmla="*/ 0 w 971654"/>
+              <a:gd name="connsiteY0" fmla="*/ 0 h 2096979"/>
+              <a:gd name="connsiteX1" fmla="*/ 971654 w 971654"/>
+              <a:gd name="connsiteY1" fmla="*/ 0 h 2096979"/>
+              <a:gd name="connsiteX2" fmla="*/ 0 w 971654"/>
+              <a:gd name="connsiteY2" fmla="*/ 2096979 h 2096979"/>
+            </a:gdLst>
+            <a:ahLst/>
+            <a:cxnLst>
+              <a:cxn ang="0">
+                <a:pos x="connsiteX0" y="connsiteY0"/>
+              </a:cxn>
+              <a:cxn ang="0">
+                <a:pos x="connsiteX1" y="connsiteY1"/>
+              </a:cxn>
+              <a:cxn ang="0">
+                <a:pos x="connsiteX2" y="connsiteY2"/>
+              </a:cxn>
+            </a:cxnLst>
+            <a:rect l="l" t="t" r="r" b="b"/>
+            <a:pathLst>
+              <a:path w="971654" h="2096979">
+                <a:moveTo>
+                  <a:pt x="0" y="0"/>
+                </a:moveTo>
+                <a:lnTo>
+                  <a:pt x="971654" y="0"/>
+                </a:lnTo>
+                <a:lnTo>
+                  <a:pt x="0" y="2096979"/>
+                </a:lnTo>
+                <a:close/>
+              </a:path>
+            </a:pathLst>
+          </a:custGeom>
+          <a:solidFill>
+            <a:srgbClr val="404040"/>
+          </a:solidFill>
+          <a:ln>
+            <a:noFill/>
+          </a:ln>
+        </p:spPr>
+        <p:style>
+          <a:lnRef idx="2">
+            <a:schemeClr val="accent1">
+              <a:shade val="50000"/>
+            </a:schemeClr>
+          </a:lnRef>
+          <a:fillRef idx="1">
+            <a:schemeClr val="accent1"/>
+          </a:fillRef>
+          <a:effectRef idx="0">
+            <a:schemeClr val="accent1"/>
+          </a:effectRef>
+          <a:fontRef idx="minor">
+            <a:schemeClr val="lt1"/>
+          </a:fontRef>
+        </p:style>
+        <p:txBody>
+          <a:bodyPr wrap="square" rtlCol="0" anchor="ctr">
+            <a:noAutofit/>
+          </a:bodyPr>
+          <a:lstStyle/>
+          <a:p>
+            <a:pPr algn="ctr"/>
+            <a:endParaRPr lang="en-US"/>
+          </a:p>
+        </p:txBody>
+      </p:sp>
+      <p:sp>
+        <p:nvSpPr>
+          <p:cNvPr id="3" name="Content Placeholder 2">
+            <a:extLst>
+              <a:ext uri="{FF2B5EF4-FFF2-40B4-BE49-F238E27FC236}">
+                <a16:creationId xmlns:a16="http://schemas.microsoft.com/office/drawing/2014/main" id="{15AEA719-D28A-A44E-B99F-4528774D6D11}"/>
+              </a:ext>
+            </a:extLst>
+          </p:cNvPr>
+          <p:cNvSpPr>
+            <a:spLocks noGrp="1"/>
+          </p:cNvSpPr>
+          <p:nvPr>
+            <p:ph idx="1"/>
+          </p:nvPr>
+        </p:nvSpPr>
+        <p:spPr>
+          <a:xfrm>
+            <a:off x="1653363" y="2176272"/>
+            <a:ext cx="9367204" cy="4041648"/>
+          </a:xfrm>
+        </p:spPr>
+        <p:txBody>
+          <a:bodyPr anchor="t">
+            <a:normAutofit/>
+          </a:bodyPr>
+          <a:lstStyle/>
+          <a:p>
+            <a:r>
+              <a:rPr lang="en-US" sz="2400" dirty="0"/>
+              <a:t>“PC Personal”: refers to California Penal Code Crimes Against the Person which include Homicide, Mayhem, Kidnapping, Hostages, Robbery, Attempts to Kill, Assaults, False Imprisonment and Human Trafficking, and Assault and Battery.</a:t>
+            </a:r>
+          </a:p>
+          <a:p>
+            <a:r>
+              <a:rPr lang="en-US" sz="2400" dirty="0"/>
+              <a:t>“PC All”: refers to the California Penal Code definition of all the types of crime including crimes against property, crimes against public justice, crimes against the person, criminal threats, and miscellaneous crimes. </a:t>
+            </a:r>
+          </a:p>
+          <a:p>
+            <a:r>
+              <a:rPr lang="en-US" sz="2400" dirty="0"/>
+              <a:t>Additional information can be found here: </a:t>
+            </a:r>
+            <a:r>
+              <a:rPr lang="en-US" sz="2400" dirty="0">
+                <a:hlinkClick r:id="rId2"/>
+              </a:rPr>
+              <a:t>https://leginfo.legislature.ca.gov/</a:t>
+            </a:r>
+            <a:r>
+              <a:rPr lang="en-US" sz="2400" dirty="0"/>
+              <a:t> </a:t>
+            </a:r>
+          </a:p>
+          <a:p>
+            <a:endParaRPr lang="en-US" sz="2400" dirty="0"/>
+          </a:p>
+        </p:txBody>
+      </p:sp>
+    </p:spTree>
+    <p:extLst>
+      <p:ext uri="{BB962C8B-B14F-4D97-AF65-F5344CB8AC3E}">
+        <p14:creationId xmlns:p14="http://schemas.microsoft.com/office/powerpoint/2010/main" val="1897650247"/>
+      </p:ext>
+    </p:extLst>
+  </p:cSld>
+  <p:clrMapOvr>
+    <a:masterClrMapping/>
+  </p:clrMapOvr>
+</p:sld>
+</file>
+
+<file path=ppt/slides/slide8.xml><?xml version="1.0" encoding="utf-8"?>
+<p:sld xmlns:a="http://schemas.openxmlformats.org/drawingml/2006/main" xmlns:r="http://schemas.openxmlformats.org/officeDocument/2006/relationships" xmlns:p="http://schemas.openxmlformats.org/presentationml/2006/main">
+  <p:cSld>
+    <p:bg>
+      <p:bgPr>
+        <a:solidFill>
+          <a:schemeClr val="bg1"/>
+        </a:solidFill>
+        <a:effectLst/>
+      </p:bgPr>
+    </p:bg>
+    <p:spTree>
+      <p:nvGrpSpPr>
+        <p:cNvPr id="1" name=""/>
+        <p:cNvGrpSpPr/>
+        <p:nvPr/>
+      </p:nvGrpSpPr>
+      <p:grpSpPr>
+        <a:xfrm>
+          <a:off x="0" y="0"/>
+          <a:ext cx="0" cy="0"/>
+          <a:chOff x="0" y="0"/>
+          <a:chExt cx="0" cy="0"/>
+        </a:xfrm>
+      </p:grpSpPr>
+      <p:sp>
+        <p:nvSpPr>
+          <p:cNvPr id="10" name="Down Arrow 7">
+            <a:extLst>
+              <a:ext uri="{FF2B5EF4-FFF2-40B4-BE49-F238E27FC236}">
+                <a16:creationId xmlns:a16="http://schemas.microsoft.com/office/drawing/2014/main" id="{D4771268-CB57-404A-9271-370EB28F6090}"/>
+              </a:ext>
+              <a:ext uri="{C183D7F6-B498-43B3-948B-1728B52AA6E4}">
+                <adec:decorative xmlns:adec="http://schemas.microsoft.com/office/drawing/2017/decorative" val="1"/>
+              </a:ext>
+            </a:extLst>
+          </p:cNvPr>
+          <p:cNvSpPr>
+            <a:spLocks noGrp="1" noRot="1" noChangeAspect="1" noMove="1" noResize="1" noEditPoints="1" noAdjustHandles="1" noChangeArrowheads="1" noChangeShapeType="1" noTextEdit="1"/>
+          </p:cNvSpPr>
+          <p:nvPr>
+            <p:extLst>
+              <p:ext uri="{386F3935-93C4-4BCD-93E2-E3B085C9AB24}">
+                <p16:designElem xmlns:p16="http://schemas.microsoft.com/office/powerpoint/2015/main" val="1"/>
+              </p:ext>
+            </p:extLst>
+          </p:nvPr>
+        </p:nvSpPr>
+        <p:spPr>
+          <a:xfrm rot="16200000">
+            <a:off x="800100" y="1491343"/>
+            <a:ext cx="3333749" cy="3499103"/>
+          </a:xfrm>
+          <a:prstGeom prst="downArrow">
+            <a:avLst>
+              <a:gd name="adj1" fmla="val 100000"/>
+              <a:gd name="adj2" fmla="val 15788"/>
+            </a:avLst>
+          </a:prstGeom>
+          <a:solidFill>
+            <a:srgbClr val="404040"/>
+          </a:solidFill>
+          <a:ln w="53975">
+            <a:noFill/>
+          </a:ln>
+        </p:spPr>
+        <p:style>
+          <a:lnRef idx="2">
+            <a:schemeClr val="accent1">
+              <a:shade val="50000"/>
+            </a:schemeClr>
+          </a:lnRef>
+          <a:fillRef idx="1">
+            <a:schemeClr val="accent1"/>
+          </a:fillRef>
+          <a:effectRef idx="0">
+            <a:schemeClr val="accent1"/>
+          </a:effectRef>
+          <a:fontRef idx="minor">
+            <a:schemeClr val="lt1"/>
+          </a:fontRef>
+        </p:style>
+        <p:txBody>
+          <a:bodyPr rtlCol="0" anchor="ctr"/>
+          <a:lstStyle/>
+          <a:p>
+            <a:pPr algn="ctr"/>
+            <a:endParaRPr lang="en-US"/>
+          </a:p>
+        </p:txBody>
+      </p:sp>
+      <p:sp>
+        <p:nvSpPr>
+          <p:cNvPr id="2" name="Title 1">
+            <a:extLst>
+              <a:ext uri="{FF2B5EF4-FFF2-40B4-BE49-F238E27FC236}">
+                <a16:creationId xmlns:a16="http://schemas.microsoft.com/office/drawing/2014/main" id="{9D75DD51-AA2D-864A-B345-D21FA4FF0D27}"/>
+              </a:ext>
+            </a:extLst>
+          </p:cNvPr>
+          <p:cNvSpPr>
+            <a:spLocks noGrp="1"/>
+          </p:cNvSpPr>
+          <p:nvPr>
+            <p:ph type="title"/>
+          </p:nvPr>
+        </p:nvSpPr>
+        <p:spPr>
+          <a:xfrm>
+            <a:off x="1028700" y="1967266"/>
+            <a:ext cx="2628900" cy="2547257"/>
+          </a:xfrm>
+          <a:noFill/>
+        </p:spPr>
+        <p:txBody>
+          <a:bodyPr vert="horz" lIns="91440" tIns="45720" rIns="91440" bIns="45720" rtlCol="0" anchor="ctr">
+            <a:normAutofit/>
+          </a:bodyPr>
+          <a:lstStyle/>
+          <a:p>
+            <a:pPr algn="ctr"/>
+            <a:r>
+              <a:rPr lang="en-US" sz="3600" kern="1200">
+                <a:solidFill>
+                  <a:srgbClr val="FFFFFF"/>
+                </a:solidFill>
+                <a:latin typeface="+mj-lt"/>
+                <a:ea typeface="+mj-ea"/>
+                <a:cs typeface="+mj-cs"/>
+              </a:rPr>
+              <a:t>Sacramento County, California</a:t>
             </a:r>
           </a:p>
         </p:txBody>
       </p:sp>
       <p:pic>
         <p:nvPicPr>
-          <p:cNvPr id="6" name="Content Placeholder 5" descr="Map&#10;&#10;Description automatically generated">
-            <a:extLst>
-              <a:ext uri="{FF2B5EF4-FFF2-40B4-BE49-F238E27FC236}">
-                <a16:creationId xmlns:a16="http://schemas.microsoft.com/office/drawing/2014/main" id="{489F57F8-106E-9B4F-8875-1070890E444C}"/>
+          <p:cNvPr id="5" name="Content Placeholder 4">
+            <a:extLst>
+              <a:ext uri="{FF2B5EF4-FFF2-40B4-BE49-F238E27FC236}">
+                <a16:creationId xmlns:a16="http://schemas.microsoft.com/office/drawing/2014/main" id="{FE698232-F2D7-1D4A-8BE5-DB15E29587AE}"/>
               </a:ext>
             </a:extLst>
           </p:cNvPr>
@@ -10260,128 +10881,35 @@
             <a:picLocks noGrp="1" noChangeAspect="1"/>
           </p:cNvPicPr>
           <p:nvPr>
-            <p:ph sz="half" idx="1"/>
+            <p:ph idx="1"/>
           </p:nvPr>
         </p:nvPicPr>
         <p:blipFill>
-          <a:blip r:embed="rId2"/>
+          <a:blip r:embed="rId2">
+            <a:extLst>
+              <a:ext uri="{96DAC541-7B7A-43D3-8B79-37D633B846F1}">
+                <asvg:svgBlip xmlns:asvg="http://schemas.microsoft.com/office/drawing/2016/SVG/main" r:embed="rId3"/>
+              </a:ext>
+            </a:extLst>
+          </a:blip>
           <a:stretch>
             <a:fillRect/>
           </a:stretch>
         </p:blipFill>
         <p:spPr>
           <a:xfrm>
-            <a:off x="1027289" y="2534444"/>
-            <a:ext cx="4249562" cy="2933700"/>
-          </a:xfrm>
-        </p:spPr>
-      </p:pic>
-      <p:pic>
-        <p:nvPicPr>
-          <p:cNvPr id="8" name="Content Placeholder 7">
-            <a:extLst>
-              <a:ext uri="{FF2B5EF4-FFF2-40B4-BE49-F238E27FC236}">
-                <a16:creationId xmlns:a16="http://schemas.microsoft.com/office/drawing/2014/main" id="{3E56AA57-BE20-3E43-B914-E664F90F28B3}"/>
-              </a:ext>
-            </a:extLst>
-          </p:cNvPr>
-          <p:cNvPicPr>
-            <a:picLocks noGrp="1" noChangeAspect="1"/>
-          </p:cNvPicPr>
-          <p:nvPr>
-            <p:ph sz="half" idx="2"/>
-          </p:nvPr>
-        </p:nvPicPr>
-        <p:blipFill>
-          <a:blip r:embed="rId3"/>
-          <a:stretch>
-            <a:fillRect/>
-          </a:stretch>
-        </p:blipFill>
-        <p:spPr>
-          <a:xfrm>
-            <a:off x="6491111" y="2528094"/>
-            <a:ext cx="4357511" cy="2946400"/>
-          </a:xfrm>
-        </p:spPr>
-      </p:pic>
-      <p:sp>
-        <p:nvSpPr>
-          <p:cNvPr id="10" name="TextBox 9">
-            <a:extLst>
-              <a:ext uri="{FF2B5EF4-FFF2-40B4-BE49-F238E27FC236}">
-                <a16:creationId xmlns:a16="http://schemas.microsoft.com/office/drawing/2014/main" id="{B8C2ABB4-1808-2348-9921-AD5EA0519776}"/>
-              </a:ext>
-            </a:extLst>
-          </p:cNvPr>
-          <p:cNvSpPr txBox="1"/>
-          <p:nvPr/>
-        </p:nvSpPr>
-        <p:spPr>
-          <a:xfrm>
-            <a:off x="2958262" y="2019318"/>
-            <a:ext cx="751890" cy="369332"/>
+            <a:off x="5005328" y="643466"/>
+            <a:ext cx="6324676" cy="5568739"/>
           </a:xfrm>
           <a:prstGeom prst="rect">
             <a:avLst/>
           </a:prstGeom>
-          <a:noFill/>
         </p:spPr>
-        <p:txBody>
-          <a:bodyPr wrap="square" rtlCol="0">
-            <a:spAutoFit/>
-          </a:bodyPr>
-          <a:lstStyle/>
-          <a:p>
-            <a:pPr algn="ctr"/>
-            <a:r>
-              <a:rPr lang="en-US"/>
-              <a:t>2014</a:t>
-            </a:r>
-            <a:endParaRPr lang="en-US" dirty="0"/>
-          </a:p>
-        </p:txBody>
-      </p:sp>
-      <p:sp>
-        <p:nvSpPr>
-          <p:cNvPr id="11" name="TextBox 10">
-            <a:extLst>
-              <a:ext uri="{FF2B5EF4-FFF2-40B4-BE49-F238E27FC236}">
-                <a16:creationId xmlns:a16="http://schemas.microsoft.com/office/drawing/2014/main" id="{D781E60D-F8CC-124D-BB96-A872F867B5D5}"/>
-              </a:ext>
-            </a:extLst>
-          </p:cNvPr>
-          <p:cNvSpPr txBox="1"/>
-          <p:nvPr/>
-        </p:nvSpPr>
-        <p:spPr>
-          <a:xfrm>
-            <a:off x="8389483" y="2019318"/>
-            <a:ext cx="751889" cy="369332"/>
-          </a:xfrm>
-          <a:prstGeom prst="rect">
-            <a:avLst/>
-          </a:prstGeom>
-          <a:noFill/>
-        </p:spPr>
-        <p:txBody>
-          <a:bodyPr wrap="square" rtlCol="0">
-            <a:spAutoFit/>
-          </a:bodyPr>
-          <a:lstStyle/>
-          <a:p>
-            <a:r>
-              <a:rPr lang="en-US"/>
-              <a:t>2018</a:t>
-            </a:r>
-            <a:endParaRPr lang="en-US" dirty="0"/>
-          </a:p>
-        </p:txBody>
-      </p:sp>
+      </p:pic>
     </p:spTree>
     <p:extLst>
       <p:ext uri="{BB962C8B-B14F-4D97-AF65-F5344CB8AC3E}">
-        <p14:creationId xmlns:p14="http://schemas.microsoft.com/office/powerpoint/2010/main" val="3157523059"/>
+        <p14:creationId xmlns:p14="http://schemas.microsoft.com/office/powerpoint/2010/main" val="88982112"/>
       </p:ext>
     </p:extLst>
   </p:cSld>
@@ -10413,7 +10941,7 @@
           <p:cNvPr id="2" name="Title 1">
             <a:extLst>
               <a:ext uri="{FF2B5EF4-FFF2-40B4-BE49-F238E27FC236}">
-                <a16:creationId xmlns:a16="http://schemas.microsoft.com/office/drawing/2014/main" id="{8E9CDD85-B6A4-624A-B06F-2F4A29CAE38B}"/>
+                <a16:creationId xmlns:a16="http://schemas.microsoft.com/office/drawing/2014/main" id="{6434A0BD-B447-874F-840E-9393F0A760BA}"/>
               </a:ext>
             </a:extLst>
           </p:cNvPr>
@@ -10432,17 +10960,17 @@
             <a:pPr algn="ctr"/>
             <a:r>
               <a:rPr lang="en-US" dirty="0"/>
-              <a:t>Overall Crime Rate was flat</a:t>
+              <a:t>Overall poverty rate was flat</a:t>
             </a:r>
           </a:p>
         </p:txBody>
       </p:sp>
       <p:pic>
         <p:nvPicPr>
-          <p:cNvPr id="7" name="Content Placeholder 6" descr="Chart, bar chart&#10;&#10;Description automatically generated">
-            <a:extLst>
-              <a:ext uri="{FF2B5EF4-FFF2-40B4-BE49-F238E27FC236}">
-                <a16:creationId xmlns:a16="http://schemas.microsoft.com/office/drawing/2014/main" id="{F15B66A2-1757-EE4F-A070-143998284D15}"/>
+          <p:cNvPr id="6" name="Content Placeholder 5" descr="Map&#10;&#10;Description automatically generated">
+            <a:extLst>
+              <a:ext uri="{FF2B5EF4-FFF2-40B4-BE49-F238E27FC236}">
+                <a16:creationId xmlns:a16="http://schemas.microsoft.com/office/drawing/2014/main" id="{489F57F8-106E-9B4F-8875-1070890E444C}"/>
               </a:ext>
             </a:extLst>
           </p:cNvPr>
@@ -10461,17 +10989,17 @@
         </p:blipFill>
         <p:spPr>
           <a:xfrm>
-            <a:off x="838200" y="2274094"/>
-            <a:ext cx="5181600" cy="3454400"/>
+            <a:off x="1027289" y="2534444"/>
+            <a:ext cx="4249562" cy="2933700"/>
           </a:xfrm>
         </p:spPr>
       </p:pic>
       <p:pic>
         <p:nvPicPr>
-          <p:cNvPr id="4" name="Content Placeholder 3" descr="Chart, bar chart&#10;&#10;Description automatically generated">
-            <a:extLst>
-              <a:ext uri="{FF2B5EF4-FFF2-40B4-BE49-F238E27FC236}">
-                <a16:creationId xmlns:a16="http://schemas.microsoft.com/office/drawing/2014/main" id="{1AE8F124-5291-CE42-A266-ED3CBD17261C}"/>
+          <p:cNvPr id="8" name="Content Placeholder 7">
+            <a:extLst>
+              <a:ext uri="{FF2B5EF4-FFF2-40B4-BE49-F238E27FC236}">
+                <a16:creationId xmlns:a16="http://schemas.microsoft.com/office/drawing/2014/main" id="{3E56AA57-BE20-3E43-B914-E664F90F28B3}"/>
               </a:ext>
             </a:extLst>
           </p:cNvPr>
@@ -10490,15 +11018,88 @@
         </p:blipFill>
         <p:spPr>
           <a:xfrm>
-            <a:off x="6172200" y="2274094"/>
-            <a:ext cx="5181600" cy="3454400"/>
+            <a:off x="6491111" y="2528094"/>
+            <a:ext cx="4357511" cy="2946400"/>
           </a:xfrm>
         </p:spPr>
       </p:pic>
+      <p:sp>
+        <p:nvSpPr>
+          <p:cNvPr id="10" name="TextBox 9">
+            <a:extLst>
+              <a:ext uri="{FF2B5EF4-FFF2-40B4-BE49-F238E27FC236}">
+                <a16:creationId xmlns:a16="http://schemas.microsoft.com/office/drawing/2014/main" id="{B8C2ABB4-1808-2348-9921-AD5EA0519776}"/>
+              </a:ext>
+            </a:extLst>
+          </p:cNvPr>
+          <p:cNvSpPr txBox="1"/>
+          <p:nvPr/>
+        </p:nvSpPr>
+        <p:spPr>
+          <a:xfrm>
+            <a:off x="2958262" y="2019318"/>
+            <a:ext cx="751890" cy="369332"/>
+          </a:xfrm>
+          <a:prstGeom prst="rect">
+            <a:avLst/>
+          </a:prstGeom>
+          <a:noFill/>
+        </p:spPr>
+        <p:txBody>
+          <a:bodyPr wrap="square" rtlCol="0">
+            <a:spAutoFit/>
+          </a:bodyPr>
+          <a:lstStyle/>
+          <a:p>
+            <a:pPr algn="ctr"/>
+            <a:r>
+              <a:rPr lang="en-US"/>
+              <a:t>2014</a:t>
+            </a:r>
+            <a:endParaRPr lang="en-US" dirty="0"/>
+          </a:p>
+        </p:txBody>
+      </p:sp>
+      <p:sp>
+        <p:nvSpPr>
+          <p:cNvPr id="11" name="TextBox 10">
+            <a:extLst>
+              <a:ext uri="{FF2B5EF4-FFF2-40B4-BE49-F238E27FC236}">
+                <a16:creationId xmlns:a16="http://schemas.microsoft.com/office/drawing/2014/main" id="{D781E60D-F8CC-124D-BB96-A872F867B5D5}"/>
+              </a:ext>
+            </a:extLst>
+          </p:cNvPr>
+          <p:cNvSpPr txBox="1"/>
+          <p:nvPr/>
+        </p:nvSpPr>
+        <p:spPr>
+          <a:xfrm>
+            <a:off x="8389483" y="2019318"/>
+            <a:ext cx="751889" cy="369332"/>
+          </a:xfrm>
+          <a:prstGeom prst="rect">
+            <a:avLst/>
+          </a:prstGeom>
+          <a:noFill/>
+        </p:spPr>
+        <p:txBody>
+          <a:bodyPr wrap="square" rtlCol="0">
+            <a:spAutoFit/>
+          </a:bodyPr>
+          <a:lstStyle/>
+          <a:p>
+            <a:r>
+              <a:rPr lang="en-US"/>
+              <a:t>2018</a:t>
+            </a:r>
+            <a:endParaRPr lang="en-US" dirty="0"/>
+          </a:p>
+        </p:txBody>
+      </p:sp>
     </p:spTree>
     <p:extLst>
       <p:ext uri="{BB962C8B-B14F-4D97-AF65-F5344CB8AC3E}">
-        <p14:creationId xmlns:p14="http://schemas.microsoft.com/office/powerpoint/2010/main" val="2278268001"/>
+        <p14:creationId xmlns:p14="http://schemas.microsoft.com/office/powerpoint/2010/main" val="3157523059"/>
       </p:ext>
     </p:extLst>
   </p:cSld>

--- a/Project_1_Presentation.pptx
+++ b/Project_1_Presentation.pptx
@@ -9,20 +9,20 @@
     <p:sldId id="277" r:id="rId3"/>
     <p:sldId id="261" r:id="rId4"/>
     <p:sldId id="258" r:id="rId5"/>
-    <p:sldId id="274" r:id="rId6"/>
-    <p:sldId id="275" r:id="rId7"/>
-    <p:sldId id="259" r:id="rId8"/>
-    <p:sldId id="276" r:id="rId9"/>
-    <p:sldId id="263" r:id="rId10"/>
-    <p:sldId id="262" r:id="rId11"/>
-    <p:sldId id="264" r:id="rId12"/>
-    <p:sldId id="266" r:id="rId13"/>
-    <p:sldId id="269" r:id="rId14"/>
-    <p:sldId id="267" r:id="rId15"/>
-    <p:sldId id="270" r:id="rId16"/>
-    <p:sldId id="271" r:id="rId17"/>
-    <p:sldId id="272" r:id="rId18"/>
-    <p:sldId id="273" r:id="rId19"/>
+    <p:sldId id="259" r:id="rId6"/>
+    <p:sldId id="276" r:id="rId7"/>
+    <p:sldId id="263" r:id="rId8"/>
+    <p:sldId id="262" r:id="rId9"/>
+    <p:sldId id="264" r:id="rId10"/>
+    <p:sldId id="266" r:id="rId11"/>
+    <p:sldId id="269" r:id="rId12"/>
+    <p:sldId id="267" r:id="rId13"/>
+    <p:sldId id="270" r:id="rId14"/>
+    <p:sldId id="271" r:id="rId15"/>
+    <p:sldId id="272" r:id="rId16"/>
+    <p:sldId id="273" r:id="rId17"/>
+    <p:sldId id="274" r:id="rId18"/>
+    <p:sldId id="275" r:id="rId19"/>
   </p:sldIdLst>
   <p:sldSz cx="12192000" cy="6858000"/>
   <p:notesSz cx="6858000" cy="9144000"/>
@@ -276,7 +276,7 @@
           <a:p>
             <a:fld id="{FE2819C9-2263-1A43-8F74-E42C80460847}" type="datetimeFigureOut">
               <a:rPr lang="en-US" smtClean="0"/>
-              <a:t>11/20/20</a:t>
+              <a:t>11/21/20</a:t>
             </a:fld>
             <a:endParaRPr lang="en-US"/>
           </a:p>
@@ -474,7 +474,7 @@
           <a:p>
             <a:fld id="{FE2819C9-2263-1A43-8F74-E42C80460847}" type="datetimeFigureOut">
               <a:rPr lang="en-US" smtClean="0"/>
-              <a:t>11/20/20</a:t>
+              <a:t>11/21/20</a:t>
             </a:fld>
             <a:endParaRPr lang="en-US"/>
           </a:p>
@@ -682,7 +682,7 @@
           <a:p>
             <a:fld id="{FE2819C9-2263-1A43-8F74-E42C80460847}" type="datetimeFigureOut">
               <a:rPr lang="en-US" smtClean="0"/>
-              <a:t>11/20/20</a:t>
+              <a:t>11/21/20</a:t>
             </a:fld>
             <a:endParaRPr lang="en-US"/>
           </a:p>
@@ -880,7 +880,7 @@
           <a:p>
             <a:fld id="{FE2819C9-2263-1A43-8F74-E42C80460847}" type="datetimeFigureOut">
               <a:rPr lang="en-US" smtClean="0"/>
-              <a:t>11/20/20</a:t>
+              <a:t>11/21/20</a:t>
             </a:fld>
             <a:endParaRPr lang="en-US"/>
           </a:p>
@@ -1155,7 +1155,7 @@
           <a:p>
             <a:fld id="{FE2819C9-2263-1A43-8F74-E42C80460847}" type="datetimeFigureOut">
               <a:rPr lang="en-US" smtClean="0"/>
-              <a:t>11/20/20</a:t>
+              <a:t>11/21/20</a:t>
             </a:fld>
             <a:endParaRPr lang="en-US"/>
           </a:p>
@@ -1420,7 +1420,7 @@
           <a:p>
             <a:fld id="{FE2819C9-2263-1A43-8F74-E42C80460847}" type="datetimeFigureOut">
               <a:rPr lang="en-US" smtClean="0"/>
-              <a:t>11/20/20</a:t>
+              <a:t>11/21/20</a:t>
             </a:fld>
             <a:endParaRPr lang="en-US"/>
           </a:p>
@@ -1832,7 +1832,7 @@
           <a:p>
             <a:fld id="{FE2819C9-2263-1A43-8F74-E42C80460847}" type="datetimeFigureOut">
               <a:rPr lang="en-US" smtClean="0"/>
-              <a:t>11/20/20</a:t>
+              <a:t>11/21/20</a:t>
             </a:fld>
             <a:endParaRPr lang="en-US"/>
           </a:p>
@@ -1973,7 +1973,7 @@
           <a:p>
             <a:fld id="{FE2819C9-2263-1A43-8F74-E42C80460847}" type="datetimeFigureOut">
               <a:rPr lang="en-US" smtClean="0"/>
-              <a:t>11/20/20</a:t>
+              <a:t>11/21/20</a:t>
             </a:fld>
             <a:endParaRPr lang="en-US"/>
           </a:p>
@@ -2086,7 +2086,7 @@
           <a:p>
             <a:fld id="{FE2819C9-2263-1A43-8F74-E42C80460847}" type="datetimeFigureOut">
               <a:rPr lang="en-US" smtClean="0"/>
-              <a:t>11/20/20</a:t>
+              <a:t>11/21/20</a:t>
             </a:fld>
             <a:endParaRPr lang="en-US"/>
           </a:p>
@@ -2397,7 +2397,7 @@
           <a:p>
             <a:fld id="{FE2819C9-2263-1A43-8F74-E42C80460847}" type="datetimeFigureOut">
               <a:rPr lang="en-US" smtClean="0"/>
-              <a:t>11/20/20</a:t>
+              <a:t>11/21/20</a:t>
             </a:fld>
             <a:endParaRPr lang="en-US"/>
           </a:p>
@@ -2685,7 +2685,7 @@
           <a:p>
             <a:fld id="{FE2819C9-2263-1A43-8F74-E42C80460847}" type="datetimeFigureOut">
               <a:rPr lang="en-US" smtClean="0"/>
-              <a:t>11/20/20</a:t>
+              <a:t>11/21/20</a:t>
             </a:fld>
             <a:endParaRPr lang="en-US"/>
           </a:p>
@@ -2926,7 +2926,7 @@
           <a:p>
             <a:fld id="{FE2819C9-2263-1A43-8F74-E42C80460847}" type="datetimeFigureOut">
               <a:rPr lang="en-US" smtClean="0"/>
-              <a:t>11/20/20</a:t>
+              <a:t>11/21/20</a:t>
             </a:fld>
             <a:endParaRPr lang="en-US"/>
           </a:p>
@@ -3661,310 +3661,6 @@
           <p:cNvPr id="2" name="Title 1">
             <a:extLst>
               <a:ext uri="{FF2B5EF4-FFF2-40B4-BE49-F238E27FC236}">
-                <a16:creationId xmlns:a16="http://schemas.microsoft.com/office/drawing/2014/main" id="{8E9CDD85-B6A4-624A-B06F-2F4A29CAE38B}"/>
-              </a:ext>
-            </a:extLst>
-          </p:cNvPr>
-          <p:cNvSpPr>
-            <a:spLocks noGrp="1"/>
-          </p:cNvSpPr>
-          <p:nvPr>
-            <p:ph type="title"/>
-          </p:nvPr>
-        </p:nvSpPr>
-        <p:spPr/>
-        <p:txBody>
-          <a:bodyPr/>
-          <a:lstStyle/>
-          <a:p>
-            <a:pPr algn="ctr"/>
-            <a:r>
-              <a:rPr lang="en-US" dirty="0"/>
-              <a:t>Overall crime rate was flat</a:t>
-            </a:r>
-          </a:p>
-        </p:txBody>
-      </p:sp>
-      <p:pic>
-        <p:nvPicPr>
-          <p:cNvPr id="7" name="Content Placeholder 6" descr="Chart, bar chart&#10;&#10;Description automatically generated">
-            <a:extLst>
-              <a:ext uri="{FF2B5EF4-FFF2-40B4-BE49-F238E27FC236}">
-                <a16:creationId xmlns:a16="http://schemas.microsoft.com/office/drawing/2014/main" id="{F15B66A2-1757-EE4F-A070-143998284D15}"/>
-              </a:ext>
-            </a:extLst>
-          </p:cNvPr>
-          <p:cNvPicPr>
-            <a:picLocks noGrp="1" noChangeAspect="1"/>
-          </p:cNvPicPr>
-          <p:nvPr>
-            <p:ph sz="half" idx="1"/>
-          </p:nvPr>
-        </p:nvPicPr>
-        <p:blipFill>
-          <a:blip r:embed="rId2"/>
-          <a:stretch>
-            <a:fillRect/>
-          </a:stretch>
-        </p:blipFill>
-        <p:spPr>
-          <a:xfrm>
-            <a:off x="838200" y="2274094"/>
-            <a:ext cx="5181600" cy="3454400"/>
-          </a:xfrm>
-        </p:spPr>
-      </p:pic>
-      <p:pic>
-        <p:nvPicPr>
-          <p:cNvPr id="4" name="Content Placeholder 3" descr="Chart, bar chart&#10;&#10;Description automatically generated">
-            <a:extLst>
-              <a:ext uri="{FF2B5EF4-FFF2-40B4-BE49-F238E27FC236}">
-                <a16:creationId xmlns:a16="http://schemas.microsoft.com/office/drawing/2014/main" id="{1AE8F124-5291-CE42-A266-ED3CBD17261C}"/>
-              </a:ext>
-            </a:extLst>
-          </p:cNvPr>
-          <p:cNvPicPr>
-            <a:picLocks noGrp="1" noChangeAspect="1"/>
-          </p:cNvPicPr>
-          <p:nvPr>
-            <p:ph sz="half" idx="2"/>
-          </p:nvPr>
-        </p:nvPicPr>
-        <p:blipFill>
-          <a:blip r:embed="rId3"/>
-          <a:stretch>
-            <a:fillRect/>
-          </a:stretch>
-        </p:blipFill>
-        <p:spPr>
-          <a:xfrm>
-            <a:off x="6172200" y="2274094"/>
-            <a:ext cx="5181600" cy="3454400"/>
-          </a:xfrm>
-        </p:spPr>
-      </p:pic>
-    </p:spTree>
-    <p:extLst>
-      <p:ext uri="{BB962C8B-B14F-4D97-AF65-F5344CB8AC3E}">
-        <p14:creationId xmlns:p14="http://schemas.microsoft.com/office/powerpoint/2010/main" val="2278268001"/>
-      </p:ext>
-    </p:extLst>
-  </p:cSld>
-  <p:clrMapOvr>
-    <a:masterClrMapping/>
-  </p:clrMapOvr>
-</p:sld>
-</file>
-
-<file path=ppt/slides/slide11.xml><?xml version="1.0" encoding="utf-8"?>
-<p:sld xmlns:a="http://schemas.openxmlformats.org/drawingml/2006/main" xmlns:r="http://schemas.openxmlformats.org/officeDocument/2006/relationships" xmlns:p="http://schemas.openxmlformats.org/presentationml/2006/main">
-  <p:cSld>
-    <p:spTree>
-      <p:nvGrpSpPr>
-        <p:cNvPr id="1" name=""/>
-        <p:cNvGrpSpPr/>
-        <p:nvPr/>
-      </p:nvGrpSpPr>
-      <p:grpSpPr>
-        <a:xfrm>
-          <a:off x="0" y="0"/>
-          <a:ext cx="0" cy="0"/>
-          <a:chOff x="0" y="0"/>
-          <a:chExt cx="0" cy="0"/>
-        </a:xfrm>
-      </p:grpSpPr>
-      <p:sp>
-        <p:nvSpPr>
-          <p:cNvPr id="2" name="Title 1">
-            <a:extLst>
-              <a:ext uri="{FF2B5EF4-FFF2-40B4-BE49-F238E27FC236}">
-                <a16:creationId xmlns:a16="http://schemas.microsoft.com/office/drawing/2014/main" id="{8F4344C0-0B3B-B244-82D4-A5BA890AA477}"/>
-              </a:ext>
-            </a:extLst>
-          </p:cNvPr>
-          <p:cNvSpPr>
-            <a:spLocks noGrp="1"/>
-          </p:cNvSpPr>
-          <p:nvPr>
-            <p:ph type="title"/>
-          </p:nvPr>
-        </p:nvSpPr>
-        <p:spPr/>
-        <p:txBody>
-          <a:bodyPr/>
-          <a:lstStyle/>
-          <a:p>
-            <a:pPr algn="ctr"/>
-            <a:r>
-              <a:rPr lang="en-US" dirty="0"/>
-              <a:t>A heat map of the crime rates reflects the same trend</a:t>
-            </a:r>
-          </a:p>
-        </p:txBody>
-      </p:sp>
-      <p:pic>
-        <p:nvPicPr>
-          <p:cNvPr id="6" name="Content Placeholder 5" descr="Map&#10;&#10;Description automatically generated">
-            <a:extLst>
-              <a:ext uri="{FF2B5EF4-FFF2-40B4-BE49-F238E27FC236}">
-                <a16:creationId xmlns:a16="http://schemas.microsoft.com/office/drawing/2014/main" id="{13804F86-FB8E-794B-85F9-8F8135423EBD}"/>
-              </a:ext>
-            </a:extLst>
-          </p:cNvPr>
-          <p:cNvPicPr>
-            <a:picLocks noGrp="1" noChangeAspect="1"/>
-          </p:cNvPicPr>
-          <p:nvPr>
-            <p:ph sz="half" idx="1"/>
-          </p:nvPr>
-        </p:nvPicPr>
-        <p:blipFill>
-          <a:blip r:embed="rId2"/>
-          <a:stretch>
-            <a:fillRect/>
-          </a:stretch>
-        </p:blipFill>
-        <p:spPr>
-          <a:xfrm>
-            <a:off x="1670050" y="2534444"/>
-            <a:ext cx="3517900" cy="2933700"/>
-          </a:xfrm>
-        </p:spPr>
-      </p:pic>
-      <p:pic>
-        <p:nvPicPr>
-          <p:cNvPr id="8" name="Content Placeholder 7" descr="Map&#10;&#10;Description automatically generated">
-            <a:extLst>
-              <a:ext uri="{FF2B5EF4-FFF2-40B4-BE49-F238E27FC236}">
-                <a16:creationId xmlns:a16="http://schemas.microsoft.com/office/drawing/2014/main" id="{FA8C7C05-E969-4347-BB79-BBF36C2C7E37}"/>
-              </a:ext>
-            </a:extLst>
-          </p:cNvPr>
-          <p:cNvPicPr>
-            <a:picLocks noGrp="1" noChangeAspect="1"/>
-          </p:cNvPicPr>
-          <p:nvPr>
-            <p:ph sz="half" idx="2"/>
-          </p:nvPr>
-        </p:nvPicPr>
-        <p:blipFill>
-          <a:blip r:embed="rId3"/>
-          <a:stretch>
-            <a:fillRect/>
-          </a:stretch>
-        </p:blipFill>
-        <p:spPr>
-          <a:xfrm>
-            <a:off x="6908800" y="2528094"/>
-            <a:ext cx="3708400" cy="2946400"/>
-          </a:xfrm>
-        </p:spPr>
-      </p:pic>
-      <p:sp>
-        <p:nvSpPr>
-          <p:cNvPr id="9" name="TextBox 8">
-            <a:extLst>
-              <a:ext uri="{FF2B5EF4-FFF2-40B4-BE49-F238E27FC236}">
-                <a16:creationId xmlns:a16="http://schemas.microsoft.com/office/drawing/2014/main" id="{A7C4F9BA-2BEF-ED44-ADC2-4D6B05EA71EE}"/>
-              </a:ext>
-            </a:extLst>
-          </p:cNvPr>
-          <p:cNvSpPr txBox="1"/>
-          <p:nvPr/>
-        </p:nvSpPr>
-        <p:spPr>
-          <a:xfrm>
-            <a:off x="2900856" y="2175641"/>
-            <a:ext cx="710248" cy="369332"/>
-          </a:xfrm>
-          <a:prstGeom prst="rect">
-            <a:avLst/>
-          </a:prstGeom>
-          <a:noFill/>
-        </p:spPr>
-        <p:txBody>
-          <a:bodyPr wrap="square" rtlCol="0">
-            <a:spAutoFit/>
-          </a:bodyPr>
-          <a:lstStyle/>
-          <a:p>
-            <a:r>
-              <a:rPr lang="en-US" dirty="0"/>
-              <a:t>2014</a:t>
-            </a:r>
-          </a:p>
-        </p:txBody>
-      </p:sp>
-      <p:sp>
-        <p:nvSpPr>
-          <p:cNvPr id="10" name="TextBox 9">
-            <a:extLst>
-              <a:ext uri="{FF2B5EF4-FFF2-40B4-BE49-F238E27FC236}">
-                <a16:creationId xmlns:a16="http://schemas.microsoft.com/office/drawing/2014/main" id="{96CC2537-573E-B943-8BC9-AEC11C2DF258}"/>
-              </a:ext>
-            </a:extLst>
-          </p:cNvPr>
-          <p:cNvSpPr txBox="1"/>
-          <p:nvPr/>
-        </p:nvSpPr>
-        <p:spPr>
-          <a:xfrm>
-            <a:off x="8485646" y="2158762"/>
-            <a:ext cx="805498" cy="369332"/>
-          </a:xfrm>
-          <a:prstGeom prst="rect">
-            <a:avLst/>
-          </a:prstGeom>
-          <a:noFill/>
-        </p:spPr>
-        <p:txBody>
-          <a:bodyPr wrap="square" rtlCol="0">
-            <a:spAutoFit/>
-          </a:bodyPr>
-          <a:lstStyle/>
-          <a:p>
-            <a:r>
-              <a:rPr lang="en-US" dirty="0"/>
-              <a:t>2018</a:t>
-            </a:r>
-          </a:p>
-        </p:txBody>
-      </p:sp>
-    </p:spTree>
-    <p:extLst>
-      <p:ext uri="{BB962C8B-B14F-4D97-AF65-F5344CB8AC3E}">
-        <p14:creationId xmlns:p14="http://schemas.microsoft.com/office/powerpoint/2010/main" val="1175564477"/>
-      </p:ext>
-    </p:extLst>
-  </p:cSld>
-  <p:clrMapOvr>
-    <a:masterClrMapping/>
-  </p:clrMapOvr>
-</p:sld>
-</file>
-
-<file path=ppt/slides/slide12.xml><?xml version="1.0" encoding="utf-8"?>
-<p:sld xmlns:a="http://schemas.openxmlformats.org/drawingml/2006/main" xmlns:r="http://schemas.openxmlformats.org/officeDocument/2006/relationships" xmlns:p="http://schemas.openxmlformats.org/presentationml/2006/main">
-  <p:cSld>
-    <p:spTree>
-      <p:nvGrpSpPr>
-        <p:cNvPr id="1" name=""/>
-        <p:cNvGrpSpPr/>
-        <p:nvPr/>
-      </p:nvGrpSpPr>
-      <p:grpSpPr>
-        <a:xfrm>
-          <a:off x="0" y="0"/>
-          <a:ext cx="0" cy="0"/>
-          <a:chOff x="0" y="0"/>
-          <a:chExt cx="0" cy="0"/>
-        </a:xfrm>
-      </p:grpSpPr>
-      <p:sp>
-        <p:nvSpPr>
-          <p:cNvPr id="2" name="Title 1">
-            <a:extLst>
-              <a:ext uri="{FF2B5EF4-FFF2-40B4-BE49-F238E27FC236}">
                 <a16:creationId xmlns:a16="http://schemas.microsoft.com/office/drawing/2014/main" id="{01C8E1F2-0055-FD49-804A-DD484BE3E1C0}"/>
               </a:ext>
             </a:extLst>
@@ -4062,7 +3758,7 @@
         <p:spPr>
           <a:xfrm>
             <a:off x="1481959" y="5728494"/>
-            <a:ext cx="9427779" cy="646331"/>
+            <a:ext cx="9427779" cy="923330"/>
           </a:xfrm>
           <a:prstGeom prst="rect">
             <a:avLst/>
@@ -4078,7 +3774,7 @@
             <a:pPr algn="ctr"/>
             <a:r>
               <a:rPr lang="en-US" dirty="0"/>
-              <a:t>The bar graph above clearly illustrates we have an outlier, 95837. The zip code was removed from further analysis as it threw off subsequent calculations.</a:t>
+              <a:t>The bar graph above clearly illustrates we have an outlier, 95837. The zip code, which is sparsely populated and isn’t indicative of the demographics of Sacramento County, was removed from further analysis as it threw off subsequent calculations.</a:t>
             </a:r>
           </a:p>
         </p:txBody>
@@ -4096,7 +3792,7 @@
 </p:sld>
 </file>
 
-<file path=ppt/slides/slide13.xml><?xml version="1.0" encoding="utf-8"?>
+<file path=ppt/slides/slide11.xml><?xml version="1.0" encoding="utf-8"?>
 <p:sld xmlns:a="http://schemas.openxmlformats.org/drawingml/2006/main" xmlns:r="http://schemas.openxmlformats.org/officeDocument/2006/relationships" xmlns:p="http://schemas.openxmlformats.org/presentationml/2006/main">
   <p:cSld>
     <p:bg>
@@ -4814,7 +4510,7 @@
 </p:sld>
 </file>
 
-<file path=ppt/slides/slide14.xml><?xml version="1.0" encoding="utf-8"?>
+<file path=ppt/slides/slide12.xml><?xml version="1.0" encoding="utf-8"?>
 <p:sld xmlns:a="http://schemas.openxmlformats.org/drawingml/2006/main" xmlns:r="http://schemas.openxmlformats.org/officeDocument/2006/relationships" xmlns:p="http://schemas.openxmlformats.org/presentationml/2006/main">
   <p:cSld>
     <p:bg>
@@ -5275,7 +4971,7 @@
         </p:blipFill>
         <p:spPr>
           <a:xfrm>
-            <a:off x="685639" y="2729397"/>
+            <a:off x="6138139" y="2567981"/>
             <a:ext cx="5225796" cy="3483864"/>
           </a:xfrm>
           <a:prstGeom prst="rect">
@@ -5307,7 +5003,7 @@
         </p:blipFill>
         <p:spPr>
           <a:xfrm>
-            <a:off x="6347424" y="2729397"/>
+            <a:off x="554416" y="2661627"/>
             <a:ext cx="5225796" cy="3483864"/>
           </a:xfrm>
           <a:prstGeom prst="rect">
@@ -5328,7 +5024,7 @@
 </p:sld>
 </file>
 
-<file path=ppt/slides/slide15.xml><?xml version="1.0" encoding="utf-8"?>
+<file path=ppt/slides/slide13.xml><?xml version="1.0" encoding="utf-8"?>
 <p:sld xmlns:a="http://schemas.openxmlformats.org/drawingml/2006/main" xmlns:r="http://schemas.openxmlformats.org/officeDocument/2006/relationships" xmlns:p="http://schemas.openxmlformats.org/presentationml/2006/main">
   <p:cSld>
     <p:bg>
@@ -5809,7 +5505,7 @@
 </p:sld>
 </file>
 
-<file path=ppt/slides/slide16.xml><?xml version="1.0" encoding="utf-8"?>
+<file path=ppt/slides/slide14.xml><?xml version="1.0" encoding="utf-8"?>
 <p:sld xmlns:a="http://schemas.openxmlformats.org/drawingml/2006/main" xmlns:r="http://schemas.openxmlformats.org/officeDocument/2006/relationships" xmlns:p="http://schemas.openxmlformats.org/presentationml/2006/main">
   <p:cSld>
     <p:bg>
@@ -6310,7 +6006,7 @@
 </p:sld>
 </file>
 
-<file path=ppt/slides/slide17.xml><?xml version="1.0" encoding="utf-8"?>
+<file path=ppt/slides/slide15.xml><?xml version="1.0" encoding="utf-8"?>
 <p:sld xmlns:a="http://schemas.openxmlformats.org/drawingml/2006/main" xmlns:r="http://schemas.openxmlformats.org/officeDocument/2006/relationships" xmlns:p="http://schemas.openxmlformats.org/presentationml/2006/main">
   <p:cSld>
     <p:spTree>
@@ -6434,7 +6130,7 @@
 </p:sld>
 </file>
 
-<file path=ppt/slides/slide18.xml><?xml version="1.0" encoding="utf-8"?>
+<file path=ppt/slides/slide16.xml><?xml version="1.0" encoding="utf-8"?>
 <p:sld xmlns:a="http://schemas.openxmlformats.org/drawingml/2006/main" xmlns:r="http://schemas.openxmlformats.org/officeDocument/2006/relationships" xmlns:p="http://schemas.openxmlformats.org/presentationml/2006/main">
   <p:cSld>
     <p:bg>
@@ -7021,11 +6717,7 @@
             </a:pPr>
             <a:r>
               <a:rPr lang="en-US" sz="2400" dirty="0"/>
-              <a:t>Overall the data for Sacramento County conformed to these hypotheses. When we looked exclusively at Oak Park, results from the data were mixed. Oak Park had a decreasing crime rate as median home prices went up, as expected. In contrast, Oak Park had a decreasing crime rate even as the poverty rate went up, which did not conform to our hypotheses. More research into Oak Park is needed to </a:t>
-            </a:r>
-            <a:r>
-              <a:rPr lang="en-US" sz="2400"/>
-              <a:t>understand this.</a:t>
+              <a:t>Overall the data for Sacramento County confirmed these hypotheses. When we looked exclusively at Oak Park, results from the data were mixed. Oak Park had a decreasing crime rate as median home prices went up, as expected. In contrast, Oak Park had a decreasing crime rate even as the poverty rate went up, which did not confirm our hypotheses. More research into Oak Park is needed to understand this.</a:t>
             </a:r>
           </a:p>
         </p:txBody>
@@ -7043,7 +6735,7 @@
 </p:sld>
 </file>
 
-<file path=ppt/slides/slide2.xml><?xml version="1.0" encoding="utf-8"?>
+<file path=ppt/slides/slide17.xml><?xml version="1.0" encoding="utf-8"?>
 <p:sld xmlns:a="http://schemas.openxmlformats.org/drawingml/2006/main" xmlns:r="http://schemas.openxmlformats.org/officeDocument/2006/relationships" xmlns:p="http://schemas.openxmlformats.org/presentationml/2006/main">
   <p:cSld>
     <p:bg>
@@ -7073,7 +6765,7 @@
           <p:cNvPr id="2" name="Title 1">
             <a:extLst>
               <a:ext uri="{FF2B5EF4-FFF2-40B4-BE49-F238E27FC236}">
-                <a16:creationId xmlns:a16="http://schemas.microsoft.com/office/drawing/2014/main" id="{D59D60B9-B448-F24B-A665-123D0E38C13B}"/>
+                <a16:creationId xmlns:a16="http://schemas.microsoft.com/office/drawing/2014/main" id="{EFB12233-A6ED-6B42-A050-CBA705B65BA3}"/>
               </a:ext>
             </a:extLst>
           </p:cNvPr>
@@ -7098,8 +6790,9 @@
           <a:p>
             <a:r>
               <a:rPr lang="en-US" dirty="0"/>
-              <a:t>Explanation of topic</a:t>
-            </a:r>
+              <a:t>Data Sources</a:t>
+            </a:r>
+            <a:endParaRPr lang="en-US"/>
           </a:p>
         </p:txBody>
       </p:sp>
@@ -7578,7 +7271,7 @@
           <p:cNvPr id="3" name="Content Placeholder 2">
             <a:extLst>
               <a:ext uri="{FF2B5EF4-FFF2-40B4-BE49-F238E27FC236}">
-                <a16:creationId xmlns:a16="http://schemas.microsoft.com/office/drawing/2014/main" id="{75D9613D-1AE3-3847-9158-E5D7D9D58ED0}"/>
+                <a16:creationId xmlns:a16="http://schemas.microsoft.com/office/drawing/2014/main" id="{FCB744C6-7571-E74E-A95E-B33FC0DDE21C}"/>
               </a:ext>
             </a:extLst>
           </p:cNvPr>
@@ -7602,14 +7295,66 @@
           <a:lstStyle/>
           <a:p>
             <a:r>
-              <a:rPr lang="en-US" sz="2400" dirty="0"/>
-              <a:t>It is an overall goal in society to reduce poverty and crime. We set out to look at this in Sacramento County as we all live here and care about the welfare of our community.</a:t>
-            </a:r>
-          </a:p>
-          <a:p>
-            <a:r>
-              <a:rPr lang="en-US" sz="2400" dirty="0"/>
-              <a:t>This analysis matters as it can inform policy makers and political leaders in how to best allocate resources towards reducing crime and poverty.</a:t>
+              <a:rPr lang="en-US" sz="2400"/>
+              <a:t>Sacramento County Datasets: </a:t>
+            </a:r>
+            <a:r>
+              <a:rPr lang="en-US" sz="2400" u="sng">
+                <a:hlinkClick r:id="rId2"/>
+              </a:rPr>
+              <a:t>https://data.saccounty.net/datasets/9a7f2df25a584ff9b55db274704ad7c9_0/geoservice</a:t>
+            </a:r>
+            <a:r>
+              <a:rPr lang="en-US" sz="2400"/>
+              <a:t>. </a:t>
+            </a:r>
+          </a:p>
+          <a:p>
+            <a:r>
+              <a:rPr lang="en-US" sz="2400"/>
+              <a:t>Capitol Impact list of Sacramento County Zip Codes: </a:t>
+            </a:r>
+            <a:r>
+              <a:rPr lang="en-US" sz="2400" u="sng">
+                <a:hlinkClick r:id="rId3"/>
+              </a:rPr>
+              <a:t>http://www.ciclt.net/sn/clt/capitolimpact/gw_ziplist.aspx?FIPS=06067</a:t>
+            </a:r>
+            <a:r>
+              <a:rPr lang="en-US" sz="2400"/>
+              <a:t> </a:t>
+            </a:r>
+          </a:p>
+          <a:p>
+            <a:r>
+              <a:rPr lang="en-US" sz="2400"/>
+              <a:t>Census API: </a:t>
+            </a:r>
+            <a:r>
+              <a:rPr lang="en-US" sz="2400">
+                <a:hlinkClick r:id="rId4"/>
+              </a:rPr>
+              <a:t>https://api.census.gov/data.html</a:t>
+            </a:r>
+            <a:r>
+              <a:rPr lang="en-US" sz="2400"/>
+              <a:t> </a:t>
+            </a:r>
+          </a:p>
+          <a:p>
+            <a:r>
+              <a:rPr lang="en-US" sz="2400"/>
+              <a:t>Google Maps API: </a:t>
+            </a:r>
+            <a:r>
+              <a:rPr lang="en-US" sz="2400">
+                <a:hlinkClick r:id="rId5"/>
+              </a:rPr>
+              <a:t>https://cloud.google.com/maps-platform</a:t>
+            </a:r>
+            <a:r>
+              <a:rPr lang="en-US" sz="2400"/>
+              <a:t> </a:t>
             </a:r>
           </a:p>
         </p:txBody>
@@ -7617,7 +7362,7 @@
     </p:spTree>
     <p:extLst>
       <p:ext uri="{BB962C8B-B14F-4D97-AF65-F5344CB8AC3E}">
-        <p14:creationId xmlns:p14="http://schemas.microsoft.com/office/powerpoint/2010/main" val="2183148855"/>
+        <p14:creationId xmlns:p14="http://schemas.microsoft.com/office/powerpoint/2010/main" val="2208772676"/>
       </p:ext>
     </p:extLst>
   </p:cSld>
@@ -7627,7 +7372,7 @@
 </p:sld>
 </file>
 
-<file path=ppt/slides/slide3.xml><?xml version="1.0" encoding="utf-8"?>
+<file path=ppt/slides/slide18.xml><?xml version="1.0" encoding="utf-8"?>
 <p:sld xmlns:a="http://schemas.openxmlformats.org/drawingml/2006/main" xmlns:r="http://schemas.openxmlformats.org/officeDocument/2006/relationships" xmlns:p="http://schemas.openxmlformats.org/presentationml/2006/main">
   <p:cSld>
     <p:bg>
@@ -7657,7 +7402,7 @@
           <p:cNvPr id="2" name="Title 1">
             <a:extLst>
               <a:ext uri="{FF2B5EF4-FFF2-40B4-BE49-F238E27FC236}">
-                <a16:creationId xmlns:a16="http://schemas.microsoft.com/office/drawing/2014/main" id="{E4B28D0C-81B2-C14D-B68B-B2195C4C0AFE}"/>
+                <a16:creationId xmlns:a16="http://schemas.microsoft.com/office/drawing/2014/main" id="{3E5534ED-35EA-A149-BEC2-E0076B965B2C}"/>
               </a:ext>
             </a:extLst>
           </p:cNvPr>
@@ -7676,13 +7421,13 @@
         </p:spPr>
         <p:txBody>
           <a:bodyPr>
-            <a:normAutofit fontScale="90000"/>
+            <a:normAutofit/>
           </a:bodyPr>
           <a:lstStyle/>
           <a:p>
             <a:r>
               <a:rPr lang="en-US" dirty="0"/>
-              <a:t>Initial Questions used to formulate null hypothesis</a:t>
+              <a:t>Data Cleaning &amp; EDA</a:t>
             </a:r>
           </a:p>
         </p:txBody>
@@ -8162,7 +7907,7 @@
           <p:cNvPr id="3" name="Content Placeholder 2">
             <a:extLst>
               <a:ext uri="{FF2B5EF4-FFF2-40B4-BE49-F238E27FC236}">
-                <a16:creationId xmlns:a16="http://schemas.microsoft.com/office/drawing/2014/main" id="{20915F77-71B6-6049-826B-9DE3D942E07F}"/>
+                <a16:creationId xmlns:a16="http://schemas.microsoft.com/office/drawing/2014/main" id="{9C6CB3F0-ED25-D842-9052-96A683255F78}"/>
               </a:ext>
             </a:extLst>
           </p:cNvPr>
@@ -8181,49 +7926,81 @@
         </p:spPr>
         <p:txBody>
           <a:bodyPr anchor="t">
-            <a:normAutofit/>
+            <a:normAutofit fontScale="85000" lnSpcReduction="20000"/>
           </a:bodyPr>
           <a:lstStyle/>
           <a:p>
             <a:r>
+              <a:rPr lang="en-US" sz="2400" dirty="0"/>
+              <a:t>Census data was problematic and required two types of API calls, the census.acs5 path and get requests/JSON as we could not get all the years in our data set.</a:t>
+            </a:r>
+          </a:p>
+          <a:p>
+            <a:pPr lvl="1"/>
+            <a:r>
               <a:rPr lang="en-US" sz="2000" dirty="0"/>
-              <a:t>What are the overall crime rate trends in Sacramento County and Oak Park in particular?</a:t>
-            </a:r>
-          </a:p>
-          <a:p>
+              <a:t>ACS5 only went up to 2018 as that is the latest year with available data.</a:t>
+            </a:r>
+          </a:p>
+          <a:p>
+            <a:pPr lvl="1"/>
             <a:r>
               <a:rPr lang="en-US" sz="2000" dirty="0"/>
-              <a:t>What are the crime rates for Oak Park for 2014-2018?</a:t>
-            </a:r>
-          </a:p>
-          <a:p>
+              <a:t>Census data needed extensive clean-up due to incomplete data and highly irregular data on the housing prices, i.e. negative home values.</a:t>
+            </a:r>
+          </a:p>
+          <a:p>
+            <a:pPr lvl="1"/>
             <a:r>
               <a:rPr lang="en-US" sz="2000" dirty="0"/>
-              <a:t>How would a heat map of the crime rate for each zip code in Sacramento County appear?</a:t>
-            </a:r>
-          </a:p>
-          <a:p>
+              <a:t>Had to build a flat file from the data dump from Census.</a:t>
+            </a:r>
+          </a:p>
+          <a:p>
+            <a:pPr lvl="1"/>
             <a:r>
               <a:rPr lang="en-US" sz="2000" dirty="0"/>
-              <a:t>How would a heat map of the poverty rate for each zip code in Sacramento County appear?</a:t>
-            </a:r>
-          </a:p>
-          <a:p>
+              <a:t>Used this dataset for our poverty rate and median home values</a:t>
+            </a:r>
+          </a:p>
+          <a:p>
+            <a:r>
+              <a:rPr lang="en-US" sz="2400" dirty="0"/>
+              <a:t>The dataset from Sacramento County provided the crime rate statistics and came in a flat file format.</a:t>
+            </a:r>
+          </a:p>
+          <a:p>
+            <a:pPr lvl="1"/>
             <a:r>
               <a:rPr lang="en-US" sz="2000" dirty="0"/>
-              <a:t>What is  the crime rate versus the poverty rate for Sacramento County for 2014-2018?</a:t>
-            </a:r>
-          </a:p>
-          <a:p>
+              <a:t>Removed all rows with no data on zip codes or where the zip codes were incomplete.</a:t>
+            </a:r>
+          </a:p>
+          <a:p>
+            <a:pPr lvl="1"/>
             <a:r>
               <a:rPr lang="en-US" sz="2000" dirty="0"/>
-              <a:t>Is there a correlation between the poverty rate and the crime rate?</a:t>
-            </a:r>
-          </a:p>
-          <a:p>
+              <a:t>Renamed columns and added new columns to include the Penal Code Violation as a float.</a:t>
+            </a:r>
+          </a:p>
+          <a:p>
+            <a:pPr lvl="1"/>
             <a:r>
               <a:rPr lang="en-US" sz="2000" dirty="0"/>
-              <a:t>Is there a correlation between median home prices and the crime rate?</a:t>
+              <a:t>Filtered out data to only include the years 2014-2018, which was the latest five-year period of data available.</a:t>
+            </a:r>
+          </a:p>
+          <a:p>
+            <a:r>
+              <a:rPr lang="en-US" sz="2400" dirty="0"/>
+              <a:t>Google Maps used in the creation of the heat maps. </a:t>
+            </a:r>
+          </a:p>
+          <a:p>
+            <a:pPr lvl="1"/>
+            <a:r>
+              <a:rPr lang="en-US" sz="2000" dirty="0"/>
+              <a:t>It required try/except blocks to weed out bad or incomplete information. </a:t>
             </a:r>
           </a:p>
         </p:txBody>
@@ -8231,7 +8008,7 @@
     </p:spTree>
     <p:extLst>
       <p:ext uri="{BB962C8B-B14F-4D97-AF65-F5344CB8AC3E}">
-        <p14:creationId xmlns:p14="http://schemas.microsoft.com/office/powerpoint/2010/main" val="342459698"/>
+        <p14:creationId xmlns:p14="http://schemas.microsoft.com/office/powerpoint/2010/main" val="2946427430"/>
       </p:ext>
     </p:extLst>
   </p:cSld>
@@ -8241,7 +8018,7 @@
 </p:sld>
 </file>
 
-<file path=ppt/slides/slide4.xml><?xml version="1.0" encoding="utf-8"?>
+<file path=ppt/slides/slide2.xml><?xml version="1.0" encoding="utf-8"?>
 <p:sld xmlns:a="http://schemas.openxmlformats.org/drawingml/2006/main" xmlns:r="http://schemas.openxmlformats.org/officeDocument/2006/relationships" xmlns:p="http://schemas.openxmlformats.org/presentationml/2006/main">
   <p:cSld>
     <p:bg>
@@ -8271,7 +8048,7 @@
           <p:cNvPr id="2" name="Title 1">
             <a:extLst>
               <a:ext uri="{FF2B5EF4-FFF2-40B4-BE49-F238E27FC236}">
-                <a16:creationId xmlns:a16="http://schemas.microsoft.com/office/drawing/2014/main" id="{70DDC109-01B6-0842-B9D6-37514348FD88}"/>
+                <a16:creationId xmlns:a16="http://schemas.microsoft.com/office/drawing/2014/main" id="{D59D60B9-B448-F24B-A665-123D0E38C13B}"/>
               </a:ext>
             </a:extLst>
           </p:cNvPr>
@@ -8296,7 +8073,7 @@
           <a:p>
             <a:r>
               <a:rPr lang="en-US" dirty="0"/>
-              <a:t>Null Hypothesis</a:t>
+              <a:t>Explanation of topic</a:t>
             </a:r>
           </a:p>
         </p:txBody>
@@ -8776,7 +8553,7 @@
           <p:cNvPr id="3" name="Content Placeholder 2">
             <a:extLst>
               <a:ext uri="{FF2B5EF4-FFF2-40B4-BE49-F238E27FC236}">
-                <a16:creationId xmlns:a16="http://schemas.microsoft.com/office/drawing/2014/main" id="{CA631518-B36F-AB4A-90D4-6762FE2E5C57}"/>
+                <a16:creationId xmlns:a16="http://schemas.microsoft.com/office/drawing/2014/main" id="{75D9613D-1AE3-3847-9158-E5D7D9D58ED0}"/>
               </a:ext>
             </a:extLst>
           </p:cNvPr>
@@ -8800,36 +8577,14 @@
           <a:lstStyle/>
           <a:p>
             <a:r>
-              <a:rPr lang="en-US" sz="2200" dirty="0"/>
-              <a:t>For many years Oak Park has been notorious for high crime rates and high poverty rates. Recently it has experienced rising median home prices due to gentrification. Simultaneously, it has been observed that crime rates and poverty rates have decreased. Does the data reflect these observations? Does Oak Park follow the same trends found in rest of Sacramento County?</a:t>
-            </a:r>
-          </a:p>
-          <a:p>
-            <a:pPr lvl="0"/>
-            <a:r>
-              <a:rPr lang="en-US" sz="2200" dirty="0"/>
-              <a:t>A decrease in the poverty rate is correlated with a decrease in the crime rate.</a:t>
-            </a:r>
-          </a:p>
-          <a:p>
-            <a:pPr lvl="0"/>
-            <a:r>
-              <a:rPr lang="en-US" sz="2200" dirty="0"/>
-              <a:t>An increase in the median home price leads to a decrease in crime.</a:t>
-            </a:r>
-          </a:p>
-          <a:p>
-            <a:pPr lvl="0"/>
-            <a:r>
-              <a:rPr lang="en-US" sz="2200" dirty="0"/>
-              <a:t>Sacramento County and Oak Park both follow the same trends with respect to the relationships between poverty, crime, and median home values.</a:t>
-            </a:r>
-          </a:p>
-          <a:p>
-            <a:pPr lvl="0"/>
-            <a:r>
-              <a:rPr lang="en-US" sz="2200" dirty="0"/>
-              <a:t>Confidence level of 95%</a:t>
+              <a:rPr lang="en-US" sz="2400" dirty="0"/>
+              <a:t>It is an overall goal in society to reduce poverty and crime. We set out to look at this in Sacramento County as we all live here and care about the welfare of our community.</a:t>
+            </a:r>
+          </a:p>
+          <a:p>
+            <a:r>
+              <a:rPr lang="en-US" sz="2400" dirty="0"/>
+              <a:t>This analysis matters as it can inform policy makers and political leaders in how to best allocate resources towards reducing crime and poverty.</a:t>
             </a:r>
           </a:p>
         </p:txBody>
@@ -8837,7 +8592,7 @@
     </p:spTree>
     <p:extLst>
       <p:ext uri="{BB962C8B-B14F-4D97-AF65-F5344CB8AC3E}">
-        <p14:creationId xmlns:p14="http://schemas.microsoft.com/office/powerpoint/2010/main" val="4097152298"/>
+        <p14:creationId xmlns:p14="http://schemas.microsoft.com/office/powerpoint/2010/main" val="2183148855"/>
       </p:ext>
     </p:extLst>
   </p:cSld>
@@ -8847,7 +8602,7 @@
 </p:sld>
 </file>
 
-<file path=ppt/slides/slide5.xml><?xml version="1.0" encoding="utf-8"?>
+<file path=ppt/slides/slide3.xml><?xml version="1.0" encoding="utf-8"?>
 <p:sld xmlns:a="http://schemas.openxmlformats.org/drawingml/2006/main" xmlns:r="http://schemas.openxmlformats.org/officeDocument/2006/relationships" xmlns:p="http://schemas.openxmlformats.org/presentationml/2006/main">
   <p:cSld>
     <p:bg>
@@ -8877,7 +8632,7 @@
           <p:cNvPr id="2" name="Title 1">
             <a:extLst>
               <a:ext uri="{FF2B5EF4-FFF2-40B4-BE49-F238E27FC236}">
-                <a16:creationId xmlns:a16="http://schemas.microsoft.com/office/drawing/2014/main" id="{EFB12233-A6ED-6B42-A050-CBA705B65BA3}"/>
+                <a16:creationId xmlns:a16="http://schemas.microsoft.com/office/drawing/2014/main" id="{E4B28D0C-81B2-C14D-B68B-B2195C4C0AFE}"/>
               </a:ext>
             </a:extLst>
           </p:cNvPr>
@@ -8896,15 +8651,14 @@
         </p:spPr>
         <p:txBody>
           <a:bodyPr>
-            <a:normAutofit/>
+            <a:normAutofit fontScale="90000"/>
           </a:bodyPr>
           <a:lstStyle/>
           <a:p>
             <a:r>
               <a:rPr lang="en-US" dirty="0"/>
-              <a:t>Data Sources</a:t>
-            </a:r>
-            <a:endParaRPr lang="en-US"/>
+              <a:t>Initial Questions used to formulate null hypothesis</a:t>
+            </a:r>
           </a:p>
         </p:txBody>
       </p:sp>
@@ -9383,7 +9137,7 @@
           <p:cNvPr id="3" name="Content Placeholder 2">
             <a:extLst>
               <a:ext uri="{FF2B5EF4-FFF2-40B4-BE49-F238E27FC236}">
-                <a16:creationId xmlns:a16="http://schemas.microsoft.com/office/drawing/2014/main" id="{FCB744C6-7571-E74E-A95E-B33FC0DDE21C}"/>
+                <a16:creationId xmlns:a16="http://schemas.microsoft.com/office/drawing/2014/main" id="{20915F77-71B6-6049-826B-9DE3D942E07F}"/>
               </a:ext>
             </a:extLst>
           </p:cNvPr>
@@ -9407,66 +9161,44 @@
           <a:lstStyle/>
           <a:p>
             <a:r>
-              <a:rPr lang="en-US" sz="2400"/>
-              <a:t>Sacramento County Datasets: </a:t>
-            </a:r>
-            <a:r>
-              <a:rPr lang="en-US" sz="2400" u="sng">
-                <a:hlinkClick r:id="rId2"/>
-              </a:rPr>
-              <a:t>https://data.saccounty.net/datasets/9a7f2df25a584ff9b55db274704ad7c9_0/geoservice</a:t>
-            </a:r>
-            <a:r>
-              <a:rPr lang="en-US" sz="2400"/>
-              <a:t>. </a:t>
-            </a:r>
-          </a:p>
-          <a:p>
-            <a:r>
-              <a:rPr lang="en-US" sz="2400"/>
-              <a:t>Capitol Impact list of Sacramento County Zip Codes: </a:t>
-            </a:r>
-            <a:r>
-              <a:rPr lang="en-US" sz="2400" u="sng">
-                <a:hlinkClick r:id="rId3"/>
-              </a:rPr>
-              <a:t>http://www.ciclt.net/sn/clt/capitolimpact/gw_ziplist.aspx?FIPS=06067</a:t>
-            </a:r>
-            <a:r>
-              <a:rPr lang="en-US" sz="2400"/>
-              <a:t> </a:t>
-            </a:r>
-          </a:p>
-          <a:p>
-            <a:r>
-              <a:rPr lang="en-US" sz="2400"/>
-              <a:t>Census API: </a:t>
-            </a:r>
-            <a:r>
-              <a:rPr lang="en-US" sz="2400">
-                <a:hlinkClick r:id="rId4"/>
-              </a:rPr>
-              <a:t>https://api.census.gov/data.html</a:t>
-            </a:r>
-            <a:r>
-              <a:rPr lang="en-US" sz="2400"/>
-              <a:t> </a:t>
-            </a:r>
-          </a:p>
-          <a:p>
-            <a:r>
-              <a:rPr lang="en-US" sz="2400"/>
-              <a:t>Google Maps API: </a:t>
-            </a:r>
-            <a:r>
-              <a:rPr lang="en-US" sz="2400">
-                <a:hlinkClick r:id="rId5"/>
-              </a:rPr>
-              <a:t>https://cloud.google.com/maps-platform</a:t>
-            </a:r>
-            <a:r>
-              <a:rPr lang="en-US" sz="2400"/>
-              <a:t> </a:t>
+              <a:rPr lang="en-US" sz="2000" dirty="0"/>
+              <a:t>What are the overall crime rate trends in Sacramento County and Oak Park in particular?</a:t>
+            </a:r>
+          </a:p>
+          <a:p>
+            <a:r>
+              <a:rPr lang="en-US" sz="2000" dirty="0"/>
+              <a:t>What are the crime rates for Oak Park for 2014-2018?</a:t>
+            </a:r>
+          </a:p>
+          <a:p>
+            <a:r>
+              <a:rPr lang="en-US" sz="2000" dirty="0"/>
+              <a:t>How would a heat map of the crime rate for each zip code in Sacramento County appear?</a:t>
+            </a:r>
+          </a:p>
+          <a:p>
+            <a:r>
+              <a:rPr lang="en-US" sz="2000" dirty="0"/>
+              <a:t>How would a heat map of the poverty rate for each zip code in Sacramento County appear?</a:t>
+            </a:r>
+          </a:p>
+          <a:p>
+            <a:r>
+              <a:rPr lang="en-US" sz="2000" dirty="0"/>
+              <a:t>What is  the crime rate versus the poverty rate for Sacramento County for 2014-2018?</a:t>
+            </a:r>
+          </a:p>
+          <a:p>
+            <a:r>
+              <a:rPr lang="en-US" sz="2000" dirty="0"/>
+              <a:t>Is there a correlation between the poverty rate and the crime rate?</a:t>
+            </a:r>
+          </a:p>
+          <a:p>
+            <a:r>
+              <a:rPr lang="en-US" sz="2000" dirty="0"/>
+              <a:t>Is there a correlation between median home prices and the crime rate?</a:t>
             </a:r>
           </a:p>
         </p:txBody>
@@ -9474,7 +9206,7 @@
     </p:spTree>
     <p:extLst>
       <p:ext uri="{BB962C8B-B14F-4D97-AF65-F5344CB8AC3E}">
-        <p14:creationId xmlns:p14="http://schemas.microsoft.com/office/powerpoint/2010/main" val="2208772676"/>
+        <p14:creationId xmlns:p14="http://schemas.microsoft.com/office/powerpoint/2010/main" val="342459698"/>
       </p:ext>
     </p:extLst>
   </p:cSld>
@@ -9484,7 +9216,7 @@
 </p:sld>
 </file>
 
-<file path=ppt/slides/slide6.xml><?xml version="1.0" encoding="utf-8"?>
+<file path=ppt/slides/slide4.xml><?xml version="1.0" encoding="utf-8"?>
 <p:sld xmlns:a="http://schemas.openxmlformats.org/drawingml/2006/main" xmlns:r="http://schemas.openxmlformats.org/officeDocument/2006/relationships" xmlns:p="http://schemas.openxmlformats.org/presentationml/2006/main">
   <p:cSld>
     <p:bg>
@@ -9514,7 +9246,7 @@
           <p:cNvPr id="2" name="Title 1">
             <a:extLst>
               <a:ext uri="{FF2B5EF4-FFF2-40B4-BE49-F238E27FC236}">
-                <a16:creationId xmlns:a16="http://schemas.microsoft.com/office/drawing/2014/main" id="{3E5534ED-35EA-A149-BEC2-E0076B965B2C}"/>
+                <a16:creationId xmlns:a16="http://schemas.microsoft.com/office/drawing/2014/main" id="{70DDC109-01B6-0842-B9D6-37514348FD88}"/>
               </a:ext>
             </a:extLst>
           </p:cNvPr>
@@ -9539,7 +9271,7 @@
           <a:p>
             <a:r>
               <a:rPr lang="en-US" dirty="0"/>
-              <a:t>Data Cleaning &amp; EDA</a:t>
+              <a:t>Null Hypothesis</a:t>
             </a:r>
           </a:p>
         </p:txBody>
@@ -10019,7 +9751,7 @@
           <p:cNvPr id="3" name="Content Placeholder 2">
             <a:extLst>
               <a:ext uri="{FF2B5EF4-FFF2-40B4-BE49-F238E27FC236}">
-                <a16:creationId xmlns:a16="http://schemas.microsoft.com/office/drawing/2014/main" id="{9C6CB3F0-ED25-D842-9052-96A683255F78}"/>
+                <a16:creationId xmlns:a16="http://schemas.microsoft.com/office/drawing/2014/main" id="{CA631518-B36F-AB4A-90D4-6762FE2E5C57}"/>
               </a:ext>
             </a:extLst>
           </p:cNvPr>
@@ -10038,81 +9770,41 @@
         </p:spPr>
         <p:txBody>
           <a:bodyPr anchor="t">
-            <a:normAutofit fontScale="85000" lnSpcReduction="20000"/>
+            <a:normAutofit/>
           </a:bodyPr>
           <a:lstStyle/>
           <a:p>
             <a:r>
-              <a:rPr lang="en-US" sz="2400" dirty="0"/>
-              <a:t>Census data was problematic and required two types of API calls, the census.acs5 path and get requests/JSON as we could not get all the years in our data set.</a:t>
-            </a:r>
-          </a:p>
-          <a:p>
-            <a:pPr lvl="1"/>
-            <a:r>
-              <a:rPr lang="en-US" sz="2000" dirty="0"/>
-              <a:t>ACS5 only went up to 2018 as that is the latest year with available data.</a:t>
-            </a:r>
-          </a:p>
-          <a:p>
-            <a:pPr lvl="1"/>
-            <a:r>
-              <a:rPr lang="en-US" sz="2000" dirty="0"/>
-              <a:t>Census data needed extensive clean-up due to incomplete data and highly irregular data on the housing prices, i.e. negative home values.</a:t>
-            </a:r>
-          </a:p>
-          <a:p>
-            <a:pPr lvl="1"/>
-            <a:r>
-              <a:rPr lang="en-US" sz="2000" dirty="0"/>
-              <a:t>Had to build a flat file from the data dump from Census.</a:t>
-            </a:r>
-          </a:p>
-          <a:p>
-            <a:pPr lvl="1"/>
-            <a:r>
-              <a:rPr lang="en-US" sz="2000" dirty="0"/>
-              <a:t>Used this dataset for our poverty rate and median home values</a:t>
-            </a:r>
-          </a:p>
-          <a:p>
-            <a:r>
-              <a:rPr lang="en-US" sz="2400" dirty="0"/>
-              <a:t>The dataset from Sacramento County provided the crime rate statistics and came in a flat file format.</a:t>
-            </a:r>
-          </a:p>
-          <a:p>
-            <a:pPr lvl="1"/>
-            <a:r>
-              <a:rPr lang="en-US" sz="2000" dirty="0"/>
-              <a:t>Removed all rows with no data on zip codes or where the zip codes were incomplete.</a:t>
-            </a:r>
-          </a:p>
-          <a:p>
-            <a:pPr lvl="1"/>
-            <a:r>
-              <a:rPr lang="en-US" sz="2000" dirty="0"/>
-              <a:t>Renamed columns and added new columns to include the Penal Code Violation as a float.</a:t>
-            </a:r>
-          </a:p>
-          <a:p>
-            <a:pPr lvl="1"/>
-            <a:r>
-              <a:rPr lang="en-US" sz="2000" dirty="0"/>
-              <a:t>Filtered out data to only include the years 2014-2018, which was the latest five-year period of data available.</a:t>
-            </a:r>
-          </a:p>
-          <a:p>
-            <a:r>
-              <a:rPr lang="en-US" sz="2400" dirty="0"/>
-              <a:t>Google Maps used in the creation of the heat maps. </a:t>
-            </a:r>
-          </a:p>
-          <a:p>
-            <a:pPr lvl="1"/>
-            <a:r>
-              <a:rPr lang="en-US" sz="2000" dirty="0"/>
-              <a:t>It required try/except blocks to weed out bad or incomplete information. </a:t>
+              <a:rPr lang="en-US" sz="2200" dirty="0"/>
+              <a:t>For many years Oak Park has been notorious for high crime rates and high poverty rates. Recently it has experienced rising median home prices due to gentrification. Simultaneously, it has been observed that crime rates and poverty rates have decreased. Does the data reflect these observations? Does Oak Park follow the same trends found in rest of Sacramento County?</a:t>
+            </a:r>
+          </a:p>
+          <a:p>
+            <a:pPr lvl="0"/>
+            <a:r>
+              <a:rPr lang="en-US" sz="2200" dirty="0"/>
+              <a:t>A decrease in the poverty rate is correlated with a decrease in the crime rate.</a:t>
+            </a:r>
+          </a:p>
+          <a:p>
+            <a:pPr lvl="0"/>
+            <a:r>
+              <a:rPr lang="en-US" sz="2200" dirty="0"/>
+              <a:t>An increase in the median home price correlates to a decrease in crime.</a:t>
+            </a:r>
+          </a:p>
+          <a:p>
+            <a:pPr lvl="0"/>
+            <a:r>
+              <a:rPr lang="en-US" sz="2200" dirty="0"/>
+              <a:t>Sacramento County and Oak Park both follow the same trends with respect to the relationships between poverty, crime, and median home values.</a:t>
+            </a:r>
+          </a:p>
+          <a:p>
+            <a:pPr lvl="0"/>
+            <a:r>
+              <a:rPr lang="en-US" sz="2200" dirty="0"/>
+              <a:t>Confidence level of 95%</a:t>
             </a:r>
           </a:p>
         </p:txBody>
@@ -10120,7 +9812,7 @@
     </p:spTree>
     <p:extLst>
       <p:ext uri="{BB962C8B-B14F-4D97-AF65-F5344CB8AC3E}">
-        <p14:creationId xmlns:p14="http://schemas.microsoft.com/office/powerpoint/2010/main" val="2946427430"/>
+        <p14:creationId xmlns:p14="http://schemas.microsoft.com/office/powerpoint/2010/main" val="4097152298"/>
       </p:ext>
     </p:extLst>
   </p:cSld>
@@ -10130,7 +9822,7 @@
 </p:sld>
 </file>
 
-<file path=ppt/slides/slide7.xml><?xml version="1.0" encoding="utf-8"?>
+<file path=ppt/slides/slide5.xml><?xml version="1.0" encoding="utf-8"?>
 <p:sld xmlns:a="http://schemas.openxmlformats.org/drawingml/2006/main" xmlns:r="http://schemas.openxmlformats.org/officeDocument/2006/relationships" xmlns:p="http://schemas.openxmlformats.org/presentationml/2006/main">
   <p:cSld>
     <p:bg>
@@ -10733,7 +10425,7 @@
 </p:sld>
 </file>
 
-<file path=ppt/slides/slide8.xml><?xml version="1.0" encoding="utf-8"?>
+<file path=ppt/slides/slide6.xml><?xml version="1.0" encoding="utf-8"?>
 <p:sld xmlns:a="http://schemas.openxmlformats.org/drawingml/2006/main" xmlns:r="http://schemas.openxmlformats.org/officeDocument/2006/relationships" xmlns:p="http://schemas.openxmlformats.org/presentationml/2006/main">
   <p:cSld>
     <p:bg>
@@ -10919,6 +10611,313 @@
 </p:sld>
 </file>
 
+<file path=ppt/slides/slide7.xml><?xml version="1.0" encoding="utf-8"?>
+<p:sld xmlns:a="http://schemas.openxmlformats.org/drawingml/2006/main" xmlns:r="http://schemas.openxmlformats.org/officeDocument/2006/relationships" xmlns:p="http://schemas.openxmlformats.org/presentationml/2006/main">
+  <p:cSld>
+    <p:spTree>
+      <p:nvGrpSpPr>
+        <p:cNvPr id="1" name=""/>
+        <p:cNvGrpSpPr/>
+        <p:nvPr/>
+      </p:nvGrpSpPr>
+      <p:grpSpPr>
+        <a:xfrm>
+          <a:off x="0" y="0"/>
+          <a:ext cx="0" cy="0"/>
+          <a:chOff x="0" y="0"/>
+          <a:chExt cx="0" cy="0"/>
+        </a:xfrm>
+      </p:grpSpPr>
+      <p:sp>
+        <p:nvSpPr>
+          <p:cNvPr id="2" name="Title 1">
+            <a:extLst>
+              <a:ext uri="{FF2B5EF4-FFF2-40B4-BE49-F238E27FC236}">
+                <a16:creationId xmlns:a16="http://schemas.microsoft.com/office/drawing/2014/main" id="{6434A0BD-B447-874F-840E-9393F0A760BA}"/>
+              </a:ext>
+            </a:extLst>
+          </p:cNvPr>
+          <p:cNvSpPr>
+            <a:spLocks noGrp="1"/>
+          </p:cNvSpPr>
+          <p:nvPr>
+            <p:ph type="title"/>
+          </p:nvPr>
+        </p:nvSpPr>
+        <p:spPr/>
+        <p:txBody>
+          <a:bodyPr/>
+          <a:lstStyle/>
+          <a:p>
+            <a:pPr algn="ctr"/>
+            <a:r>
+              <a:rPr lang="en-US" dirty="0"/>
+              <a:t>Overall poverty rate was flat</a:t>
+            </a:r>
+          </a:p>
+        </p:txBody>
+      </p:sp>
+      <p:pic>
+        <p:nvPicPr>
+          <p:cNvPr id="6" name="Content Placeholder 5" descr="Map&#10;&#10;Description automatically generated">
+            <a:extLst>
+              <a:ext uri="{FF2B5EF4-FFF2-40B4-BE49-F238E27FC236}">
+                <a16:creationId xmlns:a16="http://schemas.microsoft.com/office/drawing/2014/main" id="{489F57F8-106E-9B4F-8875-1070890E444C}"/>
+              </a:ext>
+            </a:extLst>
+          </p:cNvPr>
+          <p:cNvPicPr>
+            <a:picLocks noGrp="1" noChangeAspect="1"/>
+          </p:cNvPicPr>
+          <p:nvPr>
+            <p:ph sz="half" idx="1"/>
+          </p:nvPr>
+        </p:nvPicPr>
+        <p:blipFill>
+          <a:blip r:embed="rId2"/>
+          <a:stretch>
+            <a:fillRect/>
+          </a:stretch>
+        </p:blipFill>
+        <p:spPr>
+          <a:xfrm>
+            <a:off x="1027289" y="2534444"/>
+            <a:ext cx="4249562" cy="2933700"/>
+          </a:xfrm>
+        </p:spPr>
+      </p:pic>
+      <p:pic>
+        <p:nvPicPr>
+          <p:cNvPr id="8" name="Content Placeholder 7">
+            <a:extLst>
+              <a:ext uri="{FF2B5EF4-FFF2-40B4-BE49-F238E27FC236}">
+                <a16:creationId xmlns:a16="http://schemas.microsoft.com/office/drawing/2014/main" id="{3E56AA57-BE20-3E43-B914-E664F90F28B3}"/>
+              </a:ext>
+            </a:extLst>
+          </p:cNvPr>
+          <p:cNvPicPr>
+            <a:picLocks noGrp="1" noChangeAspect="1"/>
+          </p:cNvPicPr>
+          <p:nvPr>
+            <p:ph sz="half" idx="2"/>
+          </p:nvPr>
+        </p:nvPicPr>
+        <p:blipFill>
+          <a:blip r:embed="rId3"/>
+          <a:stretch>
+            <a:fillRect/>
+          </a:stretch>
+        </p:blipFill>
+        <p:spPr>
+          <a:xfrm>
+            <a:off x="6491111" y="2528094"/>
+            <a:ext cx="4357511" cy="2946400"/>
+          </a:xfrm>
+        </p:spPr>
+      </p:pic>
+      <p:sp>
+        <p:nvSpPr>
+          <p:cNvPr id="10" name="TextBox 9">
+            <a:extLst>
+              <a:ext uri="{FF2B5EF4-FFF2-40B4-BE49-F238E27FC236}">
+                <a16:creationId xmlns:a16="http://schemas.microsoft.com/office/drawing/2014/main" id="{B8C2ABB4-1808-2348-9921-AD5EA0519776}"/>
+              </a:ext>
+            </a:extLst>
+          </p:cNvPr>
+          <p:cNvSpPr txBox="1"/>
+          <p:nvPr/>
+        </p:nvSpPr>
+        <p:spPr>
+          <a:xfrm>
+            <a:off x="2958262" y="2019318"/>
+            <a:ext cx="751890" cy="369332"/>
+          </a:xfrm>
+          <a:prstGeom prst="rect">
+            <a:avLst/>
+          </a:prstGeom>
+          <a:noFill/>
+        </p:spPr>
+        <p:txBody>
+          <a:bodyPr wrap="square" rtlCol="0">
+            <a:spAutoFit/>
+          </a:bodyPr>
+          <a:lstStyle/>
+          <a:p>
+            <a:pPr algn="ctr"/>
+            <a:r>
+              <a:rPr lang="en-US"/>
+              <a:t>2014</a:t>
+            </a:r>
+            <a:endParaRPr lang="en-US" dirty="0"/>
+          </a:p>
+        </p:txBody>
+      </p:sp>
+      <p:sp>
+        <p:nvSpPr>
+          <p:cNvPr id="11" name="TextBox 10">
+            <a:extLst>
+              <a:ext uri="{FF2B5EF4-FFF2-40B4-BE49-F238E27FC236}">
+                <a16:creationId xmlns:a16="http://schemas.microsoft.com/office/drawing/2014/main" id="{D781E60D-F8CC-124D-BB96-A872F867B5D5}"/>
+              </a:ext>
+            </a:extLst>
+          </p:cNvPr>
+          <p:cNvSpPr txBox="1"/>
+          <p:nvPr/>
+        </p:nvSpPr>
+        <p:spPr>
+          <a:xfrm>
+            <a:off x="8389483" y="2019318"/>
+            <a:ext cx="751889" cy="369332"/>
+          </a:xfrm>
+          <a:prstGeom prst="rect">
+            <a:avLst/>
+          </a:prstGeom>
+          <a:noFill/>
+        </p:spPr>
+        <p:txBody>
+          <a:bodyPr wrap="square" rtlCol="0">
+            <a:spAutoFit/>
+          </a:bodyPr>
+          <a:lstStyle/>
+          <a:p>
+            <a:r>
+              <a:rPr lang="en-US"/>
+              <a:t>2018</a:t>
+            </a:r>
+            <a:endParaRPr lang="en-US" dirty="0"/>
+          </a:p>
+        </p:txBody>
+      </p:sp>
+    </p:spTree>
+    <p:extLst>
+      <p:ext uri="{BB962C8B-B14F-4D97-AF65-F5344CB8AC3E}">
+        <p14:creationId xmlns:p14="http://schemas.microsoft.com/office/powerpoint/2010/main" val="3157523059"/>
+      </p:ext>
+    </p:extLst>
+  </p:cSld>
+  <p:clrMapOvr>
+    <a:masterClrMapping/>
+  </p:clrMapOvr>
+</p:sld>
+</file>
+
+<file path=ppt/slides/slide8.xml><?xml version="1.0" encoding="utf-8"?>
+<p:sld xmlns:a="http://schemas.openxmlformats.org/drawingml/2006/main" xmlns:r="http://schemas.openxmlformats.org/officeDocument/2006/relationships" xmlns:p="http://schemas.openxmlformats.org/presentationml/2006/main">
+  <p:cSld>
+    <p:spTree>
+      <p:nvGrpSpPr>
+        <p:cNvPr id="1" name=""/>
+        <p:cNvGrpSpPr/>
+        <p:nvPr/>
+      </p:nvGrpSpPr>
+      <p:grpSpPr>
+        <a:xfrm>
+          <a:off x="0" y="0"/>
+          <a:ext cx="0" cy="0"/>
+          <a:chOff x="0" y="0"/>
+          <a:chExt cx="0" cy="0"/>
+        </a:xfrm>
+      </p:grpSpPr>
+      <p:sp>
+        <p:nvSpPr>
+          <p:cNvPr id="2" name="Title 1">
+            <a:extLst>
+              <a:ext uri="{FF2B5EF4-FFF2-40B4-BE49-F238E27FC236}">
+                <a16:creationId xmlns:a16="http://schemas.microsoft.com/office/drawing/2014/main" id="{8E9CDD85-B6A4-624A-B06F-2F4A29CAE38B}"/>
+              </a:ext>
+            </a:extLst>
+          </p:cNvPr>
+          <p:cNvSpPr>
+            <a:spLocks noGrp="1"/>
+          </p:cNvSpPr>
+          <p:nvPr>
+            <p:ph type="title"/>
+          </p:nvPr>
+        </p:nvSpPr>
+        <p:spPr/>
+        <p:txBody>
+          <a:bodyPr/>
+          <a:lstStyle/>
+          <a:p>
+            <a:pPr algn="ctr"/>
+            <a:r>
+              <a:rPr lang="en-US" dirty="0"/>
+              <a:t>Overall crime rate was flat</a:t>
+            </a:r>
+          </a:p>
+        </p:txBody>
+      </p:sp>
+      <p:pic>
+        <p:nvPicPr>
+          <p:cNvPr id="7" name="Content Placeholder 6" descr="Chart, bar chart&#10;&#10;Description automatically generated">
+            <a:extLst>
+              <a:ext uri="{FF2B5EF4-FFF2-40B4-BE49-F238E27FC236}">
+                <a16:creationId xmlns:a16="http://schemas.microsoft.com/office/drawing/2014/main" id="{F15B66A2-1757-EE4F-A070-143998284D15}"/>
+              </a:ext>
+            </a:extLst>
+          </p:cNvPr>
+          <p:cNvPicPr>
+            <a:picLocks noGrp="1" noChangeAspect="1"/>
+          </p:cNvPicPr>
+          <p:nvPr>
+            <p:ph sz="half" idx="1"/>
+          </p:nvPr>
+        </p:nvPicPr>
+        <p:blipFill>
+          <a:blip r:embed="rId2"/>
+          <a:stretch>
+            <a:fillRect/>
+          </a:stretch>
+        </p:blipFill>
+        <p:spPr>
+          <a:xfrm>
+            <a:off x="838200" y="2274094"/>
+            <a:ext cx="5181600" cy="3454400"/>
+          </a:xfrm>
+        </p:spPr>
+      </p:pic>
+      <p:pic>
+        <p:nvPicPr>
+          <p:cNvPr id="4" name="Content Placeholder 3" descr="Chart, bar chart&#10;&#10;Description automatically generated">
+            <a:extLst>
+              <a:ext uri="{FF2B5EF4-FFF2-40B4-BE49-F238E27FC236}">
+                <a16:creationId xmlns:a16="http://schemas.microsoft.com/office/drawing/2014/main" id="{1AE8F124-5291-CE42-A266-ED3CBD17261C}"/>
+              </a:ext>
+            </a:extLst>
+          </p:cNvPr>
+          <p:cNvPicPr>
+            <a:picLocks noGrp="1" noChangeAspect="1"/>
+          </p:cNvPicPr>
+          <p:nvPr>
+            <p:ph sz="half" idx="2"/>
+          </p:nvPr>
+        </p:nvPicPr>
+        <p:blipFill>
+          <a:blip r:embed="rId3"/>
+          <a:stretch>
+            <a:fillRect/>
+          </a:stretch>
+        </p:blipFill>
+        <p:spPr>
+          <a:xfrm>
+            <a:off x="6172200" y="2274094"/>
+            <a:ext cx="5181600" cy="3454400"/>
+          </a:xfrm>
+        </p:spPr>
+      </p:pic>
+    </p:spTree>
+    <p:extLst>
+      <p:ext uri="{BB962C8B-B14F-4D97-AF65-F5344CB8AC3E}">
+        <p14:creationId xmlns:p14="http://schemas.microsoft.com/office/powerpoint/2010/main" val="2278268001"/>
+      </p:ext>
+    </p:extLst>
+  </p:cSld>
+  <p:clrMapOvr>
+    <a:masterClrMapping/>
+  </p:clrMapOvr>
+</p:sld>
+</file>
+
 <file path=ppt/slides/slide9.xml><?xml version="1.0" encoding="utf-8"?>
 <p:sld xmlns:a="http://schemas.openxmlformats.org/drawingml/2006/main" xmlns:r="http://schemas.openxmlformats.org/officeDocument/2006/relationships" xmlns:p="http://schemas.openxmlformats.org/presentationml/2006/main">
   <p:cSld>
@@ -10941,7 +10940,7 @@
           <p:cNvPr id="2" name="Title 1">
             <a:extLst>
               <a:ext uri="{FF2B5EF4-FFF2-40B4-BE49-F238E27FC236}">
-                <a16:creationId xmlns:a16="http://schemas.microsoft.com/office/drawing/2014/main" id="{6434A0BD-B447-874F-840E-9393F0A760BA}"/>
+                <a16:creationId xmlns:a16="http://schemas.microsoft.com/office/drawing/2014/main" id="{8F4344C0-0B3B-B244-82D4-A5BA890AA477}"/>
               </a:ext>
             </a:extLst>
           </p:cNvPr>
@@ -10960,7 +10959,7 @@
             <a:pPr algn="ctr"/>
             <a:r>
               <a:rPr lang="en-US" dirty="0"/>
-              <a:t>Overall poverty rate was flat</a:t>
+              <a:t>A heat map of the crime rates reflects the same trend</a:t>
             </a:r>
           </a:p>
         </p:txBody>
@@ -10970,7 +10969,7 @@
           <p:cNvPr id="6" name="Content Placeholder 5" descr="Map&#10;&#10;Description automatically generated">
             <a:extLst>
               <a:ext uri="{FF2B5EF4-FFF2-40B4-BE49-F238E27FC236}">
-                <a16:creationId xmlns:a16="http://schemas.microsoft.com/office/drawing/2014/main" id="{489F57F8-106E-9B4F-8875-1070890E444C}"/>
+                <a16:creationId xmlns:a16="http://schemas.microsoft.com/office/drawing/2014/main" id="{13804F86-FB8E-794B-85F9-8F8135423EBD}"/>
               </a:ext>
             </a:extLst>
           </p:cNvPr>
@@ -10989,17 +10988,17 @@
         </p:blipFill>
         <p:spPr>
           <a:xfrm>
-            <a:off x="1027289" y="2534444"/>
-            <a:ext cx="4249562" cy="2933700"/>
+            <a:off x="1670050" y="2534444"/>
+            <a:ext cx="3517900" cy="2933700"/>
           </a:xfrm>
         </p:spPr>
       </p:pic>
       <p:pic>
         <p:nvPicPr>
-          <p:cNvPr id="8" name="Content Placeholder 7">
-            <a:extLst>
-              <a:ext uri="{FF2B5EF4-FFF2-40B4-BE49-F238E27FC236}">
-                <a16:creationId xmlns:a16="http://schemas.microsoft.com/office/drawing/2014/main" id="{3E56AA57-BE20-3E43-B914-E664F90F28B3}"/>
+          <p:cNvPr id="8" name="Content Placeholder 7" descr="Map&#10;&#10;Description automatically generated">
+            <a:extLst>
+              <a:ext uri="{FF2B5EF4-FFF2-40B4-BE49-F238E27FC236}">
+                <a16:creationId xmlns:a16="http://schemas.microsoft.com/office/drawing/2014/main" id="{FA8C7C05-E969-4347-BB79-BBF36C2C7E37}"/>
               </a:ext>
             </a:extLst>
           </p:cNvPr>
@@ -11018,17 +11017,17 @@
         </p:blipFill>
         <p:spPr>
           <a:xfrm>
-            <a:off x="6491111" y="2528094"/>
-            <a:ext cx="4357511" cy="2946400"/>
+            <a:off x="6908800" y="2528094"/>
+            <a:ext cx="3708400" cy="2946400"/>
           </a:xfrm>
         </p:spPr>
       </p:pic>
       <p:sp>
         <p:nvSpPr>
-          <p:cNvPr id="10" name="TextBox 9">
-            <a:extLst>
-              <a:ext uri="{FF2B5EF4-FFF2-40B4-BE49-F238E27FC236}">
-                <a16:creationId xmlns:a16="http://schemas.microsoft.com/office/drawing/2014/main" id="{B8C2ABB4-1808-2348-9921-AD5EA0519776}"/>
+          <p:cNvPr id="9" name="TextBox 8">
+            <a:extLst>
+              <a:ext uri="{FF2B5EF4-FFF2-40B4-BE49-F238E27FC236}">
+                <a16:creationId xmlns:a16="http://schemas.microsoft.com/office/drawing/2014/main" id="{A7C4F9BA-2BEF-ED44-ADC2-4D6B05EA71EE}"/>
               </a:ext>
             </a:extLst>
           </p:cNvPr>
@@ -11037,8 +11036,8 @@
         </p:nvSpPr>
         <p:spPr>
           <a:xfrm>
-            <a:off x="2958262" y="2019318"/>
-            <a:ext cx="751890" cy="369332"/>
+            <a:off x="2900856" y="2175641"/>
+            <a:ext cx="710248" cy="369332"/>
           </a:xfrm>
           <a:prstGeom prst="rect">
             <a:avLst/>
@@ -11051,21 +11050,19 @@
           </a:bodyPr>
           <a:lstStyle/>
           <a:p>
-            <a:pPr algn="ctr"/>
-            <a:r>
-              <a:rPr lang="en-US"/>
+            <a:r>
+              <a:rPr lang="en-US" dirty="0"/>
               <a:t>2014</a:t>
             </a:r>
-            <a:endParaRPr lang="en-US" dirty="0"/>
-          </a:p>
-        </p:txBody>
-      </p:sp>
-      <p:sp>
-        <p:nvSpPr>
-          <p:cNvPr id="11" name="TextBox 10">
-            <a:extLst>
-              <a:ext uri="{FF2B5EF4-FFF2-40B4-BE49-F238E27FC236}">
-                <a16:creationId xmlns:a16="http://schemas.microsoft.com/office/drawing/2014/main" id="{D781E60D-F8CC-124D-BB96-A872F867B5D5}"/>
+          </a:p>
+        </p:txBody>
+      </p:sp>
+      <p:sp>
+        <p:nvSpPr>
+          <p:cNvPr id="10" name="TextBox 9">
+            <a:extLst>
+              <a:ext uri="{FF2B5EF4-FFF2-40B4-BE49-F238E27FC236}">
+                <a16:creationId xmlns:a16="http://schemas.microsoft.com/office/drawing/2014/main" id="{96CC2537-573E-B943-8BC9-AEC11C2DF258}"/>
               </a:ext>
             </a:extLst>
           </p:cNvPr>
@@ -11074,8 +11071,8 @@
         </p:nvSpPr>
         <p:spPr>
           <a:xfrm>
-            <a:off x="8389483" y="2019318"/>
-            <a:ext cx="751889" cy="369332"/>
+            <a:off x="8485646" y="2158762"/>
+            <a:ext cx="805498" cy="369332"/>
           </a:xfrm>
           <a:prstGeom prst="rect">
             <a:avLst/>
@@ -11089,17 +11086,16 @@
           <a:lstStyle/>
           <a:p>
             <a:r>
-              <a:rPr lang="en-US"/>
+              <a:rPr lang="en-US" dirty="0"/>
               <a:t>2018</a:t>
             </a:r>
-            <a:endParaRPr lang="en-US" dirty="0"/>
           </a:p>
         </p:txBody>
       </p:sp>
     </p:spTree>
     <p:extLst>
       <p:ext uri="{BB962C8B-B14F-4D97-AF65-F5344CB8AC3E}">
-        <p14:creationId xmlns:p14="http://schemas.microsoft.com/office/powerpoint/2010/main" val="3157523059"/>
+        <p14:creationId xmlns:p14="http://schemas.microsoft.com/office/powerpoint/2010/main" val="1175564477"/>
       </p:ext>
     </p:extLst>
   </p:cSld>

--- a/Project_1_Presentation.pptx
+++ b/Project_1_Presentation.pptx
@@ -3621,7 +3621,15 @@
             <a:pPr algn="l"/>
             <a:r>
               <a:rPr lang="en-US" sz="1900" dirty="0"/>
-              <a:t>Presenters: Sean Galloway, Peter Vlahos, Eliot Chen, Cora Micsunescu</a:t>
+              <a:t>Presenters: Sean Galloway, Peter Vlahos, Eliot </a:t>
+            </a:r>
+            <a:r>
+              <a:rPr lang="en-US" sz="1900" dirty="0" err="1"/>
+              <a:t>Chern</a:t>
+            </a:r>
+            <a:r>
+              <a:rPr lang="en-US" sz="1900" dirty="0"/>
+              <a:t>, Cora Micsunescu</a:t>
             </a:r>
           </a:p>
         </p:txBody>
@@ -9776,7 +9784,7 @@
           <a:p>
             <a:r>
               <a:rPr lang="en-US" sz="2200" dirty="0"/>
-              <a:t>For many years Oak Park has been notorious for high crime rates and high poverty rates. Recently it has experienced rising median home prices due to gentrification. Simultaneously, it has been observed that crime rates and poverty rates have decreased. Does the data reflect these observations? Does Oak Park follow the same trends found in rest of Sacramento County?</a:t>
+              <a:t>For many years Oak Park has been notorious for high crime rates and high poverty rates. Recently it has experienced rising median home prices due to gentrification. Simultaneously, it has been observed that crime rates and poverty rates have decreased. Does the data reflect these observations? Does Oak Park follow the same trends found in the rest of Sacramento County?</a:t>
             </a:r>
           </a:p>
           <a:p>
@@ -10871,7 +10879,7 @@
         </p:blipFill>
         <p:spPr>
           <a:xfrm>
-            <a:off x="838200" y="2274094"/>
+            <a:off x="6608064" y="2018062"/>
             <a:ext cx="5181600" cy="3454400"/>
           </a:xfrm>
         </p:spPr>
@@ -10900,7 +10908,7 @@
         </p:blipFill>
         <p:spPr>
           <a:xfrm>
-            <a:off x="6172200" y="2274094"/>
+            <a:off x="914400" y="2018062"/>
             <a:ext cx="5181600" cy="3454400"/>
           </a:xfrm>
         </p:spPr>
